--- a/session5/D-SQL_Aggregation_Queries.pptx
+++ b/session5/D-SQL_Aggregation_Queries.pptx
@@ -324,7 +324,7 @@
             <a:fld id="{0F6AC800-BF99-41BB-8DE5-8FC7E09D6C23}" type="datetimeFigureOut">
               <a:rPr lang="en-US" smtClean="0"/>
               <a:pPr/>
-              <a:t>2/21/2020</a:t>
+              <a:t>5/30/2023</a:t>
             </a:fld>
             <a:endParaRPr lang="en-US" dirty="0"/>
           </a:p>
@@ -728,7 +728,7 @@
           <a:p>
             <a:fld id="{5F4C8C79-FAFE-4D56-A4D5-361B65C3B3FA}" type="datetimeFigureOut">
               <a:rPr lang="en-US" smtClean="0"/>
-              <a:t>2/21/2020</a:t>
+              <a:t>5/30/2023</a:t>
             </a:fld>
             <a:endParaRPr lang="en-US"/>
           </a:p>
@@ -898,7 +898,7 @@
           <a:p>
             <a:fld id="{5F4C8C79-FAFE-4D56-A4D5-361B65C3B3FA}" type="datetimeFigureOut">
               <a:rPr lang="en-US" smtClean="0"/>
-              <a:t>2/21/2020</a:t>
+              <a:t>5/30/2023</a:t>
             </a:fld>
             <a:endParaRPr lang="en-US"/>
           </a:p>
@@ -1078,7 +1078,7 @@
           <a:p>
             <a:fld id="{5F4C8C79-FAFE-4D56-A4D5-361B65C3B3FA}" type="datetimeFigureOut">
               <a:rPr lang="en-US" smtClean="0"/>
-              <a:t>2/21/2020</a:t>
+              <a:t>5/30/2023</a:t>
             </a:fld>
             <a:endParaRPr lang="en-US"/>
           </a:p>
@@ -1279,7 +1279,7 @@
           <a:p>
             <a:fld id="{5F4C8C79-FAFE-4D56-A4D5-361B65C3B3FA}" type="datetimeFigureOut">
               <a:rPr lang="en-US" smtClean="0"/>
-              <a:t>2/21/2020</a:t>
+              <a:t>5/30/2023</a:t>
             </a:fld>
             <a:endParaRPr lang="en-US"/>
           </a:p>
@@ -1523,7 +1523,7 @@
           <a:p>
             <a:fld id="{5F4C8C79-FAFE-4D56-A4D5-361B65C3B3FA}" type="datetimeFigureOut">
               <a:rPr lang="en-US" smtClean="0"/>
-              <a:t>2/21/2020</a:t>
+              <a:t>5/30/2023</a:t>
             </a:fld>
             <a:endParaRPr lang="en-US"/>
           </a:p>
@@ -1755,7 +1755,7 @@
           <a:p>
             <a:fld id="{5F4C8C79-FAFE-4D56-A4D5-361B65C3B3FA}" type="datetimeFigureOut">
               <a:rPr lang="en-US" smtClean="0"/>
-              <a:t>2/21/2020</a:t>
+              <a:t>5/30/2023</a:t>
             </a:fld>
             <a:endParaRPr lang="en-US"/>
           </a:p>
@@ -2122,7 +2122,7 @@
           <a:p>
             <a:fld id="{5F4C8C79-FAFE-4D56-A4D5-361B65C3B3FA}" type="datetimeFigureOut">
               <a:rPr lang="en-US" smtClean="0"/>
-              <a:t>2/21/2020</a:t>
+              <a:t>5/30/2023</a:t>
             </a:fld>
             <a:endParaRPr lang="en-US"/>
           </a:p>
@@ -2240,7 +2240,7 @@
           <a:p>
             <a:fld id="{5F4C8C79-FAFE-4D56-A4D5-361B65C3B3FA}" type="datetimeFigureOut">
               <a:rPr lang="en-US" smtClean="0"/>
-              <a:t>2/21/2020</a:t>
+              <a:t>5/30/2023</a:t>
             </a:fld>
             <a:endParaRPr lang="en-US"/>
           </a:p>
@@ -2335,7 +2335,7 @@
           <a:p>
             <a:fld id="{5F4C8C79-FAFE-4D56-A4D5-361B65C3B3FA}" type="datetimeFigureOut">
               <a:rPr lang="en-US" smtClean="0"/>
-              <a:t>2/21/2020</a:t>
+              <a:t>5/30/2023</a:t>
             </a:fld>
             <a:endParaRPr lang="en-US"/>
           </a:p>
@@ -2612,7 +2612,7 @@
           <a:p>
             <a:fld id="{5F4C8C79-FAFE-4D56-A4D5-361B65C3B3FA}" type="datetimeFigureOut">
               <a:rPr lang="en-US" smtClean="0"/>
-              <a:t>2/21/2020</a:t>
+              <a:t>5/30/2023</a:t>
             </a:fld>
             <a:endParaRPr lang="en-US"/>
           </a:p>
@@ -2869,7 +2869,7 @@
           <a:p>
             <a:fld id="{5F4C8C79-FAFE-4D56-A4D5-361B65C3B3FA}" type="datetimeFigureOut">
               <a:rPr lang="en-US" smtClean="0"/>
-              <a:t>2/21/2020</a:t>
+              <a:t>5/30/2023</a:t>
             </a:fld>
             <a:endParaRPr lang="en-US"/>
           </a:p>
@@ -3082,7 +3082,7 @@
             <a:fld id="{5F4C8C79-FAFE-4D56-A4D5-361B65C3B3FA}" type="datetimeFigureOut">
               <a:rPr lang="en-US" smtClean="0"/>
               <a:pPr/>
-              <a:t>2/21/2020</a:t>
+              <a:t>5/30/2023</a:t>
             </a:fld>
             <a:endParaRPr lang="en-US" dirty="0"/>
           </a:p>
@@ -3569,7 +3569,7 @@
           </a:ln>
           <a:extLst>
             <a:ext uri="{C572A759-6A51-4108-AA02-DFA0A04FC94B}">
-              <ma14:wrappingTextBoxFlag xmlns:ma14="http://schemas.microsoft.com/office/mac/drawingml/2011/main" xmlns="" val="1"/>
+              <ma14:wrappingTextBoxFlag xmlns="" xmlns:ma14="http://schemas.microsoft.com/office/mac/drawingml/2011/main" val="1"/>
             </a:ext>
           </a:extLst>
         </p:spPr>
@@ -3671,7 +3671,7 @@
           </a:ln>
           <a:extLst>
             <a:ext uri="{C572A759-6A51-4108-AA02-DFA0A04FC94B}">
-              <ma14:wrappingTextBoxFlag xmlns:ma14="http://schemas.microsoft.com/office/mac/drawingml/2011/main" xmlns="" val="1"/>
+              <ma14:wrappingTextBoxFlag xmlns="" xmlns:ma14="http://schemas.microsoft.com/office/mac/drawingml/2011/main" val="1"/>
             </a:ext>
           </a:extLst>
         </p:spPr>
@@ -3724,7 +3724,7 @@
           </a:ln>
           <a:extLst>
             <a:ext uri="{C572A759-6A51-4108-AA02-DFA0A04FC94B}">
-              <ma14:wrappingTextBoxFlag xmlns:ma14="http://schemas.microsoft.com/office/mac/drawingml/2011/main" xmlns="" val="1"/>
+              <ma14:wrappingTextBoxFlag xmlns="" xmlns:ma14="http://schemas.microsoft.com/office/mac/drawingml/2011/main" val="1"/>
             </a:ext>
           </a:extLst>
         </p:spPr>
@@ -4108,7 +4108,7 @@
           </a:ln>
           <a:extLst>
             <a:ext uri="{C572A759-6A51-4108-AA02-DFA0A04FC94B}">
-              <ma14:wrappingTextBoxFlag xmlns:ma14="http://schemas.microsoft.com/office/mac/drawingml/2011/main" xmlns="" val="1"/>
+              <ma14:wrappingTextBoxFlag xmlns="" xmlns:ma14="http://schemas.microsoft.com/office/mac/drawingml/2011/main" val="1"/>
             </a:ext>
           </a:extLst>
         </p:spPr>
@@ -4188,7 +4188,7 @@
           </a:ln>
           <a:extLst>
             <a:ext uri="{C572A759-6A51-4108-AA02-DFA0A04FC94B}">
-              <ma14:wrappingTextBoxFlag xmlns:ma14="http://schemas.microsoft.com/office/mac/drawingml/2011/main" xmlns="" val="1"/>
+              <ma14:wrappingTextBoxFlag xmlns="" xmlns:ma14="http://schemas.microsoft.com/office/mac/drawingml/2011/main" val="1"/>
             </a:ext>
           </a:extLst>
         </p:spPr>
@@ -4241,7 +4241,7 @@
           </a:ln>
           <a:extLst>
             <a:ext uri="{C572A759-6A51-4108-AA02-DFA0A04FC94B}">
-              <ma14:wrappingTextBoxFlag xmlns:ma14="http://schemas.microsoft.com/office/mac/drawingml/2011/main" xmlns="" val="1"/>
+              <ma14:wrappingTextBoxFlag xmlns="" xmlns:ma14="http://schemas.microsoft.com/office/mac/drawingml/2011/main" val="1"/>
             </a:ext>
           </a:extLst>
         </p:spPr>
@@ -4611,7 +4611,7 @@
           </a:ln>
           <a:extLst>
             <a:ext uri="{C572A759-6A51-4108-AA02-DFA0A04FC94B}">
-              <ma14:wrappingTextBoxFlag xmlns:ma14="http://schemas.microsoft.com/office/mac/drawingml/2011/main" xmlns="" val="1"/>
+              <ma14:wrappingTextBoxFlag xmlns="" xmlns:ma14="http://schemas.microsoft.com/office/mac/drawingml/2011/main" val="1"/>
             </a:ext>
           </a:extLst>
         </p:spPr>
@@ -4672,7 +4672,7 @@
           </a:ln>
           <a:extLst>
             <a:ext uri="{C572A759-6A51-4108-AA02-DFA0A04FC94B}">
-              <ma14:wrappingTextBoxFlag xmlns:ma14="http://schemas.microsoft.com/office/mac/drawingml/2011/main" xmlns="" val="1"/>
+              <ma14:wrappingTextBoxFlag xmlns="" xmlns:ma14="http://schemas.microsoft.com/office/mac/drawingml/2011/main" val="1"/>
             </a:ext>
           </a:extLst>
         </p:spPr>
@@ -4964,7 +4964,7 @@
           </a:ln>
           <a:extLst>
             <a:ext uri="{C572A759-6A51-4108-AA02-DFA0A04FC94B}">
-              <ma14:wrappingTextBoxFlag xmlns:ma14="http://schemas.microsoft.com/office/mac/drawingml/2011/main" xmlns="" val="1"/>
+              <ma14:wrappingTextBoxFlag xmlns="" xmlns:ma14="http://schemas.microsoft.com/office/mac/drawingml/2011/main" val="1"/>
             </a:ext>
           </a:extLst>
         </p:spPr>
@@ -5159,7 +5159,7 @@
           </a:ln>
           <a:extLst>
             <a:ext uri="{C572A759-6A51-4108-AA02-DFA0A04FC94B}">
-              <ma14:wrappingTextBoxFlag xmlns:ma14="http://schemas.microsoft.com/office/mac/drawingml/2011/main" xmlns="" val="1"/>
+              <ma14:wrappingTextBoxFlag xmlns="" xmlns:ma14="http://schemas.microsoft.com/office/mac/drawingml/2011/main" val="1"/>
             </a:ext>
           </a:extLst>
         </p:spPr>
@@ -7210,7 +7210,7 @@
           </a:ln>
           <a:extLst>
             <a:ext uri="{C572A759-6A51-4108-AA02-DFA0A04FC94B}">
-              <ma14:wrappingTextBoxFlag xmlns:ma14="http://schemas.microsoft.com/office/mac/drawingml/2011/main" xmlns="" val="1"/>
+              <ma14:wrappingTextBoxFlag xmlns="" xmlns:ma14="http://schemas.microsoft.com/office/mac/drawingml/2011/main" val="1"/>
             </a:ext>
           </a:extLst>
         </p:spPr>
@@ -7451,7 +7451,7 @@
           </a:ln>
           <a:extLst>
             <a:ext uri="{C572A759-6A51-4108-AA02-DFA0A04FC94B}">
-              <ma14:wrappingTextBoxFlag xmlns:ma14="http://schemas.microsoft.com/office/mac/drawingml/2011/main" xmlns="" val="1"/>
+              <ma14:wrappingTextBoxFlag xmlns="" xmlns:ma14="http://schemas.microsoft.com/office/mac/drawingml/2011/main" val="1"/>
             </a:ext>
           </a:extLst>
         </p:spPr>
@@ -8213,7 +8213,7 @@
           </a:ln>
           <a:extLst>
             <a:ext uri="{C572A759-6A51-4108-AA02-DFA0A04FC94B}">
-              <ma14:wrappingTextBoxFlag xmlns:ma14="http://schemas.microsoft.com/office/mac/drawingml/2011/main" xmlns="" val="1"/>
+              <ma14:wrappingTextBoxFlag xmlns="" xmlns:ma14="http://schemas.microsoft.com/office/mac/drawingml/2011/main" val="1"/>
             </a:ext>
           </a:extLst>
         </p:spPr>
@@ -8602,7 +8602,7 @@
           </a:ln>
           <a:extLst>
             <a:ext uri="{C572A759-6A51-4108-AA02-DFA0A04FC94B}">
-              <ma14:wrappingTextBoxFlag xmlns:ma14="http://schemas.microsoft.com/office/mac/drawingml/2011/main" xmlns="" val="1"/>
+              <ma14:wrappingTextBoxFlag xmlns="" xmlns:ma14="http://schemas.microsoft.com/office/mac/drawingml/2011/main" val="1"/>
             </a:ext>
           </a:extLst>
         </p:spPr>
@@ -10644,7 +10644,7 @@
           </a:ln>
           <a:extLst>
             <a:ext uri="{C572A759-6A51-4108-AA02-DFA0A04FC94B}">
-              <ma14:wrappingTextBoxFlag xmlns:ma14="http://schemas.microsoft.com/office/mac/drawingml/2011/main" xmlns="" val="1"/>
+              <ma14:wrappingTextBoxFlag xmlns="" xmlns:ma14="http://schemas.microsoft.com/office/mac/drawingml/2011/main" val="1"/>
             </a:ext>
           </a:extLst>
         </p:spPr>
@@ -10870,7 +10870,7 @@
           </a:ln>
           <a:extLst>
             <a:ext uri="{C572A759-6A51-4108-AA02-DFA0A04FC94B}">
-              <ma14:wrappingTextBoxFlag xmlns:ma14="http://schemas.microsoft.com/office/mac/drawingml/2011/main" xmlns="" val="1"/>
+              <ma14:wrappingTextBoxFlag xmlns="" xmlns:ma14="http://schemas.microsoft.com/office/mac/drawingml/2011/main" val="1"/>
             </a:ext>
           </a:extLst>
         </p:spPr>
@@ -11475,7 +11475,7 @@
           </a:ln>
           <a:extLst>
             <a:ext uri="{C572A759-6A51-4108-AA02-DFA0A04FC94B}">
-              <ma14:wrappingTextBoxFlag xmlns:ma14="http://schemas.microsoft.com/office/mac/drawingml/2011/main" xmlns="" val="1"/>
+              <ma14:wrappingTextBoxFlag xmlns="" xmlns:ma14="http://schemas.microsoft.com/office/mac/drawingml/2011/main" val="1"/>
             </a:ext>
           </a:extLst>
         </p:spPr>
@@ -11840,7 +11840,7 @@
           </a:ln>
           <a:extLst>
             <a:ext uri="{C572A759-6A51-4108-AA02-DFA0A04FC94B}">
-              <ma14:wrappingTextBoxFlag xmlns:ma14="http://schemas.microsoft.com/office/mac/drawingml/2011/main" xmlns="" val="1"/>
+              <ma14:wrappingTextBoxFlag xmlns="" xmlns:ma14="http://schemas.microsoft.com/office/mac/drawingml/2011/main" val="1"/>
             </a:ext>
           </a:extLst>
         </p:spPr>
@@ -11931,7 +11931,7 @@
           </a:ln>
           <a:extLst>
             <a:ext uri="{C572A759-6A51-4108-AA02-DFA0A04FC94B}">
-              <ma14:wrappingTextBoxFlag xmlns:ma14="http://schemas.microsoft.com/office/mac/drawingml/2011/main" xmlns="" val="1"/>
+              <ma14:wrappingTextBoxFlag xmlns="" xmlns:ma14="http://schemas.microsoft.com/office/mac/drawingml/2011/main" val="1"/>
             </a:ext>
           </a:extLst>
         </p:spPr>
@@ -11984,7 +11984,7 @@
           </a:ln>
           <a:extLst>
             <a:ext uri="{C572A759-6A51-4108-AA02-DFA0A04FC94B}">
-              <ma14:wrappingTextBoxFlag xmlns:ma14="http://schemas.microsoft.com/office/mac/drawingml/2011/main" xmlns="" val="1"/>
+              <ma14:wrappingTextBoxFlag xmlns="" xmlns:ma14="http://schemas.microsoft.com/office/mac/drawingml/2011/main" val="1"/>
             </a:ext>
           </a:extLst>
         </p:spPr>
@@ -12130,7 +12130,7 @@
           </a:ln>
           <a:extLst>
             <a:ext uri="{C572A759-6A51-4108-AA02-DFA0A04FC94B}">
-              <ma14:wrappingTextBoxFlag xmlns:ma14="http://schemas.microsoft.com/office/mac/drawingml/2011/main" xmlns="" val="1"/>
+              <ma14:wrappingTextBoxFlag xmlns="" xmlns:ma14="http://schemas.microsoft.com/office/mac/drawingml/2011/main" val="1"/>
             </a:ext>
           </a:extLst>
         </p:spPr>
@@ -12199,7 +12199,7 @@
           </a:ln>
           <a:extLst>
             <a:ext uri="{C572A759-6A51-4108-AA02-DFA0A04FC94B}">
-              <ma14:wrappingTextBoxFlag xmlns:ma14="http://schemas.microsoft.com/office/mac/drawingml/2011/main" xmlns="" val="1"/>
+              <ma14:wrappingTextBoxFlag xmlns="" xmlns:ma14="http://schemas.microsoft.com/office/mac/drawingml/2011/main" val="1"/>
             </a:ext>
           </a:extLst>
         </p:spPr>
@@ -12252,7 +12252,7 @@
           </a:ln>
           <a:extLst>
             <a:ext uri="{C572A759-6A51-4108-AA02-DFA0A04FC94B}">
-              <ma14:wrappingTextBoxFlag xmlns:ma14="http://schemas.microsoft.com/office/mac/drawingml/2011/main" xmlns="" val="1"/>
+              <ma14:wrappingTextBoxFlag xmlns="" xmlns:ma14="http://schemas.microsoft.com/office/mac/drawingml/2011/main" val="1"/>
             </a:ext>
           </a:extLst>
         </p:spPr>
@@ -12518,7 +12518,7 @@
           </a:ln>
           <a:extLst>
             <a:ext uri="{C572A759-6A51-4108-AA02-DFA0A04FC94B}">
-              <ma14:wrappingTextBoxFlag xmlns:ma14="http://schemas.microsoft.com/office/mac/drawingml/2011/main" xmlns="" val="1"/>
+              <ma14:wrappingTextBoxFlag xmlns="" xmlns:ma14="http://schemas.microsoft.com/office/mac/drawingml/2011/main" val="1"/>
             </a:ext>
           </a:extLst>
         </p:spPr>
@@ -12587,7 +12587,7 @@
           </a:ln>
           <a:extLst>
             <a:ext uri="{C572A759-6A51-4108-AA02-DFA0A04FC94B}">
-              <ma14:wrappingTextBoxFlag xmlns:ma14="http://schemas.microsoft.com/office/mac/drawingml/2011/main" xmlns="" val="1"/>
+              <ma14:wrappingTextBoxFlag xmlns="" xmlns:ma14="http://schemas.microsoft.com/office/mac/drawingml/2011/main" val="1"/>
             </a:ext>
           </a:extLst>
         </p:spPr>
@@ -12640,7 +12640,7 @@
           </a:ln>
           <a:extLst>
             <a:ext uri="{C572A759-6A51-4108-AA02-DFA0A04FC94B}">
-              <ma14:wrappingTextBoxFlag xmlns:ma14="http://schemas.microsoft.com/office/mac/drawingml/2011/main" xmlns="" val="1"/>
+              <ma14:wrappingTextBoxFlag xmlns="" xmlns:ma14="http://schemas.microsoft.com/office/mac/drawingml/2011/main" val="1"/>
             </a:ext>
           </a:extLst>
         </p:spPr>
@@ -12804,7 +12804,7 @@
                 <a:ea typeface="Arial Unicode MS" panose="020B0604020202020204" pitchFamily="34" charset="-128"/>
                 <a:cs typeface="Arial Unicode MS" panose="020B0604020202020204" pitchFamily="34" charset="-128"/>
               </a:rPr>
-              <a:t>SELECT COUNT(*), COUNT(rank)</a:t>
+              <a:t>SELECT COUNT(*), COUNT(rating)</a:t>
             </a:r>
             <a:br>
               <a:rPr lang="en-US" b="1" dirty="0">
@@ -12948,7 +12948,7 @@
                 <a:ea typeface="Arial Unicode MS" panose="020B0604020202020204" pitchFamily="34" charset="-128"/>
                 <a:cs typeface="Arial Unicode MS" panose="020B0604020202020204" pitchFamily="34" charset="-128"/>
               </a:rPr>
-              <a:t>SELECT COUNT(*), COUNT(rank)</a:t>
+              <a:t>SELECT COUNT(*), COUNT(rating)</a:t>
             </a:r>
             <a:br>
               <a:rPr lang="en-US" b="1" dirty="0">
@@ -13041,7 +13041,7 @@
           </a:ln>
           <a:extLst>
             <a:ext uri="{C572A759-6A51-4108-AA02-DFA0A04FC94B}">
-              <ma14:wrappingTextBoxFlag xmlns:ma14="http://schemas.microsoft.com/office/mac/drawingml/2011/main" xmlns="" val="1"/>
+              <ma14:wrappingTextBoxFlag xmlns="" xmlns:ma14="http://schemas.microsoft.com/office/mac/drawingml/2011/main" val="1"/>
             </a:ext>
           </a:extLst>
         </p:spPr>
@@ -13110,7 +13110,7 @@
           </a:ln>
           <a:extLst>
             <a:ext uri="{C572A759-6A51-4108-AA02-DFA0A04FC94B}">
-              <ma14:wrappingTextBoxFlag xmlns:ma14="http://schemas.microsoft.com/office/mac/drawingml/2011/main" xmlns="" val="1"/>
+              <ma14:wrappingTextBoxFlag xmlns="" xmlns:ma14="http://schemas.microsoft.com/office/mac/drawingml/2011/main" val="1"/>
             </a:ext>
           </a:extLst>
         </p:spPr>
@@ -13163,7 +13163,7 @@
           </a:ln>
           <a:extLst>
             <a:ext uri="{C572A759-6A51-4108-AA02-DFA0A04FC94B}">
-              <ma14:wrappingTextBoxFlag xmlns:ma14="http://schemas.microsoft.com/office/mac/drawingml/2011/main" xmlns="" val="1"/>
+              <ma14:wrappingTextBoxFlag xmlns="" xmlns:ma14="http://schemas.microsoft.com/office/mac/drawingml/2011/main" val="1"/>
             </a:ext>
           </a:extLst>
         </p:spPr>
@@ -13763,7 +13763,7 @@
           </a:ln>
           <a:extLst>
             <a:ext uri="{C572A759-6A51-4108-AA02-DFA0A04FC94B}">
-              <ma14:wrappingTextBoxFlag xmlns="" xmlns:ma14="http://schemas.microsoft.com/office/mac/drawingml/2011/main" val="1"/>
+              <ma14:wrappingTextBoxFlag xmlns:ma14="http://schemas.microsoft.com/office/mac/drawingml/2011/main" xmlns="" val="1"/>
             </a:ext>
           </a:extLst>
         </p:spPr>
@@ -13863,7 +13863,7 @@
           </a:ln>
           <a:extLst>
             <a:ext uri="{C572A759-6A51-4108-AA02-DFA0A04FC94B}">
-              <ma14:wrappingTextBoxFlag xmlns:ma14="http://schemas.microsoft.com/office/mac/drawingml/2011/main" xmlns="" val="1"/>
+              <ma14:wrappingTextBoxFlag xmlns="" xmlns:ma14="http://schemas.microsoft.com/office/mac/drawingml/2011/main" val="1"/>
             </a:ext>
           </a:extLst>
         </p:spPr>
@@ -13932,7 +13932,7 @@
           </a:ln>
           <a:extLst>
             <a:ext uri="{C572A759-6A51-4108-AA02-DFA0A04FC94B}">
-              <ma14:wrappingTextBoxFlag xmlns:ma14="http://schemas.microsoft.com/office/mac/drawingml/2011/main" xmlns="" val="1"/>
+              <ma14:wrappingTextBoxFlag xmlns="" xmlns:ma14="http://schemas.microsoft.com/office/mac/drawingml/2011/main" val="1"/>
             </a:ext>
           </a:extLst>
         </p:spPr>
@@ -14270,7 +14270,7 @@
           </a:ln>
           <a:extLst>
             <a:ext uri="{C572A759-6A51-4108-AA02-DFA0A04FC94B}">
-              <ma14:wrappingTextBoxFlag xmlns:ma14="http://schemas.microsoft.com/office/mac/drawingml/2011/main" xmlns="" val="1"/>
+              <ma14:wrappingTextBoxFlag xmlns="" xmlns:ma14="http://schemas.microsoft.com/office/mac/drawingml/2011/main" val="1"/>
             </a:ext>
           </a:extLst>
         </p:spPr>
@@ -14575,7 +14575,7 @@
           </a:ln>
           <a:extLst>
             <a:ext uri="{C572A759-6A51-4108-AA02-DFA0A04FC94B}">
-              <ma14:wrappingTextBoxFlag xmlns="" xmlns:ma14="http://schemas.microsoft.com/office/mac/drawingml/2011/main" val="1"/>
+              <ma14:wrappingTextBoxFlag xmlns:ma14="http://schemas.microsoft.com/office/mac/drawingml/2011/main" xmlns="" val="1"/>
             </a:ext>
           </a:extLst>
         </p:spPr>
@@ -14658,7 +14658,7 @@
           </a:ln>
           <a:extLst>
             <a:ext uri="{C572A759-6A51-4108-AA02-DFA0A04FC94B}">
-              <ma14:wrappingTextBoxFlag xmlns="" xmlns:ma14="http://schemas.microsoft.com/office/mac/drawingml/2011/main" val="1"/>
+              <ma14:wrappingTextBoxFlag xmlns:ma14="http://schemas.microsoft.com/office/mac/drawingml/2011/main" xmlns="" val="1"/>
             </a:ext>
           </a:extLst>
         </p:spPr>
@@ -14939,7 +14939,7 @@
           </a:ln>
           <a:extLst>
             <a:ext uri="{C572A759-6A51-4108-AA02-DFA0A04FC94B}">
-              <ma14:wrappingTextBoxFlag xmlns="" xmlns:ma14="http://schemas.microsoft.com/office/mac/drawingml/2011/main" val="1"/>
+              <ma14:wrappingTextBoxFlag xmlns:ma14="http://schemas.microsoft.com/office/mac/drawingml/2011/main" xmlns="" val="1"/>
             </a:ext>
           </a:extLst>
         </p:spPr>
@@ -15033,7 +15033,7 @@
           </a:ln>
           <a:extLst>
             <a:ext uri="{C572A759-6A51-4108-AA02-DFA0A04FC94B}">
-              <ma14:wrappingTextBoxFlag xmlns="" xmlns:ma14="http://schemas.microsoft.com/office/mac/drawingml/2011/main" val="1"/>
+              <ma14:wrappingTextBoxFlag xmlns:ma14="http://schemas.microsoft.com/office/mac/drawingml/2011/main" xmlns="" val="1"/>
             </a:ext>
           </a:extLst>
         </p:spPr>
@@ -15175,7 +15175,7 @@
           </a:prstGeom>
           <a:extLst>
             <a:ext uri="{C572A759-6A51-4108-AA02-DFA0A04FC94B}">
-              <ma14:wrappingTextBoxFlag xmlns:ma14="http://schemas.microsoft.com/office/mac/drawingml/2011/main" xmlns="" val="1"/>
+              <ma14:wrappingTextBoxFlag xmlns="" xmlns:ma14="http://schemas.microsoft.com/office/mac/drawingml/2011/main" val="1"/>
             </a:ext>
           </a:extLst>
         </p:spPr>
@@ -15229,7 +15229,7 @@
           </a:ln>
           <a:extLst>
             <a:ext uri="{C572A759-6A51-4108-AA02-DFA0A04FC94B}">
-              <ma14:wrappingTextBoxFlag xmlns:ma14="http://schemas.microsoft.com/office/mac/drawingml/2011/main" xmlns="" val="1"/>
+              <ma14:wrappingTextBoxFlag xmlns="" xmlns:ma14="http://schemas.microsoft.com/office/mac/drawingml/2011/main" val="1"/>
             </a:ext>
           </a:extLst>
         </p:spPr>
@@ -17077,7 +17077,7 @@
           </a:ln>
           <a:extLst>
             <a:ext uri="{C572A759-6A51-4108-AA02-DFA0A04FC94B}">
-              <ma14:wrappingTextBoxFlag xmlns:ma14="http://schemas.microsoft.com/office/mac/drawingml/2011/main" xmlns="" val="1"/>
+              <ma14:wrappingTextBoxFlag xmlns="" xmlns:ma14="http://schemas.microsoft.com/office/mac/drawingml/2011/main" val="1"/>
             </a:ext>
           </a:extLst>
         </p:spPr>
@@ -17157,7 +17157,7 @@
           </a:ln>
           <a:extLst>
             <a:ext uri="{C572A759-6A51-4108-AA02-DFA0A04FC94B}">
-              <ma14:wrappingTextBoxFlag xmlns:ma14="http://schemas.microsoft.com/office/mac/drawingml/2011/main" xmlns="" val="1"/>
+              <ma14:wrappingTextBoxFlag xmlns="" xmlns:ma14="http://schemas.microsoft.com/office/mac/drawingml/2011/main" val="1"/>
             </a:ext>
           </a:extLst>
         </p:spPr>
@@ -17210,7 +17210,7 @@
           </a:ln>
           <a:extLst>
             <a:ext uri="{C572A759-6A51-4108-AA02-DFA0A04FC94B}">
-              <ma14:wrappingTextBoxFlag xmlns:ma14="http://schemas.microsoft.com/office/mac/drawingml/2011/main" xmlns="" val="1"/>
+              <ma14:wrappingTextBoxFlag xmlns="" xmlns:ma14="http://schemas.microsoft.com/office/mac/drawingml/2011/main" val="1"/>
             </a:ext>
           </a:extLst>
         </p:spPr>
@@ -17871,7 +17871,7 @@
           </a:ln>
           <a:extLst>
             <a:ext uri="{C572A759-6A51-4108-AA02-DFA0A04FC94B}">
-              <ma14:wrappingTextBoxFlag xmlns:ma14="http://schemas.microsoft.com/office/mac/drawingml/2011/main" xmlns="" val="1"/>
+              <ma14:wrappingTextBoxFlag xmlns="" xmlns:ma14="http://schemas.microsoft.com/office/mac/drawingml/2011/main" val="1"/>
             </a:ext>
           </a:extLst>
         </p:spPr>
@@ -17932,7 +17932,7 @@
           </a:ln>
           <a:extLst>
             <a:ext uri="{C572A759-6A51-4108-AA02-DFA0A04FC94B}">
-              <ma14:wrappingTextBoxFlag xmlns:ma14="http://schemas.microsoft.com/office/mac/drawingml/2011/main" xmlns="" val="1"/>
+              <ma14:wrappingTextBoxFlag xmlns="" xmlns:ma14="http://schemas.microsoft.com/office/mac/drawingml/2011/main" val="1"/>
             </a:ext>
           </a:extLst>
         </p:spPr>
@@ -18399,7 +18399,7 @@
           </a:ln>
           <a:extLst>
             <a:ext uri="{C572A759-6A51-4108-AA02-DFA0A04FC94B}">
-              <ma14:wrappingTextBoxFlag xmlns:ma14="http://schemas.microsoft.com/office/mac/drawingml/2011/main" xmlns="" val="1"/>
+              <ma14:wrappingTextBoxFlag xmlns="" xmlns:ma14="http://schemas.microsoft.com/office/mac/drawingml/2011/main" val="1"/>
             </a:ext>
           </a:extLst>
         </p:spPr>
@@ -18500,7 +18500,7 @@
           </a:ln>
           <a:extLst>
             <a:ext uri="{C572A759-6A51-4108-AA02-DFA0A04FC94B}">
-              <ma14:wrappingTextBoxFlag xmlns:ma14="http://schemas.microsoft.com/office/mac/drawingml/2011/main" xmlns="" val="1"/>
+              <ma14:wrappingTextBoxFlag xmlns="" xmlns:ma14="http://schemas.microsoft.com/office/mac/drawingml/2011/main" val="1"/>
             </a:ext>
           </a:extLst>
         </p:spPr>
@@ -19007,7 +19007,7 @@
           </a:ln>
           <a:extLst>
             <a:ext uri="{C572A759-6A51-4108-AA02-DFA0A04FC94B}">
-              <ma14:wrappingTextBoxFlag xmlns:ma14="http://schemas.microsoft.com/office/mac/drawingml/2011/main" xmlns="" val="1"/>
+              <ma14:wrappingTextBoxFlag xmlns="" xmlns:ma14="http://schemas.microsoft.com/office/mac/drawingml/2011/main" val="1"/>
             </a:ext>
           </a:extLst>
         </p:spPr>
@@ -21049,7 +21049,7 @@
           </a:ln>
           <a:extLst>
             <a:ext uri="{C572A759-6A51-4108-AA02-DFA0A04FC94B}">
-              <ma14:wrappingTextBoxFlag xmlns:ma14="http://schemas.microsoft.com/office/mac/drawingml/2011/main" xmlns="" val="1"/>
+              <ma14:wrappingTextBoxFlag xmlns="" xmlns:ma14="http://schemas.microsoft.com/office/mac/drawingml/2011/main" val="1"/>
             </a:ext>
           </a:extLst>
         </p:spPr>
@@ -21229,7 +21229,7 @@
           </a:ln>
           <a:extLst>
             <a:ext uri="{C572A759-6A51-4108-AA02-DFA0A04FC94B}">
-              <ma14:wrappingTextBoxFlag xmlns:ma14="http://schemas.microsoft.com/office/mac/drawingml/2011/main" xmlns="" val="1"/>
+              <ma14:wrappingTextBoxFlag xmlns="" xmlns:ma14="http://schemas.microsoft.com/office/mac/drawingml/2011/main" val="1"/>
             </a:ext>
           </a:extLst>
         </p:spPr>
@@ -22233,7 +22233,7 @@
           </a:ln>
           <a:extLst>
             <a:ext uri="{C572A759-6A51-4108-AA02-DFA0A04FC94B}">
-              <ma14:wrappingTextBoxFlag xmlns:ma14="http://schemas.microsoft.com/office/mac/drawingml/2011/main" xmlns="" val="1"/>
+              <ma14:wrappingTextBoxFlag xmlns="" xmlns:ma14="http://schemas.microsoft.com/office/mac/drawingml/2011/main" val="1"/>
             </a:ext>
           </a:extLst>
         </p:spPr>
@@ -24275,7 +24275,7 @@
           </a:ln>
           <a:extLst>
             <a:ext uri="{C572A759-6A51-4108-AA02-DFA0A04FC94B}">
-              <ma14:wrappingTextBoxFlag xmlns:ma14="http://schemas.microsoft.com/office/mac/drawingml/2011/main" xmlns="" val="1"/>
+              <ma14:wrappingTextBoxFlag xmlns="" xmlns:ma14="http://schemas.microsoft.com/office/mac/drawingml/2011/main" val="1"/>
             </a:ext>
           </a:extLst>
         </p:spPr>
@@ -24479,7 +24479,7 @@
           </a:ln>
           <a:extLst>
             <a:ext uri="{C572A759-6A51-4108-AA02-DFA0A04FC94B}">
-              <ma14:wrappingTextBoxFlag xmlns:ma14="http://schemas.microsoft.com/office/mac/drawingml/2011/main" xmlns="" val="1"/>
+              <ma14:wrappingTextBoxFlag xmlns="" xmlns:ma14="http://schemas.microsoft.com/office/mac/drawingml/2011/main" val="1"/>
             </a:ext>
           </a:extLst>
         </p:spPr>
@@ -25539,7 +25539,7 @@
           </a:ln>
           <a:extLst>
             <a:ext uri="{C572A759-6A51-4108-AA02-DFA0A04FC94B}">
-              <ma14:wrappingTextBoxFlag xmlns:ma14="http://schemas.microsoft.com/office/mac/drawingml/2011/main" xmlns="" val="1"/>
+              <ma14:wrappingTextBoxFlag xmlns="" xmlns:ma14="http://schemas.microsoft.com/office/mac/drawingml/2011/main" val="1"/>
             </a:ext>
           </a:extLst>
         </p:spPr>
@@ -27590,7 +27590,7 @@
           </a:ln>
           <a:extLst>
             <a:ext uri="{C572A759-6A51-4108-AA02-DFA0A04FC94B}">
-              <ma14:wrappingTextBoxFlag xmlns:ma14="http://schemas.microsoft.com/office/mac/drawingml/2011/main" xmlns="" val="1"/>
+              <ma14:wrappingTextBoxFlag xmlns="" xmlns:ma14="http://schemas.microsoft.com/office/mac/drawingml/2011/main" val="1"/>
             </a:ext>
           </a:extLst>
         </p:spPr>
@@ -27773,7 +27773,7 @@
           </a:ln>
           <a:extLst>
             <a:ext uri="{C572A759-6A51-4108-AA02-DFA0A04FC94B}">
-              <ma14:wrappingTextBoxFlag xmlns:ma14="http://schemas.microsoft.com/office/mac/drawingml/2011/main" xmlns="" val="1"/>
+              <ma14:wrappingTextBoxFlag xmlns="" xmlns:ma14="http://schemas.microsoft.com/office/mac/drawingml/2011/main" val="1"/>
             </a:ext>
           </a:extLst>
         </p:spPr>
@@ -28997,7 +28997,7 @@
           </a:ln>
           <a:extLst>
             <a:ext uri="{C572A759-6A51-4108-AA02-DFA0A04FC94B}">
-              <ma14:wrappingTextBoxFlag xmlns:ma14="http://schemas.microsoft.com/office/mac/drawingml/2011/main" xmlns="" val="1"/>
+              <ma14:wrappingTextBoxFlag xmlns="" xmlns:ma14="http://schemas.microsoft.com/office/mac/drawingml/2011/main" val="1"/>
             </a:ext>
           </a:extLst>
         </p:spPr>
@@ -29099,7 +29099,7 @@
           </a:ln>
           <a:extLst>
             <a:ext uri="{C572A759-6A51-4108-AA02-DFA0A04FC94B}">
-              <ma14:wrappingTextBoxFlag xmlns:ma14="http://schemas.microsoft.com/office/mac/drawingml/2011/main" xmlns="" val="1"/>
+              <ma14:wrappingTextBoxFlag xmlns="" xmlns:ma14="http://schemas.microsoft.com/office/mac/drawingml/2011/main" val="1"/>
             </a:ext>
           </a:extLst>
         </p:spPr>
@@ -29152,7 +29152,7 @@
           </a:ln>
           <a:extLst>
             <a:ext uri="{C572A759-6A51-4108-AA02-DFA0A04FC94B}">
-              <ma14:wrappingTextBoxFlag xmlns:ma14="http://schemas.microsoft.com/office/mac/drawingml/2011/main" xmlns="" val="1"/>
+              <ma14:wrappingTextBoxFlag xmlns="" xmlns:ma14="http://schemas.microsoft.com/office/mac/drawingml/2011/main" val="1"/>
             </a:ext>
           </a:extLst>
         </p:spPr>
@@ -29222,7 +29222,7 @@
                 <a:ea typeface="Arial Unicode MS" panose="020B0604020202020204" pitchFamily="34" charset="-128"/>
                 <a:cs typeface="Arial Unicode MS" panose="020B0604020202020204" pitchFamily="34" charset="-128"/>
               </a:rPr>
-              <a:t>Compute the average rank for the movies released in each year</a:t>
+              <a:t>Compute the average rating for the movies released in each year</a:t>
             </a:r>
           </a:p>
           <a:p>
@@ -29268,7 +29268,7 @@
                 <a:ea typeface="Arial Unicode MS" panose="020B0604020202020204" pitchFamily="34" charset="-128"/>
                 <a:cs typeface="Arial Unicode MS" panose="020B0604020202020204" pitchFamily="34" charset="-128"/>
               </a:rPr>
-              <a:t>Examine the difference between COUNT(*) and COUNT(rank) when reporting movies per year</a:t>
+              <a:t>Examine the difference between COUNT(*) and COUNT(rating) when reporting movies per year</a:t>
             </a:r>
           </a:p>
           <a:p>

--- a/session5/D-SQL_Aggregation_Queries.pptx
+++ b/session5/D-SQL_Aggregation_Queries.pptx
@@ -5,10 +5,10 @@
     <p:sldMasterId id="2147483660" r:id="rId1"/>
   </p:sldMasterIdLst>
   <p:notesMasterIdLst>
-    <p:notesMasterId r:id="rId23"/>
+    <p:notesMasterId r:id="rId24"/>
   </p:notesMasterIdLst>
   <p:handoutMasterIdLst>
-    <p:handoutMasterId r:id="rId24"/>
+    <p:handoutMasterId r:id="rId25"/>
   </p:handoutMasterIdLst>
   <p:sldIdLst>
     <p:sldId id="256" r:id="rId2"/>
@@ -30,8 +30,9 @@
     <p:sldId id="382" r:id="rId18"/>
     <p:sldId id="383" r:id="rId19"/>
     <p:sldId id="385" r:id="rId20"/>
-    <p:sldId id="328" r:id="rId21"/>
-    <p:sldId id="387" r:id="rId22"/>
+    <p:sldId id="388" r:id="rId21"/>
+    <p:sldId id="328" r:id="rId22"/>
+    <p:sldId id="387" r:id="rId23"/>
   </p:sldIdLst>
   <p:sldSz cx="9144000" cy="6858000" type="screen4x3"/>
   <p:notesSz cx="7315200" cy="9601200"/>
@@ -324,7 +325,7 @@
             <a:fld id="{0F6AC800-BF99-41BB-8DE5-8FC7E09D6C23}" type="datetimeFigureOut">
               <a:rPr lang="en-US" smtClean="0"/>
               <a:pPr/>
-              <a:t>5/30/2023</a:t>
+              <a:t>5/27/2025</a:t>
             </a:fld>
             <a:endParaRPr lang="en-US" dirty="0"/>
           </a:p>
@@ -728,7 +729,7 @@
           <a:p>
             <a:fld id="{5F4C8C79-FAFE-4D56-A4D5-361B65C3B3FA}" type="datetimeFigureOut">
               <a:rPr lang="en-US" smtClean="0"/>
-              <a:t>5/30/2023</a:t>
+              <a:t>5/27/2025</a:t>
             </a:fld>
             <a:endParaRPr lang="en-US"/>
           </a:p>
@@ -898,7 +899,7 @@
           <a:p>
             <a:fld id="{5F4C8C79-FAFE-4D56-A4D5-361B65C3B3FA}" type="datetimeFigureOut">
               <a:rPr lang="en-US" smtClean="0"/>
-              <a:t>5/30/2023</a:t>
+              <a:t>5/27/2025</a:t>
             </a:fld>
             <a:endParaRPr lang="en-US"/>
           </a:p>
@@ -1078,7 +1079,7 @@
           <a:p>
             <a:fld id="{5F4C8C79-FAFE-4D56-A4D5-361B65C3B3FA}" type="datetimeFigureOut">
               <a:rPr lang="en-US" smtClean="0"/>
-              <a:t>5/30/2023</a:t>
+              <a:t>5/27/2025</a:t>
             </a:fld>
             <a:endParaRPr lang="en-US"/>
           </a:p>
@@ -1279,7 +1280,7 @@
           <a:p>
             <a:fld id="{5F4C8C79-FAFE-4D56-A4D5-361B65C3B3FA}" type="datetimeFigureOut">
               <a:rPr lang="en-US" smtClean="0"/>
-              <a:t>5/30/2023</a:t>
+              <a:t>5/27/2025</a:t>
             </a:fld>
             <a:endParaRPr lang="en-US"/>
           </a:p>
@@ -1523,7 +1524,7 @@
           <a:p>
             <a:fld id="{5F4C8C79-FAFE-4D56-A4D5-361B65C3B3FA}" type="datetimeFigureOut">
               <a:rPr lang="en-US" smtClean="0"/>
-              <a:t>5/30/2023</a:t>
+              <a:t>5/27/2025</a:t>
             </a:fld>
             <a:endParaRPr lang="en-US"/>
           </a:p>
@@ -1755,7 +1756,7 @@
           <a:p>
             <a:fld id="{5F4C8C79-FAFE-4D56-A4D5-361B65C3B3FA}" type="datetimeFigureOut">
               <a:rPr lang="en-US" smtClean="0"/>
-              <a:t>5/30/2023</a:t>
+              <a:t>5/27/2025</a:t>
             </a:fld>
             <a:endParaRPr lang="en-US"/>
           </a:p>
@@ -2122,7 +2123,7 @@
           <a:p>
             <a:fld id="{5F4C8C79-FAFE-4D56-A4D5-361B65C3B3FA}" type="datetimeFigureOut">
               <a:rPr lang="en-US" smtClean="0"/>
-              <a:t>5/30/2023</a:t>
+              <a:t>5/27/2025</a:t>
             </a:fld>
             <a:endParaRPr lang="en-US"/>
           </a:p>
@@ -2240,7 +2241,7 @@
           <a:p>
             <a:fld id="{5F4C8C79-FAFE-4D56-A4D5-361B65C3B3FA}" type="datetimeFigureOut">
               <a:rPr lang="en-US" smtClean="0"/>
-              <a:t>5/30/2023</a:t>
+              <a:t>5/27/2025</a:t>
             </a:fld>
             <a:endParaRPr lang="en-US"/>
           </a:p>
@@ -2335,7 +2336,7 @@
           <a:p>
             <a:fld id="{5F4C8C79-FAFE-4D56-A4D5-361B65C3B3FA}" type="datetimeFigureOut">
               <a:rPr lang="en-US" smtClean="0"/>
-              <a:t>5/30/2023</a:t>
+              <a:t>5/27/2025</a:t>
             </a:fld>
             <a:endParaRPr lang="en-US"/>
           </a:p>
@@ -2612,7 +2613,7 @@
           <a:p>
             <a:fld id="{5F4C8C79-FAFE-4D56-A4D5-361B65C3B3FA}" type="datetimeFigureOut">
               <a:rPr lang="en-US" smtClean="0"/>
-              <a:t>5/30/2023</a:t>
+              <a:t>5/27/2025</a:t>
             </a:fld>
             <a:endParaRPr lang="en-US"/>
           </a:p>
@@ -2869,7 +2870,7 @@
           <a:p>
             <a:fld id="{5F4C8C79-FAFE-4D56-A4D5-361B65C3B3FA}" type="datetimeFigureOut">
               <a:rPr lang="en-US" smtClean="0"/>
-              <a:t>5/30/2023</a:t>
+              <a:t>5/27/2025</a:t>
             </a:fld>
             <a:endParaRPr lang="en-US"/>
           </a:p>
@@ -3082,7 +3083,7 @@
             <a:fld id="{5F4C8C79-FAFE-4D56-A4D5-361B65C3B3FA}" type="datetimeFigureOut">
               <a:rPr lang="en-US" smtClean="0"/>
               <a:pPr/>
-              <a:t>5/30/2023</a:t>
+              <a:t>5/27/2025</a:t>
             </a:fld>
             <a:endParaRPr lang="en-US" dirty="0"/>
           </a:p>
@@ -3569,7 +3570,7 @@
           </a:ln>
           <a:extLst>
             <a:ext uri="{C572A759-6A51-4108-AA02-DFA0A04FC94B}">
-              <ma14:wrappingTextBoxFlag xmlns="" xmlns:ma14="http://schemas.microsoft.com/office/mac/drawingml/2011/main" val="1"/>
+              <ma14:wrappingTextBoxFlag xmlns:ma14="http://schemas.microsoft.com/office/mac/drawingml/2011/main" xmlns="" val="1"/>
             </a:ext>
           </a:extLst>
         </p:spPr>
@@ -3671,7 +3672,7 @@
           </a:ln>
           <a:extLst>
             <a:ext uri="{C572A759-6A51-4108-AA02-DFA0A04FC94B}">
-              <ma14:wrappingTextBoxFlag xmlns="" xmlns:ma14="http://schemas.microsoft.com/office/mac/drawingml/2011/main" val="1"/>
+              <ma14:wrappingTextBoxFlag xmlns:ma14="http://schemas.microsoft.com/office/mac/drawingml/2011/main" xmlns="" val="1"/>
             </a:ext>
           </a:extLst>
         </p:spPr>
@@ -3724,7 +3725,7 @@
           </a:ln>
           <a:extLst>
             <a:ext uri="{C572A759-6A51-4108-AA02-DFA0A04FC94B}">
-              <ma14:wrappingTextBoxFlag xmlns="" xmlns:ma14="http://schemas.microsoft.com/office/mac/drawingml/2011/main" val="1"/>
+              <ma14:wrappingTextBoxFlag xmlns:ma14="http://schemas.microsoft.com/office/mac/drawingml/2011/main" xmlns="" val="1"/>
             </a:ext>
           </a:extLst>
         </p:spPr>
@@ -4108,7 +4109,7 @@
           </a:ln>
           <a:extLst>
             <a:ext uri="{C572A759-6A51-4108-AA02-DFA0A04FC94B}">
-              <ma14:wrappingTextBoxFlag xmlns="" xmlns:ma14="http://schemas.microsoft.com/office/mac/drawingml/2011/main" val="1"/>
+              <ma14:wrappingTextBoxFlag xmlns:ma14="http://schemas.microsoft.com/office/mac/drawingml/2011/main" xmlns="" val="1"/>
             </a:ext>
           </a:extLst>
         </p:spPr>
@@ -4188,7 +4189,7 @@
           </a:ln>
           <a:extLst>
             <a:ext uri="{C572A759-6A51-4108-AA02-DFA0A04FC94B}">
-              <ma14:wrappingTextBoxFlag xmlns="" xmlns:ma14="http://schemas.microsoft.com/office/mac/drawingml/2011/main" val="1"/>
+              <ma14:wrappingTextBoxFlag xmlns:ma14="http://schemas.microsoft.com/office/mac/drawingml/2011/main" xmlns="" val="1"/>
             </a:ext>
           </a:extLst>
         </p:spPr>
@@ -4241,7 +4242,7 @@
           </a:ln>
           <a:extLst>
             <a:ext uri="{C572A759-6A51-4108-AA02-DFA0A04FC94B}">
-              <ma14:wrappingTextBoxFlag xmlns="" xmlns:ma14="http://schemas.microsoft.com/office/mac/drawingml/2011/main" val="1"/>
+              <ma14:wrappingTextBoxFlag xmlns:ma14="http://schemas.microsoft.com/office/mac/drawingml/2011/main" xmlns="" val="1"/>
             </a:ext>
           </a:extLst>
         </p:spPr>
@@ -4611,7 +4612,7 @@
           </a:ln>
           <a:extLst>
             <a:ext uri="{C572A759-6A51-4108-AA02-DFA0A04FC94B}">
-              <ma14:wrappingTextBoxFlag xmlns="" xmlns:ma14="http://schemas.microsoft.com/office/mac/drawingml/2011/main" val="1"/>
+              <ma14:wrappingTextBoxFlag xmlns:ma14="http://schemas.microsoft.com/office/mac/drawingml/2011/main" xmlns="" val="1"/>
             </a:ext>
           </a:extLst>
         </p:spPr>
@@ -4672,7 +4673,7 @@
           </a:ln>
           <a:extLst>
             <a:ext uri="{C572A759-6A51-4108-AA02-DFA0A04FC94B}">
-              <ma14:wrappingTextBoxFlag xmlns="" xmlns:ma14="http://schemas.microsoft.com/office/mac/drawingml/2011/main" val="1"/>
+              <ma14:wrappingTextBoxFlag xmlns:ma14="http://schemas.microsoft.com/office/mac/drawingml/2011/main" xmlns="" val="1"/>
             </a:ext>
           </a:extLst>
         </p:spPr>
@@ -4964,7 +4965,7 @@
           </a:ln>
           <a:extLst>
             <a:ext uri="{C572A759-6A51-4108-AA02-DFA0A04FC94B}">
-              <ma14:wrappingTextBoxFlag xmlns="" xmlns:ma14="http://schemas.microsoft.com/office/mac/drawingml/2011/main" val="1"/>
+              <ma14:wrappingTextBoxFlag xmlns:ma14="http://schemas.microsoft.com/office/mac/drawingml/2011/main" xmlns="" val="1"/>
             </a:ext>
           </a:extLst>
         </p:spPr>
@@ -5159,7 +5160,7 @@
           </a:ln>
           <a:extLst>
             <a:ext uri="{C572A759-6A51-4108-AA02-DFA0A04FC94B}">
-              <ma14:wrappingTextBoxFlag xmlns="" xmlns:ma14="http://schemas.microsoft.com/office/mac/drawingml/2011/main" val="1"/>
+              <ma14:wrappingTextBoxFlag xmlns:ma14="http://schemas.microsoft.com/office/mac/drawingml/2011/main" xmlns="" val="1"/>
             </a:ext>
           </a:extLst>
         </p:spPr>
@@ -7210,7 +7211,7 @@
           </a:ln>
           <a:extLst>
             <a:ext uri="{C572A759-6A51-4108-AA02-DFA0A04FC94B}">
-              <ma14:wrappingTextBoxFlag xmlns="" xmlns:ma14="http://schemas.microsoft.com/office/mac/drawingml/2011/main" val="1"/>
+              <ma14:wrappingTextBoxFlag xmlns:ma14="http://schemas.microsoft.com/office/mac/drawingml/2011/main" xmlns="" val="1"/>
             </a:ext>
           </a:extLst>
         </p:spPr>
@@ -7451,7 +7452,7 @@
           </a:ln>
           <a:extLst>
             <a:ext uri="{C572A759-6A51-4108-AA02-DFA0A04FC94B}">
-              <ma14:wrappingTextBoxFlag xmlns="" xmlns:ma14="http://schemas.microsoft.com/office/mac/drawingml/2011/main" val="1"/>
+              <ma14:wrappingTextBoxFlag xmlns:ma14="http://schemas.microsoft.com/office/mac/drawingml/2011/main" xmlns="" val="1"/>
             </a:ext>
           </a:extLst>
         </p:spPr>
@@ -8213,7 +8214,7 @@
           </a:ln>
           <a:extLst>
             <a:ext uri="{C572A759-6A51-4108-AA02-DFA0A04FC94B}">
-              <ma14:wrappingTextBoxFlag xmlns="" xmlns:ma14="http://schemas.microsoft.com/office/mac/drawingml/2011/main" val="1"/>
+              <ma14:wrappingTextBoxFlag xmlns:ma14="http://schemas.microsoft.com/office/mac/drawingml/2011/main" xmlns="" val="1"/>
             </a:ext>
           </a:extLst>
         </p:spPr>
@@ -8602,7 +8603,7 @@
           </a:ln>
           <a:extLst>
             <a:ext uri="{C572A759-6A51-4108-AA02-DFA0A04FC94B}">
-              <ma14:wrappingTextBoxFlag xmlns="" xmlns:ma14="http://schemas.microsoft.com/office/mac/drawingml/2011/main" val="1"/>
+              <ma14:wrappingTextBoxFlag xmlns:ma14="http://schemas.microsoft.com/office/mac/drawingml/2011/main" xmlns="" val="1"/>
             </a:ext>
           </a:extLst>
         </p:spPr>
@@ -10644,7 +10645,7 @@
           </a:ln>
           <a:extLst>
             <a:ext uri="{C572A759-6A51-4108-AA02-DFA0A04FC94B}">
-              <ma14:wrappingTextBoxFlag xmlns="" xmlns:ma14="http://schemas.microsoft.com/office/mac/drawingml/2011/main" val="1"/>
+              <ma14:wrappingTextBoxFlag xmlns:ma14="http://schemas.microsoft.com/office/mac/drawingml/2011/main" xmlns="" val="1"/>
             </a:ext>
           </a:extLst>
         </p:spPr>
@@ -10870,7 +10871,7 @@
           </a:ln>
           <a:extLst>
             <a:ext uri="{C572A759-6A51-4108-AA02-DFA0A04FC94B}">
-              <ma14:wrappingTextBoxFlag xmlns="" xmlns:ma14="http://schemas.microsoft.com/office/mac/drawingml/2011/main" val="1"/>
+              <ma14:wrappingTextBoxFlag xmlns:ma14="http://schemas.microsoft.com/office/mac/drawingml/2011/main" xmlns="" val="1"/>
             </a:ext>
           </a:extLst>
         </p:spPr>
@@ -11475,7 +11476,7 @@
           </a:ln>
           <a:extLst>
             <a:ext uri="{C572A759-6A51-4108-AA02-DFA0A04FC94B}">
-              <ma14:wrappingTextBoxFlag xmlns="" xmlns:ma14="http://schemas.microsoft.com/office/mac/drawingml/2011/main" val="1"/>
+              <ma14:wrappingTextBoxFlag xmlns:ma14="http://schemas.microsoft.com/office/mac/drawingml/2011/main" xmlns="" val="1"/>
             </a:ext>
           </a:extLst>
         </p:spPr>
@@ -11840,7 +11841,7 @@
           </a:ln>
           <a:extLst>
             <a:ext uri="{C572A759-6A51-4108-AA02-DFA0A04FC94B}">
-              <ma14:wrappingTextBoxFlag xmlns="" xmlns:ma14="http://schemas.microsoft.com/office/mac/drawingml/2011/main" val="1"/>
+              <ma14:wrappingTextBoxFlag xmlns:ma14="http://schemas.microsoft.com/office/mac/drawingml/2011/main" xmlns="" val="1"/>
             </a:ext>
           </a:extLst>
         </p:spPr>
@@ -11931,7 +11932,7 @@
           </a:ln>
           <a:extLst>
             <a:ext uri="{C572A759-6A51-4108-AA02-DFA0A04FC94B}">
-              <ma14:wrappingTextBoxFlag xmlns="" xmlns:ma14="http://schemas.microsoft.com/office/mac/drawingml/2011/main" val="1"/>
+              <ma14:wrappingTextBoxFlag xmlns:ma14="http://schemas.microsoft.com/office/mac/drawingml/2011/main" xmlns="" val="1"/>
             </a:ext>
           </a:extLst>
         </p:spPr>
@@ -11984,7 +11985,7 @@
           </a:ln>
           <a:extLst>
             <a:ext uri="{C572A759-6A51-4108-AA02-DFA0A04FC94B}">
-              <ma14:wrappingTextBoxFlag xmlns="" xmlns:ma14="http://schemas.microsoft.com/office/mac/drawingml/2011/main" val="1"/>
+              <ma14:wrappingTextBoxFlag xmlns:ma14="http://schemas.microsoft.com/office/mac/drawingml/2011/main" xmlns="" val="1"/>
             </a:ext>
           </a:extLst>
         </p:spPr>
@@ -12130,7 +12131,7 @@
           </a:ln>
           <a:extLst>
             <a:ext uri="{C572A759-6A51-4108-AA02-DFA0A04FC94B}">
-              <ma14:wrappingTextBoxFlag xmlns="" xmlns:ma14="http://schemas.microsoft.com/office/mac/drawingml/2011/main" val="1"/>
+              <ma14:wrappingTextBoxFlag xmlns:ma14="http://schemas.microsoft.com/office/mac/drawingml/2011/main" xmlns="" val="1"/>
             </a:ext>
           </a:extLst>
         </p:spPr>
@@ -12199,7 +12200,7 @@
           </a:ln>
           <a:extLst>
             <a:ext uri="{C572A759-6A51-4108-AA02-DFA0A04FC94B}">
-              <ma14:wrappingTextBoxFlag xmlns="" xmlns:ma14="http://schemas.microsoft.com/office/mac/drawingml/2011/main" val="1"/>
+              <ma14:wrappingTextBoxFlag xmlns:ma14="http://schemas.microsoft.com/office/mac/drawingml/2011/main" xmlns="" val="1"/>
             </a:ext>
           </a:extLst>
         </p:spPr>
@@ -12252,7 +12253,7 @@
           </a:ln>
           <a:extLst>
             <a:ext uri="{C572A759-6A51-4108-AA02-DFA0A04FC94B}">
-              <ma14:wrappingTextBoxFlag xmlns="" xmlns:ma14="http://schemas.microsoft.com/office/mac/drawingml/2011/main" val="1"/>
+              <ma14:wrappingTextBoxFlag xmlns:ma14="http://schemas.microsoft.com/office/mac/drawingml/2011/main" xmlns="" val="1"/>
             </a:ext>
           </a:extLst>
         </p:spPr>
@@ -12518,7 +12519,7 @@
           </a:ln>
           <a:extLst>
             <a:ext uri="{C572A759-6A51-4108-AA02-DFA0A04FC94B}">
-              <ma14:wrappingTextBoxFlag xmlns="" xmlns:ma14="http://schemas.microsoft.com/office/mac/drawingml/2011/main" val="1"/>
+              <ma14:wrappingTextBoxFlag xmlns:ma14="http://schemas.microsoft.com/office/mac/drawingml/2011/main" xmlns="" val="1"/>
             </a:ext>
           </a:extLst>
         </p:spPr>
@@ -12587,7 +12588,7 @@
           </a:ln>
           <a:extLst>
             <a:ext uri="{C572A759-6A51-4108-AA02-DFA0A04FC94B}">
-              <ma14:wrappingTextBoxFlag xmlns="" xmlns:ma14="http://schemas.microsoft.com/office/mac/drawingml/2011/main" val="1"/>
+              <ma14:wrappingTextBoxFlag xmlns:ma14="http://schemas.microsoft.com/office/mac/drawingml/2011/main" xmlns="" val="1"/>
             </a:ext>
           </a:extLst>
         </p:spPr>
@@ -12640,7 +12641,7 @@
           </a:ln>
           <a:extLst>
             <a:ext uri="{C572A759-6A51-4108-AA02-DFA0A04FC94B}">
-              <ma14:wrappingTextBoxFlag xmlns="" xmlns:ma14="http://schemas.microsoft.com/office/mac/drawingml/2011/main" val="1"/>
+              <ma14:wrappingTextBoxFlag xmlns:ma14="http://schemas.microsoft.com/office/mac/drawingml/2011/main" xmlns="" val="1"/>
             </a:ext>
           </a:extLst>
         </p:spPr>
@@ -13041,7 +13042,7 @@
           </a:ln>
           <a:extLst>
             <a:ext uri="{C572A759-6A51-4108-AA02-DFA0A04FC94B}">
-              <ma14:wrappingTextBoxFlag xmlns="" xmlns:ma14="http://schemas.microsoft.com/office/mac/drawingml/2011/main" val="1"/>
+              <ma14:wrappingTextBoxFlag xmlns:ma14="http://schemas.microsoft.com/office/mac/drawingml/2011/main" xmlns="" val="1"/>
             </a:ext>
           </a:extLst>
         </p:spPr>
@@ -13110,7 +13111,7 @@
           </a:ln>
           <a:extLst>
             <a:ext uri="{C572A759-6A51-4108-AA02-DFA0A04FC94B}">
-              <ma14:wrappingTextBoxFlag xmlns="" xmlns:ma14="http://schemas.microsoft.com/office/mac/drawingml/2011/main" val="1"/>
+              <ma14:wrappingTextBoxFlag xmlns:ma14="http://schemas.microsoft.com/office/mac/drawingml/2011/main" xmlns="" val="1"/>
             </a:ext>
           </a:extLst>
         </p:spPr>
@@ -13163,7 +13164,7 @@
           </a:ln>
           <a:extLst>
             <a:ext uri="{C572A759-6A51-4108-AA02-DFA0A04FC94B}">
-              <ma14:wrappingTextBoxFlag xmlns="" xmlns:ma14="http://schemas.microsoft.com/office/mac/drawingml/2011/main" val="1"/>
+              <ma14:wrappingTextBoxFlag xmlns:ma14="http://schemas.microsoft.com/office/mac/drawingml/2011/main" xmlns="" val="1"/>
             </a:ext>
           </a:extLst>
         </p:spPr>
@@ -13763,7 +13764,7 @@
           </a:ln>
           <a:extLst>
             <a:ext uri="{C572A759-6A51-4108-AA02-DFA0A04FC94B}">
-              <ma14:wrappingTextBoxFlag xmlns:ma14="http://schemas.microsoft.com/office/mac/drawingml/2011/main" xmlns="" val="1"/>
+              <ma14:wrappingTextBoxFlag xmlns="" xmlns:ma14="http://schemas.microsoft.com/office/mac/drawingml/2011/main" val="1"/>
             </a:ext>
           </a:extLst>
         </p:spPr>
@@ -13863,7 +13864,7 @@
           </a:ln>
           <a:extLst>
             <a:ext uri="{C572A759-6A51-4108-AA02-DFA0A04FC94B}">
-              <ma14:wrappingTextBoxFlag xmlns="" xmlns:ma14="http://schemas.microsoft.com/office/mac/drawingml/2011/main" val="1"/>
+              <ma14:wrappingTextBoxFlag xmlns:ma14="http://schemas.microsoft.com/office/mac/drawingml/2011/main" xmlns="" val="1"/>
             </a:ext>
           </a:extLst>
         </p:spPr>
@@ -13932,7 +13933,7 @@
           </a:ln>
           <a:extLst>
             <a:ext uri="{C572A759-6A51-4108-AA02-DFA0A04FC94B}">
-              <ma14:wrappingTextBoxFlag xmlns="" xmlns:ma14="http://schemas.microsoft.com/office/mac/drawingml/2011/main" val="1"/>
+              <ma14:wrappingTextBoxFlag xmlns:ma14="http://schemas.microsoft.com/office/mac/drawingml/2011/main" xmlns="" val="1"/>
             </a:ext>
           </a:extLst>
         </p:spPr>
@@ -14270,7 +14271,7 @@
           </a:ln>
           <a:extLst>
             <a:ext uri="{C572A759-6A51-4108-AA02-DFA0A04FC94B}">
-              <ma14:wrappingTextBoxFlag xmlns="" xmlns:ma14="http://schemas.microsoft.com/office/mac/drawingml/2011/main" val="1"/>
+              <ma14:wrappingTextBoxFlag xmlns:ma14="http://schemas.microsoft.com/office/mac/drawingml/2011/main" xmlns="" val="1"/>
             </a:ext>
           </a:extLst>
         </p:spPr>
@@ -14544,6 +14545,282 @@
   <p:cSld>
     <p:spTree>
       <p:nvGrpSpPr>
+        <p:cNvPr id="1" name="">
+          <a:extLst>
+            <a:ext uri="{FF2B5EF4-FFF2-40B4-BE49-F238E27FC236}">
+              <a16:creationId xmlns:a16="http://schemas.microsoft.com/office/drawing/2014/main" id="{0579CD5C-CDB6-9094-F077-3A9006D24CA3}"/>
+            </a:ext>
+          </a:extLst>
+        </p:cNvPr>
+        <p:cNvGrpSpPr/>
+        <p:nvPr/>
+      </p:nvGrpSpPr>
+      <p:grpSpPr>
+        <a:xfrm>
+          <a:off x="0" y="0"/>
+          <a:ext cx="0" cy="0"/>
+          <a:chOff x="0" y="0"/>
+          <a:chExt cx="0" cy="0"/>
+        </a:xfrm>
+      </p:grpSpPr>
+      <p:sp>
+        <p:nvSpPr>
+          <p:cNvPr id="189" name="Shape 189">
+            <a:extLst>
+              <a:ext uri="{FF2B5EF4-FFF2-40B4-BE49-F238E27FC236}">
+                <a16:creationId xmlns:a16="http://schemas.microsoft.com/office/drawing/2014/main" id="{E2A35AB5-55D6-93A3-DDCD-328DE0382617}"/>
+              </a:ext>
+            </a:extLst>
+          </p:cNvPr>
+          <p:cNvSpPr/>
+          <p:nvPr/>
+        </p:nvSpPr>
+        <p:spPr>
+          <a:xfrm>
+            <a:off x="386308" y="147496"/>
+            <a:ext cx="7757379" cy="553998"/>
+          </a:xfrm>
+          <a:prstGeom prst="rect">
+            <a:avLst/>
+          </a:prstGeom>
+          <a:ln w="12700">
+            <a:miter lim="400000"/>
+          </a:ln>
+          <a:extLst>
+            <a:ext uri="{C572A759-6A51-4108-AA02-DFA0A04FC94B}">
+              <ma14:wrappingTextBoxFlag xmlns="" xmlns:ma14="http://schemas.microsoft.com/office/mac/drawingml/2011/main" val="1"/>
+            </a:ext>
+          </a:extLst>
+        </p:spPr>
+        <p:txBody>
+          <a:bodyPr lIns="45719" rIns="45719">
+            <a:spAutoFit/>
+          </a:bodyPr>
+          <a:lstStyle>
+            <a:lvl1pPr>
+              <a:defRPr sz="3000" b="1">
+                <a:uFill>
+                  <a:solidFill>
+                    <a:srgbClr val="FFFFFF"/>
+                  </a:solidFill>
+                </a:uFill>
+              </a:defRPr>
+            </a:lvl1pPr>
+          </a:lstStyle>
+          <a:p>
+            <a:pPr lvl="0">
+              <a:defRPr sz="1800" b="0">
+                <a:solidFill>
+                  <a:srgbClr val="000000"/>
+                </a:solidFill>
+                <a:uFillTx/>
+              </a:defRPr>
+            </a:pPr>
+            <a:r>
+              <a:rPr sz="3000" b="1" dirty="0">
+                <a:uFill>
+                  <a:solidFill>
+                    <a:srgbClr val="FFFFFF"/>
+                  </a:solidFill>
+                </a:uFill>
+                <a:latin typeface="Arial Unicode MS" panose="020B0604020202020204" pitchFamily="34" charset="-128"/>
+              </a:rPr>
+              <a:t>Joins</a:t>
+            </a:r>
+            <a:r>
+              <a:rPr lang="en-US" sz="3000" b="1" dirty="0">
+                <a:uFill>
+                  <a:solidFill>
+                    <a:srgbClr val="FFFFFF"/>
+                  </a:solidFill>
+                </a:uFill>
+                <a:latin typeface="Arial Unicode MS" panose="020B0604020202020204" pitchFamily="34" charset="-128"/>
+              </a:rPr>
+              <a:t> + Group By</a:t>
+            </a:r>
+            <a:r>
+              <a:rPr sz="3000" b="1" dirty="0">
+                <a:uFill>
+                  <a:solidFill>
+                    <a:srgbClr val="FFFFFF"/>
+                  </a:solidFill>
+                </a:uFill>
+                <a:latin typeface="Arial Unicode MS" panose="020B0604020202020204" pitchFamily="34" charset="-128"/>
+              </a:rPr>
+              <a:t> Practice Queries</a:t>
+            </a:r>
+          </a:p>
+        </p:txBody>
+      </p:sp>
+      <p:sp>
+        <p:nvSpPr>
+          <p:cNvPr id="190" name="Shape 190">
+            <a:extLst>
+              <a:ext uri="{FF2B5EF4-FFF2-40B4-BE49-F238E27FC236}">
+                <a16:creationId xmlns:a16="http://schemas.microsoft.com/office/drawing/2014/main" id="{4933E149-8E77-65F3-5BC1-18445B68D627}"/>
+              </a:ext>
+            </a:extLst>
+          </p:cNvPr>
+          <p:cNvSpPr/>
+          <p:nvPr/>
+        </p:nvSpPr>
+        <p:spPr>
+          <a:xfrm>
+            <a:off x="469900" y="1324179"/>
+            <a:ext cx="8204200" cy="307777"/>
+          </a:xfrm>
+          <a:prstGeom prst="rect">
+            <a:avLst/>
+          </a:prstGeom>
+          <a:ln w="12700">
+            <a:miter lim="400000"/>
+          </a:ln>
+          <a:extLst>
+            <a:ext uri="{C572A759-6A51-4108-AA02-DFA0A04FC94B}">
+              <ma14:wrappingTextBoxFlag xmlns="" xmlns:ma14="http://schemas.microsoft.com/office/mac/drawingml/2011/main" val="1"/>
+            </a:ext>
+          </a:extLst>
+        </p:spPr>
+        <p:txBody>
+          <a:bodyPr lIns="0" tIns="0" rIns="0" bIns="0">
+            <a:spAutoFit/>
+          </a:bodyPr>
+          <a:lstStyle/>
+          <a:p>
+            <a:pPr lvl="0">
+              <a:spcBef>
+                <a:spcPts val="700"/>
+              </a:spcBef>
+              <a:buSzPct val="100000"/>
+              <a:defRPr sz="1800">
+                <a:solidFill>
+                  <a:srgbClr val="000000"/>
+                </a:solidFill>
+                <a:uFillTx/>
+              </a:defRPr>
+            </a:pPr>
+            <a:endParaRPr sz="2000" dirty="0">
+              <a:uFill>
+                <a:solidFill/>
+              </a:uFill>
+              <a:latin typeface="Arial Unicode MS" panose="020B0604020202020204" pitchFamily="34" charset="-128"/>
+              <a:ea typeface="Arial Unicode MS" panose="020B0604020202020204" pitchFamily="34" charset="-128"/>
+              <a:cs typeface="Arial Unicode MS" panose="020B0604020202020204" pitchFamily="34" charset="-128"/>
+              <a:sym typeface="Iowan Old Style Roman"/>
+            </a:endParaRPr>
+          </a:p>
+        </p:txBody>
+      </p:sp>
+      <p:sp>
+        <p:nvSpPr>
+          <p:cNvPr id="2" name="TextBox 1">
+            <a:extLst>
+              <a:ext uri="{FF2B5EF4-FFF2-40B4-BE49-F238E27FC236}">
+                <a16:creationId xmlns:a16="http://schemas.microsoft.com/office/drawing/2014/main" id="{86355990-BD61-8731-8950-3E0A8914EBC9}"/>
+              </a:ext>
+            </a:extLst>
+          </p:cNvPr>
+          <p:cNvSpPr txBox="1"/>
+          <p:nvPr/>
+        </p:nvSpPr>
+        <p:spPr>
+          <a:xfrm>
+            <a:off x="110532" y="1478067"/>
+            <a:ext cx="8912888" cy="1477328"/>
+          </a:xfrm>
+          <a:prstGeom prst="rect">
+            <a:avLst/>
+          </a:prstGeom>
+          <a:noFill/>
+        </p:spPr>
+        <p:txBody>
+          <a:bodyPr wrap="square" rtlCol="0">
+            <a:spAutoFit/>
+          </a:bodyPr>
+          <a:lstStyle/>
+          <a:p>
+            <a:pPr marL="285750" indent="-285750">
+              <a:buFont typeface="Arial" panose="020B0604020202020204" pitchFamily="34" charset="0"/>
+              <a:buChar char="•"/>
+            </a:pPr>
+            <a:r>
+              <a:rPr lang="en-US" dirty="0"/>
+              <a:t>Show the number of music likes per </a:t>
+            </a:r>
+            <a:r>
+              <a:rPr lang="en-US" dirty="0" err="1"/>
+              <a:t>ProfileID</a:t>
+            </a:r>
+            <a:endParaRPr lang="en-US" dirty="0"/>
+          </a:p>
+          <a:p>
+            <a:pPr marL="285750" indent="-285750">
+              <a:buFont typeface="Arial" panose="020B0604020202020204" pitchFamily="34" charset="0"/>
+              <a:buChar char="•"/>
+            </a:pPr>
+            <a:r>
+              <a:rPr lang="en-US" dirty="0"/>
+              <a:t>Show the number of music likes per </a:t>
+            </a:r>
+            <a:r>
+              <a:rPr lang="en-US" dirty="0" err="1"/>
+              <a:t>PoliticalView</a:t>
+            </a:r>
+            <a:endParaRPr lang="en-US" dirty="0"/>
+          </a:p>
+          <a:p>
+            <a:pPr marL="285750" indent="-285750">
+              <a:buFont typeface="Arial" panose="020B0604020202020204" pitchFamily="34" charset="0"/>
+              <a:buChar char="•"/>
+            </a:pPr>
+            <a:r>
+              <a:rPr lang="en-US" dirty="0"/>
+              <a:t>Show the number of music likes per Sex</a:t>
+            </a:r>
+          </a:p>
+          <a:p>
+            <a:pPr marL="285750" indent="-285750">
+              <a:buFont typeface="Arial" panose="020B0604020202020204" pitchFamily="34" charset="0"/>
+              <a:buChar char="•"/>
+            </a:pPr>
+            <a:endParaRPr lang="en-US" dirty="0"/>
+          </a:p>
+          <a:p>
+            <a:pPr marL="285750" indent="-285750">
+              <a:buFont typeface="Arial" panose="020B0604020202020204" pitchFamily="34" charset="0"/>
+              <a:buChar char="•"/>
+            </a:pPr>
+            <a:r>
+              <a:rPr lang="en-US" dirty="0"/>
+              <a:t>Compare the results with </a:t>
+            </a:r>
+            <a:r>
+              <a:rPr lang="en-US"/>
+              <a:t>INNER and OUTER joins</a:t>
+            </a:r>
+            <a:endParaRPr lang="en-US" dirty="0"/>
+          </a:p>
+        </p:txBody>
+      </p:sp>
+    </p:spTree>
+    <p:extLst>
+      <p:ext uri="{BB962C8B-B14F-4D97-AF65-F5344CB8AC3E}">
+        <p14:creationId xmlns:p14="http://schemas.microsoft.com/office/powerpoint/2010/main" val="2433215318"/>
+      </p:ext>
+    </p:extLst>
+  </p:cSld>
+  <p:clrMapOvr>
+    <a:masterClrMapping/>
+  </p:clrMapOvr>
+  <p:transition spd="med"/>
+</p:sld>
+</file>
+
+<file path=ppt/slides/slide21.xml><?xml version="1.0" encoding="utf-8"?>
+<p:sld xmlns:a="http://schemas.openxmlformats.org/drawingml/2006/main" xmlns:r="http://schemas.openxmlformats.org/officeDocument/2006/relationships" xmlns:p="http://schemas.openxmlformats.org/presentationml/2006/main">
+  <p:cSld>
+    <p:spTree>
+      <p:nvGrpSpPr>
         <p:cNvPr id="1" name=""/>
         <p:cNvGrpSpPr/>
         <p:nvPr/>
@@ -14575,7 +14852,7 @@
           </a:ln>
           <a:extLst>
             <a:ext uri="{C572A759-6A51-4108-AA02-DFA0A04FC94B}">
-              <ma14:wrappingTextBoxFlag xmlns:ma14="http://schemas.microsoft.com/office/mac/drawingml/2011/main" xmlns="" val="1"/>
+              <ma14:wrappingTextBoxFlag xmlns="" xmlns:ma14="http://schemas.microsoft.com/office/mac/drawingml/2011/main" val="1"/>
             </a:ext>
           </a:extLst>
         </p:spPr>
@@ -14658,7 +14935,7 @@
           </a:ln>
           <a:extLst>
             <a:ext uri="{C572A759-6A51-4108-AA02-DFA0A04FC94B}">
-              <ma14:wrappingTextBoxFlag xmlns:ma14="http://schemas.microsoft.com/office/mac/drawingml/2011/main" xmlns="" val="1"/>
+              <ma14:wrappingTextBoxFlag xmlns="" xmlns:ma14="http://schemas.microsoft.com/office/mac/drawingml/2011/main" val="1"/>
             </a:ext>
           </a:extLst>
         </p:spPr>
@@ -14903,7 +15180,7 @@
 </p:sld>
 </file>
 
-<file path=ppt/slides/slide21.xml><?xml version="1.0" encoding="utf-8"?>
+<file path=ppt/slides/slide22.xml><?xml version="1.0" encoding="utf-8"?>
 <p:sld xmlns:a="http://schemas.openxmlformats.org/drawingml/2006/main" xmlns:r="http://schemas.openxmlformats.org/officeDocument/2006/relationships" xmlns:p="http://schemas.openxmlformats.org/presentationml/2006/main">
   <p:cSld>
     <p:spTree>
@@ -14939,7 +15216,7 @@
           </a:ln>
           <a:extLst>
             <a:ext uri="{C572A759-6A51-4108-AA02-DFA0A04FC94B}">
-              <ma14:wrappingTextBoxFlag xmlns:ma14="http://schemas.microsoft.com/office/mac/drawingml/2011/main" xmlns="" val="1"/>
+              <ma14:wrappingTextBoxFlag xmlns="" xmlns:ma14="http://schemas.microsoft.com/office/mac/drawingml/2011/main" val="1"/>
             </a:ext>
           </a:extLst>
         </p:spPr>
@@ -15033,7 +15310,7 @@
           </a:ln>
           <a:extLst>
             <a:ext uri="{C572A759-6A51-4108-AA02-DFA0A04FC94B}">
-              <ma14:wrappingTextBoxFlag xmlns:ma14="http://schemas.microsoft.com/office/mac/drawingml/2011/main" xmlns="" val="1"/>
+              <ma14:wrappingTextBoxFlag xmlns="" xmlns:ma14="http://schemas.microsoft.com/office/mac/drawingml/2011/main" val="1"/>
             </a:ext>
           </a:extLst>
         </p:spPr>
@@ -15175,7 +15452,7 @@
           </a:prstGeom>
           <a:extLst>
             <a:ext uri="{C572A759-6A51-4108-AA02-DFA0A04FC94B}">
-              <ma14:wrappingTextBoxFlag xmlns="" xmlns:ma14="http://schemas.microsoft.com/office/mac/drawingml/2011/main" val="1"/>
+              <ma14:wrappingTextBoxFlag xmlns:ma14="http://schemas.microsoft.com/office/mac/drawingml/2011/main" xmlns="" val="1"/>
             </a:ext>
           </a:extLst>
         </p:spPr>
@@ -15229,7 +15506,7 @@
           </a:ln>
           <a:extLst>
             <a:ext uri="{C572A759-6A51-4108-AA02-DFA0A04FC94B}">
-              <ma14:wrappingTextBoxFlag xmlns="" xmlns:ma14="http://schemas.microsoft.com/office/mac/drawingml/2011/main" val="1"/>
+              <ma14:wrappingTextBoxFlag xmlns:ma14="http://schemas.microsoft.com/office/mac/drawingml/2011/main" xmlns="" val="1"/>
             </a:ext>
           </a:extLst>
         </p:spPr>
@@ -17077,7 +17354,7 @@
           </a:ln>
           <a:extLst>
             <a:ext uri="{C572A759-6A51-4108-AA02-DFA0A04FC94B}">
-              <ma14:wrappingTextBoxFlag xmlns="" xmlns:ma14="http://schemas.microsoft.com/office/mac/drawingml/2011/main" val="1"/>
+              <ma14:wrappingTextBoxFlag xmlns:ma14="http://schemas.microsoft.com/office/mac/drawingml/2011/main" xmlns="" val="1"/>
             </a:ext>
           </a:extLst>
         </p:spPr>
@@ -17157,7 +17434,7 @@
           </a:ln>
           <a:extLst>
             <a:ext uri="{C572A759-6A51-4108-AA02-DFA0A04FC94B}">
-              <ma14:wrappingTextBoxFlag xmlns="" xmlns:ma14="http://schemas.microsoft.com/office/mac/drawingml/2011/main" val="1"/>
+              <ma14:wrappingTextBoxFlag xmlns:ma14="http://schemas.microsoft.com/office/mac/drawingml/2011/main" xmlns="" val="1"/>
             </a:ext>
           </a:extLst>
         </p:spPr>
@@ -17210,7 +17487,7 @@
           </a:ln>
           <a:extLst>
             <a:ext uri="{C572A759-6A51-4108-AA02-DFA0A04FC94B}">
-              <ma14:wrappingTextBoxFlag xmlns="" xmlns:ma14="http://schemas.microsoft.com/office/mac/drawingml/2011/main" val="1"/>
+              <ma14:wrappingTextBoxFlag xmlns:ma14="http://schemas.microsoft.com/office/mac/drawingml/2011/main" xmlns="" val="1"/>
             </a:ext>
           </a:extLst>
         </p:spPr>
@@ -17871,7 +18148,7 @@
           </a:ln>
           <a:extLst>
             <a:ext uri="{C572A759-6A51-4108-AA02-DFA0A04FC94B}">
-              <ma14:wrappingTextBoxFlag xmlns="" xmlns:ma14="http://schemas.microsoft.com/office/mac/drawingml/2011/main" val="1"/>
+              <ma14:wrappingTextBoxFlag xmlns:ma14="http://schemas.microsoft.com/office/mac/drawingml/2011/main" xmlns="" val="1"/>
             </a:ext>
           </a:extLst>
         </p:spPr>
@@ -17932,7 +18209,7 @@
           </a:ln>
           <a:extLst>
             <a:ext uri="{C572A759-6A51-4108-AA02-DFA0A04FC94B}">
-              <ma14:wrappingTextBoxFlag xmlns="" xmlns:ma14="http://schemas.microsoft.com/office/mac/drawingml/2011/main" val="1"/>
+              <ma14:wrappingTextBoxFlag xmlns:ma14="http://schemas.microsoft.com/office/mac/drawingml/2011/main" xmlns="" val="1"/>
             </a:ext>
           </a:extLst>
         </p:spPr>
@@ -18399,7 +18676,7 @@
           </a:ln>
           <a:extLst>
             <a:ext uri="{C572A759-6A51-4108-AA02-DFA0A04FC94B}">
-              <ma14:wrappingTextBoxFlag xmlns="" xmlns:ma14="http://schemas.microsoft.com/office/mac/drawingml/2011/main" val="1"/>
+              <ma14:wrappingTextBoxFlag xmlns:ma14="http://schemas.microsoft.com/office/mac/drawingml/2011/main" xmlns="" val="1"/>
             </a:ext>
           </a:extLst>
         </p:spPr>
@@ -18500,7 +18777,7 @@
           </a:ln>
           <a:extLst>
             <a:ext uri="{C572A759-6A51-4108-AA02-DFA0A04FC94B}">
-              <ma14:wrappingTextBoxFlag xmlns="" xmlns:ma14="http://schemas.microsoft.com/office/mac/drawingml/2011/main" val="1"/>
+              <ma14:wrappingTextBoxFlag xmlns:ma14="http://schemas.microsoft.com/office/mac/drawingml/2011/main" xmlns="" val="1"/>
             </a:ext>
           </a:extLst>
         </p:spPr>
@@ -19007,7 +19284,7 @@
           </a:ln>
           <a:extLst>
             <a:ext uri="{C572A759-6A51-4108-AA02-DFA0A04FC94B}">
-              <ma14:wrappingTextBoxFlag xmlns="" xmlns:ma14="http://schemas.microsoft.com/office/mac/drawingml/2011/main" val="1"/>
+              <ma14:wrappingTextBoxFlag xmlns:ma14="http://schemas.microsoft.com/office/mac/drawingml/2011/main" xmlns="" val="1"/>
             </a:ext>
           </a:extLst>
         </p:spPr>
@@ -21049,7 +21326,7 @@
           </a:ln>
           <a:extLst>
             <a:ext uri="{C572A759-6A51-4108-AA02-DFA0A04FC94B}">
-              <ma14:wrappingTextBoxFlag xmlns="" xmlns:ma14="http://schemas.microsoft.com/office/mac/drawingml/2011/main" val="1"/>
+              <ma14:wrappingTextBoxFlag xmlns:ma14="http://schemas.microsoft.com/office/mac/drawingml/2011/main" xmlns="" val="1"/>
             </a:ext>
           </a:extLst>
         </p:spPr>
@@ -21229,7 +21506,7 @@
           </a:ln>
           <a:extLst>
             <a:ext uri="{C572A759-6A51-4108-AA02-DFA0A04FC94B}">
-              <ma14:wrappingTextBoxFlag xmlns="" xmlns:ma14="http://schemas.microsoft.com/office/mac/drawingml/2011/main" val="1"/>
+              <ma14:wrappingTextBoxFlag xmlns:ma14="http://schemas.microsoft.com/office/mac/drawingml/2011/main" xmlns="" val="1"/>
             </a:ext>
           </a:extLst>
         </p:spPr>
@@ -22233,7 +22510,7 @@
           </a:ln>
           <a:extLst>
             <a:ext uri="{C572A759-6A51-4108-AA02-DFA0A04FC94B}">
-              <ma14:wrappingTextBoxFlag xmlns="" xmlns:ma14="http://schemas.microsoft.com/office/mac/drawingml/2011/main" val="1"/>
+              <ma14:wrappingTextBoxFlag xmlns:ma14="http://schemas.microsoft.com/office/mac/drawingml/2011/main" xmlns="" val="1"/>
             </a:ext>
           </a:extLst>
         </p:spPr>
@@ -24275,7 +24552,7 @@
           </a:ln>
           <a:extLst>
             <a:ext uri="{C572A759-6A51-4108-AA02-DFA0A04FC94B}">
-              <ma14:wrappingTextBoxFlag xmlns="" xmlns:ma14="http://schemas.microsoft.com/office/mac/drawingml/2011/main" val="1"/>
+              <ma14:wrappingTextBoxFlag xmlns:ma14="http://schemas.microsoft.com/office/mac/drawingml/2011/main" xmlns="" val="1"/>
             </a:ext>
           </a:extLst>
         </p:spPr>
@@ -24479,7 +24756,7 @@
           </a:ln>
           <a:extLst>
             <a:ext uri="{C572A759-6A51-4108-AA02-DFA0A04FC94B}">
-              <ma14:wrappingTextBoxFlag xmlns="" xmlns:ma14="http://schemas.microsoft.com/office/mac/drawingml/2011/main" val="1"/>
+              <ma14:wrappingTextBoxFlag xmlns:ma14="http://schemas.microsoft.com/office/mac/drawingml/2011/main" xmlns="" val="1"/>
             </a:ext>
           </a:extLst>
         </p:spPr>
@@ -25539,7 +25816,7 @@
           </a:ln>
           <a:extLst>
             <a:ext uri="{C572A759-6A51-4108-AA02-DFA0A04FC94B}">
-              <ma14:wrappingTextBoxFlag xmlns="" xmlns:ma14="http://schemas.microsoft.com/office/mac/drawingml/2011/main" val="1"/>
+              <ma14:wrappingTextBoxFlag xmlns:ma14="http://schemas.microsoft.com/office/mac/drawingml/2011/main" xmlns="" val="1"/>
             </a:ext>
           </a:extLst>
         </p:spPr>
@@ -27590,7 +27867,7 @@
           </a:ln>
           <a:extLst>
             <a:ext uri="{C572A759-6A51-4108-AA02-DFA0A04FC94B}">
-              <ma14:wrappingTextBoxFlag xmlns="" xmlns:ma14="http://schemas.microsoft.com/office/mac/drawingml/2011/main" val="1"/>
+              <ma14:wrappingTextBoxFlag xmlns:ma14="http://schemas.microsoft.com/office/mac/drawingml/2011/main" xmlns="" val="1"/>
             </a:ext>
           </a:extLst>
         </p:spPr>
@@ -27773,7 +28050,7 @@
           </a:ln>
           <a:extLst>
             <a:ext uri="{C572A759-6A51-4108-AA02-DFA0A04FC94B}">
-              <ma14:wrappingTextBoxFlag xmlns="" xmlns:ma14="http://schemas.microsoft.com/office/mac/drawingml/2011/main" val="1"/>
+              <ma14:wrappingTextBoxFlag xmlns:ma14="http://schemas.microsoft.com/office/mac/drawingml/2011/main" xmlns="" val="1"/>
             </a:ext>
           </a:extLst>
         </p:spPr>
@@ -28997,7 +29274,7 @@
           </a:ln>
           <a:extLst>
             <a:ext uri="{C572A759-6A51-4108-AA02-DFA0A04FC94B}">
-              <ma14:wrappingTextBoxFlag xmlns="" xmlns:ma14="http://schemas.microsoft.com/office/mac/drawingml/2011/main" val="1"/>
+              <ma14:wrappingTextBoxFlag xmlns:ma14="http://schemas.microsoft.com/office/mac/drawingml/2011/main" xmlns="" val="1"/>
             </a:ext>
           </a:extLst>
         </p:spPr>
@@ -29099,7 +29376,7 @@
           </a:ln>
           <a:extLst>
             <a:ext uri="{C572A759-6A51-4108-AA02-DFA0A04FC94B}">
-              <ma14:wrappingTextBoxFlag xmlns="" xmlns:ma14="http://schemas.microsoft.com/office/mac/drawingml/2011/main" val="1"/>
+              <ma14:wrappingTextBoxFlag xmlns:ma14="http://schemas.microsoft.com/office/mac/drawingml/2011/main" xmlns="" val="1"/>
             </a:ext>
           </a:extLst>
         </p:spPr>
@@ -29152,7 +29429,7 @@
           </a:ln>
           <a:extLst>
             <a:ext uri="{C572A759-6A51-4108-AA02-DFA0A04FC94B}">
-              <ma14:wrappingTextBoxFlag xmlns="" xmlns:ma14="http://schemas.microsoft.com/office/mac/drawingml/2011/main" val="1"/>
+              <ma14:wrappingTextBoxFlag xmlns:ma14="http://schemas.microsoft.com/office/mac/drawingml/2011/main" xmlns="" val="1"/>
             </a:ext>
           </a:extLst>
         </p:spPr>

--- a/session5/D-SQL_Aggregation_Queries.pptx
+++ b/session5/D-SQL_Aggregation_Queries.pptx
@@ -5,10 +5,10 @@
     <p:sldMasterId id="2147483660" r:id="rId1"/>
   </p:sldMasterIdLst>
   <p:notesMasterIdLst>
-    <p:notesMasterId r:id="rId24"/>
+    <p:notesMasterId r:id="rId23"/>
   </p:notesMasterIdLst>
   <p:handoutMasterIdLst>
-    <p:handoutMasterId r:id="rId25"/>
+    <p:handoutMasterId r:id="rId24"/>
   </p:handoutMasterIdLst>
   <p:sldIdLst>
     <p:sldId id="256" r:id="rId2"/>
@@ -28,11 +28,10 @@
     <p:sldId id="275" r:id="rId16"/>
     <p:sldId id="300" r:id="rId17"/>
     <p:sldId id="382" r:id="rId18"/>
-    <p:sldId id="383" r:id="rId19"/>
-    <p:sldId id="385" r:id="rId20"/>
-    <p:sldId id="388" r:id="rId21"/>
-    <p:sldId id="328" r:id="rId22"/>
-    <p:sldId id="387" r:id="rId23"/>
+    <p:sldId id="385" r:id="rId19"/>
+    <p:sldId id="388" r:id="rId20"/>
+    <p:sldId id="328" r:id="rId21"/>
+    <p:sldId id="387" r:id="rId22"/>
   </p:sldIdLst>
   <p:sldSz cx="9144000" cy="6858000" type="screen4x3"/>
   <p:notesSz cx="7315200" cy="9601200"/>
@@ -284,7 +283,7 @@
           <a:lstStyle>
             <a:lvl1pPr algn="l">
               <a:defRPr sz="1200">
-                <a:latin typeface="Arial Unicode MS" panose="020B0604020202020204" pitchFamily="34" charset="-128"/>
+                <a:latin typeface="Calibri" panose="020F0502020204030204" pitchFamily="34" charset="0"/>
               </a:defRPr>
             </a:lvl1pPr>
           </a:lstStyle>
@@ -317,7 +316,7 @@
           <a:lstStyle>
             <a:lvl1pPr algn="r">
               <a:defRPr sz="1200">
-                <a:latin typeface="Arial Unicode MS" panose="020B0604020202020204" pitchFamily="34" charset="-128"/>
+                <a:latin typeface="Calibri" panose="020F0502020204030204" pitchFamily="34" charset="0"/>
               </a:defRPr>
             </a:lvl1pPr>
           </a:lstStyle>
@@ -325,7 +324,7 @@
             <a:fld id="{0F6AC800-BF99-41BB-8DE5-8FC7E09D6C23}" type="datetimeFigureOut">
               <a:rPr lang="en-US" smtClean="0"/>
               <a:pPr/>
-              <a:t>5/27/2025</a:t>
+              <a:t>10/6/2025</a:t>
             </a:fld>
             <a:endParaRPr lang="en-US" dirty="0"/>
           </a:p>
@@ -447,7 +446,7 @@
           <a:lstStyle>
             <a:lvl1pPr algn="l">
               <a:defRPr sz="1200">
-                <a:latin typeface="Arial Unicode MS" panose="020B0604020202020204" pitchFamily="34" charset="-128"/>
+                <a:latin typeface="Calibri" panose="020F0502020204030204" pitchFamily="34" charset="0"/>
               </a:defRPr>
             </a:lvl1pPr>
           </a:lstStyle>
@@ -480,7 +479,7 @@
           <a:lstStyle>
             <a:lvl1pPr algn="r">
               <a:defRPr sz="1200">
-                <a:latin typeface="Arial Unicode MS" panose="020B0604020202020204" pitchFamily="34" charset="-128"/>
+                <a:latin typeface="Calibri" panose="020F0502020204030204" pitchFamily="34" charset="0"/>
               </a:defRPr>
             </a:lvl1pPr>
           </a:lstStyle>
@@ -509,7 +508,7 @@
         <a:solidFill>
           <a:schemeClr val="tx1"/>
         </a:solidFill>
-        <a:latin typeface="Arial Unicode MS" panose="020B0604020202020204" pitchFamily="34" charset="-128"/>
+        <a:latin typeface="Calibri" panose="020F0502020204030204" pitchFamily="34" charset="0"/>
         <a:ea typeface="+mn-ea"/>
         <a:cs typeface="+mn-cs"/>
       </a:defRPr>
@@ -519,7 +518,7 @@
         <a:solidFill>
           <a:schemeClr val="tx1"/>
         </a:solidFill>
-        <a:latin typeface="Arial Unicode MS" panose="020B0604020202020204" pitchFamily="34" charset="-128"/>
+        <a:latin typeface="Calibri" panose="020F0502020204030204" pitchFamily="34" charset="0"/>
         <a:ea typeface="+mn-ea"/>
         <a:cs typeface="+mn-cs"/>
       </a:defRPr>
@@ -529,7 +528,7 @@
         <a:solidFill>
           <a:schemeClr val="tx1"/>
         </a:solidFill>
-        <a:latin typeface="Arial Unicode MS" panose="020B0604020202020204" pitchFamily="34" charset="-128"/>
+        <a:latin typeface="Calibri" panose="020F0502020204030204" pitchFamily="34" charset="0"/>
         <a:ea typeface="+mn-ea"/>
         <a:cs typeface="+mn-cs"/>
       </a:defRPr>
@@ -539,7 +538,7 @@
         <a:solidFill>
           <a:schemeClr val="tx1"/>
         </a:solidFill>
-        <a:latin typeface="Arial Unicode MS" panose="020B0604020202020204" pitchFamily="34" charset="-128"/>
+        <a:latin typeface="Calibri" panose="020F0502020204030204" pitchFamily="34" charset="0"/>
         <a:ea typeface="+mn-ea"/>
         <a:cs typeface="+mn-cs"/>
       </a:defRPr>
@@ -549,7 +548,7 @@
         <a:solidFill>
           <a:schemeClr val="tx1"/>
         </a:solidFill>
-        <a:latin typeface="Arial Unicode MS" panose="020B0604020202020204" pitchFamily="34" charset="-128"/>
+        <a:latin typeface="Calibri" panose="020F0502020204030204" pitchFamily="34" charset="0"/>
         <a:ea typeface="+mn-ea"/>
         <a:cs typeface="+mn-cs"/>
       </a:defRPr>
@@ -729,7 +728,7 @@
           <a:p>
             <a:fld id="{5F4C8C79-FAFE-4D56-A4D5-361B65C3B3FA}" type="datetimeFigureOut">
               <a:rPr lang="en-US" smtClean="0"/>
-              <a:t>5/27/2025</a:t>
+              <a:t>10/6/2025</a:t>
             </a:fld>
             <a:endParaRPr lang="en-US"/>
           </a:p>
@@ -899,7 +898,7 @@
           <a:p>
             <a:fld id="{5F4C8C79-FAFE-4D56-A4D5-361B65C3B3FA}" type="datetimeFigureOut">
               <a:rPr lang="en-US" smtClean="0"/>
-              <a:t>5/27/2025</a:t>
+              <a:t>10/6/2025</a:t>
             </a:fld>
             <a:endParaRPr lang="en-US"/>
           </a:p>
@@ -1079,7 +1078,7 @@
           <a:p>
             <a:fld id="{5F4C8C79-FAFE-4D56-A4D5-361B65C3B3FA}" type="datetimeFigureOut">
               <a:rPr lang="en-US" smtClean="0"/>
-              <a:t>5/27/2025</a:t>
+              <a:t>10/6/2025</a:t>
             </a:fld>
             <a:endParaRPr lang="en-US"/>
           </a:p>
@@ -1280,7 +1279,7 @@
           <a:p>
             <a:fld id="{5F4C8C79-FAFE-4D56-A4D5-361B65C3B3FA}" type="datetimeFigureOut">
               <a:rPr lang="en-US" smtClean="0"/>
-              <a:t>5/27/2025</a:t>
+              <a:t>10/6/2025</a:t>
             </a:fld>
             <a:endParaRPr lang="en-US"/>
           </a:p>
@@ -1524,7 +1523,7 @@
           <a:p>
             <a:fld id="{5F4C8C79-FAFE-4D56-A4D5-361B65C3B3FA}" type="datetimeFigureOut">
               <a:rPr lang="en-US" smtClean="0"/>
-              <a:t>5/27/2025</a:t>
+              <a:t>10/6/2025</a:t>
             </a:fld>
             <a:endParaRPr lang="en-US"/>
           </a:p>
@@ -1756,7 +1755,7 @@
           <a:p>
             <a:fld id="{5F4C8C79-FAFE-4D56-A4D5-361B65C3B3FA}" type="datetimeFigureOut">
               <a:rPr lang="en-US" smtClean="0"/>
-              <a:t>5/27/2025</a:t>
+              <a:t>10/6/2025</a:t>
             </a:fld>
             <a:endParaRPr lang="en-US"/>
           </a:p>
@@ -2123,7 +2122,7 @@
           <a:p>
             <a:fld id="{5F4C8C79-FAFE-4D56-A4D5-361B65C3B3FA}" type="datetimeFigureOut">
               <a:rPr lang="en-US" smtClean="0"/>
-              <a:t>5/27/2025</a:t>
+              <a:t>10/6/2025</a:t>
             </a:fld>
             <a:endParaRPr lang="en-US"/>
           </a:p>
@@ -2241,7 +2240,7 @@
           <a:p>
             <a:fld id="{5F4C8C79-FAFE-4D56-A4D5-361B65C3B3FA}" type="datetimeFigureOut">
               <a:rPr lang="en-US" smtClean="0"/>
-              <a:t>5/27/2025</a:t>
+              <a:t>10/6/2025</a:t>
             </a:fld>
             <a:endParaRPr lang="en-US"/>
           </a:p>
@@ -2336,7 +2335,7 @@
           <a:p>
             <a:fld id="{5F4C8C79-FAFE-4D56-A4D5-361B65C3B3FA}" type="datetimeFigureOut">
               <a:rPr lang="en-US" smtClean="0"/>
-              <a:t>5/27/2025</a:t>
+              <a:t>10/6/2025</a:t>
             </a:fld>
             <a:endParaRPr lang="en-US"/>
           </a:p>
@@ -2613,7 +2612,7 @@
           <a:p>
             <a:fld id="{5F4C8C79-FAFE-4D56-A4D5-361B65C3B3FA}" type="datetimeFigureOut">
               <a:rPr lang="en-US" smtClean="0"/>
-              <a:t>5/27/2025</a:t>
+              <a:t>10/6/2025</a:t>
             </a:fld>
             <a:endParaRPr lang="en-US"/>
           </a:p>
@@ -2870,7 +2869,7 @@
           <a:p>
             <a:fld id="{5F4C8C79-FAFE-4D56-A4D5-361B65C3B3FA}" type="datetimeFigureOut">
               <a:rPr lang="en-US" smtClean="0"/>
-              <a:t>5/27/2025</a:t>
+              <a:t>10/6/2025</a:t>
             </a:fld>
             <a:endParaRPr lang="en-US"/>
           </a:p>
@@ -3075,7 +3074,7 @@
                     <a:tint val="75000"/>
                   </a:schemeClr>
                 </a:solidFill>
-                <a:latin typeface="Arial Unicode MS" panose="020B0604020202020204" pitchFamily="34" charset="-128"/>
+                <a:latin typeface="Calibri" panose="020F0502020204030204" pitchFamily="34" charset="0"/>
               </a:defRPr>
             </a:lvl1pPr>
           </a:lstStyle>
@@ -3083,7 +3082,7 @@
             <a:fld id="{5F4C8C79-FAFE-4D56-A4D5-361B65C3B3FA}" type="datetimeFigureOut">
               <a:rPr lang="en-US" smtClean="0"/>
               <a:pPr/>
-              <a:t>5/27/2025</a:t>
+              <a:t>10/6/2025</a:t>
             </a:fld>
             <a:endParaRPr lang="en-US" dirty="0"/>
           </a:p>
@@ -3118,7 +3117,7 @@
                     <a:tint val="75000"/>
                   </a:schemeClr>
                 </a:solidFill>
-                <a:latin typeface="Arial Unicode MS" panose="020B0604020202020204" pitchFamily="34" charset="-128"/>
+                <a:latin typeface="Calibri" panose="020F0502020204030204" pitchFamily="34" charset="0"/>
               </a:defRPr>
             </a:lvl1pPr>
           </a:lstStyle>
@@ -3156,7 +3155,7 @@
                     <a:tint val="75000"/>
                   </a:schemeClr>
                 </a:solidFill>
-                <a:latin typeface="Arial Unicode MS" panose="020B0604020202020204" pitchFamily="34" charset="-128"/>
+                <a:latin typeface="Calibri" panose="020F0502020204030204" pitchFamily="34" charset="0"/>
               </a:defRPr>
             </a:lvl1pPr>
           </a:lstStyle>
@@ -3206,7 +3205,7 @@
           <a:solidFill>
             <a:schemeClr val="tx1"/>
           </a:solidFill>
-          <a:latin typeface="Arial Unicode MS" panose="020B0604020202020204" pitchFamily="34" charset="-128"/>
+          <a:latin typeface="Calibri" panose="020F0502020204030204" pitchFamily="34" charset="0"/>
           <a:ea typeface="+mj-ea"/>
           <a:cs typeface="+mj-cs"/>
         </a:defRPr>
@@ -3226,7 +3225,7 @@
           <a:solidFill>
             <a:schemeClr val="tx1"/>
           </a:solidFill>
-          <a:latin typeface="Arial Unicode MS" panose="020B0604020202020204" pitchFamily="34" charset="-128"/>
+          <a:latin typeface="Calibri" panose="020F0502020204030204" pitchFamily="34" charset="0"/>
           <a:ea typeface="+mn-ea"/>
           <a:cs typeface="+mn-cs"/>
         </a:defRPr>
@@ -3244,7 +3243,7 @@
           <a:solidFill>
             <a:schemeClr val="tx1"/>
           </a:solidFill>
-          <a:latin typeface="Arial Unicode MS" panose="020B0604020202020204" pitchFamily="34" charset="-128"/>
+          <a:latin typeface="Calibri" panose="020F0502020204030204" pitchFamily="34" charset="0"/>
           <a:ea typeface="+mn-ea"/>
           <a:cs typeface="+mn-cs"/>
         </a:defRPr>
@@ -3262,7 +3261,7 @@
           <a:solidFill>
             <a:schemeClr val="tx1"/>
           </a:solidFill>
-          <a:latin typeface="Arial Unicode MS" panose="020B0604020202020204" pitchFamily="34" charset="-128"/>
+          <a:latin typeface="Calibri" panose="020F0502020204030204" pitchFamily="34" charset="0"/>
           <a:ea typeface="+mn-ea"/>
           <a:cs typeface="+mn-cs"/>
         </a:defRPr>
@@ -3280,7 +3279,7 @@
           <a:solidFill>
             <a:schemeClr val="tx1"/>
           </a:solidFill>
-          <a:latin typeface="Arial Unicode MS" panose="020B0604020202020204" pitchFamily="34" charset="-128"/>
+          <a:latin typeface="Calibri" panose="020F0502020204030204" pitchFamily="34" charset="0"/>
           <a:ea typeface="+mn-ea"/>
           <a:cs typeface="+mn-cs"/>
         </a:defRPr>
@@ -3298,7 +3297,7 @@
           <a:solidFill>
             <a:schemeClr val="tx1"/>
           </a:solidFill>
-          <a:latin typeface="Arial Unicode MS" panose="020B0604020202020204" pitchFamily="34" charset="-128"/>
+          <a:latin typeface="Calibri" panose="020F0502020204030204" pitchFamily="34" charset="0"/>
           <a:ea typeface="+mn-ea"/>
           <a:cs typeface="+mn-cs"/>
         </a:defRPr>
@@ -3570,7 +3569,7 @@
           </a:ln>
           <a:extLst>
             <a:ext uri="{C572A759-6A51-4108-AA02-DFA0A04FC94B}">
-              <ma14:wrappingTextBoxFlag xmlns:ma14="http://schemas.microsoft.com/office/mac/drawingml/2011/main" xmlns="" val="1"/>
+              <ma14:wrappingTextBoxFlag xmlns="" xmlns:ma14="http://schemas.microsoft.com/office/mac/drawingml/2011/main" val="1"/>
             </a:ext>
           </a:extLst>
         </p:spPr>
@@ -3605,7 +3604,7 @@
                     <a:srgbClr val="FFFFFF"/>
                   </a:solidFill>
                 </a:uFill>
-                <a:latin typeface="Arial Unicode MS" panose="020B0604020202020204" pitchFamily="34" charset="-128"/>
+                <a:latin typeface="Calibri" panose="020F0502020204030204" pitchFamily="34" charset="0"/>
               </a:rPr>
               <a:t>Aggregation </a:t>
             </a:r>
@@ -3616,7 +3615,7 @@
                     <a:srgbClr val="FFFFFF"/>
                   </a:solidFill>
                 </a:uFill>
-                <a:latin typeface="Arial Unicode MS" panose="020B0604020202020204" pitchFamily="34" charset="-128"/>
+                <a:latin typeface="Calibri" panose="020F0502020204030204" pitchFamily="34" charset="0"/>
               </a:rPr>
               <a:t>example</a:t>
             </a:r>
@@ -3627,7 +3626,7 @@
                     <a:srgbClr val="FFFFFF"/>
                   </a:solidFill>
                 </a:uFill>
-                <a:latin typeface="Arial Unicode MS" panose="020B0604020202020204" pitchFamily="34" charset="-128"/>
+                <a:latin typeface="Calibri" panose="020F0502020204030204" pitchFamily="34" charset="0"/>
               </a:rPr>
               <a:t> queries</a:t>
             </a:r>
@@ -3638,7 +3637,7 @@
                     <a:srgbClr val="FFFFFF"/>
                   </a:solidFill>
                 </a:uFill>
-                <a:latin typeface="Arial Unicode MS" panose="020B0604020202020204" pitchFamily="34" charset="-128"/>
+                <a:latin typeface="Calibri" panose="020F0502020204030204" pitchFamily="34" charset="0"/>
               </a:rPr>
               <a:t>: IMDB</a:t>
             </a:r>
@@ -3648,7 +3647,7 @@
                   <a:srgbClr val="FFFFFF"/>
                 </a:solidFill>
               </a:uFill>
-              <a:latin typeface="Arial Unicode MS" panose="020B0604020202020204" pitchFamily="34" charset="-128"/>
+              <a:latin typeface="Calibri" panose="020F0502020204030204" pitchFamily="34" charset="0"/>
             </a:endParaRPr>
           </a:p>
         </p:txBody>
@@ -3672,7 +3671,7 @@
           </a:ln>
           <a:extLst>
             <a:ext uri="{C572A759-6A51-4108-AA02-DFA0A04FC94B}">
-              <ma14:wrappingTextBoxFlag xmlns:ma14="http://schemas.microsoft.com/office/mac/drawingml/2011/main" xmlns="" val="1"/>
+              <ma14:wrappingTextBoxFlag xmlns="" xmlns:ma14="http://schemas.microsoft.com/office/mac/drawingml/2011/main" val="1"/>
             </a:ext>
           </a:extLst>
         </p:spPr>
@@ -3698,9 +3697,9 @@
               <a:uFill>
                 <a:solidFill/>
               </a:uFill>
-              <a:latin typeface="Arial Unicode MS" panose="020B0604020202020204" pitchFamily="34" charset="-128"/>
-              <a:ea typeface="Arial Unicode MS" panose="020B0604020202020204" pitchFamily="34" charset="-128"/>
-              <a:cs typeface="Arial Unicode MS" panose="020B0604020202020204" pitchFamily="34" charset="-128"/>
+              <a:latin typeface="Calibri" panose="020F0502020204030204" pitchFamily="34" charset="0"/>
+              <a:ea typeface="Calibri" panose="020F0502020204030204" pitchFamily="34" charset="0"/>
+              <a:cs typeface="Calibri" panose="020F0502020204030204" pitchFamily="34" charset="0"/>
               <a:sym typeface="Iowan Old Style Roman"/>
             </a:endParaRPr>
           </a:p>
@@ -3725,7 +3724,7 @@
           </a:ln>
           <a:extLst>
             <a:ext uri="{C572A759-6A51-4108-AA02-DFA0A04FC94B}">
-              <ma14:wrappingTextBoxFlag xmlns:ma14="http://schemas.microsoft.com/office/mac/drawingml/2011/main" xmlns="" val="1"/>
+              <ma14:wrappingTextBoxFlag xmlns="" xmlns:ma14="http://schemas.microsoft.com/office/mac/drawingml/2011/main" val="1"/>
             </a:ext>
           </a:extLst>
         </p:spPr>
@@ -3765,9 +3764,9 @@
                 <a:uFill>
                   <a:solidFill/>
                 </a:uFill>
-                <a:latin typeface="Arial Unicode MS" panose="020B0604020202020204" pitchFamily="34" charset="-128"/>
-                <a:ea typeface="Arial Unicode MS" panose="020B0604020202020204" pitchFamily="34" charset="-128"/>
-                <a:cs typeface="Arial Unicode MS" panose="020B0604020202020204" pitchFamily="34" charset="-128"/>
+                <a:latin typeface="Calibri" panose="020F0502020204030204" pitchFamily="34" charset="0"/>
+                <a:ea typeface="Calibri" panose="020F0502020204030204" pitchFamily="34" charset="0"/>
+                <a:cs typeface="Calibri" panose="020F0502020204030204" pitchFamily="34" charset="0"/>
               </a:rPr>
               <a:t>Compute the number of movies per director ID, </a:t>
             </a:r>
@@ -3791,9 +3790,9 @@
                 <a:uFill>
                   <a:solidFill/>
                 </a:uFill>
-                <a:latin typeface="Arial Unicode MS" panose="020B0604020202020204" pitchFamily="34" charset="-128"/>
-                <a:ea typeface="Arial Unicode MS" panose="020B0604020202020204" pitchFamily="34" charset="-128"/>
-                <a:cs typeface="Arial Unicode MS" panose="020B0604020202020204" pitchFamily="34" charset="-128"/>
+                <a:latin typeface="Calibri" panose="020F0502020204030204" pitchFamily="34" charset="0"/>
+                <a:ea typeface="Calibri" panose="020F0502020204030204" pitchFamily="34" charset="0"/>
+                <a:cs typeface="Calibri" panose="020F0502020204030204" pitchFamily="34" charset="0"/>
               </a:rPr>
               <a:t>Rank first the directors with the most movies</a:t>
             </a:r>
@@ -3817,9 +3816,9 @@
                 <a:uFill>
                   <a:solidFill/>
                 </a:uFill>
-                <a:latin typeface="Arial Unicode MS" panose="020B0604020202020204" pitchFamily="34" charset="-128"/>
-                <a:ea typeface="Arial Unicode MS" panose="020B0604020202020204" pitchFamily="34" charset="-128"/>
-                <a:cs typeface="Arial Unicode MS" panose="020B0604020202020204" pitchFamily="34" charset="-128"/>
+                <a:latin typeface="Calibri" panose="020F0502020204030204" pitchFamily="34" charset="0"/>
+                <a:ea typeface="Calibri" panose="020F0502020204030204" pitchFamily="34" charset="0"/>
+                <a:cs typeface="Calibri" panose="020F0502020204030204" pitchFamily="34" charset="0"/>
               </a:rPr>
               <a:t>Compute the number of movies per actor ID, </a:t>
             </a:r>
@@ -3840,9 +3839,9 @@
                 <a:uFill>
                   <a:solidFill/>
                 </a:uFill>
-                <a:latin typeface="Arial Unicode MS" panose="020B0604020202020204" pitchFamily="34" charset="-128"/>
-                <a:ea typeface="Arial Unicode MS" panose="020B0604020202020204" pitchFamily="34" charset="-128"/>
-                <a:cs typeface="Arial Unicode MS" panose="020B0604020202020204" pitchFamily="34" charset="-128"/>
+                <a:latin typeface="Calibri" panose="020F0502020204030204" pitchFamily="34" charset="0"/>
+                <a:ea typeface="Calibri" panose="020F0502020204030204" pitchFamily="34" charset="0"/>
+                <a:cs typeface="Calibri" panose="020F0502020204030204" pitchFamily="34" charset="0"/>
               </a:rPr>
               <a:t>Ra</a:t>
             </a:r>
@@ -3854,9 +3853,9 @@
                 <a:uFill>
                   <a:solidFill/>
                 </a:uFill>
-                <a:latin typeface="Arial Unicode MS" panose="020B0604020202020204" pitchFamily="34" charset="-128"/>
-                <a:ea typeface="Arial Unicode MS" panose="020B0604020202020204" pitchFamily="34" charset="-128"/>
-                <a:cs typeface="Arial Unicode MS" panose="020B0604020202020204" pitchFamily="34" charset="-128"/>
+                <a:latin typeface="Calibri" panose="020F0502020204030204" pitchFamily="34" charset="0"/>
+                <a:ea typeface="Calibri" panose="020F0502020204030204" pitchFamily="34" charset="0"/>
+                <a:cs typeface="Calibri" panose="020F0502020204030204" pitchFamily="34" charset="0"/>
               </a:rPr>
               <a:t>nk first the actors with the most movies</a:t>
             </a:r>
@@ -3880,9 +3879,9 @@
                 <a:uFill>
                   <a:solidFill/>
                 </a:uFill>
-                <a:latin typeface="Arial Unicode MS" panose="020B0604020202020204" pitchFamily="34" charset="-128"/>
-                <a:ea typeface="Arial Unicode MS" panose="020B0604020202020204" pitchFamily="34" charset="-128"/>
-                <a:cs typeface="Arial Unicode MS" panose="020B0604020202020204" pitchFamily="34" charset="-128"/>
+                <a:latin typeface="Calibri" panose="020F0502020204030204" pitchFamily="34" charset="0"/>
+                <a:ea typeface="Calibri" panose="020F0502020204030204" pitchFamily="34" charset="0"/>
+                <a:cs typeface="Calibri" panose="020F0502020204030204" pitchFamily="34" charset="0"/>
               </a:rPr>
               <a:t>Compute the number of actors per movie ID</a:t>
             </a:r>
@@ -3906,9 +3905,9 @@
                 <a:uFill>
                   <a:solidFill/>
                 </a:uFill>
-                <a:latin typeface="Arial Unicode MS" panose="020B0604020202020204" pitchFamily="34" charset="-128"/>
-                <a:ea typeface="Arial Unicode MS" panose="020B0604020202020204" pitchFamily="34" charset="-128"/>
-                <a:cs typeface="Arial Unicode MS" panose="020B0604020202020204" pitchFamily="34" charset="-128"/>
+                <a:latin typeface="Calibri" panose="020F0502020204030204" pitchFamily="34" charset="0"/>
+                <a:ea typeface="Calibri" panose="020F0502020204030204" pitchFamily="34" charset="0"/>
+                <a:cs typeface="Calibri" panose="020F0502020204030204" pitchFamily="34" charset="0"/>
               </a:rPr>
               <a:t>Rank first the movies with the most actors</a:t>
             </a:r>
@@ -3932,9 +3931,9 @@
                 <a:uFill>
                   <a:solidFill/>
                 </a:uFill>
-                <a:latin typeface="Arial Unicode MS" panose="020B0604020202020204" pitchFamily="34" charset="-128"/>
-                <a:ea typeface="Arial Unicode MS" panose="020B0604020202020204" pitchFamily="34" charset="-128"/>
-                <a:cs typeface="Arial Unicode MS" panose="020B0604020202020204" pitchFamily="34" charset="-128"/>
+                <a:latin typeface="Calibri" panose="020F0502020204030204" pitchFamily="34" charset="0"/>
+                <a:ea typeface="Calibri" panose="020F0502020204030204" pitchFamily="34" charset="0"/>
+                <a:cs typeface="Calibri" panose="020F0502020204030204" pitchFamily="34" charset="0"/>
               </a:rPr>
               <a:t>Count the number of male actors and the number of female actors</a:t>
             </a:r>
@@ -3958,9 +3957,9 @@
                 <a:uFill>
                   <a:solidFill/>
                 </a:uFill>
-                <a:latin typeface="Arial Unicode MS" panose="020B0604020202020204" pitchFamily="34" charset="-128"/>
-                <a:ea typeface="Arial Unicode MS" panose="020B0604020202020204" pitchFamily="34" charset="-128"/>
-                <a:cs typeface="Arial Unicode MS" panose="020B0604020202020204" pitchFamily="34" charset="-128"/>
+                <a:latin typeface="Calibri" panose="020F0502020204030204" pitchFamily="34" charset="0"/>
+                <a:ea typeface="Calibri" panose="020F0502020204030204" pitchFamily="34" charset="0"/>
+                <a:cs typeface="Calibri" panose="020F0502020204030204" pitchFamily="34" charset="0"/>
               </a:rPr>
               <a:t>Compute the number of movies for each genre</a:t>
             </a:r>
@@ -3983,9 +3982,9 @@
               <a:uFill>
                 <a:solidFill/>
               </a:uFill>
-              <a:latin typeface="Arial Unicode MS" panose="020B0604020202020204" pitchFamily="34" charset="-128"/>
-              <a:ea typeface="Arial Unicode MS" panose="020B0604020202020204" pitchFamily="34" charset="-128"/>
-              <a:cs typeface="Arial Unicode MS" panose="020B0604020202020204" pitchFamily="34" charset="-128"/>
+              <a:latin typeface="Calibri" panose="020F0502020204030204" pitchFamily="34" charset="0"/>
+              <a:ea typeface="Calibri" panose="020F0502020204030204" pitchFamily="34" charset="0"/>
+              <a:cs typeface="Calibri" panose="020F0502020204030204" pitchFamily="34" charset="0"/>
             </a:endParaRPr>
           </a:p>
           <a:p>
@@ -4006,9 +4005,9 @@
               <a:uFill>
                 <a:solidFill/>
               </a:uFill>
-              <a:latin typeface="Arial Unicode MS" panose="020B0604020202020204" pitchFamily="34" charset="-128"/>
-              <a:ea typeface="Arial Unicode MS" panose="020B0604020202020204" pitchFamily="34" charset="-128"/>
-              <a:cs typeface="Arial Unicode MS" panose="020B0604020202020204" pitchFamily="34" charset="-128"/>
+              <a:latin typeface="Calibri" panose="020F0502020204030204" pitchFamily="34" charset="0"/>
+              <a:ea typeface="Calibri" panose="020F0502020204030204" pitchFamily="34" charset="0"/>
+              <a:cs typeface="Calibri" panose="020F0502020204030204" pitchFamily="34" charset="0"/>
             </a:endParaRPr>
           </a:p>
           <a:p>
@@ -4029,9 +4028,9 @@
               <a:uFill>
                 <a:solidFill/>
               </a:uFill>
-              <a:latin typeface="Arial Unicode MS" panose="020B0604020202020204" pitchFamily="34" charset="-128"/>
-              <a:ea typeface="Arial Unicode MS" panose="020B0604020202020204" pitchFamily="34" charset="-128"/>
-              <a:cs typeface="Arial Unicode MS" panose="020B0604020202020204" pitchFamily="34" charset="-128"/>
+              <a:latin typeface="Calibri" panose="020F0502020204030204" pitchFamily="34" charset="0"/>
+              <a:ea typeface="Calibri" panose="020F0502020204030204" pitchFamily="34" charset="0"/>
+              <a:cs typeface="Calibri" panose="020F0502020204030204" pitchFamily="34" charset="0"/>
             </a:endParaRPr>
           </a:p>
           <a:p>
@@ -4052,9 +4051,9 @@
               <a:uFill>
                 <a:solidFill/>
               </a:uFill>
-              <a:latin typeface="Arial Unicode MS" panose="020B0604020202020204" pitchFamily="34" charset="-128"/>
-              <a:ea typeface="Arial Unicode MS" panose="020B0604020202020204" pitchFamily="34" charset="-128"/>
-              <a:cs typeface="Arial Unicode MS" panose="020B0604020202020204" pitchFamily="34" charset="-128"/>
+              <a:latin typeface="Calibri" panose="020F0502020204030204" pitchFamily="34" charset="0"/>
+              <a:ea typeface="Calibri" panose="020F0502020204030204" pitchFamily="34" charset="0"/>
+              <a:cs typeface="Calibri" panose="020F0502020204030204" pitchFamily="34" charset="0"/>
             </a:endParaRPr>
           </a:p>
         </p:txBody>
@@ -4109,7 +4108,7 @@
           </a:ln>
           <a:extLst>
             <a:ext uri="{C572A759-6A51-4108-AA02-DFA0A04FC94B}">
-              <ma14:wrappingTextBoxFlag xmlns:ma14="http://schemas.microsoft.com/office/mac/drawingml/2011/main" xmlns="" val="1"/>
+              <ma14:wrappingTextBoxFlag xmlns="" xmlns:ma14="http://schemas.microsoft.com/office/mac/drawingml/2011/main" val="1"/>
             </a:ext>
           </a:extLst>
         </p:spPr>
@@ -4144,7 +4143,7 @@
                     <a:srgbClr val="FFFFFF"/>
                   </a:solidFill>
                 </a:uFill>
-                <a:latin typeface="Arial Unicode MS" panose="020B0604020202020204" pitchFamily="34" charset="-128"/>
+                <a:latin typeface="Calibri" panose="020F0502020204030204" pitchFamily="34" charset="0"/>
               </a:rPr>
               <a:t>Aggregation practice queries</a:t>
             </a:r>
@@ -4155,7 +4154,7 @@
                     <a:srgbClr val="FFFFFF"/>
                   </a:solidFill>
                 </a:uFill>
-                <a:latin typeface="Arial Unicode MS" panose="020B0604020202020204" pitchFamily="34" charset="-128"/>
+                <a:latin typeface="Calibri" panose="020F0502020204030204" pitchFamily="34" charset="0"/>
               </a:rPr>
               <a:t>: Facebook</a:t>
             </a:r>
@@ -4165,7 +4164,7 @@
                   <a:srgbClr val="FFFFFF"/>
                 </a:solidFill>
               </a:uFill>
-              <a:latin typeface="Arial Unicode MS" panose="020B0604020202020204" pitchFamily="34" charset="-128"/>
+              <a:latin typeface="Calibri" panose="020F0502020204030204" pitchFamily="34" charset="0"/>
             </a:endParaRPr>
           </a:p>
         </p:txBody>
@@ -4189,7 +4188,7 @@
           </a:ln>
           <a:extLst>
             <a:ext uri="{C572A759-6A51-4108-AA02-DFA0A04FC94B}">
-              <ma14:wrappingTextBoxFlag xmlns:ma14="http://schemas.microsoft.com/office/mac/drawingml/2011/main" xmlns="" val="1"/>
+              <ma14:wrappingTextBoxFlag xmlns="" xmlns:ma14="http://schemas.microsoft.com/office/mac/drawingml/2011/main" val="1"/>
             </a:ext>
           </a:extLst>
         </p:spPr>
@@ -4215,9 +4214,9 @@
               <a:uFill>
                 <a:solidFill/>
               </a:uFill>
-              <a:latin typeface="Arial Unicode MS" panose="020B0604020202020204" pitchFamily="34" charset="-128"/>
-              <a:ea typeface="Arial Unicode MS" panose="020B0604020202020204" pitchFamily="34" charset="-128"/>
-              <a:cs typeface="Arial Unicode MS" panose="020B0604020202020204" pitchFamily="34" charset="-128"/>
+              <a:latin typeface="Calibri" panose="020F0502020204030204" pitchFamily="34" charset="0"/>
+              <a:ea typeface="Calibri" panose="020F0502020204030204" pitchFamily="34" charset="0"/>
+              <a:cs typeface="Calibri" panose="020F0502020204030204" pitchFamily="34" charset="0"/>
               <a:sym typeface="Iowan Old Style Roman"/>
             </a:endParaRPr>
           </a:p>
@@ -4242,7 +4241,7 @@
           </a:ln>
           <a:extLst>
             <a:ext uri="{C572A759-6A51-4108-AA02-DFA0A04FC94B}">
-              <ma14:wrappingTextBoxFlag xmlns:ma14="http://schemas.microsoft.com/office/mac/drawingml/2011/main" xmlns="" val="1"/>
+              <ma14:wrappingTextBoxFlag xmlns="" xmlns:ma14="http://schemas.microsoft.com/office/mac/drawingml/2011/main" val="1"/>
             </a:ext>
           </a:extLst>
         </p:spPr>
@@ -4282,9 +4281,9 @@
                 <a:uFill>
                   <a:solidFill/>
                 </a:uFill>
-                <a:latin typeface="Arial Unicode MS" panose="020B0604020202020204" pitchFamily="34" charset="-128"/>
-                <a:ea typeface="Arial Unicode MS" panose="020B0604020202020204" pitchFamily="34" charset="-128"/>
-                <a:cs typeface="Arial Unicode MS" panose="020B0604020202020204" pitchFamily="34" charset="-128"/>
+                <a:latin typeface="Calibri" panose="020F0502020204030204" pitchFamily="34" charset="0"/>
+                <a:ea typeface="Calibri" panose="020F0502020204030204" pitchFamily="34" charset="0"/>
+                <a:cs typeface="Calibri" panose="020F0502020204030204" pitchFamily="34" charset="0"/>
               </a:rPr>
               <a:t>List the number of males and females</a:t>
             </a:r>
@@ -4308,9 +4307,9 @@
                 <a:uFill>
                   <a:solidFill/>
                 </a:uFill>
-                <a:latin typeface="Arial Unicode MS" panose="020B0604020202020204" pitchFamily="34" charset="-128"/>
-                <a:ea typeface="Arial Unicode MS" panose="020B0604020202020204" pitchFamily="34" charset="-128"/>
-                <a:cs typeface="Arial Unicode MS" panose="020B0604020202020204" pitchFamily="34" charset="-128"/>
+                <a:latin typeface="Calibri" panose="020F0502020204030204" pitchFamily="34" charset="0"/>
+                <a:ea typeface="Calibri" panose="020F0502020204030204" pitchFamily="34" charset="0"/>
+                <a:cs typeface="Calibri" panose="020F0502020204030204" pitchFamily="34" charset="0"/>
               </a:rPr>
               <a:t>List the number of students for each political view</a:t>
             </a:r>
@@ -4334,9 +4333,9 @@
                 <a:uFill>
                   <a:solidFill/>
                 </a:uFill>
-                <a:latin typeface="Arial Unicode MS" panose="020B0604020202020204" pitchFamily="34" charset="-128"/>
-                <a:ea typeface="Arial Unicode MS" panose="020B0604020202020204" pitchFamily="34" charset="-128"/>
-                <a:cs typeface="Arial Unicode MS" panose="020B0604020202020204" pitchFamily="34" charset="-128"/>
+                <a:latin typeface="Calibri" panose="020F0502020204030204" pitchFamily="34" charset="0"/>
+                <a:ea typeface="Calibri" panose="020F0502020204030204" pitchFamily="34" charset="0"/>
+                <a:cs typeface="Calibri" panose="020F0502020204030204" pitchFamily="34" charset="0"/>
               </a:rPr>
               <a:t>List the number of males and female students for each political view</a:t>
             </a:r>
@@ -4359,9 +4358,9 @@
               <a:uFill>
                 <a:solidFill/>
               </a:uFill>
-              <a:latin typeface="Arial Unicode MS" panose="020B0604020202020204" pitchFamily="34" charset="-128"/>
-              <a:ea typeface="Arial Unicode MS" panose="020B0604020202020204" pitchFamily="34" charset="-128"/>
-              <a:cs typeface="Arial Unicode MS" panose="020B0604020202020204" pitchFamily="34" charset="-128"/>
+              <a:latin typeface="Calibri" panose="020F0502020204030204" pitchFamily="34" charset="0"/>
+              <a:ea typeface="Calibri" panose="020F0502020204030204" pitchFamily="34" charset="0"/>
+              <a:cs typeface="Calibri" panose="020F0502020204030204" pitchFamily="34" charset="0"/>
             </a:endParaRPr>
           </a:p>
           <a:p>
@@ -4383,9 +4382,9 @@
                 <a:uFill>
                   <a:solidFill/>
                 </a:uFill>
-                <a:latin typeface="Arial Unicode MS" panose="020B0604020202020204" pitchFamily="34" charset="-128"/>
-                <a:ea typeface="Arial Unicode MS" panose="020B0604020202020204" pitchFamily="34" charset="-128"/>
-                <a:cs typeface="Arial Unicode MS" panose="020B0604020202020204" pitchFamily="34" charset="-128"/>
+                <a:latin typeface="Calibri" panose="020F0502020204030204" pitchFamily="34" charset="0"/>
+                <a:ea typeface="Calibri" panose="020F0502020204030204" pitchFamily="34" charset="0"/>
+                <a:cs typeface="Calibri" panose="020F0502020204030204" pitchFamily="34" charset="0"/>
               </a:rPr>
               <a:t>Find the most popular TV Shows and Books</a:t>
             </a:r>
@@ -4409,9 +4408,9 @@
                 <a:uFill>
                   <a:solidFill/>
                 </a:uFill>
-                <a:latin typeface="Arial Unicode MS" panose="020B0604020202020204" pitchFamily="34" charset="-128"/>
-                <a:ea typeface="Arial Unicode MS" panose="020B0604020202020204" pitchFamily="34" charset="-128"/>
-                <a:cs typeface="Arial Unicode MS" panose="020B0604020202020204" pitchFamily="34" charset="-128"/>
+                <a:latin typeface="Calibri" panose="020F0502020204030204" pitchFamily="34" charset="0"/>
+                <a:ea typeface="Calibri" panose="020F0502020204030204" pitchFamily="34" charset="0"/>
+                <a:cs typeface="Calibri" panose="020F0502020204030204" pitchFamily="34" charset="0"/>
               </a:rPr>
               <a:t>Find the number of students in various relationship statuses</a:t>
             </a:r>
@@ -4435,9 +4434,9 @@
                 <a:uFill>
                   <a:solidFill/>
                 </a:uFill>
-                <a:latin typeface="Arial Unicode MS" panose="020B0604020202020204" pitchFamily="34" charset="-128"/>
-                <a:ea typeface="Arial Unicode MS" panose="020B0604020202020204" pitchFamily="34" charset="-128"/>
-                <a:cs typeface="Arial Unicode MS" panose="020B0604020202020204" pitchFamily="34" charset="-128"/>
+                <a:latin typeface="Calibri" panose="020F0502020204030204" pitchFamily="34" charset="0"/>
+                <a:ea typeface="Calibri" panose="020F0502020204030204" pitchFamily="34" charset="0"/>
+                <a:cs typeface="Calibri" panose="020F0502020204030204" pitchFamily="34" charset="0"/>
               </a:rPr>
               <a:t>Find the most popular majors (concentration)</a:t>
             </a:r>
@@ -4460,9 +4459,9 @@
               <a:uFill>
                 <a:solidFill/>
               </a:uFill>
-              <a:latin typeface="Arial Unicode MS" panose="020B0604020202020204" pitchFamily="34" charset="-128"/>
-              <a:ea typeface="Arial Unicode MS" panose="020B0604020202020204" pitchFamily="34" charset="-128"/>
-              <a:cs typeface="Arial Unicode MS" panose="020B0604020202020204" pitchFamily="34" charset="-128"/>
+              <a:latin typeface="Calibri" panose="020F0502020204030204" pitchFamily="34" charset="0"/>
+              <a:ea typeface="Calibri" panose="020F0502020204030204" pitchFamily="34" charset="0"/>
+              <a:cs typeface="Calibri" panose="020F0502020204030204" pitchFamily="34" charset="0"/>
             </a:endParaRPr>
           </a:p>
           <a:p>
@@ -4484,9 +4483,9 @@
                 <a:uFill>
                   <a:solidFill/>
                 </a:uFill>
-                <a:latin typeface="Arial Unicode MS" panose="020B0604020202020204" pitchFamily="34" charset="-128"/>
-                <a:ea typeface="Arial Unicode MS" panose="020B0604020202020204" pitchFamily="34" charset="-128"/>
-                <a:cs typeface="Arial Unicode MS" panose="020B0604020202020204" pitchFamily="34" charset="-128"/>
+                <a:latin typeface="Calibri" panose="020F0502020204030204" pitchFamily="34" charset="0"/>
+                <a:ea typeface="Calibri" panose="020F0502020204030204" pitchFamily="34" charset="0"/>
+                <a:cs typeface="Calibri" panose="020F0502020204030204" pitchFamily="34" charset="0"/>
               </a:rPr>
               <a:t>List the number of students per each birth year </a:t>
             </a:r>
@@ -4507,9 +4506,9 @@
                 <a:uFill>
                   <a:solidFill/>
                 </a:uFill>
-                <a:latin typeface="Arial Unicode MS" panose="020B0604020202020204" pitchFamily="34" charset="-128"/>
-                <a:ea typeface="Arial Unicode MS" panose="020B0604020202020204" pitchFamily="34" charset="-128"/>
-                <a:cs typeface="Arial Unicode MS" panose="020B0604020202020204" pitchFamily="34" charset="-128"/>
+                <a:latin typeface="Calibri" panose="020F0502020204030204" pitchFamily="34" charset="0"/>
+                <a:ea typeface="Calibri" panose="020F0502020204030204" pitchFamily="34" charset="0"/>
+                <a:cs typeface="Calibri" panose="020F0502020204030204" pitchFamily="34" charset="0"/>
               </a:rPr>
               <a:t>Use the YEAR(date) function to get the year value from a datetime column</a:t>
             </a:r>
@@ -4530,9 +4529,9 @@
                 <a:uFill>
                   <a:solidFill/>
                 </a:uFill>
-                <a:latin typeface="Arial Unicode MS" panose="020B0604020202020204" pitchFamily="34" charset="-128"/>
-                <a:ea typeface="Arial Unicode MS" panose="020B0604020202020204" pitchFamily="34" charset="-128"/>
-                <a:cs typeface="Arial Unicode MS" panose="020B0604020202020204" pitchFamily="34" charset="-128"/>
+                <a:latin typeface="Calibri" panose="020F0502020204030204" pitchFamily="34" charset="0"/>
+                <a:ea typeface="Calibri" panose="020F0502020204030204" pitchFamily="34" charset="0"/>
+                <a:cs typeface="Calibri" panose="020F0502020204030204" pitchFamily="34" charset="0"/>
               </a:rPr>
               <a:t>(Try to) List only years that have at least 10 students </a:t>
             </a:r>
@@ -4555,9 +4554,9 @@
               <a:uFill>
                 <a:solidFill/>
               </a:uFill>
-              <a:latin typeface="Arial Unicode MS" panose="020B0604020202020204" pitchFamily="34" charset="-128"/>
-              <a:ea typeface="Arial Unicode MS" panose="020B0604020202020204" pitchFamily="34" charset="-128"/>
-              <a:cs typeface="Arial Unicode MS" panose="020B0604020202020204" pitchFamily="34" charset="-128"/>
+              <a:latin typeface="Calibri" panose="020F0502020204030204" pitchFamily="34" charset="0"/>
+              <a:ea typeface="Calibri" panose="020F0502020204030204" pitchFamily="34" charset="0"/>
+              <a:cs typeface="Calibri" panose="020F0502020204030204" pitchFamily="34" charset="0"/>
             </a:endParaRPr>
           </a:p>
         </p:txBody>
@@ -4612,7 +4611,7 @@
           </a:ln>
           <a:extLst>
             <a:ext uri="{C572A759-6A51-4108-AA02-DFA0A04FC94B}">
-              <ma14:wrappingTextBoxFlag xmlns:ma14="http://schemas.microsoft.com/office/mac/drawingml/2011/main" xmlns="" val="1"/>
+              <ma14:wrappingTextBoxFlag xmlns="" xmlns:ma14="http://schemas.microsoft.com/office/mac/drawingml/2011/main" val="1"/>
             </a:ext>
           </a:extLst>
         </p:spPr>
@@ -4647,7 +4646,7 @@
                     <a:srgbClr val="FFFFFF"/>
                   </a:solidFill>
                 </a:uFill>
-                <a:latin typeface="Arial Unicode MS" panose="020B0604020202020204" pitchFamily="34" charset="-128"/>
+                <a:latin typeface="Calibri" panose="020F0502020204030204" pitchFamily="34" charset="0"/>
               </a:rPr>
               <a:t>Having</a:t>
             </a:r>
@@ -4662,8 +4661,8 @@
         </p:nvSpPr>
         <p:spPr>
           <a:xfrm>
-            <a:off x="1186114" y="2038350"/>
-            <a:ext cx="6771772" cy="1915909"/>
+            <a:off x="1186114" y="718009"/>
+            <a:ext cx="6771772" cy="3295774"/>
           </a:xfrm>
           <a:prstGeom prst="rect">
             <a:avLst/>
@@ -4673,7 +4672,7 @@
           </a:ln>
           <a:extLst>
             <a:ext uri="{C572A759-6A51-4108-AA02-DFA0A04FC94B}">
-              <ma14:wrappingTextBoxFlag xmlns:ma14="http://schemas.microsoft.com/office/mac/drawingml/2011/main" xmlns="" val="1"/>
+              <ma14:wrappingTextBoxFlag xmlns="" xmlns:ma14="http://schemas.microsoft.com/office/mac/drawingml/2011/main" val="1"/>
             </a:ext>
           </a:extLst>
         </p:spPr>
@@ -4695,72 +4694,37 @@
               </a:defRPr>
             </a:pPr>
             <a:r>
-              <a:rPr sz="2600" dirty="0">
+              <a:rPr lang="en-US" sz="2600" dirty="0">
                 <a:uFill>
                   <a:solidFill/>
                 </a:uFill>
-                <a:latin typeface="Arial Unicode MS" panose="020B0604020202020204" pitchFamily="34" charset="-128"/>
-                <a:ea typeface="Arial Unicode MS" panose="020B0604020202020204" pitchFamily="34" charset="-128"/>
-                <a:cs typeface="Arial Unicode MS" panose="020B0604020202020204" pitchFamily="34" charset="-128"/>
+                <a:latin typeface="Calibri" panose="020F0502020204030204" pitchFamily="34" charset="0"/>
+                <a:ea typeface="Calibri" panose="020F0502020204030204" pitchFamily="34" charset="0"/>
+                <a:cs typeface="Calibri" panose="020F0502020204030204" pitchFamily="34" charset="0"/>
                 <a:sym typeface="Iowan Old Style Roman"/>
               </a:rPr>
-              <a:t>SELECT 	</a:t>
-            </a:r>
-            <a:r>
-              <a:rPr sz="2600" b="1" dirty="0">
-                <a:uFill>
-                  <a:solidFill/>
-                </a:uFill>
-                <a:latin typeface="Arial Unicode MS" panose="020B0604020202020204" pitchFamily="34" charset="-128"/>
-                <a:ea typeface="Arial Unicode MS" panose="020B0604020202020204" pitchFamily="34" charset="-128"/>
-                <a:cs typeface="Arial Unicode MS" panose="020B0604020202020204" pitchFamily="34" charset="-128"/>
-                <a:sym typeface="Iowan Old Style Roman"/>
-              </a:rPr>
-              <a:t>A</a:t>
-            </a:r>
-            <a:r>
-              <a:rPr sz="2600" b="1" baseline="-5999" dirty="0">
-                <a:uFill>
-                  <a:solidFill/>
-                </a:uFill>
-                <a:latin typeface="Arial Unicode MS" panose="020B0604020202020204" pitchFamily="34" charset="-128"/>
-                <a:ea typeface="Arial Unicode MS" panose="020B0604020202020204" pitchFamily="34" charset="-128"/>
-                <a:cs typeface="Arial Unicode MS" panose="020B0604020202020204" pitchFamily="34" charset="-128"/>
-                <a:sym typeface="Iowan Old Style Roman"/>
-              </a:rPr>
-              <a:t>1</a:t>
-            </a:r>
-            <a:r>
-              <a:rPr sz="2600" baseline="-5999" dirty="0">
-                <a:uFill>
-                  <a:solidFill/>
-                </a:uFill>
-                <a:latin typeface="Arial Unicode MS" panose="020B0604020202020204" pitchFamily="34" charset="-128"/>
-                <a:ea typeface="Arial Unicode MS" panose="020B0604020202020204" pitchFamily="34" charset="-128"/>
-                <a:cs typeface="Arial Unicode MS" panose="020B0604020202020204" pitchFamily="34" charset="-128"/>
-                <a:sym typeface="Iowan Old Style Roman"/>
-              </a:rPr>
-              <a:t>, </a:t>
-            </a:r>
-            <a:r>
-              <a:rPr sz="2600" dirty="0">
-                <a:uFill>
-                  <a:solidFill/>
-                </a:uFill>
-                <a:latin typeface="Arial Unicode MS" panose="020B0604020202020204" pitchFamily="34" charset="-128"/>
-                <a:ea typeface="Arial Unicode MS" panose="020B0604020202020204" pitchFamily="34" charset="-128"/>
-                <a:cs typeface="Arial Unicode MS" panose="020B0604020202020204" pitchFamily="34" charset="-128"/>
-                <a:sym typeface="Iowan Old Style Roman"/>
-              </a:rPr>
-              <a:t>Aggregation Function</a:t>
-            </a:r>
-            <a:endParaRPr sz="2700" baseline="-5999" dirty="0">
+              <a:t>We use HAVING when we need to filter based on the value of an aggregate function</a:t>
+            </a:r>
+          </a:p>
+          <a:p>
+            <a:pPr lvl="0">
+              <a:spcBef>
+                <a:spcPts val="700"/>
+              </a:spcBef>
+              <a:defRPr sz="1800">
+                <a:solidFill>
+                  <a:srgbClr val="000000"/>
+                </a:solidFill>
+                <a:uFillTx/>
+              </a:defRPr>
+            </a:pPr>
+            <a:endParaRPr lang="en-US" sz="2600" dirty="0">
               <a:uFill>
                 <a:solidFill/>
               </a:uFill>
-              <a:latin typeface="Arial Unicode MS" panose="020B0604020202020204" pitchFamily="34" charset="-128"/>
-              <a:ea typeface="Arial Unicode MS" panose="020B0604020202020204" pitchFamily="34" charset="-128"/>
-              <a:cs typeface="Arial Unicode MS" panose="020B0604020202020204" pitchFamily="34" charset="-128"/>
+              <a:latin typeface="Calibri" panose="020F0502020204030204" pitchFamily="34" charset="0"/>
+              <a:ea typeface="Calibri" panose="020F0502020204030204" pitchFamily="34" charset="0"/>
+              <a:cs typeface="Calibri" panose="020F0502020204030204" pitchFamily="34" charset="0"/>
               <a:sym typeface="Iowan Old Style Roman"/>
             </a:endParaRPr>
           </a:p>
@@ -4777,84 +4741,72 @@
               </a:defRPr>
             </a:pPr>
             <a:r>
-              <a:rPr sz="2700" dirty="0">
+              <a:rPr sz="2600" dirty="0">
                 <a:uFill>
                   <a:solidFill/>
                 </a:uFill>
-                <a:latin typeface="Arial Unicode MS" panose="020B0604020202020204" pitchFamily="34" charset="-128"/>
-                <a:ea typeface="Arial Unicode MS" panose="020B0604020202020204" pitchFamily="34" charset="-128"/>
-                <a:cs typeface="Arial Unicode MS" panose="020B0604020202020204" pitchFamily="34" charset="-128"/>
+                <a:latin typeface="Calibri" panose="020F0502020204030204" pitchFamily="34" charset="0"/>
+                <a:ea typeface="Calibri" panose="020F0502020204030204" pitchFamily="34" charset="0"/>
+                <a:cs typeface="Calibri" panose="020F0502020204030204" pitchFamily="34" charset="0"/>
                 <a:sym typeface="Iowan Old Style Roman"/>
               </a:rPr>
-              <a:t>FROM 	T</a:t>
+              <a:t>SELECT 	</a:t>
+            </a:r>
+            <a:r>
+              <a:rPr sz="2600" b="1" dirty="0">
+                <a:uFill>
+                  <a:solidFill/>
+                </a:uFill>
+                <a:latin typeface="Calibri" panose="020F0502020204030204" pitchFamily="34" charset="0"/>
+                <a:ea typeface="Calibri" panose="020F0502020204030204" pitchFamily="34" charset="0"/>
+                <a:cs typeface="Calibri" panose="020F0502020204030204" pitchFamily="34" charset="0"/>
+                <a:sym typeface="Iowan Old Style Roman"/>
+              </a:rPr>
+              <a:t>A</a:t>
+            </a:r>
+            <a:r>
+              <a:rPr sz="2600" b="1" baseline="-5999" dirty="0">
+                <a:uFill>
+                  <a:solidFill/>
+                </a:uFill>
+                <a:latin typeface="Calibri" panose="020F0502020204030204" pitchFamily="34" charset="0"/>
+                <a:ea typeface="Calibri" panose="020F0502020204030204" pitchFamily="34" charset="0"/>
+                <a:cs typeface="Calibri" panose="020F0502020204030204" pitchFamily="34" charset="0"/>
+                <a:sym typeface="Iowan Old Style Roman"/>
+              </a:rPr>
+              <a:t>1</a:t>
             </a:r>
             <a:r>
               <a:rPr sz="2600" baseline="-5999" dirty="0">
                 <a:uFill>
                   <a:solidFill/>
                 </a:uFill>
-                <a:latin typeface="Arial Unicode MS" panose="020B0604020202020204" pitchFamily="34" charset="-128"/>
-                <a:ea typeface="Arial Unicode MS" panose="020B0604020202020204" pitchFamily="34" charset="-128"/>
-                <a:cs typeface="Arial Unicode MS" panose="020B0604020202020204" pitchFamily="34" charset="-128"/>
+                <a:latin typeface="Calibri" panose="020F0502020204030204" pitchFamily="34" charset="0"/>
+                <a:ea typeface="Calibri" panose="020F0502020204030204" pitchFamily="34" charset="0"/>
+                <a:cs typeface="Calibri" panose="020F0502020204030204" pitchFamily="34" charset="0"/>
                 <a:sym typeface="Iowan Old Style Roman"/>
               </a:rPr>
-              <a:t>1</a:t>
-            </a:r>
-            <a:r>
-              <a:rPr sz="2700" dirty="0">
+              <a:t>, </a:t>
+            </a:r>
+            <a:r>
+              <a:rPr sz="2600" dirty="0">
                 <a:uFill>
                   <a:solidFill/>
                 </a:uFill>
-                <a:latin typeface="Arial Unicode MS" panose="020B0604020202020204" pitchFamily="34" charset="-128"/>
-                <a:ea typeface="Arial Unicode MS" panose="020B0604020202020204" pitchFamily="34" charset="-128"/>
-                <a:cs typeface="Arial Unicode MS" panose="020B0604020202020204" pitchFamily="34" charset="-128"/>
+                <a:latin typeface="Calibri" panose="020F0502020204030204" pitchFamily="34" charset="0"/>
+                <a:ea typeface="Calibri" panose="020F0502020204030204" pitchFamily="34" charset="0"/>
+                <a:cs typeface="Calibri" panose="020F0502020204030204" pitchFamily="34" charset="0"/>
                 <a:sym typeface="Iowan Old Style Roman"/>
               </a:rPr>
-              <a:t>, T</a:t>
-            </a:r>
-            <a:r>
-              <a:rPr sz="2700" baseline="-5999" dirty="0">
-                <a:uFill>
-                  <a:solidFill/>
-                </a:uFill>
-                <a:latin typeface="Arial Unicode MS" panose="020B0604020202020204" pitchFamily="34" charset="-128"/>
-                <a:ea typeface="Arial Unicode MS" panose="020B0604020202020204" pitchFamily="34" charset="-128"/>
-                <a:cs typeface="Arial Unicode MS" panose="020B0604020202020204" pitchFamily="34" charset="-128"/>
-                <a:sym typeface="Iowan Old Style Roman"/>
-              </a:rPr>
-              <a:t>2</a:t>
-            </a:r>
-            <a:r>
-              <a:rPr sz="2700" dirty="0">
-                <a:uFill>
-                  <a:solidFill/>
-                </a:uFill>
-                <a:latin typeface="Arial Unicode MS" panose="020B0604020202020204" pitchFamily="34" charset="-128"/>
-                <a:ea typeface="Arial Unicode MS" panose="020B0604020202020204" pitchFamily="34" charset="-128"/>
-                <a:cs typeface="Arial Unicode MS" panose="020B0604020202020204" pitchFamily="34" charset="-128"/>
-                <a:sym typeface="Iowan Old Style Roman"/>
-              </a:rPr>
-              <a:t>, … T</a:t>
-            </a:r>
-            <a:r>
-              <a:rPr sz="2700" baseline="-5999" dirty="0">
-                <a:uFill>
-                  <a:solidFill/>
-                </a:uFill>
-                <a:latin typeface="Arial Unicode MS" panose="020B0604020202020204" pitchFamily="34" charset="-128"/>
-                <a:ea typeface="Arial Unicode MS" panose="020B0604020202020204" pitchFamily="34" charset="-128"/>
-                <a:cs typeface="Arial Unicode MS" panose="020B0604020202020204" pitchFamily="34" charset="-128"/>
-                <a:sym typeface="Iowan Old Style Roman"/>
-              </a:rPr>
-              <a:t>m</a:t>
-            </a:r>
-            <a:endParaRPr sz="2700" dirty="0">
+              <a:t>Aggregation Function</a:t>
+            </a:r>
+            <a:endParaRPr sz="2700" baseline="-5999" dirty="0">
               <a:uFill>
                 <a:solidFill/>
               </a:uFill>
-              <a:latin typeface="Arial Unicode MS" panose="020B0604020202020204" pitchFamily="34" charset="-128"/>
-              <a:ea typeface="Arial Unicode MS" panose="020B0604020202020204" pitchFamily="34" charset="-128"/>
-              <a:cs typeface="Arial Unicode MS" panose="020B0604020202020204" pitchFamily="34" charset="-128"/>
+              <a:latin typeface="Calibri" panose="020F0502020204030204" pitchFamily="34" charset="0"/>
+              <a:ea typeface="Calibri" panose="020F0502020204030204" pitchFamily="34" charset="0"/>
+              <a:cs typeface="Calibri" panose="020F0502020204030204" pitchFamily="34" charset="0"/>
               <a:sym typeface="Iowan Old Style Roman"/>
             </a:endParaRPr>
           </a:p>
@@ -4875,13 +4827,82 @@
                 <a:uFill>
                   <a:solidFill/>
                 </a:uFill>
-                <a:latin typeface="Arial Unicode MS" panose="020B0604020202020204" pitchFamily="34" charset="-128"/>
-                <a:ea typeface="Arial Unicode MS" panose="020B0604020202020204" pitchFamily="34" charset="-128"/>
-                <a:cs typeface="Arial Unicode MS" panose="020B0604020202020204" pitchFamily="34" charset="-128"/>
+                <a:latin typeface="Calibri" panose="020F0502020204030204" pitchFamily="34" charset="0"/>
+                <a:ea typeface="Calibri" panose="020F0502020204030204" pitchFamily="34" charset="0"/>
+                <a:cs typeface="Calibri" panose="020F0502020204030204" pitchFamily="34" charset="0"/>
                 <a:sym typeface="Iowan Old Style Roman"/>
               </a:rPr>
-              <a:t>WHERE 	condition</a:t>
-            </a:r>
+              <a:t>FROM 	T</a:t>
+            </a:r>
+            <a:r>
+              <a:rPr sz="2600" baseline="-5999" dirty="0">
+                <a:uFill>
+                  <a:solidFill/>
+                </a:uFill>
+                <a:latin typeface="Calibri" panose="020F0502020204030204" pitchFamily="34" charset="0"/>
+                <a:ea typeface="Calibri" panose="020F0502020204030204" pitchFamily="34" charset="0"/>
+                <a:cs typeface="Calibri" panose="020F0502020204030204" pitchFamily="34" charset="0"/>
+                <a:sym typeface="Iowan Old Style Roman"/>
+              </a:rPr>
+              <a:t>1</a:t>
+            </a:r>
+            <a:r>
+              <a:rPr sz="2700" dirty="0">
+                <a:uFill>
+                  <a:solidFill/>
+                </a:uFill>
+                <a:latin typeface="Calibri" panose="020F0502020204030204" pitchFamily="34" charset="0"/>
+                <a:ea typeface="Calibri" panose="020F0502020204030204" pitchFamily="34" charset="0"/>
+                <a:cs typeface="Calibri" panose="020F0502020204030204" pitchFamily="34" charset="0"/>
+                <a:sym typeface="Iowan Old Style Roman"/>
+              </a:rPr>
+              <a:t>, T</a:t>
+            </a:r>
+            <a:r>
+              <a:rPr sz="2700" baseline="-5999" dirty="0">
+                <a:uFill>
+                  <a:solidFill/>
+                </a:uFill>
+                <a:latin typeface="Calibri" panose="020F0502020204030204" pitchFamily="34" charset="0"/>
+                <a:ea typeface="Calibri" panose="020F0502020204030204" pitchFamily="34" charset="0"/>
+                <a:cs typeface="Calibri" panose="020F0502020204030204" pitchFamily="34" charset="0"/>
+                <a:sym typeface="Iowan Old Style Roman"/>
+              </a:rPr>
+              <a:t>2</a:t>
+            </a:r>
+            <a:r>
+              <a:rPr sz="2700" dirty="0">
+                <a:uFill>
+                  <a:solidFill/>
+                </a:uFill>
+                <a:latin typeface="Calibri" panose="020F0502020204030204" pitchFamily="34" charset="0"/>
+                <a:ea typeface="Calibri" panose="020F0502020204030204" pitchFamily="34" charset="0"/>
+                <a:cs typeface="Calibri" panose="020F0502020204030204" pitchFamily="34" charset="0"/>
+                <a:sym typeface="Iowan Old Style Roman"/>
+              </a:rPr>
+              <a:t>, … T</a:t>
+            </a:r>
+            <a:r>
+              <a:rPr sz="2700" baseline="-5999" dirty="0">
+                <a:uFill>
+                  <a:solidFill/>
+                </a:uFill>
+                <a:latin typeface="Calibri" panose="020F0502020204030204" pitchFamily="34" charset="0"/>
+                <a:ea typeface="Calibri" panose="020F0502020204030204" pitchFamily="34" charset="0"/>
+                <a:cs typeface="Calibri" panose="020F0502020204030204" pitchFamily="34" charset="0"/>
+                <a:sym typeface="Iowan Old Style Roman"/>
+              </a:rPr>
+              <a:t>m</a:t>
+            </a:r>
+            <a:endParaRPr sz="2700" dirty="0">
+              <a:uFill>
+                <a:solidFill/>
+              </a:uFill>
+              <a:latin typeface="Calibri" panose="020F0502020204030204" pitchFamily="34" charset="0"/>
+              <a:ea typeface="Calibri" panose="020F0502020204030204" pitchFamily="34" charset="0"/>
+              <a:cs typeface="Calibri" panose="020F0502020204030204" pitchFamily="34" charset="0"/>
+              <a:sym typeface="Iowan Old Style Roman"/>
+            </a:endParaRPr>
           </a:p>
           <a:p>
             <a:pPr lvl="0">
@@ -4900,9 +4921,34 @@
                 <a:uFill>
                   <a:solidFill/>
                 </a:uFill>
-                <a:latin typeface="Arial Unicode MS" panose="020B0604020202020204" pitchFamily="34" charset="-128"/>
-                <a:ea typeface="Arial Unicode MS" panose="020B0604020202020204" pitchFamily="34" charset="-128"/>
-                <a:cs typeface="Arial Unicode MS" panose="020B0604020202020204" pitchFamily="34" charset="-128"/>
+                <a:latin typeface="Calibri" panose="020F0502020204030204" pitchFamily="34" charset="0"/>
+                <a:ea typeface="Calibri" panose="020F0502020204030204" pitchFamily="34" charset="0"/>
+                <a:cs typeface="Calibri" panose="020F0502020204030204" pitchFamily="34" charset="0"/>
+                <a:sym typeface="Iowan Old Style Roman"/>
+              </a:rPr>
+              <a:t>WHERE 	condition</a:t>
+            </a:r>
+          </a:p>
+          <a:p>
+            <a:pPr lvl="0">
+              <a:spcBef>
+                <a:spcPts val="700"/>
+              </a:spcBef>
+              <a:defRPr sz="1800">
+                <a:solidFill>
+                  <a:srgbClr val="000000"/>
+                </a:solidFill>
+                <a:uFillTx/>
+              </a:defRPr>
+            </a:pPr>
+            <a:r>
+              <a:rPr sz="2700" dirty="0">
+                <a:uFill>
+                  <a:solidFill/>
+                </a:uFill>
+                <a:latin typeface="Calibri" panose="020F0502020204030204" pitchFamily="34" charset="0"/>
+                <a:ea typeface="Calibri" panose="020F0502020204030204" pitchFamily="34" charset="0"/>
+                <a:cs typeface="Calibri" panose="020F0502020204030204" pitchFamily="34" charset="0"/>
                 <a:sym typeface="Iowan Old Style Roman"/>
               </a:rPr>
               <a:t>GROUP BY</a:t>
@@ -4912,9 +4958,9 @@
                 <a:uFill>
                   <a:solidFill/>
                 </a:uFill>
-                <a:latin typeface="Arial Unicode MS" panose="020B0604020202020204" pitchFamily="34" charset="-128"/>
-                <a:ea typeface="Arial Unicode MS" panose="020B0604020202020204" pitchFamily="34" charset="-128"/>
-                <a:cs typeface="Arial Unicode MS" panose="020B0604020202020204" pitchFamily="34" charset="-128"/>
+                <a:latin typeface="Calibri" panose="020F0502020204030204" pitchFamily="34" charset="0"/>
+                <a:ea typeface="Calibri" panose="020F0502020204030204" pitchFamily="34" charset="0"/>
+                <a:cs typeface="Calibri" panose="020F0502020204030204" pitchFamily="34" charset="0"/>
                 <a:sym typeface="Iowan Old Style Roman"/>
               </a:rPr>
               <a:t>   </a:t>
@@ -4924,9 +4970,9 @@
                 <a:uFill>
                   <a:solidFill/>
                 </a:uFill>
-                <a:latin typeface="Arial Unicode MS" panose="020B0604020202020204" pitchFamily="34" charset="-128"/>
-                <a:ea typeface="Arial Unicode MS" panose="020B0604020202020204" pitchFamily="34" charset="-128"/>
-                <a:cs typeface="Arial Unicode MS" panose="020B0604020202020204" pitchFamily="34" charset="-128"/>
+                <a:latin typeface="Calibri" panose="020F0502020204030204" pitchFamily="34" charset="0"/>
+                <a:ea typeface="Calibri" panose="020F0502020204030204" pitchFamily="34" charset="0"/>
+                <a:cs typeface="Calibri" panose="020F0502020204030204" pitchFamily="34" charset="0"/>
                 <a:sym typeface="Iowan Old Style Roman"/>
               </a:rPr>
               <a:t>A</a:t>
@@ -4936,9 +4982,9 @@
                 <a:uFill>
                   <a:solidFill/>
                 </a:uFill>
-                <a:latin typeface="Arial Unicode MS" panose="020B0604020202020204" pitchFamily="34" charset="-128"/>
-                <a:ea typeface="Arial Unicode MS" panose="020B0604020202020204" pitchFamily="34" charset="-128"/>
-                <a:cs typeface="Arial Unicode MS" panose="020B0604020202020204" pitchFamily="34" charset="-128"/>
+                <a:latin typeface="Calibri" panose="020F0502020204030204" pitchFamily="34" charset="0"/>
+                <a:ea typeface="Calibri" panose="020F0502020204030204" pitchFamily="34" charset="0"/>
+                <a:cs typeface="Calibri" panose="020F0502020204030204" pitchFamily="34" charset="0"/>
                 <a:sym typeface="Iowan Old Style Roman"/>
               </a:rPr>
               <a:t>1</a:t>
@@ -4955,7 +5001,7 @@
         <p:spPr>
           <a:xfrm>
             <a:off x="1186114" y="3954259"/>
-            <a:ext cx="6287938" cy="492443"/>
+            <a:ext cx="5824221" cy="492443"/>
           </a:xfrm>
           <a:prstGeom prst="rect">
             <a:avLst/>
@@ -4965,7 +5011,7 @@
           </a:ln>
           <a:extLst>
             <a:ext uri="{C572A759-6A51-4108-AA02-DFA0A04FC94B}">
-              <ma14:wrappingTextBoxFlag xmlns:ma14="http://schemas.microsoft.com/office/mac/drawingml/2011/main" xmlns="" val="1"/>
+              <ma14:wrappingTextBoxFlag xmlns="" xmlns:ma14="http://schemas.microsoft.com/office/mac/drawingml/2011/main" val="1"/>
             </a:ext>
           </a:extLst>
         </p:spPr>
@@ -4991,9 +5037,9 @@
                 <a:uFill>
                   <a:solidFill/>
                 </a:uFill>
-                <a:latin typeface="Arial Unicode MS" panose="020B0604020202020204" pitchFamily="34" charset="-128"/>
-                <a:ea typeface="Arial Unicode MS" panose="020B0604020202020204" pitchFamily="34" charset="-128"/>
-                <a:cs typeface="Arial Unicode MS" panose="020B0604020202020204" pitchFamily="34" charset="-128"/>
+                <a:latin typeface="Calibri" panose="020F0502020204030204" pitchFamily="34" charset="0"/>
+                <a:ea typeface="Calibri" panose="020F0502020204030204" pitchFamily="34" charset="0"/>
+                <a:cs typeface="Calibri" panose="020F0502020204030204" pitchFamily="34" charset="0"/>
                 <a:sym typeface="Iowan Old Style Roman"/>
               </a:rPr>
               <a:t>HAVING </a:t>
@@ -5003,9 +5049,9 @@
                 <a:uFill>
                   <a:solidFill/>
                 </a:uFill>
-                <a:latin typeface="Arial Unicode MS" panose="020B0604020202020204" pitchFamily="34" charset="-128"/>
-                <a:ea typeface="Arial Unicode MS" panose="020B0604020202020204" pitchFamily="34" charset="-128"/>
-                <a:cs typeface="Arial Unicode MS" panose="020B0604020202020204" pitchFamily="34" charset="-128"/>
+                <a:latin typeface="Calibri" panose="020F0502020204030204" pitchFamily="34" charset="0"/>
+                <a:ea typeface="Calibri" panose="020F0502020204030204" pitchFamily="34" charset="0"/>
+                <a:cs typeface="Calibri" panose="020F0502020204030204" pitchFamily="34" charset="0"/>
                 <a:sym typeface="Iowan Old Style Roman"/>
               </a:rPr>
               <a:t>Aggregation Function</a:t>
@@ -5015,9 +5061,9 @@
                 <a:uFill>
                   <a:solidFill/>
                 </a:uFill>
-                <a:latin typeface="Arial Unicode MS" panose="020B0604020202020204" pitchFamily="34" charset="-128"/>
-                <a:ea typeface="Arial Unicode MS" panose="020B0604020202020204" pitchFamily="34" charset="-128"/>
-                <a:cs typeface="Arial Unicode MS" panose="020B0604020202020204" pitchFamily="34" charset="-128"/>
+                <a:latin typeface="Calibri" panose="020F0502020204030204" pitchFamily="34" charset="0"/>
+                <a:ea typeface="Calibri" panose="020F0502020204030204" pitchFamily="34" charset="0"/>
+                <a:cs typeface="Calibri" panose="020F0502020204030204" pitchFamily="34" charset="0"/>
                 <a:sym typeface="Iowan Old Style Roman"/>
               </a:rPr>
               <a:t> Condition</a:t>
@@ -5160,7 +5206,7 @@
           </a:ln>
           <a:extLst>
             <a:ext uri="{C572A759-6A51-4108-AA02-DFA0A04FC94B}">
-              <ma14:wrappingTextBoxFlag xmlns:ma14="http://schemas.microsoft.com/office/mac/drawingml/2011/main" xmlns="" val="1"/>
+              <ma14:wrappingTextBoxFlag xmlns="" xmlns:ma14="http://schemas.microsoft.com/office/mac/drawingml/2011/main" val="1"/>
             </a:ext>
           </a:extLst>
         </p:spPr>
@@ -5195,7 +5241,7 @@
                     <a:srgbClr val="FFFFFF"/>
                   </a:solidFill>
                 </a:uFill>
-                <a:latin typeface="Arial Unicode MS" panose="020B0604020202020204" pitchFamily="34" charset="-128"/>
+                <a:latin typeface="Calibri" panose="020F0502020204030204" pitchFamily="34" charset="0"/>
               </a:rPr>
               <a:t>Group by Toy Example</a:t>
             </a:r>
@@ -5272,7 +5318,7 @@
                               <a:srgbClr val="FFFFFF"/>
                             </a:solidFill>
                           </a:uFill>
-                          <a:latin typeface="Arial Unicode MS" panose="020B0604020202020204" pitchFamily="34" charset="-128"/>
+                          <a:latin typeface="Calibri" panose="020F0502020204030204" pitchFamily="34" charset="0"/>
                         </a:rPr>
                         <a:t>Student_id</a:t>
                       </a:r>
@@ -5285,7 +5331,7 @@
                             <a:srgbClr val="FFFFFF"/>
                           </a:solidFill>
                         </a:uFill>
-                        <a:latin typeface="Arial Unicode MS" panose="020B0604020202020204" pitchFamily="34" charset="-128"/>
+                        <a:latin typeface="Calibri" panose="020F0502020204030204" pitchFamily="34" charset="0"/>
                       </a:endParaRPr>
                     </a:p>
                   </a:txBody>
@@ -5354,7 +5400,7 @@
                               <a:srgbClr val="FFFFFF"/>
                             </a:solidFill>
                           </a:uFill>
-                          <a:latin typeface="Arial Unicode MS" panose="020B0604020202020204" pitchFamily="34" charset="-128"/>
+                          <a:latin typeface="Calibri" panose="020F0502020204030204" pitchFamily="34" charset="0"/>
                         </a:rPr>
                         <a:t>Class</a:t>
                       </a:r>
@@ -5425,7 +5471,7 @@
                               <a:srgbClr val="FFFFFF"/>
                             </a:solidFill>
                           </a:uFill>
-                          <a:latin typeface="Arial Unicode MS" panose="020B0604020202020204" pitchFamily="34" charset="-128"/>
+                          <a:latin typeface="Calibri" panose="020F0502020204030204" pitchFamily="34" charset="0"/>
                         </a:rPr>
                         <a:t>Grade</a:t>
                       </a:r>
@@ -5498,7 +5544,7 @@
                           <a:uFill>
                             <a:solidFill/>
                           </a:uFill>
-                          <a:latin typeface="Arial Unicode MS" panose="020B0604020202020204" pitchFamily="34" charset="-128"/>
+                          <a:latin typeface="Calibri" panose="020F0502020204030204" pitchFamily="34" charset="0"/>
                         </a:rPr>
                         <a:t>1</a:t>
                       </a:r>
@@ -5567,7 +5613,7 @@
                           <a:uFill>
                             <a:solidFill/>
                           </a:uFill>
-                          <a:latin typeface="Arial Unicode MS" panose="020B0604020202020204" pitchFamily="34" charset="-128"/>
+                          <a:latin typeface="Calibri" panose="020F0502020204030204" pitchFamily="34" charset="0"/>
                         </a:rPr>
                         <a:t>Algebra</a:t>
                       </a:r>
@@ -5636,7 +5682,7 @@
                           <a:uFill>
                             <a:solidFill/>
                           </a:uFill>
-                          <a:latin typeface="Arial Unicode MS" panose="020B0604020202020204" pitchFamily="34" charset="-128"/>
+                          <a:latin typeface="Calibri" panose="020F0502020204030204" pitchFamily="34" charset="0"/>
                         </a:rPr>
                         <a:t>19</a:t>
                       </a:r>
@@ -5712,7 +5758,7 @@
                           <a:uFill>
                             <a:solidFill/>
                           </a:uFill>
-                          <a:latin typeface="Arial Unicode MS" panose="020B0604020202020204" pitchFamily="34" charset="-128"/>
+                          <a:latin typeface="Calibri" panose="020F0502020204030204" pitchFamily="34" charset="0"/>
                         </a:rPr>
                         <a:t>2</a:t>
                       </a:r>
@@ -5781,7 +5827,7 @@
                           <a:uFill>
                             <a:solidFill/>
                           </a:uFill>
-                          <a:latin typeface="Arial Unicode MS" panose="020B0604020202020204" pitchFamily="34" charset="-128"/>
+                          <a:latin typeface="Calibri" panose="020F0502020204030204" pitchFamily="34" charset="0"/>
                         </a:rPr>
                         <a:t>Algebra</a:t>
                       </a:r>
@@ -5850,7 +5896,7 @@
                           <a:uFill>
                             <a:solidFill/>
                           </a:uFill>
-                          <a:latin typeface="Arial Unicode MS" panose="020B0604020202020204" pitchFamily="34" charset="-128"/>
+                          <a:latin typeface="Calibri" panose="020F0502020204030204" pitchFamily="34" charset="0"/>
                         </a:rPr>
                         <a:t>16</a:t>
                       </a:r>
@@ -5926,7 +5972,7 @@
                           <a:uFill>
                             <a:solidFill/>
                           </a:uFill>
-                          <a:latin typeface="Arial Unicode MS" panose="020B0604020202020204" pitchFamily="34" charset="-128"/>
+                          <a:latin typeface="Calibri" panose="020F0502020204030204" pitchFamily="34" charset="0"/>
                         </a:rPr>
                         <a:t>3</a:t>
                       </a:r>
@@ -5995,7 +6041,7 @@
                           <a:uFill>
                             <a:solidFill/>
                           </a:uFill>
-                          <a:latin typeface="Arial Unicode MS" panose="020B0604020202020204" pitchFamily="34" charset="-128"/>
+                          <a:latin typeface="Calibri" panose="020F0502020204030204" pitchFamily="34" charset="0"/>
                         </a:rPr>
                         <a:t>Algebra</a:t>
                       </a:r>
@@ -6064,7 +6110,7 @@
                           <a:uFill>
                             <a:solidFill/>
                           </a:uFill>
-                          <a:latin typeface="Arial Unicode MS" panose="020B0604020202020204" pitchFamily="34" charset="-128"/>
+                          <a:latin typeface="Calibri" panose="020F0502020204030204" pitchFamily="34" charset="0"/>
                         </a:rPr>
                         <a:t>20</a:t>
                       </a:r>
@@ -6140,7 +6186,7 @@
                           <a:uFill>
                             <a:solidFill/>
                           </a:uFill>
-                          <a:latin typeface="Arial Unicode MS" panose="020B0604020202020204" pitchFamily="34" charset="-128"/>
+                          <a:latin typeface="Calibri" panose="020F0502020204030204" pitchFamily="34" charset="0"/>
                         </a:rPr>
                         <a:t>2</a:t>
                       </a:r>
@@ -6209,7 +6255,7 @@
                           <a:uFill>
                             <a:solidFill/>
                           </a:uFill>
-                          <a:latin typeface="Arial Unicode MS" panose="020B0604020202020204" pitchFamily="34" charset="-128"/>
+                          <a:latin typeface="Calibri" panose="020F0502020204030204" pitchFamily="34" charset="0"/>
                         </a:rPr>
                         <a:t>Analysis</a:t>
                       </a:r>
@@ -6278,7 +6324,7 @@
                           <a:uFill>
                             <a:solidFill/>
                           </a:uFill>
-                          <a:latin typeface="Arial Unicode MS" panose="020B0604020202020204" pitchFamily="34" charset="-128"/>
+                          <a:latin typeface="Calibri" panose="020F0502020204030204" pitchFamily="34" charset="0"/>
                         </a:rPr>
                         <a:t>18</a:t>
                       </a:r>
@@ -6354,7 +6400,7 @@
                           <a:uFill>
                             <a:solidFill/>
                           </a:uFill>
-                          <a:latin typeface="Arial Unicode MS" panose="020B0604020202020204" pitchFamily="34" charset="-128"/>
+                          <a:latin typeface="Calibri" panose="020F0502020204030204" pitchFamily="34" charset="0"/>
                         </a:rPr>
                         <a:t>2</a:t>
                       </a:r>
@@ -6423,7 +6469,7 @@
                           <a:uFill>
                             <a:solidFill/>
                           </a:uFill>
-                          <a:latin typeface="Arial Unicode MS" panose="020B0604020202020204" pitchFamily="34" charset="-128"/>
+                          <a:latin typeface="Calibri" panose="020F0502020204030204" pitchFamily="34" charset="0"/>
                         </a:rPr>
                         <a:t>Physics</a:t>
                       </a:r>
@@ -6492,7 +6538,7 @@
                           <a:uFill>
                             <a:solidFill/>
                           </a:uFill>
-                          <a:latin typeface="Arial Unicode MS" panose="020B0604020202020204" pitchFamily="34" charset="-128"/>
+                          <a:latin typeface="Calibri" panose="020F0502020204030204" pitchFamily="34" charset="0"/>
                         </a:rPr>
                         <a:t>13</a:t>
                       </a:r>
@@ -6568,7 +6614,7 @@
                           <a:uFill>
                             <a:solidFill/>
                           </a:uFill>
-                          <a:latin typeface="Arial Unicode MS" panose="020B0604020202020204" pitchFamily="34" charset="-128"/>
+                          <a:latin typeface="Calibri" panose="020F0502020204030204" pitchFamily="34" charset="0"/>
                         </a:rPr>
                         <a:t>1</a:t>
                       </a:r>
@@ -6637,7 +6683,7 @@
                           <a:uFill>
                             <a:solidFill/>
                           </a:uFill>
-                          <a:latin typeface="Arial Unicode MS" panose="020B0604020202020204" pitchFamily="34" charset="-128"/>
+                          <a:latin typeface="Calibri" panose="020F0502020204030204" pitchFamily="34" charset="0"/>
                         </a:rPr>
                         <a:t>Analysis</a:t>
                       </a:r>
@@ -6706,7 +6752,7 @@
                           <a:uFill>
                             <a:solidFill/>
                           </a:uFill>
-                          <a:latin typeface="Arial Unicode MS" panose="020B0604020202020204" pitchFamily="34" charset="-128"/>
+                          <a:latin typeface="Calibri" panose="020F0502020204030204" pitchFamily="34" charset="0"/>
                         </a:rPr>
                         <a:t>17</a:t>
                       </a:r>
@@ -6782,7 +6828,7 @@
                           <a:uFill>
                             <a:solidFill/>
                           </a:uFill>
-                          <a:latin typeface="Arial Unicode MS" panose="020B0604020202020204" pitchFamily="34" charset="-128"/>
+                          <a:latin typeface="Calibri" panose="020F0502020204030204" pitchFamily="34" charset="0"/>
                         </a:rPr>
                         <a:t>1</a:t>
                       </a:r>
@@ -6851,7 +6897,7 @@
                           <a:uFill>
                             <a:solidFill/>
                           </a:uFill>
-                          <a:latin typeface="Arial Unicode MS" panose="020B0604020202020204" pitchFamily="34" charset="-128"/>
+                          <a:latin typeface="Calibri" panose="020F0502020204030204" pitchFamily="34" charset="0"/>
                         </a:rPr>
                         <a:t>Physics</a:t>
                       </a:r>
@@ -6920,7 +6966,7 @@
                           <a:uFill>
                             <a:solidFill/>
                           </a:uFill>
-                          <a:latin typeface="Arial Unicode MS" panose="020B0604020202020204" pitchFamily="34" charset="-128"/>
+                          <a:latin typeface="Calibri" panose="020F0502020204030204" pitchFamily="34" charset="0"/>
                         </a:rPr>
                         <a:t>19</a:t>
                       </a:r>
@@ -6996,7 +7042,7 @@
                           <a:uFill>
                             <a:solidFill/>
                           </a:uFill>
-                          <a:latin typeface="Arial Unicode MS" panose="020B0604020202020204" pitchFamily="34" charset="-128"/>
+                          <a:latin typeface="Calibri" panose="020F0502020204030204" pitchFamily="34" charset="0"/>
                         </a:rPr>
                         <a:t>1</a:t>
                       </a:r>
@@ -7065,7 +7111,7 @@
                           <a:uFill>
                             <a:solidFill/>
                           </a:uFill>
-                          <a:latin typeface="Arial Unicode MS" panose="020B0604020202020204" pitchFamily="34" charset="-128"/>
+                          <a:latin typeface="Calibri" panose="020F0502020204030204" pitchFamily="34" charset="0"/>
                         </a:rPr>
                         <a:t>History</a:t>
                       </a:r>
@@ -7134,7 +7180,7 @@
                           <a:uFill>
                             <a:solidFill/>
                           </a:uFill>
-                          <a:latin typeface="Arial Unicode MS" panose="020B0604020202020204" pitchFamily="34" charset="-128"/>
+                          <a:latin typeface="Calibri" panose="020F0502020204030204" pitchFamily="34" charset="0"/>
                         </a:rPr>
                         <a:t>14</a:t>
                       </a:r>
@@ -7200,8 +7246,8 @@
         </p:nvSpPr>
         <p:spPr>
           <a:xfrm>
-            <a:off x="4484039" y="1222019"/>
-            <a:ext cx="3718967" cy="1261884"/>
+            <a:off x="4567862" y="433850"/>
+            <a:ext cx="4779322" cy="2139047"/>
           </a:xfrm>
           <a:prstGeom prst="rect">
             <a:avLst/>
@@ -7211,7 +7257,7 @@
           </a:ln>
           <a:extLst>
             <a:ext uri="{C572A759-6A51-4108-AA02-DFA0A04FC94B}">
-              <ma14:wrappingTextBoxFlag xmlns:ma14="http://schemas.microsoft.com/office/mac/drawingml/2011/main" xmlns="" val="1"/>
+              <ma14:wrappingTextBoxFlag xmlns="" xmlns:ma14="http://schemas.microsoft.com/office/mac/drawingml/2011/main" val="1"/>
             </a:ext>
           </a:extLst>
         </p:spPr>
@@ -7230,11 +7276,90 @@
               </a:defRPr>
             </a:pPr>
             <a:r>
+              <a:rPr lang="en-US" sz="1900" dirty="0">
+                <a:uFill>
+                  <a:solidFill/>
+                </a:uFill>
+                <a:latin typeface="Calibri" panose="020F0502020204030204" pitchFamily="34" charset="0"/>
+              </a:rPr>
+              <a:t>Show average grade </a:t>
+            </a:r>
+            <a:r>
+              <a:rPr lang="en-US" sz="1900" u="sng" dirty="0">
+                <a:uFill>
+                  <a:solidFill/>
+                </a:uFill>
+                <a:latin typeface="Calibri" panose="020F0502020204030204" pitchFamily="34" charset="0"/>
+              </a:rPr>
+              <a:t>for each class </a:t>
+            </a:r>
+            <a:r>
+              <a:rPr lang="en-US" sz="1900" dirty="0">
+                <a:uFill>
+                  <a:solidFill/>
+                </a:uFill>
+                <a:latin typeface="Calibri" panose="020F0502020204030204" pitchFamily="34" charset="0"/>
+              </a:rPr>
+              <a:t>for all classes </a:t>
+            </a:r>
+            <a:br>
+              <a:rPr lang="en-US" sz="1900" dirty="0">
+                <a:uFill>
+                  <a:solidFill/>
+                </a:uFill>
+                <a:latin typeface="Calibri" panose="020F0502020204030204" pitchFamily="34" charset="0"/>
+              </a:rPr>
+            </a:br>
+            <a:r>
+              <a:rPr lang="en-US" sz="1900" dirty="0">
+                <a:uFill>
+                  <a:solidFill/>
+                </a:uFill>
+                <a:latin typeface="Calibri" panose="020F0502020204030204" pitchFamily="34" charset="0"/>
+              </a:rPr>
+              <a:t>with </a:t>
+            </a:r>
+            <a:r>
+              <a:rPr lang="en-US" sz="1900" b="1" dirty="0">
+                <a:uFill>
+                  <a:solidFill/>
+                </a:uFill>
+                <a:latin typeface="Calibri" panose="020F0502020204030204" pitchFamily="34" charset="0"/>
+              </a:rPr>
+              <a:t>average grade above 15</a:t>
+            </a:r>
+          </a:p>
+          <a:p>
+            <a:pPr lvl="0">
+              <a:defRPr sz="1800">
+                <a:solidFill>
+                  <a:srgbClr val="000000"/>
+                </a:solidFill>
+                <a:uFillTx/>
+              </a:defRPr>
+            </a:pPr>
+            <a:endParaRPr lang="en-US" sz="1900" dirty="0">
+              <a:uFill>
+                <a:solidFill/>
+              </a:uFill>
+              <a:latin typeface="Calibri" panose="020F0502020204030204" pitchFamily="34" charset="0"/>
+            </a:endParaRPr>
+          </a:p>
+          <a:p>
+            <a:pPr lvl="0">
+              <a:defRPr sz="1800">
+                <a:solidFill>
+                  <a:srgbClr val="000000"/>
+                </a:solidFill>
+                <a:uFillTx/>
+              </a:defRPr>
+            </a:pPr>
+            <a:r>
               <a:rPr sz="1900" dirty="0">
                 <a:uFill>
                   <a:solidFill/>
                 </a:uFill>
-                <a:latin typeface="Arial Unicode MS" panose="020B0604020202020204" pitchFamily="34" charset="-128"/>
+                <a:latin typeface="Calibri" panose="020F0502020204030204" pitchFamily="34" charset="0"/>
               </a:rPr>
               <a:t>SELECT</a:t>
             </a:r>
@@ -7243,7 +7368,7 @@
                 <a:uFill>
                   <a:solidFill/>
                 </a:uFill>
-                <a:latin typeface="Arial Unicode MS" panose="020B0604020202020204" pitchFamily="34" charset="-128"/>
+                <a:latin typeface="Calibri" panose="020F0502020204030204" pitchFamily="34" charset="0"/>
               </a:rPr>
               <a:t> 	</a:t>
             </a:r>
@@ -7252,42 +7377,18 @@
                 <a:uFill>
                   <a:solidFill/>
                 </a:uFill>
-                <a:latin typeface="Arial Unicode MS" panose="020B0604020202020204" pitchFamily="34" charset="-128"/>
+                <a:latin typeface="Calibri" panose="020F0502020204030204" pitchFamily="34" charset="0"/>
                 <a:ea typeface="+mn-ea"/>
                 <a:cs typeface="+mn-cs"/>
                 <a:sym typeface="Arial"/>
               </a:rPr>
-              <a:t>Class, </a:t>
-            </a:r>
-            <a:r>
-              <a:rPr dirty="0" err="1">
-                <a:uFill>
-                  <a:solidFill/>
-                </a:uFill>
-                <a:latin typeface="Arial Unicode MS" panose="020B0604020202020204" pitchFamily="34" charset="-128"/>
-                <a:ea typeface="+mn-ea"/>
-                <a:cs typeface="+mn-cs"/>
-                <a:sym typeface="Arial"/>
-              </a:rPr>
-              <a:t>avg</a:t>
-            </a:r>
-            <a:r>
-              <a:rPr dirty="0">
-                <a:uFill>
-                  <a:solidFill/>
-                </a:uFill>
-                <a:latin typeface="Arial Unicode MS" panose="020B0604020202020204" pitchFamily="34" charset="-128"/>
-                <a:ea typeface="+mn-ea"/>
-                <a:cs typeface="+mn-cs"/>
-                <a:sym typeface="Arial"/>
-              </a:rPr>
-              <a:t>(Grade)</a:t>
+              <a:t>Class, avg(Grade)</a:t>
             </a:r>
             <a:endParaRPr baseline="-5999" dirty="0">
               <a:uFill>
                 <a:solidFill/>
               </a:uFill>
-              <a:latin typeface="Arial Unicode MS" panose="020B0604020202020204" pitchFamily="34" charset="-128"/>
+              <a:latin typeface="Calibri" panose="020F0502020204030204" pitchFamily="34" charset="0"/>
               <a:ea typeface="+mn-ea"/>
               <a:cs typeface="+mn-cs"/>
               <a:sym typeface="Arial"/>
@@ -7307,7 +7408,7 @@
                 <a:uFill>
                   <a:solidFill/>
                 </a:uFill>
-                <a:latin typeface="Arial Unicode MS" panose="020B0604020202020204" pitchFamily="34" charset="-128"/>
+                <a:latin typeface="Calibri" panose="020F0502020204030204" pitchFamily="34" charset="0"/>
               </a:rPr>
               <a:t> </a:t>
             </a:r>
@@ -7316,7 +7417,7 @@
                 <a:uFill>
                   <a:solidFill/>
                 </a:uFill>
-                <a:latin typeface="Arial Unicode MS" panose="020B0604020202020204" pitchFamily="34" charset="-128"/>
+                <a:latin typeface="Calibri" panose="020F0502020204030204" pitchFamily="34" charset="0"/>
               </a:rPr>
               <a:t>FROM</a:t>
             </a:r>
@@ -7325,16 +7426,16 @@
                 <a:uFill>
                   <a:solidFill/>
                 </a:uFill>
-                <a:latin typeface="Arial Unicode MS" panose="020B0604020202020204" pitchFamily="34" charset="-128"/>
+                <a:latin typeface="Calibri" panose="020F0502020204030204" pitchFamily="34" charset="0"/>
               </a:rPr>
-              <a:t> 		</a:t>
+              <a:t> 	</a:t>
             </a:r>
             <a:r>
               <a:rPr dirty="0">
                 <a:uFill>
                   <a:solidFill/>
                 </a:uFill>
-                <a:latin typeface="Arial Unicode MS" panose="020B0604020202020204" pitchFamily="34" charset="-128"/>
+                <a:latin typeface="Calibri" panose="020F0502020204030204" pitchFamily="34" charset="0"/>
                 <a:ea typeface="+mn-ea"/>
                 <a:cs typeface="+mn-cs"/>
                 <a:sym typeface="Arial"/>
@@ -7352,22 +7453,20 @@
               </a:defRPr>
             </a:pPr>
             <a:r>
-              <a:rPr sz="1900" dirty="0">
+              <a:rPr sz="1900" u="sng" dirty="0">
                 <a:uFill>
                   <a:solidFill/>
                 </a:uFill>
-                <a:latin typeface="Arial Unicode MS" panose="020B0604020202020204" pitchFamily="34" charset="-128"/>
+                <a:latin typeface="Calibri" panose="020F0502020204030204" pitchFamily="34" charset="0"/>
               </a:rPr>
-              <a:t>GROUP BY 	</a:t>
-            </a:r>
-            <a:r>
-              <a:rPr sz="1900" dirty="0">
+              <a:t>GROUP BY </a:t>
+            </a:r>
+            <a:r>
+              <a:rPr sz="1900" u="sng" dirty="0">
                 <a:uFill>
                   <a:solidFill/>
                 </a:uFill>
-                <a:latin typeface="Arial Unicode MS" panose="020B0604020202020204" pitchFamily="34" charset="-128"/>
-                <a:ea typeface="+mn-ea"/>
-                <a:cs typeface="+mn-cs"/>
+                <a:latin typeface="Calibri" panose="020F0502020204030204" pitchFamily="34" charset="0"/>
                 <a:sym typeface="Arial"/>
               </a:rPr>
               <a:t>Class</a:t>
@@ -7387,31 +7486,19 @@
                 <a:uFill>
                   <a:solidFill/>
                 </a:uFill>
-                <a:latin typeface="Arial Unicode MS" panose="020B0604020202020204" pitchFamily="34" charset="-128"/>
+                <a:latin typeface="Calibri" panose="020F0502020204030204" pitchFamily="34" charset="0"/>
                 <a:ea typeface="+mn-ea"/>
                 <a:cs typeface="+mn-cs"/>
                 <a:sym typeface="Arial"/>
               </a:rPr>
-              <a:t>HAVING</a:t>
-            </a:r>
-            <a:r>
-              <a:rPr sz="1900" dirty="0">
+              <a:t>HAVING	</a:t>
+            </a:r>
+            <a:r>
+              <a:rPr sz="1900" b="1" dirty="0" err="1">
                 <a:uFill>
                   <a:solidFill/>
                 </a:uFill>
-                <a:latin typeface="Arial Unicode MS" panose="020B0604020202020204" pitchFamily="34" charset="-128"/>
-                <a:ea typeface="+mn-ea"/>
-                <a:cs typeface="+mn-cs"/>
-                <a:sym typeface="Arial"/>
-              </a:rPr>
-              <a:t>	</a:t>
-            </a:r>
-            <a:r>
-              <a:rPr sz="1900" dirty="0" err="1">
-                <a:uFill>
-                  <a:solidFill/>
-                </a:uFill>
-                <a:latin typeface="Arial Unicode MS" panose="020B0604020202020204" pitchFamily="34" charset="-128"/>
+                <a:latin typeface="Calibri" panose="020F0502020204030204" pitchFamily="34" charset="0"/>
                 <a:ea typeface="+mn-ea"/>
                 <a:cs typeface="+mn-cs"/>
                 <a:sym typeface="Arial"/>
@@ -7419,11 +7506,11 @@
               <a:t>avg</a:t>
             </a:r>
             <a:r>
-              <a:rPr sz="1900" dirty="0">
+              <a:rPr sz="1900" b="1" dirty="0">
                 <a:uFill>
                   <a:solidFill/>
                 </a:uFill>
-                <a:latin typeface="Arial Unicode MS" panose="020B0604020202020204" pitchFamily="34" charset="-128"/>
+                <a:latin typeface="Calibri" panose="020F0502020204030204" pitchFamily="34" charset="0"/>
                 <a:ea typeface="+mn-ea"/>
                 <a:cs typeface="+mn-cs"/>
                 <a:sym typeface="Arial"/>
@@ -7442,7 +7529,7 @@
         <p:spPr>
           <a:xfrm>
             <a:off x="1741517" y="1335035"/>
-            <a:ext cx="785471" cy="307777"/>
+            <a:ext cx="680443" cy="307777"/>
           </a:xfrm>
           <a:prstGeom prst="rect">
             <a:avLst/>
@@ -7452,7 +7539,7 @@
           </a:ln>
           <a:extLst>
             <a:ext uri="{C572A759-6A51-4108-AA02-DFA0A04FC94B}">
-              <ma14:wrappingTextBoxFlag xmlns:ma14="http://schemas.microsoft.com/office/mac/drawingml/2011/main" xmlns="" val="1"/>
+              <ma14:wrappingTextBoxFlag xmlns="" xmlns:ma14="http://schemas.microsoft.com/office/mac/drawingml/2011/main" val="1"/>
             </a:ext>
           </a:extLst>
         </p:spPr>
@@ -7490,7 +7577,7 @@
                 <a:uFill>
                   <a:solidFill/>
                 </a:uFill>
-                <a:latin typeface="Arial Unicode MS" panose="020B0604020202020204" pitchFamily="34" charset="-128"/>
+                <a:latin typeface="Calibri" panose="020F0502020204030204" pitchFamily="34" charset="0"/>
               </a:rPr>
               <a:t>Table1</a:t>
             </a:r>
@@ -7560,7 +7647,7 @@
                               <a:srgbClr val="FFFFFF"/>
                             </a:solidFill>
                           </a:uFill>
-                          <a:latin typeface="Arial Unicode MS" panose="020B0604020202020204" pitchFamily="34" charset="-128"/>
+                          <a:latin typeface="Calibri" panose="020F0502020204030204" pitchFamily="34" charset="0"/>
                         </a:rPr>
                         <a:t>Class</a:t>
                       </a:r>
@@ -7631,7 +7718,7 @@
                               <a:srgbClr val="FFFFFF"/>
                             </a:solidFill>
                           </a:uFill>
-                          <a:latin typeface="Arial Unicode MS" panose="020B0604020202020204" pitchFamily="34" charset="-128"/>
+                          <a:latin typeface="Calibri" panose="020F0502020204030204" pitchFamily="34" charset="0"/>
                         </a:rPr>
                         <a:t>Avg</a:t>
                       </a:r>
@@ -7645,7 +7732,7 @@
                               <a:srgbClr val="FFFFFF"/>
                             </a:solidFill>
                           </a:uFill>
-                          <a:latin typeface="Arial Unicode MS" panose="020B0604020202020204" pitchFamily="34" charset="-128"/>
+                          <a:latin typeface="Calibri" panose="020F0502020204030204" pitchFamily="34" charset="0"/>
                         </a:rPr>
                         <a:t>(grade)</a:t>
                       </a:r>
@@ -7718,7 +7805,7 @@
                           <a:uFill>
                             <a:solidFill/>
                           </a:uFill>
-                          <a:latin typeface="Arial Unicode MS" panose="020B0604020202020204" pitchFamily="34" charset="-128"/>
+                          <a:latin typeface="Calibri" panose="020F0502020204030204" pitchFamily="34" charset="0"/>
                         </a:rPr>
                         <a:t>Algrebra</a:t>
                       </a:r>
@@ -7729,7 +7816,7 @@
                         <a:uFill>
                           <a:solidFill/>
                         </a:uFill>
-                        <a:latin typeface="Arial Unicode MS" panose="020B0604020202020204" pitchFamily="34" charset="-128"/>
+                        <a:latin typeface="Calibri" panose="020F0502020204030204" pitchFamily="34" charset="0"/>
                       </a:endParaRPr>
                     </a:p>
                   </a:txBody>
@@ -7796,7 +7883,7 @@
                           <a:uFill>
                             <a:solidFill/>
                           </a:uFill>
-                          <a:latin typeface="Arial Unicode MS" panose="020B0604020202020204" pitchFamily="34" charset="-128"/>
+                          <a:latin typeface="Calibri" panose="020F0502020204030204" pitchFamily="34" charset="0"/>
                         </a:rPr>
                         <a:t>(19+16+20)/3</a:t>
                       </a:r>
@@ -7872,7 +7959,7 @@
                           <a:uFill>
                             <a:solidFill/>
                           </a:uFill>
-                          <a:latin typeface="Arial Unicode MS" panose="020B0604020202020204" pitchFamily="34" charset="-128"/>
+                          <a:latin typeface="Calibri" panose="020F0502020204030204" pitchFamily="34" charset="0"/>
                         </a:rPr>
                         <a:t>Analysis</a:t>
                       </a:r>
@@ -7941,7 +8028,7 @@
                           <a:uFill>
                             <a:solidFill/>
                           </a:uFill>
-                          <a:latin typeface="Arial Unicode MS" panose="020B0604020202020204" pitchFamily="34" charset="-128"/>
+                          <a:latin typeface="Calibri" panose="020F0502020204030204" pitchFamily="34" charset="0"/>
                         </a:rPr>
                         <a:t>(18+17)/2</a:t>
                       </a:r>
@@ -8017,7 +8104,7 @@
                           <a:uFill>
                             <a:solidFill/>
                           </a:uFill>
-                          <a:latin typeface="Arial Unicode MS" panose="020B0604020202020204" pitchFamily="34" charset="-128"/>
+                          <a:latin typeface="Calibri" panose="020F0502020204030204" pitchFamily="34" charset="0"/>
                         </a:rPr>
                         <a:t>Physics</a:t>
                       </a:r>
@@ -8086,7 +8173,7 @@
                           <a:uFill>
                             <a:solidFill/>
                           </a:uFill>
-                          <a:latin typeface="Arial Unicode MS" panose="020B0604020202020204" pitchFamily="34" charset="-128"/>
+                          <a:latin typeface="Calibri" panose="020F0502020204030204" pitchFamily="34" charset="0"/>
                         </a:rPr>
                         <a:t>(19+13)/2</a:t>
                       </a:r>
@@ -8190,7 +8277,7 @@
               </a:defRPr>
             </a:pPr>
             <a:endParaRPr dirty="0">
-              <a:latin typeface="Arial Unicode MS" panose="020B0604020202020204" pitchFamily="34" charset="-128"/>
+              <a:latin typeface="Calibri" panose="020F0502020204030204" pitchFamily="34" charset="0"/>
             </a:endParaRPr>
           </a:p>
         </p:txBody>
@@ -8214,7 +8301,7 @@
           </a:ln>
           <a:extLst>
             <a:ext uri="{C572A759-6A51-4108-AA02-DFA0A04FC94B}">
-              <ma14:wrappingTextBoxFlag xmlns:ma14="http://schemas.microsoft.com/office/mac/drawingml/2011/main" xmlns="" val="1"/>
+              <ma14:wrappingTextBoxFlag xmlns="" xmlns:ma14="http://schemas.microsoft.com/office/mac/drawingml/2011/main" val="1"/>
             </a:ext>
           </a:extLst>
         </p:spPr>
@@ -8237,7 +8324,7 @@
                 <a:uFill>
                   <a:solidFill/>
                 </a:uFill>
-                <a:latin typeface="Arial Unicode MS" panose="020B0604020202020204" pitchFamily="34" charset="-128"/>
+                <a:latin typeface="Calibri" panose="020F0502020204030204" pitchFamily="34" charset="0"/>
                 <a:ea typeface="+mn-ea"/>
                 <a:cs typeface="+mn-cs"/>
                 <a:sym typeface="Arial"/>
@@ -8249,7 +8336,7 @@
                 <a:uFill>
                   <a:solidFill/>
                 </a:uFill>
-                <a:latin typeface="Arial Unicode MS" panose="020B0604020202020204" pitchFamily="34" charset="-128"/>
+                <a:latin typeface="Calibri" panose="020F0502020204030204" pitchFamily="34" charset="0"/>
                 <a:ea typeface="+mn-ea"/>
                 <a:cs typeface="+mn-cs"/>
                 <a:sym typeface="Arial"/>
@@ -8261,7 +8348,7 @@
                 <a:uFill>
                   <a:solidFill/>
                 </a:uFill>
-                <a:latin typeface="Arial Unicode MS" panose="020B0604020202020204" pitchFamily="34" charset="-128"/>
+                <a:latin typeface="Calibri" panose="020F0502020204030204" pitchFamily="34" charset="0"/>
                 <a:ea typeface="+mn-ea"/>
                 <a:cs typeface="+mn-cs"/>
                 <a:sym typeface="Arial"/>
@@ -8603,7 +8690,7 @@
           </a:ln>
           <a:extLst>
             <a:ext uri="{C572A759-6A51-4108-AA02-DFA0A04FC94B}">
-              <ma14:wrappingTextBoxFlag xmlns:ma14="http://schemas.microsoft.com/office/mac/drawingml/2011/main" xmlns="" val="1"/>
+              <ma14:wrappingTextBoxFlag xmlns="" xmlns:ma14="http://schemas.microsoft.com/office/mac/drawingml/2011/main" val="1"/>
             </a:ext>
           </a:extLst>
         </p:spPr>
@@ -8638,7 +8725,7 @@
                     <a:srgbClr val="FFFFFF"/>
                   </a:solidFill>
                 </a:uFill>
-                <a:latin typeface="Arial Unicode MS" panose="020B0604020202020204" pitchFamily="34" charset="-128"/>
+                <a:latin typeface="Calibri" panose="020F0502020204030204" pitchFamily="34" charset="0"/>
               </a:rPr>
               <a:t>Group by Toy Example</a:t>
             </a:r>
@@ -8715,7 +8802,7 @@
                               <a:srgbClr val="FFFFFF"/>
                             </a:solidFill>
                           </a:uFill>
-                          <a:latin typeface="Arial Unicode MS" panose="020B0604020202020204" pitchFamily="34" charset="-128"/>
+                          <a:latin typeface="Calibri" panose="020F0502020204030204" pitchFamily="34" charset="0"/>
                         </a:rPr>
                         <a:t>Student_id</a:t>
                       </a:r>
@@ -8728,7 +8815,7 @@
                             <a:srgbClr val="FFFFFF"/>
                           </a:solidFill>
                         </a:uFill>
-                        <a:latin typeface="Arial Unicode MS" panose="020B0604020202020204" pitchFamily="34" charset="-128"/>
+                        <a:latin typeface="Calibri" panose="020F0502020204030204" pitchFamily="34" charset="0"/>
                       </a:endParaRPr>
                     </a:p>
                   </a:txBody>
@@ -8797,7 +8884,7 @@
                               <a:srgbClr val="FFFFFF"/>
                             </a:solidFill>
                           </a:uFill>
-                          <a:latin typeface="Arial Unicode MS" panose="020B0604020202020204" pitchFamily="34" charset="-128"/>
+                          <a:latin typeface="Calibri" panose="020F0502020204030204" pitchFamily="34" charset="0"/>
                         </a:rPr>
                         <a:t>Class</a:t>
                       </a:r>
@@ -8868,7 +8955,7 @@
                               <a:srgbClr val="FFFFFF"/>
                             </a:solidFill>
                           </a:uFill>
-                          <a:latin typeface="Arial Unicode MS" panose="020B0604020202020204" pitchFamily="34" charset="-128"/>
+                          <a:latin typeface="Calibri" panose="020F0502020204030204" pitchFamily="34" charset="0"/>
                         </a:rPr>
                         <a:t>Grade</a:t>
                       </a:r>
@@ -8941,7 +9028,7 @@
                           <a:uFill>
                             <a:solidFill/>
                           </a:uFill>
-                          <a:latin typeface="Arial Unicode MS" panose="020B0604020202020204" pitchFamily="34" charset="-128"/>
+                          <a:latin typeface="Calibri" panose="020F0502020204030204" pitchFamily="34" charset="0"/>
                         </a:rPr>
                         <a:t>1</a:t>
                       </a:r>
@@ -9010,7 +9097,7 @@
                           <a:uFill>
                             <a:solidFill/>
                           </a:uFill>
-                          <a:latin typeface="Arial Unicode MS" panose="020B0604020202020204" pitchFamily="34" charset="-128"/>
+                          <a:latin typeface="Calibri" panose="020F0502020204030204" pitchFamily="34" charset="0"/>
                         </a:rPr>
                         <a:t>Algebra</a:t>
                       </a:r>
@@ -9079,7 +9166,7 @@
                           <a:uFill>
                             <a:solidFill/>
                           </a:uFill>
-                          <a:latin typeface="Arial Unicode MS" panose="020B0604020202020204" pitchFamily="34" charset="-128"/>
+                          <a:latin typeface="Calibri" panose="020F0502020204030204" pitchFamily="34" charset="0"/>
                         </a:rPr>
                         <a:t>19</a:t>
                       </a:r>
@@ -9155,7 +9242,7 @@
                           <a:uFill>
                             <a:solidFill/>
                           </a:uFill>
-                          <a:latin typeface="Arial Unicode MS" panose="020B0604020202020204" pitchFamily="34" charset="-128"/>
+                          <a:latin typeface="Calibri" panose="020F0502020204030204" pitchFamily="34" charset="0"/>
                         </a:rPr>
                         <a:t>2</a:t>
                       </a:r>
@@ -9224,7 +9311,7 @@
                           <a:uFill>
                             <a:solidFill/>
                           </a:uFill>
-                          <a:latin typeface="Arial Unicode MS" panose="020B0604020202020204" pitchFamily="34" charset="-128"/>
+                          <a:latin typeface="Calibri" panose="020F0502020204030204" pitchFamily="34" charset="0"/>
                         </a:rPr>
                         <a:t>Algebra</a:t>
                       </a:r>
@@ -9293,7 +9380,7 @@
                           <a:uFill>
                             <a:solidFill/>
                           </a:uFill>
-                          <a:latin typeface="Arial Unicode MS" panose="020B0604020202020204" pitchFamily="34" charset="-128"/>
+                          <a:latin typeface="Calibri" panose="020F0502020204030204" pitchFamily="34" charset="0"/>
                         </a:rPr>
                         <a:t>16</a:t>
                       </a:r>
@@ -9369,7 +9456,7 @@
                           <a:uFill>
                             <a:solidFill/>
                           </a:uFill>
-                          <a:latin typeface="Arial Unicode MS" panose="020B0604020202020204" pitchFamily="34" charset="-128"/>
+                          <a:latin typeface="Calibri" panose="020F0502020204030204" pitchFamily="34" charset="0"/>
                         </a:rPr>
                         <a:t>3</a:t>
                       </a:r>
@@ -9435,7 +9522,7 @@
                           <a:uFill>
                             <a:solidFill/>
                           </a:uFill>
-                          <a:latin typeface="Arial Unicode MS" panose="020B0604020202020204" pitchFamily="34" charset="-128"/>
+                          <a:latin typeface="Calibri" panose="020F0502020204030204" pitchFamily="34" charset="0"/>
                         </a:rPr>
                         <a:t>Algebra</a:t>
                       </a:r>
@@ -9501,7 +9588,7 @@
                           <a:uFill>
                             <a:solidFill/>
                           </a:uFill>
-                          <a:latin typeface="Arial Unicode MS" panose="020B0604020202020204" pitchFamily="34" charset="-128"/>
+                          <a:latin typeface="Calibri" panose="020F0502020204030204" pitchFamily="34" charset="0"/>
                         </a:rPr>
                         <a:t>20</a:t>
                       </a:r>
@@ -9574,7 +9661,7 @@
                           <a:uFill>
                             <a:solidFill/>
                           </a:uFill>
-                          <a:latin typeface="Arial Unicode MS" panose="020B0604020202020204" pitchFamily="34" charset="-128"/>
+                          <a:latin typeface="Calibri" panose="020F0502020204030204" pitchFamily="34" charset="0"/>
                         </a:rPr>
                         <a:t>2</a:t>
                       </a:r>
@@ -9643,7 +9730,7 @@
                           <a:uFill>
                             <a:solidFill/>
                           </a:uFill>
-                          <a:latin typeface="Arial Unicode MS" panose="020B0604020202020204" pitchFamily="34" charset="-128"/>
+                          <a:latin typeface="Calibri" panose="020F0502020204030204" pitchFamily="34" charset="0"/>
                         </a:rPr>
                         <a:t>Analysis</a:t>
                       </a:r>
@@ -9712,7 +9799,7 @@
                           <a:uFill>
                             <a:solidFill/>
                           </a:uFill>
-                          <a:latin typeface="Arial Unicode MS" panose="020B0604020202020204" pitchFamily="34" charset="-128"/>
+                          <a:latin typeface="Calibri" panose="020F0502020204030204" pitchFamily="34" charset="0"/>
                         </a:rPr>
                         <a:t>18</a:t>
                       </a:r>
@@ -9788,7 +9875,7 @@
                           <a:uFill>
                             <a:solidFill/>
                           </a:uFill>
-                          <a:latin typeface="Arial Unicode MS" panose="020B0604020202020204" pitchFamily="34" charset="-128"/>
+                          <a:latin typeface="Calibri" panose="020F0502020204030204" pitchFamily="34" charset="0"/>
                         </a:rPr>
                         <a:t>2</a:t>
                       </a:r>
@@ -9857,7 +9944,7 @@
                           <a:uFill>
                             <a:solidFill/>
                           </a:uFill>
-                          <a:latin typeface="Arial Unicode MS" panose="020B0604020202020204" pitchFamily="34" charset="-128"/>
+                          <a:latin typeface="Calibri" panose="020F0502020204030204" pitchFamily="34" charset="0"/>
                         </a:rPr>
                         <a:t>Physics</a:t>
                       </a:r>
@@ -9926,7 +10013,7 @@
                           <a:uFill>
                             <a:solidFill/>
                           </a:uFill>
-                          <a:latin typeface="Arial Unicode MS" panose="020B0604020202020204" pitchFamily="34" charset="-128"/>
+                          <a:latin typeface="Calibri" panose="020F0502020204030204" pitchFamily="34" charset="0"/>
                         </a:rPr>
                         <a:t>13</a:t>
                       </a:r>
@@ -10002,7 +10089,7 @@
                           <a:uFill>
                             <a:solidFill/>
                           </a:uFill>
-                          <a:latin typeface="Arial Unicode MS" panose="020B0604020202020204" pitchFamily="34" charset="-128"/>
+                          <a:latin typeface="Calibri" panose="020F0502020204030204" pitchFamily="34" charset="0"/>
                         </a:rPr>
                         <a:t>1</a:t>
                       </a:r>
@@ -10071,7 +10158,7 @@
                           <a:uFill>
                             <a:solidFill/>
                           </a:uFill>
-                          <a:latin typeface="Arial Unicode MS" panose="020B0604020202020204" pitchFamily="34" charset="-128"/>
+                          <a:latin typeface="Calibri" panose="020F0502020204030204" pitchFamily="34" charset="0"/>
                         </a:rPr>
                         <a:t>Analysis</a:t>
                       </a:r>
@@ -10140,7 +10227,7 @@
                           <a:uFill>
                             <a:solidFill/>
                           </a:uFill>
-                          <a:latin typeface="Arial Unicode MS" panose="020B0604020202020204" pitchFamily="34" charset="-128"/>
+                          <a:latin typeface="Calibri" panose="020F0502020204030204" pitchFamily="34" charset="0"/>
                         </a:rPr>
                         <a:t>17</a:t>
                       </a:r>
@@ -10216,7 +10303,7 @@
                           <a:uFill>
                             <a:solidFill/>
                           </a:uFill>
-                          <a:latin typeface="Arial Unicode MS" panose="020B0604020202020204" pitchFamily="34" charset="-128"/>
+                          <a:latin typeface="Calibri" panose="020F0502020204030204" pitchFamily="34" charset="0"/>
                         </a:rPr>
                         <a:t>1</a:t>
                       </a:r>
@@ -10285,7 +10372,7 @@
                           <a:uFill>
                             <a:solidFill/>
                           </a:uFill>
-                          <a:latin typeface="Arial Unicode MS" panose="020B0604020202020204" pitchFamily="34" charset="-128"/>
+                          <a:latin typeface="Calibri" panose="020F0502020204030204" pitchFamily="34" charset="0"/>
                         </a:rPr>
                         <a:t>Physics</a:t>
                       </a:r>
@@ -10354,7 +10441,7 @@
                           <a:uFill>
                             <a:solidFill/>
                           </a:uFill>
-                          <a:latin typeface="Arial Unicode MS" panose="020B0604020202020204" pitchFamily="34" charset="-128"/>
+                          <a:latin typeface="Calibri" panose="020F0502020204030204" pitchFamily="34" charset="0"/>
                         </a:rPr>
                         <a:t>19</a:t>
                       </a:r>
@@ -10430,7 +10517,7 @@
                           <a:uFill>
                             <a:solidFill/>
                           </a:uFill>
-                          <a:latin typeface="Arial Unicode MS" panose="020B0604020202020204" pitchFamily="34" charset="-128"/>
+                          <a:latin typeface="Calibri" panose="020F0502020204030204" pitchFamily="34" charset="0"/>
                         </a:rPr>
                         <a:t>1</a:t>
                       </a:r>
@@ -10499,7 +10586,7 @@
                           <a:uFill>
                             <a:solidFill/>
                           </a:uFill>
-                          <a:latin typeface="Arial Unicode MS" panose="020B0604020202020204" pitchFamily="34" charset="-128"/>
+                          <a:latin typeface="Calibri" panose="020F0502020204030204" pitchFamily="34" charset="0"/>
                         </a:rPr>
                         <a:t>History</a:t>
                       </a:r>
@@ -10568,7 +10655,7 @@
                           <a:uFill>
                             <a:solidFill/>
                           </a:uFill>
-                          <a:latin typeface="Arial Unicode MS" panose="020B0604020202020204" pitchFamily="34" charset="-128"/>
+                          <a:latin typeface="Calibri" panose="020F0502020204030204" pitchFamily="34" charset="0"/>
                         </a:rPr>
                         <a:t>14</a:t>
                       </a:r>
@@ -10634,8 +10721,8 @@
         </p:nvSpPr>
         <p:spPr>
           <a:xfrm>
-            <a:off x="4484039" y="1222019"/>
-            <a:ext cx="3872855" cy="1261884"/>
+            <a:off x="4474984" y="638634"/>
+            <a:ext cx="4381456" cy="2723823"/>
           </a:xfrm>
           <a:prstGeom prst="rect">
             <a:avLst/>
@@ -10645,7 +10732,7 @@
           </a:ln>
           <a:extLst>
             <a:ext uri="{C572A759-6A51-4108-AA02-DFA0A04FC94B}">
-              <ma14:wrappingTextBoxFlag xmlns:ma14="http://schemas.microsoft.com/office/mac/drawingml/2011/main" xmlns="" val="1"/>
+              <ma14:wrappingTextBoxFlag xmlns="" xmlns:ma14="http://schemas.microsoft.com/office/mac/drawingml/2011/main" val="1"/>
             </a:ext>
           </a:extLst>
         </p:spPr>
@@ -10664,11 +10751,105 @@
               </a:defRPr>
             </a:pPr>
             <a:r>
+              <a:rPr lang="en-US" sz="1900" dirty="0">
+                <a:uFill>
+                  <a:solidFill/>
+                </a:uFill>
+                <a:latin typeface="Calibri" panose="020F0502020204030204" pitchFamily="34" charset="0"/>
+              </a:rPr>
+              <a:t>Show all students and the number of classes</a:t>
+            </a:r>
+            <a:br>
+              <a:rPr lang="en-US" sz="1900" dirty="0">
+                <a:uFill>
+                  <a:solidFill/>
+                </a:uFill>
+                <a:latin typeface="Calibri" panose="020F0502020204030204" pitchFamily="34" charset="0"/>
+              </a:rPr>
+            </a:br>
+            <a:r>
+              <a:rPr lang="en-US" sz="1900" dirty="0">
+                <a:uFill>
+                  <a:solidFill/>
+                </a:uFill>
+                <a:latin typeface="Calibri" panose="020F0502020204030204" pitchFamily="34" charset="0"/>
+              </a:rPr>
+              <a:t>they have taken for all </a:t>
+            </a:r>
+            <a:r>
+              <a:rPr lang="en-US" sz="1900" b="1" u="sng" dirty="0">
+                <a:uFill>
+                  <a:solidFill/>
+                </a:uFill>
+                <a:latin typeface="Calibri" panose="020F0502020204030204" pitchFamily="34" charset="0"/>
+              </a:rPr>
+              <a:t>students who have </a:t>
+            </a:r>
+            <a:br>
+              <a:rPr lang="en-US" sz="1900" b="1" u="sng" dirty="0">
+                <a:uFill>
+                  <a:solidFill/>
+                </a:uFill>
+                <a:latin typeface="Calibri" panose="020F0502020204030204" pitchFamily="34" charset="0"/>
+              </a:rPr>
+            </a:br>
+            <a:r>
+              <a:rPr lang="en-US" sz="1900" b="1" u="sng" dirty="0">
+                <a:uFill>
+                  <a:solidFill/>
+                </a:uFill>
+                <a:latin typeface="Calibri" panose="020F0502020204030204" pitchFamily="34" charset="0"/>
+              </a:rPr>
+              <a:t>taken more than two classes</a:t>
+            </a:r>
+          </a:p>
+          <a:p>
+            <a:pPr lvl="0">
+              <a:defRPr sz="1800">
+                <a:solidFill>
+                  <a:srgbClr val="000000"/>
+                </a:solidFill>
+                <a:uFillTx/>
+              </a:defRPr>
+            </a:pPr>
+            <a:endParaRPr lang="en-US" sz="1900" dirty="0">
+              <a:uFill>
+                <a:solidFill/>
+              </a:uFill>
+              <a:latin typeface="Calibri" panose="020F0502020204030204" pitchFamily="34" charset="0"/>
+            </a:endParaRPr>
+          </a:p>
+          <a:p>
+            <a:pPr lvl="0">
+              <a:defRPr sz="1800">
+                <a:solidFill>
+                  <a:srgbClr val="000000"/>
+                </a:solidFill>
+                <a:uFillTx/>
+              </a:defRPr>
+            </a:pPr>
+            <a:endParaRPr lang="en-US" sz="1900" dirty="0">
+              <a:uFill>
+                <a:solidFill/>
+              </a:uFill>
+              <a:latin typeface="Calibri" panose="020F0502020204030204" pitchFamily="34" charset="0"/>
+            </a:endParaRPr>
+          </a:p>
+          <a:p>
+            <a:pPr lvl="0">
+              <a:defRPr sz="1800">
+                <a:solidFill>
+                  <a:srgbClr val="000000"/>
+                </a:solidFill>
+                <a:uFillTx/>
+              </a:defRPr>
+            </a:pPr>
+            <a:r>
               <a:rPr sz="1900" dirty="0">
                 <a:uFill>
                   <a:solidFill/>
                 </a:uFill>
-                <a:latin typeface="Arial Unicode MS" panose="020B0604020202020204" pitchFamily="34" charset="-128"/>
+                <a:latin typeface="Calibri" panose="020F0502020204030204" pitchFamily="34" charset="0"/>
               </a:rPr>
               <a:t>SELECT</a:t>
             </a:r>
@@ -10677,7 +10858,7 @@
                 <a:uFill>
                   <a:solidFill/>
                 </a:uFill>
-                <a:latin typeface="Arial Unicode MS" panose="020B0604020202020204" pitchFamily="34" charset="-128"/>
+                <a:latin typeface="Calibri" panose="020F0502020204030204" pitchFamily="34" charset="0"/>
               </a:rPr>
               <a:t> 	</a:t>
             </a:r>
@@ -10686,7 +10867,7 @@
                 <a:uFill>
                   <a:solidFill/>
                 </a:uFill>
-                <a:latin typeface="Arial Unicode MS" panose="020B0604020202020204" pitchFamily="34" charset="-128"/>
+                <a:latin typeface="Calibri" panose="020F0502020204030204" pitchFamily="34" charset="0"/>
                 <a:ea typeface="+mn-ea"/>
                 <a:cs typeface="+mn-cs"/>
                 <a:sym typeface="Arial"/>
@@ -10698,7 +10879,7 @@
                 <a:uFill>
                   <a:solidFill/>
                 </a:uFill>
-                <a:latin typeface="Arial Unicode MS" panose="020B0604020202020204" pitchFamily="34" charset="-128"/>
+                <a:latin typeface="Calibri" panose="020F0502020204030204" pitchFamily="34" charset="0"/>
                 <a:ea typeface="+mn-ea"/>
                 <a:cs typeface="+mn-cs"/>
                 <a:sym typeface="Arial"/>
@@ -10709,7 +10890,7 @@
               <a:uFill>
                 <a:solidFill/>
               </a:uFill>
-              <a:latin typeface="Arial Unicode MS" panose="020B0604020202020204" pitchFamily="34" charset="-128"/>
+              <a:latin typeface="Calibri" panose="020F0502020204030204" pitchFamily="34" charset="0"/>
               <a:ea typeface="+mn-ea"/>
               <a:cs typeface="+mn-cs"/>
               <a:sym typeface="Arial"/>
@@ -10729,7 +10910,7 @@
                 <a:uFill>
                   <a:solidFill/>
                 </a:uFill>
-                <a:latin typeface="Arial Unicode MS" panose="020B0604020202020204" pitchFamily="34" charset="-128"/>
+                <a:latin typeface="Calibri" panose="020F0502020204030204" pitchFamily="34" charset="0"/>
               </a:rPr>
               <a:t> </a:t>
             </a:r>
@@ -10738,7 +10919,7 @@
                 <a:uFill>
                   <a:solidFill/>
                 </a:uFill>
-                <a:latin typeface="Arial Unicode MS" panose="020B0604020202020204" pitchFamily="34" charset="-128"/>
+                <a:latin typeface="Calibri" panose="020F0502020204030204" pitchFamily="34" charset="0"/>
               </a:rPr>
               <a:t>FROM</a:t>
             </a:r>
@@ -10747,16 +10928,16 @@
                 <a:uFill>
                   <a:solidFill/>
                 </a:uFill>
-                <a:latin typeface="Arial Unicode MS" panose="020B0604020202020204" pitchFamily="34" charset="-128"/>
+                <a:latin typeface="Calibri" panose="020F0502020204030204" pitchFamily="34" charset="0"/>
               </a:rPr>
-              <a:t> 		</a:t>
+              <a:t> 	</a:t>
             </a:r>
             <a:r>
               <a:rPr dirty="0">
                 <a:uFill>
                   <a:solidFill/>
                 </a:uFill>
-                <a:latin typeface="Arial Unicode MS" panose="020B0604020202020204" pitchFamily="34" charset="-128"/>
+                <a:latin typeface="Calibri" panose="020F0502020204030204" pitchFamily="34" charset="0"/>
                 <a:ea typeface="+mn-ea"/>
                 <a:cs typeface="+mn-cs"/>
                 <a:sym typeface="Arial"/>
@@ -10778,16 +10959,25 @@
                 <a:uFill>
                   <a:solidFill/>
                 </a:uFill>
-                <a:latin typeface="Arial Unicode MS" panose="020B0604020202020204" pitchFamily="34" charset="-128"/>
+                <a:latin typeface="Calibri" panose="020F0502020204030204" pitchFamily="34" charset="0"/>
               </a:rPr>
-              <a:t>GROUP BY 	</a:t>
+              <a:t>GROUP BY </a:t>
+            </a:r>
+            <a:r>
+              <a:rPr lang="en-US" sz="1900" dirty="0">
+                <a:uFill>
+                  <a:solidFill/>
+                </a:uFill>
+                <a:latin typeface="Calibri" panose="020F0502020204030204" pitchFamily="34" charset="0"/>
+              </a:rPr>
+              <a:t> </a:t>
             </a:r>
             <a:r>
               <a:rPr sz="1900" dirty="0" err="1">
                 <a:uFill>
                   <a:solidFill/>
                 </a:uFill>
-                <a:latin typeface="Arial Unicode MS" panose="020B0604020202020204" pitchFamily="34" charset="-128"/>
+                <a:latin typeface="Calibri" panose="020F0502020204030204" pitchFamily="34" charset="0"/>
                 <a:ea typeface="+mn-ea"/>
                 <a:cs typeface="+mn-cs"/>
                 <a:sym typeface="Arial"/>
@@ -10798,7 +10988,7 @@
               <a:uFill>
                 <a:solidFill/>
               </a:uFill>
-              <a:latin typeface="Arial Unicode MS" panose="020B0604020202020204" pitchFamily="34" charset="-128"/>
+              <a:latin typeface="Calibri" panose="020F0502020204030204" pitchFamily="34" charset="0"/>
               <a:ea typeface="+mn-ea"/>
               <a:cs typeface="+mn-cs"/>
               <a:sym typeface="Arial"/>
@@ -10814,11 +11004,11 @@
               </a:defRPr>
             </a:pPr>
             <a:r>
-              <a:rPr sz="1900" dirty="0">
+              <a:rPr sz="1900" b="1" u="sng" dirty="0">
                 <a:uFill>
                   <a:solidFill/>
                 </a:uFill>
-                <a:latin typeface="Arial Unicode MS" panose="020B0604020202020204" pitchFamily="34" charset="-128"/>
+                <a:latin typeface="Calibri" panose="020F0502020204030204" pitchFamily="34" charset="0"/>
                 <a:ea typeface="+mn-ea"/>
                 <a:cs typeface="+mn-cs"/>
                 <a:sym typeface="Arial"/>
@@ -10826,23 +11016,23 @@
               <a:t>HAVING	</a:t>
             </a:r>
             <a:r>
-              <a:rPr lang="en-US" sz="1900" dirty="0">
+              <a:rPr lang="en-US" sz="1900" b="1" u="sng" dirty="0">
                 <a:uFill>
                   <a:solidFill/>
                 </a:uFill>
-                <a:latin typeface="Arial Unicode MS" panose="020B0604020202020204" pitchFamily="34" charset="-128"/>
+                <a:latin typeface="Calibri" panose="020F0502020204030204" pitchFamily="34" charset="0"/>
                 <a:ea typeface="+mn-ea"/>
                 <a:cs typeface="+mn-cs"/>
                 <a:sym typeface="Arial"/>
               </a:rPr>
-              <a:t>	</a:t>
-            </a:r>
-            <a:r>
-              <a:rPr sz="1900" dirty="0">
+              <a:t> </a:t>
+            </a:r>
+            <a:r>
+              <a:rPr sz="1900" b="1" u="sng" dirty="0">
                 <a:uFill>
                   <a:solidFill/>
                 </a:uFill>
-                <a:latin typeface="Arial Unicode MS" panose="020B0604020202020204" pitchFamily="34" charset="-128"/>
+                <a:latin typeface="Calibri" panose="020F0502020204030204" pitchFamily="34" charset="0"/>
                 <a:ea typeface="+mn-ea"/>
                 <a:cs typeface="+mn-cs"/>
                 <a:sym typeface="Arial"/>
@@ -10861,7 +11051,7 @@
         <p:spPr>
           <a:xfrm>
             <a:off x="1741517" y="1335035"/>
-            <a:ext cx="785471" cy="307777"/>
+            <a:ext cx="680443" cy="307777"/>
           </a:xfrm>
           <a:prstGeom prst="rect">
             <a:avLst/>
@@ -10871,7 +11061,7 @@
           </a:ln>
           <a:extLst>
             <a:ext uri="{C572A759-6A51-4108-AA02-DFA0A04FC94B}">
-              <ma14:wrappingTextBoxFlag xmlns:ma14="http://schemas.microsoft.com/office/mac/drawingml/2011/main" xmlns="" val="1"/>
+              <ma14:wrappingTextBoxFlag xmlns="" xmlns:ma14="http://schemas.microsoft.com/office/mac/drawingml/2011/main" val="1"/>
             </a:ext>
           </a:extLst>
         </p:spPr>
@@ -10909,7 +11099,7 @@
                 <a:uFill>
                   <a:solidFill/>
                 </a:uFill>
-                <a:latin typeface="Arial Unicode MS" panose="020B0604020202020204" pitchFamily="34" charset="-128"/>
+                <a:latin typeface="Calibri" panose="020F0502020204030204" pitchFamily="34" charset="0"/>
               </a:rPr>
               <a:t>Table1</a:t>
             </a:r>
@@ -10979,7 +11169,7 @@
                               <a:srgbClr val="FFFFFF"/>
                             </a:solidFill>
                           </a:uFill>
-                          <a:latin typeface="Arial Unicode MS" panose="020B0604020202020204" pitchFamily="34" charset="-128"/>
+                          <a:latin typeface="Calibri" panose="020F0502020204030204" pitchFamily="34" charset="0"/>
                         </a:rPr>
                         <a:t>Student_id</a:t>
                       </a:r>
@@ -10992,7 +11182,7 @@
                             <a:srgbClr val="FFFFFF"/>
                           </a:solidFill>
                         </a:uFill>
-                        <a:latin typeface="Arial Unicode MS" panose="020B0604020202020204" pitchFamily="34" charset="-128"/>
+                        <a:latin typeface="Calibri" panose="020F0502020204030204" pitchFamily="34" charset="0"/>
                       </a:endParaRPr>
                     </a:p>
                   </a:txBody>
@@ -11061,7 +11251,7 @@
                               <a:srgbClr val="FFFFFF"/>
                             </a:solidFill>
                           </a:uFill>
-                          <a:latin typeface="Arial Unicode MS" panose="020B0604020202020204" pitchFamily="34" charset="-128"/>
+                          <a:latin typeface="Calibri" panose="020F0502020204030204" pitchFamily="34" charset="0"/>
                         </a:rPr>
                         <a:t>count</a:t>
                       </a:r>
@@ -11134,7 +11324,7 @@
                           <a:uFill>
                             <a:solidFill/>
                           </a:uFill>
-                          <a:latin typeface="Arial Unicode MS" panose="020B0604020202020204" pitchFamily="34" charset="-128"/>
+                          <a:latin typeface="Calibri" panose="020F0502020204030204" pitchFamily="34" charset="0"/>
                         </a:rPr>
                         <a:t>1</a:t>
                       </a:r>
@@ -11203,7 +11393,7 @@
                           <a:uFill>
                             <a:solidFill/>
                           </a:uFill>
-                          <a:latin typeface="Arial Unicode MS" panose="020B0604020202020204" pitchFamily="34" charset="-128"/>
+                          <a:latin typeface="Calibri" panose="020F0502020204030204" pitchFamily="34" charset="0"/>
                         </a:rPr>
                         <a:t>4</a:t>
                       </a:r>
@@ -11279,7 +11469,7 @@
                           <a:uFill>
                             <a:solidFill/>
                           </a:uFill>
-                          <a:latin typeface="Arial Unicode MS" panose="020B0604020202020204" pitchFamily="34" charset="-128"/>
+                          <a:latin typeface="Calibri" panose="020F0502020204030204" pitchFamily="34" charset="0"/>
                         </a:rPr>
                         <a:t>2</a:t>
                       </a:r>
@@ -11348,7 +11538,7 @@
                           <a:uFill>
                             <a:solidFill/>
                           </a:uFill>
-                          <a:latin typeface="Arial Unicode MS" panose="020B0604020202020204" pitchFamily="34" charset="-128"/>
+                          <a:latin typeface="Calibri" panose="020F0502020204030204" pitchFamily="34" charset="0"/>
                         </a:rPr>
                         <a:t>3</a:t>
                       </a:r>
@@ -11414,7 +11604,7 @@
         </p:nvSpPr>
         <p:spPr>
           <a:xfrm>
-            <a:off x="6340270" y="2572897"/>
+            <a:off x="5350212" y="3208053"/>
             <a:ext cx="1" cy="805250"/>
           </a:xfrm>
           <a:prstGeom prst="line">
@@ -11452,7 +11642,7 @@
               </a:defRPr>
             </a:pPr>
             <a:endParaRPr dirty="0">
-              <a:latin typeface="Arial Unicode MS" panose="020B0604020202020204" pitchFamily="34" charset="-128"/>
+              <a:latin typeface="Calibri" panose="020F0502020204030204" pitchFamily="34" charset="0"/>
             </a:endParaRPr>
           </a:p>
         </p:txBody>
@@ -11476,7 +11666,7 @@
           </a:ln>
           <a:extLst>
             <a:ext uri="{C572A759-6A51-4108-AA02-DFA0A04FC94B}">
-              <ma14:wrappingTextBoxFlag xmlns:ma14="http://schemas.microsoft.com/office/mac/drawingml/2011/main" xmlns="" val="1"/>
+              <ma14:wrappingTextBoxFlag xmlns="" xmlns:ma14="http://schemas.microsoft.com/office/mac/drawingml/2011/main" val="1"/>
             </a:ext>
           </a:extLst>
         </p:spPr>
@@ -11499,7 +11689,7 @@
                 <a:uFill>
                   <a:solidFill/>
                 </a:uFill>
-                <a:latin typeface="Arial Unicode MS" panose="020B0604020202020204" pitchFamily="34" charset="-128"/>
+                <a:latin typeface="Calibri" panose="020F0502020204030204" pitchFamily="34" charset="0"/>
                 <a:ea typeface="+mn-ea"/>
                 <a:cs typeface="+mn-cs"/>
                 <a:sym typeface="Arial"/>
@@ -11841,7 +12031,7 @@
           </a:ln>
           <a:extLst>
             <a:ext uri="{C572A759-6A51-4108-AA02-DFA0A04FC94B}">
-              <ma14:wrappingTextBoxFlag xmlns:ma14="http://schemas.microsoft.com/office/mac/drawingml/2011/main" xmlns="" val="1"/>
+              <ma14:wrappingTextBoxFlag xmlns="" xmlns:ma14="http://schemas.microsoft.com/office/mac/drawingml/2011/main" val="1"/>
             </a:ext>
           </a:extLst>
         </p:spPr>
@@ -11876,7 +12066,7 @@
                     <a:srgbClr val="FFFFFF"/>
                   </a:solidFill>
                 </a:uFill>
-                <a:latin typeface="Arial Unicode MS" panose="020B0604020202020204" pitchFamily="34" charset="-128"/>
+                <a:latin typeface="Calibri" panose="020F0502020204030204" pitchFamily="34" charset="0"/>
               </a:rPr>
               <a:t>HAVING</a:t>
             </a:r>
@@ -11887,7 +12077,7 @@
                     <a:srgbClr val="FFFFFF"/>
                   </a:solidFill>
                 </a:uFill>
-                <a:latin typeface="Arial Unicode MS" panose="020B0604020202020204" pitchFamily="34" charset="-128"/>
+                <a:latin typeface="Calibri" panose="020F0502020204030204" pitchFamily="34" charset="0"/>
               </a:rPr>
               <a:t> practice queries</a:t>
             </a:r>
@@ -11898,7 +12088,7 @@
                     <a:srgbClr val="FFFFFF"/>
                   </a:solidFill>
                 </a:uFill>
-                <a:latin typeface="Arial Unicode MS" panose="020B0604020202020204" pitchFamily="34" charset="-128"/>
+                <a:latin typeface="Calibri" panose="020F0502020204030204" pitchFamily="34" charset="0"/>
               </a:rPr>
               <a:t>: IMDB</a:t>
             </a:r>
@@ -11908,7 +12098,7 @@
                   <a:srgbClr val="FFFFFF"/>
                 </a:solidFill>
               </a:uFill>
-              <a:latin typeface="Arial Unicode MS" panose="020B0604020202020204" pitchFamily="34" charset="-128"/>
+              <a:latin typeface="Calibri" panose="020F0502020204030204" pitchFamily="34" charset="0"/>
             </a:endParaRPr>
           </a:p>
         </p:txBody>
@@ -11932,7 +12122,7 @@
           </a:ln>
           <a:extLst>
             <a:ext uri="{C572A759-6A51-4108-AA02-DFA0A04FC94B}">
-              <ma14:wrappingTextBoxFlag xmlns:ma14="http://schemas.microsoft.com/office/mac/drawingml/2011/main" xmlns="" val="1"/>
+              <ma14:wrappingTextBoxFlag xmlns="" xmlns:ma14="http://schemas.microsoft.com/office/mac/drawingml/2011/main" val="1"/>
             </a:ext>
           </a:extLst>
         </p:spPr>
@@ -11958,9 +12148,9 @@
               <a:uFill>
                 <a:solidFill/>
               </a:uFill>
-              <a:latin typeface="Arial Unicode MS" panose="020B0604020202020204" pitchFamily="34" charset="-128"/>
-              <a:ea typeface="Arial Unicode MS" panose="020B0604020202020204" pitchFamily="34" charset="-128"/>
-              <a:cs typeface="Arial Unicode MS" panose="020B0604020202020204" pitchFamily="34" charset="-128"/>
+              <a:latin typeface="Calibri" panose="020F0502020204030204" pitchFamily="34" charset="0"/>
+              <a:ea typeface="Calibri" panose="020F0502020204030204" pitchFamily="34" charset="0"/>
+              <a:cs typeface="Calibri" panose="020F0502020204030204" pitchFamily="34" charset="0"/>
               <a:sym typeface="Iowan Old Style Roman"/>
             </a:endParaRPr>
           </a:p>
@@ -11985,7 +12175,7 @@
           </a:ln>
           <a:extLst>
             <a:ext uri="{C572A759-6A51-4108-AA02-DFA0A04FC94B}">
-              <ma14:wrappingTextBoxFlag xmlns:ma14="http://schemas.microsoft.com/office/mac/drawingml/2011/main" xmlns="" val="1"/>
+              <ma14:wrappingTextBoxFlag xmlns="" xmlns:ma14="http://schemas.microsoft.com/office/mac/drawingml/2011/main" val="1"/>
             </a:ext>
           </a:extLst>
         </p:spPr>
@@ -12025,9 +12215,9 @@
                 <a:uFill>
                   <a:solidFill/>
                 </a:uFill>
-                <a:latin typeface="Arial Unicode MS" panose="020B0604020202020204" pitchFamily="34" charset="-128"/>
-                <a:ea typeface="Arial Unicode MS" panose="020B0604020202020204" pitchFamily="34" charset="-128"/>
-                <a:cs typeface="Arial Unicode MS" panose="020B0604020202020204" pitchFamily="34" charset="-128"/>
+                <a:latin typeface="Calibri" panose="020F0502020204030204" pitchFamily="34" charset="0"/>
+                <a:ea typeface="Calibri" panose="020F0502020204030204" pitchFamily="34" charset="0"/>
+                <a:cs typeface="Calibri" panose="020F0502020204030204" pitchFamily="34" charset="0"/>
               </a:rPr>
               <a:t>Find the movies (just movie IDs) with more than 100 actors</a:t>
             </a:r>
@@ -12051,9 +12241,9 @@
                 <a:uFill>
                   <a:solidFill/>
                 </a:uFill>
-                <a:latin typeface="Arial Unicode MS" panose="020B0604020202020204" pitchFamily="34" charset="-128"/>
-                <a:ea typeface="Arial Unicode MS" panose="020B0604020202020204" pitchFamily="34" charset="-128"/>
-                <a:cs typeface="Arial Unicode MS" panose="020B0604020202020204" pitchFamily="34" charset="-128"/>
+                <a:latin typeface="Calibri" panose="020F0502020204030204" pitchFamily="34" charset="0"/>
+                <a:ea typeface="Calibri" panose="020F0502020204030204" pitchFamily="34" charset="0"/>
+                <a:cs typeface="Calibri" panose="020F0502020204030204" pitchFamily="34" charset="0"/>
               </a:rPr>
               <a:t>Find the first names of actors that appear more than 1000 times</a:t>
             </a:r>
@@ -12074,9 +12264,9 @@
               <a:uFill>
                 <a:solidFill/>
               </a:uFill>
-              <a:latin typeface="Arial Unicode MS" panose="020B0604020202020204" pitchFamily="34" charset="-128"/>
-              <a:ea typeface="Arial Unicode MS" panose="020B0604020202020204" pitchFamily="34" charset="-128"/>
-              <a:cs typeface="Arial Unicode MS" panose="020B0604020202020204" pitchFamily="34" charset="-128"/>
+              <a:latin typeface="Calibri" panose="020F0502020204030204" pitchFamily="34" charset="0"/>
+              <a:ea typeface="Calibri" panose="020F0502020204030204" pitchFamily="34" charset="0"/>
+              <a:cs typeface="Calibri" panose="020F0502020204030204" pitchFamily="34" charset="0"/>
             </a:endParaRPr>
           </a:p>
         </p:txBody>
@@ -12131,7 +12321,7 @@
           </a:ln>
           <a:extLst>
             <a:ext uri="{C572A759-6A51-4108-AA02-DFA0A04FC94B}">
-              <ma14:wrappingTextBoxFlag xmlns:ma14="http://schemas.microsoft.com/office/mac/drawingml/2011/main" xmlns="" val="1"/>
+              <ma14:wrappingTextBoxFlag xmlns="" xmlns:ma14="http://schemas.microsoft.com/office/mac/drawingml/2011/main" val="1"/>
             </a:ext>
           </a:extLst>
         </p:spPr>
@@ -12166,7 +12356,7 @@
                     <a:srgbClr val="FFFFFF"/>
                   </a:solidFill>
                 </a:uFill>
-                <a:latin typeface="Arial Unicode MS" panose="020B0604020202020204" pitchFamily="34" charset="-128"/>
+                <a:latin typeface="Calibri" panose="020F0502020204030204" pitchFamily="34" charset="0"/>
               </a:rPr>
               <a:t>Differences of WHERE and HAVING</a:t>
             </a:r>
@@ -12176,7 +12366,7 @@
                   <a:srgbClr val="FFFFFF"/>
                 </a:solidFill>
               </a:uFill>
-              <a:latin typeface="Arial Unicode MS" panose="020B0604020202020204" pitchFamily="34" charset="-128"/>
+              <a:latin typeface="Calibri" panose="020F0502020204030204" pitchFamily="34" charset="0"/>
             </a:endParaRPr>
           </a:p>
         </p:txBody>
@@ -12200,7 +12390,7 @@
           </a:ln>
           <a:extLst>
             <a:ext uri="{C572A759-6A51-4108-AA02-DFA0A04FC94B}">
-              <ma14:wrappingTextBoxFlag xmlns:ma14="http://schemas.microsoft.com/office/mac/drawingml/2011/main" xmlns="" val="1"/>
+              <ma14:wrappingTextBoxFlag xmlns="" xmlns:ma14="http://schemas.microsoft.com/office/mac/drawingml/2011/main" val="1"/>
             </a:ext>
           </a:extLst>
         </p:spPr>
@@ -12226,9 +12416,9 @@
               <a:uFill>
                 <a:solidFill/>
               </a:uFill>
-              <a:latin typeface="Arial Unicode MS" panose="020B0604020202020204" pitchFamily="34" charset="-128"/>
-              <a:ea typeface="Arial Unicode MS" panose="020B0604020202020204" pitchFamily="34" charset="-128"/>
-              <a:cs typeface="Arial Unicode MS" panose="020B0604020202020204" pitchFamily="34" charset="-128"/>
+              <a:latin typeface="Calibri" panose="020F0502020204030204" pitchFamily="34" charset="0"/>
+              <a:ea typeface="Calibri" panose="020F0502020204030204" pitchFamily="34" charset="0"/>
+              <a:cs typeface="Calibri" panose="020F0502020204030204" pitchFamily="34" charset="0"/>
               <a:sym typeface="Iowan Old Style Roman"/>
             </a:endParaRPr>
           </a:p>
@@ -12253,7 +12443,7 @@
           </a:ln>
           <a:extLst>
             <a:ext uri="{C572A759-6A51-4108-AA02-DFA0A04FC94B}">
-              <ma14:wrappingTextBoxFlag xmlns:ma14="http://schemas.microsoft.com/office/mac/drawingml/2011/main" xmlns="" val="1"/>
+              <ma14:wrappingTextBoxFlag xmlns="" xmlns:ma14="http://schemas.microsoft.com/office/mac/drawingml/2011/main" val="1"/>
             </a:ext>
           </a:extLst>
         </p:spPr>
@@ -12293,9 +12483,9 @@
                 <a:uFill>
                   <a:solidFill/>
                 </a:uFill>
-                <a:latin typeface="Arial Unicode MS" panose="020B0604020202020204" pitchFamily="34" charset="-128"/>
-                <a:ea typeface="Arial Unicode MS" panose="020B0604020202020204" pitchFamily="34" charset="-128"/>
-                <a:cs typeface="Arial Unicode MS" panose="020B0604020202020204" pitchFamily="34" charset="-128"/>
+                <a:latin typeface="Calibri" panose="020F0502020204030204" pitchFamily="34" charset="0"/>
+                <a:ea typeface="Calibri" panose="020F0502020204030204" pitchFamily="34" charset="0"/>
+                <a:cs typeface="Calibri" panose="020F0502020204030204" pitchFamily="34" charset="0"/>
               </a:rPr>
               <a:t>WHERE applies to rows</a:t>
             </a:r>
@@ -12318,9 +12508,9 @@
               <a:uFill>
                 <a:solidFill/>
               </a:uFill>
-              <a:latin typeface="Arial Unicode MS" panose="020B0604020202020204" pitchFamily="34" charset="-128"/>
-              <a:ea typeface="Arial Unicode MS" panose="020B0604020202020204" pitchFamily="34" charset="-128"/>
-              <a:cs typeface="Arial Unicode MS" panose="020B0604020202020204" pitchFamily="34" charset="-128"/>
+              <a:latin typeface="Calibri" panose="020F0502020204030204" pitchFamily="34" charset="0"/>
+              <a:ea typeface="Calibri" panose="020F0502020204030204" pitchFamily="34" charset="0"/>
+              <a:cs typeface="Calibri" panose="020F0502020204030204" pitchFamily="34" charset="0"/>
             </a:endParaRPr>
           </a:p>
           <a:p>
@@ -12342,9 +12532,9 @@
                 <a:uFill>
                   <a:solidFill/>
                 </a:uFill>
-                <a:latin typeface="Arial Unicode MS" panose="020B0604020202020204" pitchFamily="34" charset="-128"/>
-                <a:ea typeface="Arial Unicode MS" panose="020B0604020202020204" pitchFamily="34" charset="-128"/>
-                <a:cs typeface="Arial Unicode MS" panose="020B0604020202020204" pitchFamily="34" charset="-128"/>
+                <a:latin typeface="Calibri" panose="020F0502020204030204" pitchFamily="34" charset="0"/>
+                <a:ea typeface="Calibri" panose="020F0502020204030204" pitchFamily="34" charset="0"/>
+                <a:cs typeface="Calibri" panose="020F0502020204030204" pitchFamily="34" charset="0"/>
               </a:rPr>
               <a:t>HAVING applies to </a:t>
             </a:r>
@@ -12356,9 +12546,9 @@
                 <a:uFill>
                   <a:solidFill/>
                 </a:uFill>
-                <a:latin typeface="Arial Unicode MS" panose="020B0604020202020204" pitchFamily="34" charset="-128"/>
-                <a:ea typeface="Arial Unicode MS" panose="020B0604020202020204" pitchFamily="34" charset="-128"/>
-                <a:cs typeface="Arial Unicode MS" panose="020B0604020202020204" pitchFamily="34" charset="-128"/>
+                <a:latin typeface="Calibri" panose="020F0502020204030204" pitchFamily="34" charset="0"/>
+                <a:ea typeface="Calibri" panose="020F0502020204030204" pitchFamily="34" charset="0"/>
+                <a:cs typeface="Calibri" panose="020F0502020204030204" pitchFamily="34" charset="0"/>
               </a:rPr>
               <a:t>aggregate value only</a:t>
             </a:r>
@@ -12381,9 +12571,9 @@
               <a:uFill>
                 <a:solidFill/>
               </a:uFill>
-              <a:latin typeface="Arial Unicode MS" panose="020B0604020202020204" pitchFamily="34" charset="-128"/>
-              <a:ea typeface="Arial Unicode MS" panose="020B0604020202020204" pitchFamily="34" charset="-128"/>
-              <a:cs typeface="Arial Unicode MS" panose="020B0604020202020204" pitchFamily="34" charset="-128"/>
+              <a:latin typeface="Calibri" panose="020F0502020204030204" pitchFamily="34" charset="0"/>
+              <a:ea typeface="Calibri" panose="020F0502020204030204" pitchFamily="34" charset="0"/>
+              <a:cs typeface="Calibri" panose="020F0502020204030204" pitchFamily="34" charset="0"/>
             </a:endParaRPr>
           </a:p>
           <a:p>
@@ -12404,9 +12594,9 @@
               <a:uFill>
                 <a:solidFill/>
               </a:uFill>
-              <a:latin typeface="Arial Unicode MS" panose="020B0604020202020204" pitchFamily="34" charset="-128"/>
-              <a:ea typeface="Arial Unicode MS" panose="020B0604020202020204" pitchFamily="34" charset="-128"/>
-              <a:cs typeface="Arial Unicode MS" panose="020B0604020202020204" pitchFamily="34" charset="-128"/>
+              <a:latin typeface="Calibri" panose="020F0502020204030204" pitchFamily="34" charset="0"/>
+              <a:ea typeface="Calibri" panose="020F0502020204030204" pitchFamily="34" charset="0"/>
+              <a:cs typeface="Calibri" panose="020F0502020204030204" pitchFamily="34" charset="0"/>
             </a:endParaRPr>
           </a:p>
           <a:p>
@@ -12427,9 +12617,9 @@
               <a:uFill>
                 <a:solidFill/>
               </a:uFill>
-              <a:latin typeface="Arial Unicode MS" panose="020B0604020202020204" pitchFamily="34" charset="-128"/>
-              <a:ea typeface="Arial Unicode MS" panose="020B0604020202020204" pitchFamily="34" charset="-128"/>
-              <a:cs typeface="Arial Unicode MS" panose="020B0604020202020204" pitchFamily="34" charset="-128"/>
+              <a:latin typeface="Calibri" panose="020F0502020204030204" pitchFamily="34" charset="0"/>
+              <a:ea typeface="Calibri" panose="020F0502020204030204" pitchFamily="34" charset="0"/>
+              <a:cs typeface="Calibri" panose="020F0502020204030204" pitchFamily="34" charset="0"/>
             </a:endParaRPr>
           </a:p>
           <a:p>
@@ -12449,9 +12639,9 @@
                 <a:uFill>
                   <a:solidFill/>
                 </a:uFill>
-                <a:latin typeface="Arial Unicode MS" panose="020B0604020202020204" pitchFamily="34" charset="-128"/>
-                <a:ea typeface="Arial Unicode MS" panose="020B0604020202020204" pitchFamily="34" charset="-128"/>
-                <a:cs typeface="Arial Unicode MS" panose="020B0604020202020204" pitchFamily="34" charset="-128"/>
+                <a:latin typeface="Calibri" panose="020F0502020204030204" pitchFamily="34" charset="0"/>
+                <a:ea typeface="Calibri" panose="020F0502020204030204" pitchFamily="34" charset="0"/>
+                <a:cs typeface="Calibri" panose="020F0502020204030204" pitchFamily="34" charset="0"/>
               </a:rPr>
               <a:t>In a sense, HAVING is the “WHERE” for aggregate results</a:t>
             </a:r>
@@ -12462,9 +12652,9 @@
               <a:uFill>
                 <a:solidFill/>
               </a:uFill>
-              <a:latin typeface="Arial Unicode MS" panose="020B0604020202020204" pitchFamily="34" charset="-128"/>
-              <a:ea typeface="Arial Unicode MS" panose="020B0604020202020204" pitchFamily="34" charset="-128"/>
-              <a:cs typeface="Arial Unicode MS" panose="020B0604020202020204" pitchFamily="34" charset="-128"/>
+              <a:latin typeface="Calibri" panose="020F0502020204030204" pitchFamily="34" charset="0"/>
+              <a:ea typeface="Calibri" panose="020F0502020204030204" pitchFamily="34" charset="0"/>
+              <a:cs typeface="Calibri" panose="020F0502020204030204" pitchFamily="34" charset="0"/>
             </a:endParaRPr>
           </a:p>
         </p:txBody>
@@ -12519,7 +12709,7 @@
           </a:ln>
           <a:extLst>
             <a:ext uri="{C572A759-6A51-4108-AA02-DFA0A04FC94B}">
-              <ma14:wrappingTextBoxFlag xmlns:ma14="http://schemas.microsoft.com/office/mac/drawingml/2011/main" xmlns="" val="1"/>
+              <ma14:wrappingTextBoxFlag xmlns="" xmlns:ma14="http://schemas.microsoft.com/office/mac/drawingml/2011/main" val="1"/>
             </a:ext>
           </a:extLst>
         </p:spPr>
@@ -12554,7 +12744,7 @@
                     <a:srgbClr val="FFFFFF"/>
                   </a:solidFill>
                 </a:uFill>
-                <a:latin typeface="Arial Unicode MS" panose="020B0604020202020204" pitchFamily="34" charset="-128"/>
+                <a:latin typeface="Calibri" panose="020F0502020204030204" pitchFamily="34" charset="0"/>
               </a:rPr>
               <a:t>Differences of WHERE and HAVING</a:t>
             </a:r>
@@ -12564,7 +12754,7 @@
                   <a:srgbClr val="FFFFFF"/>
                 </a:solidFill>
               </a:uFill>
-              <a:latin typeface="Arial Unicode MS" panose="020B0604020202020204" pitchFamily="34" charset="-128"/>
+              <a:latin typeface="Calibri" panose="020F0502020204030204" pitchFamily="34" charset="0"/>
             </a:endParaRPr>
           </a:p>
         </p:txBody>
@@ -12588,7 +12778,7 @@
           </a:ln>
           <a:extLst>
             <a:ext uri="{C572A759-6A51-4108-AA02-DFA0A04FC94B}">
-              <ma14:wrappingTextBoxFlag xmlns:ma14="http://schemas.microsoft.com/office/mac/drawingml/2011/main" xmlns="" val="1"/>
+              <ma14:wrappingTextBoxFlag xmlns="" xmlns:ma14="http://schemas.microsoft.com/office/mac/drawingml/2011/main" val="1"/>
             </a:ext>
           </a:extLst>
         </p:spPr>
@@ -12614,9 +12804,9 @@
               <a:uFill>
                 <a:solidFill/>
               </a:uFill>
-              <a:latin typeface="Arial Unicode MS" panose="020B0604020202020204" pitchFamily="34" charset="-128"/>
-              <a:ea typeface="Arial Unicode MS" panose="020B0604020202020204" pitchFamily="34" charset="-128"/>
-              <a:cs typeface="Arial Unicode MS" panose="020B0604020202020204" pitchFamily="34" charset="-128"/>
+              <a:latin typeface="Calibri" panose="020F0502020204030204" pitchFamily="34" charset="0"/>
+              <a:ea typeface="Calibri" panose="020F0502020204030204" pitchFamily="34" charset="0"/>
+              <a:cs typeface="Calibri" panose="020F0502020204030204" pitchFamily="34" charset="0"/>
               <a:sym typeface="Iowan Old Style Roman"/>
             </a:endParaRPr>
           </a:p>
@@ -12641,7 +12831,7 @@
           </a:ln>
           <a:extLst>
             <a:ext uri="{C572A759-6A51-4108-AA02-DFA0A04FC94B}">
-              <ma14:wrappingTextBoxFlag xmlns:ma14="http://schemas.microsoft.com/office/mac/drawingml/2011/main" xmlns="" val="1"/>
+              <ma14:wrappingTextBoxFlag xmlns="" xmlns:ma14="http://schemas.microsoft.com/office/mac/drawingml/2011/main" val="1"/>
             </a:ext>
           </a:extLst>
         </p:spPr>
@@ -12681,9 +12871,9 @@
                 <a:uFill>
                   <a:solidFill/>
                 </a:uFill>
-                <a:latin typeface="Arial Unicode MS" panose="020B0604020202020204" pitchFamily="34" charset="-128"/>
-                <a:ea typeface="Arial Unicode MS" panose="020B0604020202020204" pitchFamily="34" charset="-128"/>
-                <a:cs typeface="Arial Unicode MS" panose="020B0604020202020204" pitchFamily="34" charset="-128"/>
+                <a:latin typeface="Calibri" panose="020F0502020204030204" pitchFamily="34" charset="0"/>
+                <a:ea typeface="Calibri" panose="020F0502020204030204" pitchFamily="34" charset="0"/>
+                <a:cs typeface="Calibri" panose="020F0502020204030204" pitchFamily="34" charset="0"/>
               </a:rPr>
               <a:t>WHERE applies to rows, </a:t>
             </a:r>
@@ -12695,9 +12885,9 @@
                 <a:uFill>
                   <a:solidFill/>
                 </a:uFill>
-                <a:latin typeface="Arial Unicode MS" panose="020B0604020202020204" pitchFamily="34" charset="-128"/>
-                <a:ea typeface="Arial Unicode MS" panose="020B0604020202020204" pitchFamily="34" charset="-128"/>
-                <a:cs typeface="Arial Unicode MS" panose="020B0604020202020204" pitchFamily="34" charset="-128"/>
+                <a:latin typeface="Calibri" panose="020F0502020204030204" pitchFamily="34" charset="0"/>
+                <a:ea typeface="Calibri" panose="020F0502020204030204" pitchFamily="34" charset="0"/>
+                <a:cs typeface="Calibri" panose="020F0502020204030204" pitchFamily="34" charset="0"/>
               </a:rPr>
               <a:t>before</a:t>
             </a:r>
@@ -12709,9 +12899,9 @@
                 <a:uFill>
                   <a:solidFill/>
                 </a:uFill>
-                <a:latin typeface="Arial Unicode MS" panose="020B0604020202020204" pitchFamily="34" charset="-128"/>
-                <a:ea typeface="Arial Unicode MS" panose="020B0604020202020204" pitchFamily="34" charset="-128"/>
-                <a:cs typeface="Arial Unicode MS" panose="020B0604020202020204" pitchFamily="34" charset="-128"/>
+                <a:latin typeface="Calibri" panose="020F0502020204030204" pitchFamily="34" charset="0"/>
+                <a:ea typeface="Calibri" panose="020F0502020204030204" pitchFamily="34" charset="0"/>
+                <a:cs typeface="Calibri" panose="020F0502020204030204" pitchFamily="34" charset="0"/>
               </a:rPr>
               <a:t> computing the aggregate</a:t>
             </a:r>
@@ -12734,9 +12924,9 @@
               <a:uFill>
                 <a:solidFill/>
               </a:uFill>
-              <a:latin typeface="Arial Unicode MS" panose="020B0604020202020204" pitchFamily="34" charset="-128"/>
-              <a:ea typeface="Arial Unicode MS" panose="020B0604020202020204" pitchFamily="34" charset="-128"/>
-              <a:cs typeface="Arial Unicode MS" panose="020B0604020202020204" pitchFamily="34" charset="-128"/>
+              <a:latin typeface="Calibri" panose="020F0502020204030204" pitchFamily="34" charset="0"/>
+              <a:ea typeface="Calibri" panose="020F0502020204030204" pitchFamily="34" charset="0"/>
+              <a:cs typeface="Calibri" panose="020F0502020204030204" pitchFamily="34" charset="0"/>
             </a:endParaRPr>
           </a:p>
           <a:p>
@@ -12756,9 +12946,9 @@
                 <a:uFill>
                   <a:solidFill/>
                 </a:uFill>
-                <a:latin typeface="Arial Unicode MS" panose="020B0604020202020204" pitchFamily="34" charset="-128"/>
-                <a:ea typeface="Arial Unicode MS" panose="020B0604020202020204" pitchFamily="34" charset="-128"/>
-                <a:cs typeface="Arial Unicode MS" panose="020B0604020202020204" pitchFamily="34" charset="-128"/>
+                <a:latin typeface="Calibri" panose="020F0502020204030204" pitchFamily="34" charset="0"/>
+                <a:ea typeface="Calibri" panose="020F0502020204030204" pitchFamily="34" charset="0"/>
+                <a:cs typeface="Calibri" panose="020F0502020204030204" pitchFamily="34" charset="0"/>
               </a:rPr>
               <a:t>Compare:</a:t>
             </a:r>
@@ -12779,9 +12969,9 @@
               <a:uFill>
                 <a:solidFill/>
               </a:uFill>
-              <a:latin typeface="Arial Unicode MS" panose="020B0604020202020204" pitchFamily="34" charset="-128"/>
-              <a:ea typeface="Arial Unicode MS" panose="020B0604020202020204" pitchFamily="34" charset="-128"/>
-              <a:cs typeface="Arial Unicode MS" panose="020B0604020202020204" pitchFamily="34" charset="-128"/>
+              <a:latin typeface="Calibri" panose="020F0502020204030204" pitchFamily="34" charset="0"/>
+              <a:ea typeface="Calibri" panose="020F0502020204030204" pitchFamily="34" charset="0"/>
+              <a:cs typeface="Calibri" panose="020F0502020204030204" pitchFamily="34" charset="0"/>
             </a:endParaRPr>
           </a:p>
           <a:p>
@@ -12801,9 +12991,9 @@
                 <a:uFill>
                   <a:solidFill/>
                 </a:uFill>
-                <a:latin typeface="Arial Unicode MS" panose="020B0604020202020204" pitchFamily="34" charset="-128"/>
-                <a:ea typeface="Arial Unicode MS" panose="020B0604020202020204" pitchFamily="34" charset="-128"/>
-                <a:cs typeface="Arial Unicode MS" panose="020B0604020202020204" pitchFamily="34" charset="-128"/>
+                <a:latin typeface="Calibri" panose="020F0502020204030204" pitchFamily="34" charset="0"/>
+                <a:ea typeface="Calibri" panose="020F0502020204030204" pitchFamily="34" charset="0"/>
+                <a:cs typeface="Calibri" panose="020F0502020204030204" pitchFamily="34" charset="0"/>
               </a:rPr>
               <a:t>SELECT COUNT(*), COUNT(rating)</a:t>
             </a:r>
@@ -12815,9 +13005,9 @@
                 <a:uFill>
                   <a:solidFill/>
                 </a:uFill>
-                <a:latin typeface="Arial Unicode MS" panose="020B0604020202020204" pitchFamily="34" charset="-128"/>
-                <a:ea typeface="Arial Unicode MS" panose="020B0604020202020204" pitchFamily="34" charset="-128"/>
-                <a:cs typeface="Arial Unicode MS" panose="020B0604020202020204" pitchFamily="34" charset="-128"/>
+                <a:latin typeface="Calibri" panose="020F0502020204030204" pitchFamily="34" charset="0"/>
+                <a:ea typeface="Calibri" panose="020F0502020204030204" pitchFamily="34" charset="0"/>
+                <a:cs typeface="Calibri" panose="020F0502020204030204" pitchFamily="34" charset="0"/>
               </a:rPr>
             </a:br>
             <a:r>
@@ -12828,9 +13018,9 @@
                 <a:uFill>
                   <a:solidFill/>
                 </a:uFill>
-                <a:latin typeface="Arial Unicode MS" panose="020B0604020202020204" pitchFamily="34" charset="-128"/>
-                <a:ea typeface="Arial Unicode MS" panose="020B0604020202020204" pitchFamily="34" charset="-128"/>
-                <a:cs typeface="Arial Unicode MS" panose="020B0604020202020204" pitchFamily="34" charset="-128"/>
+                <a:latin typeface="Calibri" panose="020F0502020204030204" pitchFamily="34" charset="0"/>
+                <a:ea typeface="Calibri" panose="020F0502020204030204" pitchFamily="34" charset="0"/>
+                <a:cs typeface="Calibri" panose="020F0502020204030204" pitchFamily="34" charset="0"/>
               </a:rPr>
               <a:t>FROM movies</a:t>
             </a:r>
@@ -12842,9 +13032,9 @@
                 <a:uFill>
                   <a:solidFill/>
                 </a:uFill>
-                <a:latin typeface="Arial Unicode MS" panose="020B0604020202020204" pitchFamily="34" charset="-128"/>
-                <a:ea typeface="Arial Unicode MS" panose="020B0604020202020204" pitchFamily="34" charset="-128"/>
-                <a:cs typeface="Arial Unicode MS" panose="020B0604020202020204" pitchFamily="34" charset="-128"/>
+                <a:latin typeface="Calibri" panose="020F0502020204030204" pitchFamily="34" charset="0"/>
+                <a:ea typeface="Calibri" panose="020F0502020204030204" pitchFamily="34" charset="0"/>
+                <a:cs typeface="Calibri" panose="020F0502020204030204" pitchFamily="34" charset="0"/>
               </a:rPr>
             </a:br>
             <a:r>
@@ -12855,9 +13045,9 @@
                 <a:uFill>
                   <a:solidFill/>
                 </a:uFill>
-                <a:latin typeface="Arial Unicode MS" panose="020B0604020202020204" pitchFamily="34" charset="-128"/>
-                <a:ea typeface="Arial Unicode MS" panose="020B0604020202020204" pitchFamily="34" charset="-128"/>
-                <a:cs typeface="Arial Unicode MS" panose="020B0604020202020204" pitchFamily="34" charset="-128"/>
+                <a:latin typeface="Calibri" panose="020F0502020204030204" pitchFamily="34" charset="0"/>
+                <a:ea typeface="Calibri" panose="020F0502020204030204" pitchFamily="34" charset="0"/>
+                <a:cs typeface="Calibri" panose="020F0502020204030204" pitchFamily="34" charset="0"/>
               </a:rPr>
               <a:t>WHERE rank IS NOT NULL</a:t>
             </a:r>
@@ -12878,9 +13068,9 @@
               <a:uFill>
                 <a:solidFill/>
               </a:uFill>
-              <a:latin typeface="Arial Unicode MS" panose="020B0604020202020204" pitchFamily="34" charset="-128"/>
-              <a:ea typeface="Arial Unicode MS" panose="020B0604020202020204" pitchFamily="34" charset="-128"/>
-              <a:cs typeface="Arial Unicode MS" panose="020B0604020202020204" pitchFamily="34" charset="-128"/>
+              <a:latin typeface="Calibri" panose="020F0502020204030204" pitchFamily="34" charset="0"/>
+              <a:ea typeface="Calibri" panose="020F0502020204030204" pitchFamily="34" charset="0"/>
+              <a:cs typeface="Calibri" panose="020F0502020204030204" pitchFamily="34" charset="0"/>
             </a:endParaRPr>
           </a:p>
           <a:p>
@@ -12900,9 +13090,9 @@
                 <a:uFill>
                   <a:solidFill/>
                 </a:uFill>
-                <a:latin typeface="Arial Unicode MS" panose="020B0604020202020204" pitchFamily="34" charset="-128"/>
-                <a:ea typeface="Arial Unicode MS" panose="020B0604020202020204" pitchFamily="34" charset="-128"/>
-                <a:cs typeface="Arial Unicode MS" panose="020B0604020202020204" pitchFamily="34" charset="-128"/>
+                <a:latin typeface="Calibri" panose="020F0502020204030204" pitchFamily="34" charset="0"/>
+                <a:ea typeface="Calibri" panose="020F0502020204030204" pitchFamily="34" charset="0"/>
+                <a:cs typeface="Calibri" panose="020F0502020204030204" pitchFamily="34" charset="0"/>
               </a:rPr>
               <a:t>Vs</a:t>
             </a:r>
@@ -12923,9 +13113,9 @@
               <a:uFill>
                 <a:solidFill/>
               </a:uFill>
-              <a:latin typeface="Arial Unicode MS" panose="020B0604020202020204" pitchFamily="34" charset="-128"/>
-              <a:ea typeface="Arial Unicode MS" panose="020B0604020202020204" pitchFamily="34" charset="-128"/>
-              <a:cs typeface="Arial Unicode MS" panose="020B0604020202020204" pitchFamily="34" charset="-128"/>
+              <a:latin typeface="Calibri" panose="020F0502020204030204" pitchFamily="34" charset="0"/>
+              <a:ea typeface="Calibri" panose="020F0502020204030204" pitchFamily="34" charset="0"/>
+              <a:cs typeface="Calibri" panose="020F0502020204030204" pitchFamily="34" charset="0"/>
             </a:endParaRPr>
           </a:p>
           <a:p>
@@ -12945,9 +13135,9 @@
                 <a:uFill>
                   <a:solidFill/>
                 </a:uFill>
-                <a:latin typeface="Arial Unicode MS" panose="020B0604020202020204" pitchFamily="34" charset="-128"/>
-                <a:ea typeface="Arial Unicode MS" panose="020B0604020202020204" pitchFamily="34" charset="-128"/>
-                <a:cs typeface="Arial Unicode MS" panose="020B0604020202020204" pitchFamily="34" charset="-128"/>
+                <a:latin typeface="Calibri" panose="020F0502020204030204" pitchFamily="34" charset="0"/>
+                <a:ea typeface="Calibri" panose="020F0502020204030204" pitchFamily="34" charset="0"/>
+                <a:cs typeface="Calibri" panose="020F0502020204030204" pitchFamily="34" charset="0"/>
               </a:rPr>
               <a:t>SELECT COUNT(*), COUNT(rating)</a:t>
             </a:r>
@@ -12959,9 +13149,9 @@
                 <a:uFill>
                   <a:solidFill/>
                 </a:uFill>
-                <a:latin typeface="Arial Unicode MS" panose="020B0604020202020204" pitchFamily="34" charset="-128"/>
-                <a:ea typeface="Arial Unicode MS" panose="020B0604020202020204" pitchFamily="34" charset="-128"/>
-                <a:cs typeface="Arial Unicode MS" panose="020B0604020202020204" pitchFamily="34" charset="-128"/>
+                <a:latin typeface="Calibri" panose="020F0502020204030204" pitchFamily="34" charset="0"/>
+                <a:ea typeface="Calibri" panose="020F0502020204030204" pitchFamily="34" charset="0"/>
+                <a:cs typeface="Calibri" panose="020F0502020204030204" pitchFamily="34" charset="0"/>
               </a:rPr>
             </a:br>
             <a:r>
@@ -12972,9 +13162,9 @@
                 <a:uFill>
                   <a:solidFill/>
                 </a:uFill>
-                <a:latin typeface="Arial Unicode MS" panose="020B0604020202020204" pitchFamily="34" charset="-128"/>
-                <a:ea typeface="Arial Unicode MS" panose="020B0604020202020204" pitchFamily="34" charset="-128"/>
-                <a:cs typeface="Arial Unicode MS" panose="020B0604020202020204" pitchFamily="34" charset="-128"/>
+                <a:latin typeface="Calibri" panose="020F0502020204030204" pitchFamily="34" charset="0"/>
+                <a:ea typeface="Calibri" panose="020F0502020204030204" pitchFamily="34" charset="0"/>
+                <a:cs typeface="Calibri" panose="020F0502020204030204" pitchFamily="34" charset="0"/>
               </a:rPr>
               <a:t>FROM movies</a:t>
             </a:r>
@@ -12985,9 +13175,9 @@
               <a:uFill>
                 <a:solidFill/>
               </a:uFill>
-              <a:latin typeface="Arial Unicode MS" panose="020B0604020202020204" pitchFamily="34" charset="-128"/>
-              <a:ea typeface="Arial Unicode MS" panose="020B0604020202020204" pitchFamily="34" charset="-128"/>
-              <a:cs typeface="Arial Unicode MS" panose="020B0604020202020204" pitchFamily="34" charset="-128"/>
+              <a:latin typeface="Calibri" panose="020F0502020204030204" pitchFamily="34" charset="0"/>
+              <a:ea typeface="Calibri" panose="020F0502020204030204" pitchFamily="34" charset="0"/>
+              <a:cs typeface="Calibri" panose="020F0502020204030204" pitchFamily="34" charset="0"/>
             </a:endParaRPr>
           </a:p>
         </p:txBody>
@@ -13025,13 +13215,125 @@
       </p:grpSpPr>
       <p:sp>
         <p:nvSpPr>
-          <p:cNvPr id="144" name="Shape 144"/>
+          <p:cNvPr id="47" name="Shape 47"/>
           <p:cNvSpPr/>
           <p:nvPr/>
         </p:nvSpPr>
         <p:spPr>
           <a:xfrm>
-            <a:off x="386308" y="190817"/>
+            <a:off x="269666" y="1435100"/>
+            <a:ext cx="8604668" cy="646331"/>
+          </a:xfrm>
+          <a:prstGeom prst="rect">
+            <a:avLst/>
+          </a:prstGeom>
+          <a:ln w="12700">
+            <a:miter lim="400000"/>
+          </a:ln>
+          <a:extLst>
+            <a:ext uri="{C572A759-6A51-4108-AA02-DFA0A04FC94B}">
+              <ma14:wrappingTextBoxFlag xmlns:ma14="http://schemas.microsoft.com/office/mac/drawingml/2011/main" xmlns="" val="1"/>
+            </a:ext>
+          </a:extLst>
+        </p:spPr>
+        <p:txBody>
+          <a:bodyPr lIns="45719" rIns="45719">
+            <a:spAutoFit/>
+          </a:bodyPr>
+          <a:lstStyle>
+            <a:lvl1pPr algn="r">
+              <a:defRPr sz="3600">
+                <a:solidFill>
+                  <a:srgbClr val="011070"/>
+                </a:solidFill>
+              </a:defRPr>
+            </a:lvl1pPr>
+          </a:lstStyle>
+          <a:p>
+            <a:pPr lvl="0">
+              <a:defRPr sz="1800">
+                <a:solidFill>
+                  <a:srgbClr val="000000"/>
+                </a:solidFill>
+                <a:uFillTx/>
+              </a:defRPr>
+            </a:pPr>
+            <a:r>
+              <a:rPr lang="en-US" sz="3600" dirty="0">
+                <a:solidFill>
+                  <a:schemeClr val="tx1"/>
+                </a:solidFill>
+                <a:uFill>
+                  <a:solidFill/>
+                </a:uFill>
+                <a:latin typeface="Calibri" panose="020F0502020204030204" pitchFamily="34" charset="0"/>
+              </a:rPr>
+              <a:t>JOIN and GROUP BY Examples</a:t>
+            </a:r>
+            <a:endParaRPr sz="3600" dirty="0">
+              <a:solidFill>
+                <a:schemeClr val="tx1"/>
+              </a:solidFill>
+              <a:uFill>
+                <a:solidFill/>
+              </a:uFill>
+              <a:latin typeface="Calibri" panose="020F0502020204030204" pitchFamily="34" charset="0"/>
+            </a:endParaRPr>
+          </a:p>
+        </p:txBody>
+      </p:sp>
+    </p:spTree>
+    <p:extLst>
+      <p:ext uri="{BB962C8B-B14F-4D97-AF65-F5344CB8AC3E}">
+        <p14:creationId xmlns:p14="http://schemas.microsoft.com/office/powerpoint/2010/main" val="2662625575"/>
+      </p:ext>
+    </p:extLst>
+  </p:cSld>
+  <p:clrMapOvr>
+    <a:masterClrMapping/>
+  </p:clrMapOvr>
+  <p:transition spd="med"/>
+</p:sld>
+</file>
+
+<file path=ppt/slides/slide19.xml><?xml version="1.0" encoding="utf-8"?>
+<p:sld xmlns:a="http://schemas.openxmlformats.org/drawingml/2006/main" xmlns:r="http://schemas.openxmlformats.org/officeDocument/2006/relationships" xmlns:p="http://schemas.openxmlformats.org/presentationml/2006/main">
+  <p:cSld>
+    <p:spTree>
+      <p:nvGrpSpPr>
+        <p:cNvPr id="1" name="">
+          <a:extLst>
+            <a:ext uri="{FF2B5EF4-FFF2-40B4-BE49-F238E27FC236}">
+              <a16:creationId xmlns:a16="http://schemas.microsoft.com/office/drawing/2014/main" id="{0579CD5C-CDB6-9094-F077-3A9006D24CA3}"/>
+            </a:ext>
+          </a:extLst>
+        </p:cNvPr>
+        <p:cNvGrpSpPr/>
+        <p:nvPr/>
+      </p:nvGrpSpPr>
+      <p:grpSpPr>
+        <a:xfrm>
+          <a:off x="0" y="0"/>
+          <a:ext cx="0" cy="0"/>
+          <a:chOff x="0" y="0"/>
+          <a:chExt cx="0" cy="0"/>
+        </a:xfrm>
+      </p:grpSpPr>
+      <p:sp>
+        <p:nvSpPr>
+          <p:cNvPr id="189" name="Shape 189">
+            <a:extLst>
+              <a:ext uri="{FF2B5EF4-FFF2-40B4-BE49-F238E27FC236}">
+                <a16:creationId xmlns:a16="http://schemas.microsoft.com/office/drawing/2014/main" id="{E2A35AB5-55D6-93A3-DDCD-328DE0382617}"/>
+              </a:ext>
+            </a:extLst>
+          </p:cNvPr>
+          <p:cNvSpPr/>
+          <p:nvPr/>
+        </p:nvSpPr>
+        <p:spPr>
+          <a:xfrm>
+            <a:off x="386308" y="147496"/>
             <a:ext cx="7757379" cy="553998"/>
           </a:xfrm>
           <a:prstGeom prst="rect">
@@ -13071,36 +13373,56 @@
               </a:defRPr>
             </a:pPr>
             <a:r>
+              <a:rPr sz="3000" b="1" dirty="0">
+                <a:uFill>
+                  <a:solidFill>
+                    <a:srgbClr val="FFFFFF"/>
+                  </a:solidFill>
+                </a:uFill>
+                <a:latin typeface="Calibri" panose="020F0502020204030204" pitchFamily="34" charset="0"/>
+              </a:rPr>
+              <a:t>Joins</a:t>
+            </a:r>
+            <a:r>
               <a:rPr lang="en-US" sz="3000" b="1" dirty="0">
                 <a:uFill>
                   <a:solidFill>
                     <a:srgbClr val="FFFFFF"/>
                   </a:solidFill>
                 </a:uFill>
-                <a:latin typeface="Arial Unicode MS" panose="020B0604020202020204" pitchFamily="34" charset="-128"/>
+                <a:latin typeface="Calibri" panose="020F0502020204030204" pitchFamily="34" charset="0"/>
               </a:rPr>
-              <a:t>Another Example</a:t>
-            </a:r>
-            <a:endParaRPr sz="3000" b="1" dirty="0">
-              <a:uFill>
-                <a:solidFill>
-                  <a:srgbClr val="FFFFFF"/>
-                </a:solidFill>
-              </a:uFill>
-              <a:latin typeface="Arial Unicode MS" panose="020B0604020202020204" pitchFamily="34" charset="-128"/>
-            </a:endParaRPr>
+              <a:t> + Group By</a:t>
+            </a:r>
+            <a:r>
+              <a:rPr sz="3000" b="1" dirty="0">
+                <a:uFill>
+                  <a:solidFill>
+                    <a:srgbClr val="FFFFFF"/>
+                  </a:solidFill>
+                </a:uFill>
+                <a:latin typeface="Calibri" panose="020F0502020204030204" pitchFamily="34" charset="0"/>
+              </a:rPr>
+              <a:t> Practice Queries</a:t>
+            </a:r>
           </a:p>
         </p:txBody>
       </p:sp>
       <p:sp>
         <p:nvSpPr>
-          <p:cNvPr id="145" name="Shape 145"/>
+          <p:cNvPr id="190" name="Shape 190">
+            <a:extLst>
+              <a:ext uri="{FF2B5EF4-FFF2-40B4-BE49-F238E27FC236}">
+                <a16:creationId xmlns:a16="http://schemas.microsoft.com/office/drawing/2014/main" id="{4933E149-8E77-65F3-5BC1-18445B68D627}"/>
+              </a:ext>
+            </a:extLst>
+          </p:cNvPr>
           <p:cNvSpPr/>
           <p:nvPr/>
         </p:nvSpPr>
         <p:spPr>
           <a:xfrm>
-            <a:off x="723900" y="1536700"/>
+            <a:off x="469900" y="1324179"/>
             <a:ext cx="8204200" cy="307777"/>
           </a:xfrm>
           <a:prstGeom prst="rect">
@@ -13121,7 +13443,7 @@
           </a:bodyPr>
           <a:lstStyle/>
           <a:p>
-            <a:pPr lvl="8">
+            <a:pPr lvl="0">
               <a:spcBef>
                 <a:spcPts val="700"/>
               </a:spcBef>
@@ -13137,9 +13459,9 @@
               <a:uFill>
                 <a:solidFill/>
               </a:uFill>
-              <a:latin typeface="Arial Unicode MS" panose="020B0604020202020204" pitchFamily="34" charset="-128"/>
-              <a:ea typeface="Arial Unicode MS" panose="020B0604020202020204" pitchFamily="34" charset="-128"/>
-              <a:cs typeface="Arial Unicode MS" panose="020B0604020202020204" pitchFamily="34" charset="-128"/>
+              <a:latin typeface="Calibri" panose="020F0502020204030204" pitchFamily="34" charset="0"/>
+              <a:ea typeface="Calibri" panose="020F0502020204030204" pitchFamily="34" charset="0"/>
+              <a:cs typeface="Calibri" panose="020F0502020204030204" pitchFamily="34" charset="0"/>
               <a:sym typeface="Iowan Old Style Roman"/>
             </a:endParaRPr>
           </a:p>
@@ -13147,677 +13469,99 @@
       </p:sp>
       <p:sp>
         <p:nvSpPr>
-          <p:cNvPr id="4" name="Shape 148"/>
-          <p:cNvSpPr/>
+          <p:cNvPr id="2" name="TextBox 1">
+            <a:extLst>
+              <a:ext uri="{FF2B5EF4-FFF2-40B4-BE49-F238E27FC236}">
+                <a16:creationId xmlns:a16="http://schemas.microsoft.com/office/drawing/2014/main" id="{86355990-BD61-8731-8950-3E0A8914EBC9}"/>
+              </a:ext>
+            </a:extLst>
+          </p:cNvPr>
+          <p:cNvSpPr txBox="1"/>
           <p:nvPr/>
         </p:nvSpPr>
         <p:spPr>
           <a:xfrm>
-            <a:off x="309899" y="1305341"/>
-            <a:ext cx="8524202" cy="4708981"/>
+            <a:off x="110532" y="1478067"/>
+            <a:ext cx="8912888" cy="1477328"/>
           </a:xfrm>
           <a:prstGeom prst="rect">
             <a:avLst/>
           </a:prstGeom>
-          <a:ln w="12700">
-            <a:miter lim="400000"/>
-          </a:ln>
-          <a:extLst>
-            <a:ext uri="{C572A759-6A51-4108-AA02-DFA0A04FC94B}">
-              <ma14:wrappingTextBoxFlag xmlns:ma14="http://schemas.microsoft.com/office/mac/drawingml/2011/main" xmlns="" val="1"/>
-            </a:ext>
-          </a:extLst>
+          <a:noFill/>
         </p:spPr>
         <p:txBody>
-          <a:bodyPr lIns="45719" rIns="45719">
+          <a:bodyPr wrap="square" rtlCol="0">
             <a:spAutoFit/>
           </a:bodyPr>
-          <a:lstStyle>
-            <a:lvl1pPr algn="r">
-              <a:defRPr sz="2400">
-                <a:solidFill>
-                  <a:srgbClr val="011173"/>
-                </a:solidFill>
-                <a:latin typeface="Iowan Old Style Roman"/>
-                <a:ea typeface="Iowan Old Style Roman"/>
-                <a:cs typeface="Iowan Old Style Roman"/>
-                <a:sym typeface="Iowan Old Style Roman"/>
-              </a:defRPr>
-            </a:lvl1pPr>
-          </a:lstStyle>
+          <a:lstStyle/>
           <a:p>
-            <a:pPr lvl="0" algn="l">
-              <a:defRPr sz="1800">
-                <a:solidFill>
-                  <a:srgbClr val="000000"/>
-                </a:solidFill>
-                <a:uFillTx/>
-              </a:defRPr>
+            <a:pPr marL="285750" indent="-285750">
+              <a:buFont typeface="Arial" panose="020B0604020202020204" pitchFamily="34" charset="0"/>
+              <a:buChar char="•"/>
             </a:pPr>
             <a:r>
-              <a:rPr lang="en-US" sz="2000" dirty="0">
-                <a:solidFill>
-                  <a:schemeClr val="tx1"/>
-                </a:solidFill>
-                <a:uFill>
-                  <a:solidFill/>
-                </a:uFill>
-                <a:latin typeface="Arial Unicode MS" panose="020B0604020202020204" pitchFamily="34" charset="-128"/>
-                <a:ea typeface="Arial Unicode MS" panose="020B0604020202020204" pitchFamily="34" charset="-128"/>
-                <a:cs typeface="Arial Unicode MS" panose="020B0604020202020204" pitchFamily="34" charset="-128"/>
-              </a:rPr>
-              <a:t>SELECT </a:t>
-            </a:r>
-            <a:r>
-              <a:rPr lang="en-US" sz="2000" dirty="0" err="1">
-                <a:solidFill>
-                  <a:schemeClr val="tx1"/>
-                </a:solidFill>
-                <a:uFill>
-                  <a:solidFill/>
-                </a:uFill>
-                <a:latin typeface="Arial Unicode MS" panose="020B0604020202020204" pitchFamily="34" charset="-128"/>
-                <a:ea typeface="Arial Unicode MS" panose="020B0604020202020204" pitchFamily="34" charset="-128"/>
-                <a:cs typeface="Arial Unicode MS" panose="020B0604020202020204" pitchFamily="34" charset="-128"/>
-              </a:rPr>
-              <a:t>first_name</a:t>
-            </a:r>
-            <a:r>
-              <a:rPr lang="en-US" sz="2000" dirty="0">
-                <a:solidFill>
-                  <a:schemeClr val="tx1"/>
-                </a:solidFill>
-                <a:uFill>
-                  <a:solidFill/>
-                </a:uFill>
-                <a:latin typeface="Arial Unicode MS" panose="020B0604020202020204" pitchFamily="34" charset="-128"/>
-                <a:ea typeface="Arial Unicode MS" panose="020B0604020202020204" pitchFamily="34" charset="-128"/>
-                <a:cs typeface="Arial Unicode MS" panose="020B0604020202020204" pitchFamily="34" charset="-128"/>
-              </a:rPr>
-              <a:t>, COUNT(*)</a:t>
-            </a:r>
+              <a:rPr lang="en-US" dirty="0"/>
+              <a:t>Show the number of music likes per </a:t>
+            </a:r>
+            <a:r>
+              <a:rPr lang="en-US" dirty="0" err="1"/>
+              <a:t>ProfileID</a:t>
+            </a:r>
+            <a:endParaRPr lang="en-US" dirty="0"/>
           </a:p>
           <a:p>
-            <a:pPr lvl="0" algn="l">
-              <a:defRPr sz="1800">
-                <a:solidFill>
-                  <a:srgbClr val="000000"/>
-                </a:solidFill>
-                <a:uFillTx/>
-              </a:defRPr>
+            <a:pPr marL="285750" indent="-285750">
+              <a:buFont typeface="Arial" panose="020B0604020202020204" pitchFamily="34" charset="0"/>
+              <a:buChar char="•"/>
             </a:pPr>
             <a:r>
-              <a:rPr lang="en-US" sz="2000" dirty="0">
-                <a:solidFill>
-                  <a:schemeClr val="tx1"/>
-                </a:solidFill>
-                <a:uFill>
-                  <a:solidFill/>
-                </a:uFill>
-                <a:latin typeface="Arial Unicode MS" panose="020B0604020202020204" pitchFamily="34" charset="-128"/>
-                <a:ea typeface="Arial Unicode MS" panose="020B0604020202020204" pitchFamily="34" charset="-128"/>
-                <a:cs typeface="Arial Unicode MS" panose="020B0604020202020204" pitchFamily="34" charset="-128"/>
-              </a:rPr>
-              <a:t>FROM actors</a:t>
-            </a:r>
+              <a:rPr lang="en-US" dirty="0"/>
+              <a:t>Show the number of music likes per </a:t>
+            </a:r>
+            <a:r>
+              <a:rPr lang="en-US" dirty="0" err="1"/>
+              <a:t>PoliticalView</a:t>
+            </a:r>
+            <a:endParaRPr lang="en-US" dirty="0"/>
           </a:p>
           <a:p>
-            <a:pPr lvl="0" algn="l">
-              <a:defRPr sz="1800">
-                <a:solidFill>
-                  <a:srgbClr val="000000"/>
-                </a:solidFill>
-                <a:uFillTx/>
-              </a:defRPr>
+            <a:pPr marL="285750" indent="-285750">
+              <a:buFont typeface="Arial" panose="020B0604020202020204" pitchFamily="34" charset="0"/>
+              <a:buChar char="•"/>
             </a:pPr>
             <a:r>
-              <a:rPr lang="en-US" sz="2000" dirty="0">
-                <a:solidFill>
-                  <a:schemeClr val="tx1"/>
-                </a:solidFill>
-                <a:uFill>
-                  <a:solidFill/>
-                </a:uFill>
-                <a:latin typeface="Arial Unicode MS" panose="020B0604020202020204" pitchFamily="34" charset="-128"/>
-                <a:ea typeface="Arial Unicode MS" panose="020B0604020202020204" pitchFamily="34" charset="-128"/>
-                <a:cs typeface="Arial Unicode MS" panose="020B0604020202020204" pitchFamily="34" charset="-128"/>
-              </a:rPr>
-              <a:t>GROUP BY </a:t>
-            </a:r>
-            <a:r>
-              <a:rPr lang="en-US" sz="2000" dirty="0" err="1">
-                <a:solidFill>
-                  <a:schemeClr val="tx1"/>
-                </a:solidFill>
-                <a:uFill>
-                  <a:solidFill/>
-                </a:uFill>
-                <a:latin typeface="Arial Unicode MS" panose="020B0604020202020204" pitchFamily="34" charset="-128"/>
-                <a:ea typeface="Arial Unicode MS" panose="020B0604020202020204" pitchFamily="34" charset="-128"/>
-                <a:cs typeface="Arial Unicode MS" panose="020B0604020202020204" pitchFamily="34" charset="-128"/>
-              </a:rPr>
-              <a:t>first_name</a:t>
-            </a:r>
-            <a:endParaRPr lang="en-US" sz="2000" dirty="0">
-              <a:solidFill>
-                <a:schemeClr val="tx1"/>
-              </a:solidFill>
-              <a:uFill>
-                <a:solidFill/>
-              </a:uFill>
-              <a:latin typeface="Arial Unicode MS" panose="020B0604020202020204" pitchFamily="34" charset="-128"/>
-              <a:ea typeface="Arial Unicode MS" panose="020B0604020202020204" pitchFamily="34" charset="-128"/>
-              <a:cs typeface="Arial Unicode MS" panose="020B0604020202020204" pitchFamily="34" charset="-128"/>
-            </a:endParaRPr>
+              <a:rPr lang="en-US" dirty="0"/>
+              <a:t>Show the number of music likes per Sex</a:t>
+            </a:r>
           </a:p>
           <a:p>
-            <a:pPr lvl="0" algn="l">
-              <a:defRPr sz="1800">
-                <a:solidFill>
-                  <a:srgbClr val="000000"/>
-                </a:solidFill>
-                <a:uFillTx/>
-              </a:defRPr>
+            <a:pPr marL="285750" indent="-285750">
+              <a:buFont typeface="Arial" panose="020B0604020202020204" pitchFamily="34" charset="0"/>
+              <a:buChar char="•"/>
             </a:pPr>
-            <a:r>
-              <a:rPr lang="en-US" sz="2000" dirty="0">
-                <a:solidFill>
-                  <a:schemeClr val="tx1"/>
-                </a:solidFill>
-                <a:uFill>
-                  <a:solidFill/>
-                </a:uFill>
-                <a:latin typeface="Arial Unicode MS" panose="020B0604020202020204" pitchFamily="34" charset="-128"/>
-                <a:ea typeface="Arial Unicode MS" panose="020B0604020202020204" pitchFamily="34" charset="-128"/>
-                <a:cs typeface="Arial Unicode MS" panose="020B0604020202020204" pitchFamily="34" charset="-128"/>
-              </a:rPr>
-              <a:t>HAVING COUNT(*)&gt;1000;</a:t>
-            </a:r>
+            <a:endParaRPr lang="en-US" dirty="0"/>
           </a:p>
           <a:p>
-            <a:pPr lvl="0" algn="l">
-              <a:defRPr sz="1800">
-                <a:solidFill>
-                  <a:srgbClr val="000000"/>
-                </a:solidFill>
-                <a:uFillTx/>
-              </a:defRPr>
+            <a:pPr marL="285750" indent="-285750">
+              <a:buFont typeface="Arial" panose="020B0604020202020204" pitchFamily="34" charset="0"/>
+              <a:buChar char="•"/>
             </a:pPr>
-            <a:endParaRPr lang="en-US" sz="2000" dirty="0">
-              <a:solidFill>
-                <a:schemeClr val="tx1"/>
-              </a:solidFill>
-              <a:uFill>
-                <a:solidFill/>
-              </a:uFill>
-              <a:latin typeface="Arial Unicode MS" panose="020B0604020202020204" pitchFamily="34" charset="-128"/>
-              <a:ea typeface="Arial Unicode MS" panose="020B0604020202020204" pitchFamily="34" charset="-128"/>
-              <a:cs typeface="Arial Unicode MS" panose="020B0604020202020204" pitchFamily="34" charset="-128"/>
-            </a:endParaRPr>
-          </a:p>
-          <a:p>
-            <a:pPr lvl="0" algn="l">
-              <a:defRPr sz="1800">
-                <a:solidFill>
-                  <a:srgbClr val="000000"/>
-                </a:solidFill>
-                <a:uFillTx/>
-              </a:defRPr>
-            </a:pPr>
-            <a:r>
-              <a:rPr lang="en-US" sz="2000" dirty="0">
-                <a:solidFill>
-                  <a:schemeClr val="tx1"/>
-                </a:solidFill>
-                <a:uFill>
-                  <a:solidFill/>
-                </a:uFill>
-                <a:latin typeface="Arial Unicode MS" panose="020B0604020202020204" pitchFamily="34" charset="-128"/>
-                <a:ea typeface="Arial Unicode MS" panose="020B0604020202020204" pitchFamily="34" charset="-128"/>
-                <a:cs typeface="Arial Unicode MS" panose="020B0604020202020204" pitchFamily="34" charset="-128"/>
-              </a:rPr>
-              <a:t>SELECT </a:t>
-            </a:r>
-            <a:r>
-              <a:rPr lang="en-US" sz="2000" dirty="0" err="1">
-                <a:solidFill>
-                  <a:schemeClr val="tx1"/>
-                </a:solidFill>
-                <a:uFill>
-                  <a:solidFill/>
-                </a:uFill>
-                <a:latin typeface="Arial Unicode MS" panose="020B0604020202020204" pitchFamily="34" charset="-128"/>
-                <a:ea typeface="Arial Unicode MS" panose="020B0604020202020204" pitchFamily="34" charset="-128"/>
-                <a:cs typeface="Arial Unicode MS" panose="020B0604020202020204" pitchFamily="34" charset="-128"/>
-              </a:rPr>
-              <a:t>first_name</a:t>
-            </a:r>
-            <a:r>
-              <a:rPr lang="en-US" sz="2000" dirty="0">
-                <a:solidFill>
-                  <a:schemeClr val="tx1"/>
-                </a:solidFill>
-                <a:uFill>
-                  <a:solidFill/>
-                </a:uFill>
-                <a:latin typeface="Arial Unicode MS" panose="020B0604020202020204" pitchFamily="34" charset="-128"/>
-                <a:ea typeface="Arial Unicode MS" panose="020B0604020202020204" pitchFamily="34" charset="-128"/>
-                <a:cs typeface="Arial Unicode MS" panose="020B0604020202020204" pitchFamily="34" charset="-128"/>
-              </a:rPr>
-              <a:t>, gender, COUNT(*)</a:t>
-            </a:r>
-          </a:p>
-          <a:p>
-            <a:pPr lvl="0" algn="l">
-              <a:defRPr sz="1800">
-                <a:solidFill>
-                  <a:srgbClr val="000000"/>
-                </a:solidFill>
-                <a:uFillTx/>
-              </a:defRPr>
-            </a:pPr>
-            <a:r>
-              <a:rPr lang="en-US" sz="2000" dirty="0">
-                <a:solidFill>
-                  <a:schemeClr val="tx1"/>
-                </a:solidFill>
-                <a:uFill>
-                  <a:solidFill/>
-                </a:uFill>
-                <a:latin typeface="Arial Unicode MS" panose="020B0604020202020204" pitchFamily="34" charset="-128"/>
-                <a:ea typeface="Arial Unicode MS" panose="020B0604020202020204" pitchFamily="34" charset="-128"/>
-                <a:cs typeface="Arial Unicode MS" panose="020B0604020202020204" pitchFamily="34" charset="-128"/>
-              </a:rPr>
-              <a:t>FROM actors</a:t>
-            </a:r>
-          </a:p>
-          <a:p>
-            <a:pPr lvl="0" algn="l">
-              <a:defRPr sz="1800">
-                <a:solidFill>
-                  <a:srgbClr val="000000"/>
-                </a:solidFill>
-                <a:uFillTx/>
-              </a:defRPr>
-            </a:pPr>
-            <a:r>
-              <a:rPr lang="en-US" sz="2000" dirty="0">
-                <a:solidFill>
-                  <a:schemeClr val="tx1"/>
-                </a:solidFill>
-                <a:uFill>
-                  <a:solidFill/>
-                </a:uFill>
-                <a:latin typeface="Arial Unicode MS" panose="020B0604020202020204" pitchFamily="34" charset="-128"/>
-                <a:ea typeface="Arial Unicode MS" panose="020B0604020202020204" pitchFamily="34" charset="-128"/>
-                <a:cs typeface="Arial Unicode MS" panose="020B0604020202020204" pitchFamily="34" charset="-128"/>
-              </a:rPr>
-              <a:t>GROUP BY </a:t>
-            </a:r>
-            <a:r>
-              <a:rPr lang="en-US" sz="2000" dirty="0" err="1">
-                <a:solidFill>
-                  <a:schemeClr val="tx1"/>
-                </a:solidFill>
-                <a:uFill>
-                  <a:solidFill/>
-                </a:uFill>
-                <a:latin typeface="Arial Unicode MS" panose="020B0604020202020204" pitchFamily="34" charset="-128"/>
-                <a:ea typeface="Arial Unicode MS" panose="020B0604020202020204" pitchFamily="34" charset="-128"/>
-                <a:cs typeface="Arial Unicode MS" panose="020B0604020202020204" pitchFamily="34" charset="-128"/>
-              </a:rPr>
-              <a:t>first_name</a:t>
-            </a:r>
-            <a:r>
-              <a:rPr lang="en-US" sz="2000" dirty="0">
-                <a:solidFill>
-                  <a:schemeClr val="tx1"/>
-                </a:solidFill>
-                <a:uFill>
-                  <a:solidFill/>
-                </a:uFill>
-                <a:latin typeface="Arial Unicode MS" panose="020B0604020202020204" pitchFamily="34" charset="-128"/>
-                <a:ea typeface="Arial Unicode MS" panose="020B0604020202020204" pitchFamily="34" charset="-128"/>
-                <a:cs typeface="Arial Unicode MS" panose="020B0604020202020204" pitchFamily="34" charset="-128"/>
-              </a:rPr>
-              <a:t>, gender</a:t>
-            </a:r>
-          </a:p>
-          <a:p>
-            <a:pPr lvl="0" algn="l">
-              <a:defRPr sz="1800">
-                <a:solidFill>
-                  <a:srgbClr val="000000"/>
-                </a:solidFill>
-                <a:uFillTx/>
-              </a:defRPr>
-            </a:pPr>
-            <a:r>
-              <a:rPr lang="en-US" sz="2000" dirty="0">
-                <a:solidFill>
-                  <a:schemeClr val="tx1"/>
-                </a:solidFill>
-                <a:uFill>
-                  <a:solidFill/>
-                </a:uFill>
-                <a:latin typeface="Arial Unicode MS" panose="020B0604020202020204" pitchFamily="34" charset="-128"/>
-                <a:ea typeface="Arial Unicode MS" panose="020B0604020202020204" pitchFamily="34" charset="-128"/>
-                <a:cs typeface="Arial Unicode MS" panose="020B0604020202020204" pitchFamily="34" charset="-128"/>
-              </a:rPr>
-              <a:t>HAVING COUNT(*)&gt;1000;</a:t>
-            </a:r>
-          </a:p>
-          <a:p>
-            <a:pPr lvl="0" algn="l">
-              <a:defRPr sz="1800">
-                <a:solidFill>
-                  <a:srgbClr val="000000"/>
-                </a:solidFill>
-                <a:uFillTx/>
-              </a:defRPr>
-            </a:pPr>
-            <a:endParaRPr lang="en-US" sz="2000" dirty="0">
-              <a:solidFill>
-                <a:schemeClr val="tx1"/>
-              </a:solidFill>
-              <a:uFill>
-                <a:solidFill/>
-              </a:uFill>
-              <a:latin typeface="Arial Unicode MS" panose="020B0604020202020204" pitchFamily="34" charset="-128"/>
-              <a:ea typeface="Arial Unicode MS" panose="020B0604020202020204" pitchFamily="34" charset="-128"/>
-              <a:cs typeface="Arial Unicode MS" panose="020B0604020202020204" pitchFamily="34" charset="-128"/>
-            </a:endParaRPr>
-          </a:p>
-          <a:p>
-            <a:pPr lvl="0" algn="l">
-              <a:defRPr sz="1800">
-                <a:solidFill>
-                  <a:srgbClr val="000000"/>
-                </a:solidFill>
-                <a:uFillTx/>
-              </a:defRPr>
-            </a:pPr>
-            <a:r>
-              <a:rPr lang="en-US" sz="2000" dirty="0">
-                <a:solidFill>
-                  <a:schemeClr val="tx1"/>
-                </a:solidFill>
-                <a:uFill>
-                  <a:solidFill/>
-                </a:uFill>
-                <a:latin typeface="Arial Unicode MS" panose="020B0604020202020204" pitchFamily="34" charset="-128"/>
-                <a:ea typeface="Arial Unicode MS" panose="020B0604020202020204" pitchFamily="34" charset="-128"/>
-                <a:cs typeface="Arial Unicode MS" panose="020B0604020202020204" pitchFamily="34" charset="-128"/>
-              </a:rPr>
-              <a:t>SELECT </a:t>
-            </a:r>
-            <a:r>
-              <a:rPr lang="en-US" sz="2000" dirty="0" err="1">
-                <a:solidFill>
-                  <a:schemeClr val="tx1"/>
-                </a:solidFill>
-                <a:uFill>
-                  <a:solidFill/>
-                </a:uFill>
-                <a:latin typeface="Arial Unicode MS" panose="020B0604020202020204" pitchFamily="34" charset="-128"/>
-                <a:ea typeface="Arial Unicode MS" panose="020B0604020202020204" pitchFamily="34" charset="-128"/>
-                <a:cs typeface="Arial Unicode MS" panose="020B0604020202020204" pitchFamily="34" charset="-128"/>
-              </a:rPr>
-              <a:t>first_name</a:t>
-            </a:r>
-            <a:r>
-              <a:rPr lang="en-US" sz="2000" dirty="0">
-                <a:solidFill>
-                  <a:schemeClr val="tx1"/>
-                </a:solidFill>
-                <a:uFill>
-                  <a:solidFill/>
-                </a:uFill>
-                <a:latin typeface="Arial Unicode MS" panose="020B0604020202020204" pitchFamily="34" charset="-128"/>
-                <a:ea typeface="Arial Unicode MS" panose="020B0604020202020204" pitchFamily="34" charset="-128"/>
-                <a:cs typeface="Arial Unicode MS" panose="020B0604020202020204" pitchFamily="34" charset="-128"/>
-              </a:rPr>
-              <a:t>, gender, COUNT(*)</a:t>
-            </a:r>
-          </a:p>
-          <a:p>
-            <a:pPr lvl="0" algn="l">
-              <a:defRPr sz="1800">
-                <a:solidFill>
-                  <a:srgbClr val="000000"/>
-                </a:solidFill>
-                <a:uFillTx/>
-              </a:defRPr>
-            </a:pPr>
-            <a:r>
-              <a:rPr lang="en-US" sz="2000" dirty="0">
-                <a:solidFill>
-                  <a:schemeClr val="tx1"/>
-                </a:solidFill>
-                <a:uFill>
-                  <a:solidFill/>
-                </a:uFill>
-                <a:latin typeface="Arial Unicode MS" panose="020B0604020202020204" pitchFamily="34" charset="-128"/>
-                <a:ea typeface="Arial Unicode MS" panose="020B0604020202020204" pitchFamily="34" charset="-128"/>
-                <a:cs typeface="Arial Unicode MS" panose="020B0604020202020204" pitchFamily="34" charset="-128"/>
-              </a:rPr>
-              <a:t>FROM actors</a:t>
-            </a:r>
-          </a:p>
-          <a:p>
-            <a:pPr lvl="0" algn="l">
-              <a:defRPr sz="1800">
-                <a:solidFill>
-                  <a:srgbClr val="000000"/>
-                </a:solidFill>
-                <a:uFillTx/>
-              </a:defRPr>
-            </a:pPr>
-            <a:r>
-              <a:rPr lang="en-US" sz="2000" dirty="0">
-                <a:solidFill>
-                  <a:schemeClr val="tx1"/>
-                </a:solidFill>
-                <a:uFill>
-                  <a:solidFill/>
-                </a:uFill>
-                <a:latin typeface="Arial Unicode MS" panose="020B0604020202020204" pitchFamily="34" charset="-128"/>
-                <a:ea typeface="Arial Unicode MS" panose="020B0604020202020204" pitchFamily="34" charset="-128"/>
-                <a:cs typeface="Arial Unicode MS" panose="020B0604020202020204" pitchFamily="34" charset="-128"/>
-              </a:rPr>
-              <a:t>WHERE gender='F’</a:t>
-            </a:r>
-          </a:p>
-          <a:p>
-            <a:pPr lvl="0" algn="l">
-              <a:defRPr sz="1800">
-                <a:solidFill>
-                  <a:srgbClr val="000000"/>
-                </a:solidFill>
-                <a:uFillTx/>
-              </a:defRPr>
-            </a:pPr>
-            <a:r>
-              <a:rPr lang="en-US" sz="2000" dirty="0">
-                <a:solidFill>
-                  <a:schemeClr val="tx1"/>
-                </a:solidFill>
-                <a:uFill>
-                  <a:solidFill/>
-                </a:uFill>
-                <a:latin typeface="Arial Unicode MS" panose="020B0604020202020204" pitchFamily="34" charset="-128"/>
-                <a:ea typeface="Arial Unicode MS" panose="020B0604020202020204" pitchFamily="34" charset="-128"/>
-                <a:cs typeface="Arial Unicode MS" panose="020B0604020202020204" pitchFamily="34" charset="-128"/>
-              </a:rPr>
-              <a:t>GROUP BY </a:t>
-            </a:r>
-            <a:r>
-              <a:rPr lang="en-US" sz="2000" dirty="0" err="1">
-                <a:solidFill>
-                  <a:schemeClr val="tx1"/>
-                </a:solidFill>
-                <a:uFill>
-                  <a:solidFill/>
-                </a:uFill>
-                <a:latin typeface="Arial Unicode MS" panose="020B0604020202020204" pitchFamily="34" charset="-128"/>
-                <a:ea typeface="Arial Unicode MS" panose="020B0604020202020204" pitchFamily="34" charset="-128"/>
-                <a:cs typeface="Arial Unicode MS" panose="020B0604020202020204" pitchFamily="34" charset="-128"/>
-              </a:rPr>
-              <a:t>first_name</a:t>
-            </a:r>
-            <a:endParaRPr lang="en-US" sz="2000" dirty="0">
-              <a:solidFill>
-                <a:schemeClr val="tx1"/>
-              </a:solidFill>
-              <a:uFill>
-                <a:solidFill/>
-              </a:uFill>
-              <a:latin typeface="Arial Unicode MS" panose="020B0604020202020204" pitchFamily="34" charset="-128"/>
-              <a:ea typeface="Arial Unicode MS" panose="020B0604020202020204" pitchFamily="34" charset="-128"/>
-              <a:cs typeface="Arial Unicode MS" panose="020B0604020202020204" pitchFamily="34" charset="-128"/>
-            </a:endParaRPr>
-          </a:p>
-          <a:p>
-            <a:pPr lvl="0" algn="l">
-              <a:defRPr sz="1800">
-                <a:solidFill>
-                  <a:srgbClr val="000000"/>
-                </a:solidFill>
-                <a:uFillTx/>
-              </a:defRPr>
-            </a:pPr>
-            <a:r>
-              <a:rPr lang="en-US" sz="2000" dirty="0">
-                <a:solidFill>
-                  <a:schemeClr val="tx1"/>
-                </a:solidFill>
-                <a:uFill>
-                  <a:solidFill/>
-                </a:uFill>
-                <a:latin typeface="Arial Unicode MS" panose="020B0604020202020204" pitchFamily="34" charset="-128"/>
-                <a:ea typeface="Arial Unicode MS" panose="020B0604020202020204" pitchFamily="34" charset="-128"/>
-                <a:cs typeface="Arial Unicode MS" panose="020B0604020202020204" pitchFamily="34" charset="-128"/>
-              </a:rPr>
-              <a:t>HAVING COUNT(*)&gt;1000;</a:t>
-            </a:r>
-            <a:endParaRPr sz="2000" dirty="0">
-              <a:solidFill>
-                <a:schemeClr val="tx1"/>
-              </a:solidFill>
-              <a:uFill>
-                <a:solidFill/>
-              </a:uFill>
-              <a:latin typeface="Arial Unicode MS" panose="020B0604020202020204" pitchFamily="34" charset="-128"/>
-              <a:ea typeface="Arial Unicode MS" panose="020B0604020202020204" pitchFamily="34" charset="-128"/>
-              <a:cs typeface="Arial Unicode MS" panose="020B0604020202020204" pitchFamily="34" charset="-128"/>
-            </a:endParaRPr>
+            <a:r>
+              <a:rPr lang="en-US" dirty="0"/>
+              <a:t>Compare the results with </a:t>
+            </a:r>
+            <a:r>
+              <a:rPr lang="en-US"/>
+              <a:t>INNER and OUTER joins</a:t>
+            </a:r>
+            <a:endParaRPr lang="en-US" dirty="0"/>
           </a:p>
         </p:txBody>
       </p:sp>
     </p:spTree>
     <p:extLst>
       <p:ext uri="{BB962C8B-B14F-4D97-AF65-F5344CB8AC3E}">
-        <p14:creationId xmlns:p14="http://schemas.microsoft.com/office/powerpoint/2010/main" val="2809338853"/>
-      </p:ext>
-    </p:extLst>
-  </p:cSld>
-  <p:clrMapOvr>
-    <a:masterClrMapping/>
-  </p:clrMapOvr>
-  <p:transition spd="med"/>
-</p:sld>
-</file>
-
-<file path=ppt/slides/slide19.xml><?xml version="1.0" encoding="utf-8"?>
-<p:sld xmlns:a="http://schemas.openxmlformats.org/drawingml/2006/main" xmlns:r="http://schemas.openxmlformats.org/officeDocument/2006/relationships" xmlns:p="http://schemas.openxmlformats.org/presentationml/2006/main">
-  <p:cSld>
-    <p:spTree>
-      <p:nvGrpSpPr>
-        <p:cNvPr id="1" name=""/>
-        <p:cNvGrpSpPr/>
-        <p:nvPr/>
-      </p:nvGrpSpPr>
-      <p:grpSpPr>
-        <a:xfrm>
-          <a:off x="0" y="0"/>
-          <a:ext cx="0" cy="0"/>
-          <a:chOff x="0" y="0"/>
-          <a:chExt cx="0" cy="0"/>
-        </a:xfrm>
-      </p:grpSpPr>
-      <p:sp>
-        <p:nvSpPr>
-          <p:cNvPr id="47" name="Shape 47"/>
-          <p:cNvSpPr/>
-          <p:nvPr/>
-        </p:nvSpPr>
-        <p:spPr>
-          <a:xfrm>
-            <a:off x="269666" y="1435100"/>
-            <a:ext cx="8604668" cy="646331"/>
-          </a:xfrm>
-          <a:prstGeom prst="rect">
-            <a:avLst/>
-          </a:prstGeom>
-          <a:ln w="12700">
-            <a:miter lim="400000"/>
-          </a:ln>
-          <a:extLst>
-            <a:ext uri="{C572A759-6A51-4108-AA02-DFA0A04FC94B}">
-              <ma14:wrappingTextBoxFlag xmlns="" xmlns:ma14="http://schemas.microsoft.com/office/mac/drawingml/2011/main" val="1"/>
-            </a:ext>
-          </a:extLst>
-        </p:spPr>
-        <p:txBody>
-          <a:bodyPr lIns="45719" rIns="45719">
-            <a:spAutoFit/>
-          </a:bodyPr>
-          <a:lstStyle>
-            <a:lvl1pPr algn="r">
-              <a:defRPr sz="3600">
-                <a:solidFill>
-                  <a:srgbClr val="011070"/>
-                </a:solidFill>
-              </a:defRPr>
-            </a:lvl1pPr>
-          </a:lstStyle>
-          <a:p>
-            <a:pPr lvl="0">
-              <a:defRPr sz="1800">
-                <a:solidFill>
-                  <a:srgbClr val="000000"/>
-                </a:solidFill>
-                <a:uFillTx/>
-              </a:defRPr>
-            </a:pPr>
-            <a:r>
-              <a:rPr lang="en-US" sz="3600" dirty="0">
-                <a:solidFill>
-                  <a:schemeClr val="tx1"/>
-                </a:solidFill>
-                <a:uFill>
-                  <a:solidFill/>
-                </a:uFill>
-                <a:latin typeface="Arial Unicode MS" panose="020B0604020202020204" pitchFamily="34" charset="-128"/>
-              </a:rPr>
-              <a:t>JOIN and GROUP BY Examples</a:t>
-            </a:r>
-            <a:endParaRPr sz="3600" dirty="0">
-              <a:solidFill>
-                <a:schemeClr val="tx1"/>
-              </a:solidFill>
-              <a:uFill>
-                <a:solidFill/>
-              </a:uFill>
-              <a:latin typeface="Arial Unicode MS" panose="020B0604020202020204" pitchFamily="34" charset="-128"/>
-            </a:endParaRPr>
-          </a:p>
-        </p:txBody>
-      </p:sp>
-    </p:spTree>
-    <p:extLst>
-      <p:ext uri="{BB962C8B-B14F-4D97-AF65-F5344CB8AC3E}">
-        <p14:creationId xmlns:p14="http://schemas.microsoft.com/office/powerpoint/2010/main" val="2662625575"/>
+        <p14:creationId xmlns:p14="http://schemas.microsoft.com/office/powerpoint/2010/main" val="2433215318"/>
       </p:ext>
     </p:extLst>
   </p:cSld>
@@ -13864,7 +13608,7 @@
           </a:ln>
           <a:extLst>
             <a:ext uri="{C572A759-6A51-4108-AA02-DFA0A04FC94B}">
-              <ma14:wrappingTextBoxFlag xmlns:ma14="http://schemas.microsoft.com/office/mac/drawingml/2011/main" xmlns="" val="1"/>
+              <ma14:wrappingTextBoxFlag xmlns="" xmlns:ma14="http://schemas.microsoft.com/office/mac/drawingml/2011/main" val="1"/>
             </a:ext>
           </a:extLst>
         </p:spPr>
@@ -13899,7 +13643,7 @@
                     <a:srgbClr val="FFFFFF"/>
                   </a:solidFill>
                 </a:uFill>
-                <a:latin typeface="Arial Unicode MS" panose="020B0604020202020204" pitchFamily="34" charset="-128"/>
+                <a:latin typeface="Calibri" panose="020F0502020204030204" pitchFamily="34" charset="0"/>
               </a:rPr>
               <a:t>Aggregation Functions</a:t>
             </a:r>
@@ -13909,7 +13653,7 @@
                   <a:srgbClr val="FFFFFF"/>
                 </a:solidFill>
               </a:uFill>
-              <a:latin typeface="Arial Unicode MS" panose="020B0604020202020204" pitchFamily="34" charset="-128"/>
+              <a:latin typeface="Calibri" panose="020F0502020204030204" pitchFamily="34" charset="0"/>
             </a:endParaRPr>
           </a:p>
         </p:txBody>
@@ -13933,7 +13677,7 @@
           </a:ln>
           <a:extLst>
             <a:ext uri="{C572A759-6A51-4108-AA02-DFA0A04FC94B}">
-              <ma14:wrappingTextBoxFlag xmlns:ma14="http://schemas.microsoft.com/office/mac/drawingml/2011/main" xmlns="" val="1"/>
+              <ma14:wrappingTextBoxFlag xmlns="" xmlns:ma14="http://schemas.microsoft.com/office/mac/drawingml/2011/main" val="1"/>
             </a:ext>
           </a:extLst>
         </p:spPr>
@@ -13959,9 +13703,9 @@
                 <a:uFill>
                   <a:solidFill/>
                 </a:uFill>
-                <a:latin typeface="Arial Unicode MS" panose="020B0604020202020204" pitchFamily="34" charset="-128"/>
-                <a:ea typeface="Arial Unicode MS" panose="020B0604020202020204" pitchFamily="34" charset="-128"/>
-                <a:cs typeface="Arial Unicode MS" panose="020B0604020202020204" pitchFamily="34" charset="-128"/>
+                <a:latin typeface="Calibri" panose="020F0502020204030204" pitchFamily="34" charset="0"/>
+                <a:ea typeface="Calibri" panose="020F0502020204030204" pitchFamily="34" charset="0"/>
+                <a:cs typeface="Calibri" panose="020F0502020204030204" pitchFamily="34" charset="0"/>
                 <a:sym typeface="Iowan Old Style Roman"/>
               </a:rPr>
               <a:t>SELECT 	</a:t>
@@ -13971,9 +13715,9 @@
                 <a:uFill>
                   <a:solidFill/>
                 </a:uFill>
-                <a:latin typeface="Arial Unicode MS" panose="020B0604020202020204" pitchFamily="34" charset="-128"/>
-                <a:ea typeface="Arial Unicode MS" panose="020B0604020202020204" pitchFamily="34" charset="-128"/>
-                <a:cs typeface="Arial Unicode MS" panose="020B0604020202020204" pitchFamily="34" charset="-128"/>
+                <a:latin typeface="Calibri" panose="020F0502020204030204" pitchFamily="34" charset="0"/>
+                <a:ea typeface="Calibri" panose="020F0502020204030204" pitchFamily="34" charset="0"/>
+                <a:cs typeface="Calibri" panose="020F0502020204030204" pitchFamily="34" charset="0"/>
                 <a:sym typeface="Iowan Old Style Roman"/>
               </a:rPr>
               <a:t> </a:t>
@@ -13983,9 +13727,9 @@
                 <a:uFill>
                   <a:solidFill/>
                 </a:uFill>
-                <a:latin typeface="Arial Unicode MS" panose="020B0604020202020204" pitchFamily="34" charset="-128"/>
-                <a:ea typeface="Arial Unicode MS" panose="020B0604020202020204" pitchFamily="34" charset="-128"/>
-                <a:cs typeface="Arial Unicode MS" panose="020B0604020202020204" pitchFamily="34" charset="-128"/>
+                <a:latin typeface="Calibri" panose="020F0502020204030204" pitchFamily="34" charset="0"/>
+                <a:ea typeface="Calibri" panose="020F0502020204030204" pitchFamily="34" charset="0"/>
+                <a:cs typeface="Calibri" panose="020F0502020204030204" pitchFamily="34" charset="0"/>
                 <a:sym typeface="Iowan Old Style Roman"/>
               </a:rPr>
               <a:t>Agg</a:t>
@@ -13995,9 +13739,9 @@
                 <a:uFill>
                   <a:solidFill/>
                 </a:uFill>
-                <a:latin typeface="Arial Unicode MS" panose="020B0604020202020204" pitchFamily="34" charset="-128"/>
-                <a:ea typeface="Arial Unicode MS" panose="020B0604020202020204" pitchFamily="34" charset="-128"/>
-                <a:cs typeface="Arial Unicode MS" panose="020B0604020202020204" pitchFamily="34" charset="-128"/>
+                <a:latin typeface="Calibri" panose="020F0502020204030204" pitchFamily="34" charset="0"/>
+                <a:ea typeface="Calibri" panose="020F0502020204030204" pitchFamily="34" charset="0"/>
+                <a:cs typeface="Calibri" panose="020F0502020204030204" pitchFamily="34" charset="0"/>
                 <a:sym typeface="Iowan Old Style Roman"/>
               </a:rPr>
               <a:t>Func1(attr1), AggFunc2(attr2), … </a:t>
@@ -14007,9 +13751,9 @@
                 <a:uFill>
                   <a:solidFill/>
                 </a:uFill>
-                <a:latin typeface="Arial Unicode MS" panose="020B0604020202020204" pitchFamily="34" charset="-128"/>
-                <a:ea typeface="Arial Unicode MS" panose="020B0604020202020204" pitchFamily="34" charset="-128"/>
-                <a:cs typeface="Arial Unicode MS" panose="020B0604020202020204" pitchFamily="34" charset="-128"/>
+                <a:latin typeface="Calibri" panose="020F0502020204030204" pitchFamily="34" charset="0"/>
+                <a:ea typeface="Calibri" panose="020F0502020204030204" pitchFamily="34" charset="0"/>
+                <a:cs typeface="Calibri" panose="020F0502020204030204" pitchFamily="34" charset="0"/>
                 <a:sym typeface="Iowan Old Style Roman"/>
               </a:rPr>
             </a:br>
@@ -14018,9 +13762,9 @@
                 <a:uFill>
                   <a:solidFill/>
                 </a:uFill>
-                <a:latin typeface="Arial Unicode MS" panose="020B0604020202020204" pitchFamily="34" charset="-128"/>
-                <a:ea typeface="Arial Unicode MS" panose="020B0604020202020204" pitchFamily="34" charset="-128"/>
-                <a:cs typeface="Arial Unicode MS" panose="020B0604020202020204" pitchFamily="34" charset="-128"/>
+                <a:latin typeface="Calibri" panose="020F0502020204030204" pitchFamily="34" charset="0"/>
+                <a:ea typeface="Calibri" panose="020F0502020204030204" pitchFamily="34" charset="0"/>
+                <a:cs typeface="Calibri" panose="020F0502020204030204" pitchFamily="34" charset="0"/>
                 <a:sym typeface="Iowan Old Style Roman"/>
               </a:rPr>
               <a:t>FROM 	T</a:t>
@@ -14030,9 +13774,9 @@
                 <a:uFill>
                   <a:solidFill/>
                 </a:uFill>
-                <a:latin typeface="Arial Unicode MS" panose="020B0604020202020204" pitchFamily="34" charset="-128"/>
-                <a:ea typeface="Arial Unicode MS" panose="020B0604020202020204" pitchFamily="34" charset="-128"/>
-                <a:cs typeface="Arial Unicode MS" panose="020B0604020202020204" pitchFamily="34" charset="-128"/>
+                <a:latin typeface="Calibri" panose="020F0502020204030204" pitchFamily="34" charset="0"/>
+                <a:ea typeface="Calibri" panose="020F0502020204030204" pitchFamily="34" charset="0"/>
+                <a:cs typeface="Calibri" panose="020F0502020204030204" pitchFamily="34" charset="0"/>
                 <a:sym typeface="Iowan Old Style Roman"/>
               </a:rPr>
               <a:t>1</a:t>
@@ -14042,9 +13786,9 @@
                 <a:uFill>
                   <a:solidFill/>
                 </a:uFill>
-                <a:latin typeface="Arial Unicode MS" panose="020B0604020202020204" pitchFamily="34" charset="-128"/>
-                <a:ea typeface="Arial Unicode MS" panose="020B0604020202020204" pitchFamily="34" charset="-128"/>
-                <a:cs typeface="Arial Unicode MS" panose="020B0604020202020204" pitchFamily="34" charset="-128"/>
+                <a:latin typeface="Calibri" panose="020F0502020204030204" pitchFamily="34" charset="0"/>
+                <a:ea typeface="Calibri" panose="020F0502020204030204" pitchFamily="34" charset="0"/>
+                <a:cs typeface="Calibri" panose="020F0502020204030204" pitchFamily="34" charset="0"/>
                 <a:sym typeface="Iowan Old Style Roman"/>
               </a:rPr>
               <a:t>, </a:t>
@@ -14059,9 +13803,9 @@
                 <a:uFill>
                   <a:solidFill/>
                 </a:uFill>
-                <a:latin typeface="Arial Unicode MS" panose="020B0604020202020204" pitchFamily="34" charset="-128"/>
-                <a:ea typeface="Arial Unicode MS" panose="020B0604020202020204" pitchFamily="34" charset="-128"/>
-                <a:cs typeface="Arial Unicode MS" panose="020B0604020202020204" pitchFamily="34" charset="-128"/>
+                <a:latin typeface="Calibri" panose="020F0502020204030204" pitchFamily="34" charset="0"/>
+                <a:ea typeface="Calibri" panose="020F0502020204030204" pitchFamily="34" charset="0"/>
+                <a:cs typeface="Calibri" panose="020F0502020204030204" pitchFamily="34" charset="0"/>
                 <a:sym typeface="Iowan Old Style Roman"/>
               </a:rPr>
               <a:t>T</a:t>
@@ -14076,9 +13820,9 @@
                 <a:uFill>
                   <a:solidFill/>
                 </a:uFill>
-                <a:latin typeface="Arial Unicode MS" panose="020B0604020202020204" pitchFamily="34" charset="-128"/>
-                <a:ea typeface="Arial Unicode MS" panose="020B0604020202020204" pitchFamily="34" charset="-128"/>
-                <a:cs typeface="Arial Unicode MS" panose="020B0604020202020204" pitchFamily="34" charset="-128"/>
+                <a:latin typeface="Calibri" panose="020F0502020204030204" pitchFamily="34" charset="0"/>
+                <a:ea typeface="Calibri" panose="020F0502020204030204" pitchFamily="34" charset="0"/>
+                <a:cs typeface="Calibri" panose="020F0502020204030204" pitchFamily="34" charset="0"/>
                 <a:sym typeface="Iowan Old Style Roman"/>
               </a:rPr>
               <a:t>2</a:t>
@@ -14093,9 +13837,9 @@
                 <a:uFill>
                   <a:solidFill/>
                 </a:uFill>
-                <a:latin typeface="Arial Unicode MS" panose="020B0604020202020204" pitchFamily="34" charset="-128"/>
-                <a:ea typeface="Arial Unicode MS" panose="020B0604020202020204" pitchFamily="34" charset="-128"/>
-                <a:cs typeface="Arial Unicode MS" panose="020B0604020202020204" pitchFamily="34" charset="-128"/>
+                <a:latin typeface="Calibri" panose="020F0502020204030204" pitchFamily="34" charset="0"/>
+                <a:ea typeface="Calibri" panose="020F0502020204030204" pitchFamily="34" charset="0"/>
+                <a:cs typeface="Calibri" panose="020F0502020204030204" pitchFamily="34" charset="0"/>
                 <a:sym typeface="Iowan Old Style Roman"/>
               </a:rPr>
               <a:t>, … T</a:t>
@@ -14110,9 +13854,9 @@
                 <a:uFill>
                   <a:solidFill/>
                 </a:uFill>
-                <a:latin typeface="Arial Unicode MS" panose="020B0604020202020204" pitchFamily="34" charset="-128"/>
-                <a:ea typeface="Arial Unicode MS" panose="020B0604020202020204" pitchFamily="34" charset="-128"/>
-                <a:cs typeface="Arial Unicode MS" panose="020B0604020202020204" pitchFamily="34" charset="-128"/>
+                <a:latin typeface="Calibri" panose="020F0502020204030204" pitchFamily="34" charset="0"/>
+                <a:ea typeface="Calibri" panose="020F0502020204030204" pitchFamily="34" charset="0"/>
+                <a:cs typeface="Calibri" panose="020F0502020204030204" pitchFamily="34" charset="0"/>
                 <a:sym typeface="Iowan Old Style Roman"/>
               </a:rPr>
               <a:t>m</a:t>
@@ -14126,9 +13870,9 @@
               <a:uFill>
                 <a:solidFill/>
               </a:uFill>
-              <a:latin typeface="Arial Unicode MS" panose="020B0604020202020204" pitchFamily="34" charset="-128"/>
-              <a:ea typeface="Arial Unicode MS" panose="020B0604020202020204" pitchFamily="34" charset="-128"/>
-              <a:cs typeface="Arial Unicode MS" panose="020B0604020202020204" pitchFamily="34" charset="-128"/>
+              <a:latin typeface="Calibri" panose="020F0502020204030204" pitchFamily="34" charset="0"/>
+              <a:ea typeface="Calibri" panose="020F0502020204030204" pitchFamily="34" charset="0"/>
+              <a:cs typeface="Calibri" panose="020F0502020204030204" pitchFamily="34" charset="0"/>
               <a:sym typeface="Iowan Old Style Roman"/>
             </a:endParaRPr>
           </a:p>
@@ -14149,9 +13893,9 @@
                 <a:uFill>
                   <a:solidFill/>
                 </a:uFill>
-                <a:latin typeface="Arial Unicode MS" panose="020B0604020202020204" pitchFamily="34" charset="-128"/>
-                <a:ea typeface="Arial Unicode MS" panose="020B0604020202020204" pitchFamily="34" charset="-128"/>
-                <a:cs typeface="Arial Unicode MS" panose="020B0604020202020204" pitchFamily="34" charset="-128"/>
+                <a:latin typeface="Calibri" panose="020F0502020204030204" pitchFamily="34" charset="0"/>
+                <a:ea typeface="Calibri" panose="020F0502020204030204" pitchFamily="34" charset="0"/>
+                <a:cs typeface="Calibri" panose="020F0502020204030204" pitchFamily="34" charset="0"/>
                 <a:sym typeface="Iowan Old Style Roman"/>
               </a:rPr>
               <a:t>WHERE 	condition</a:t>
@@ -14196,7 +13940,7 @@
               </a:defRPr>
             </a:pPr>
             <a:endParaRPr dirty="0">
-              <a:latin typeface="Arial Unicode MS" panose="020B0604020202020204" pitchFamily="34" charset="-128"/>
+              <a:latin typeface="Calibri" panose="020F0502020204030204" pitchFamily="34" charset="0"/>
             </a:endParaRPr>
           </a:p>
         </p:txBody>
@@ -14247,7 +13991,7 @@
               </a:defRPr>
             </a:pPr>
             <a:endParaRPr dirty="0">
-              <a:latin typeface="Arial Unicode MS" panose="020B0604020202020204" pitchFamily="34" charset="-128"/>
+              <a:latin typeface="Calibri" panose="020F0502020204030204" pitchFamily="34" charset="0"/>
             </a:endParaRPr>
           </a:p>
         </p:txBody>
@@ -14261,7 +14005,7 @@
         <p:spPr>
           <a:xfrm>
             <a:off x="4066699" y="1554162"/>
-            <a:ext cx="3760645" cy="615553"/>
+            <a:ext cx="3533211" cy="615553"/>
           </a:xfrm>
           <a:prstGeom prst="rect">
             <a:avLst/>
@@ -14271,7 +14015,7 @@
           </a:ln>
           <a:extLst>
             <a:ext uri="{C572A759-6A51-4108-AA02-DFA0A04FC94B}">
-              <ma14:wrappingTextBoxFlag xmlns:ma14="http://schemas.microsoft.com/office/mac/drawingml/2011/main" xmlns="" val="1"/>
+              <ma14:wrappingTextBoxFlag xmlns="" xmlns:ma14="http://schemas.microsoft.com/office/mac/drawingml/2011/main" val="1"/>
             </a:ext>
           </a:extLst>
         </p:spPr>
@@ -14294,7 +14038,7 @@
                 <a:uFill>
                   <a:solidFill/>
                 </a:uFill>
-                <a:latin typeface="Arial Unicode MS" panose="020B0604020202020204" pitchFamily="34" charset="-128"/>
+                <a:latin typeface="Calibri" panose="020F0502020204030204" pitchFamily="34" charset="0"/>
               </a:rPr>
               <a:t>count, sum, avg, min, max:</a:t>
             </a:r>
@@ -14313,7 +14057,7 @@
                 <a:uFill>
                   <a:solidFill/>
                 </a:uFill>
-                <a:latin typeface="Arial Unicode MS" panose="020B0604020202020204" pitchFamily="34" charset="-128"/>
+                <a:latin typeface="Calibri" panose="020F0502020204030204" pitchFamily="34" charset="0"/>
               </a:rPr>
               <a:t>Applied to </a:t>
             </a:r>
@@ -14322,7 +14066,7 @@
                 <a:uFill>
                   <a:solidFill/>
                 </a:uFill>
-                <a:latin typeface="Arial Unicode MS" panose="020B0604020202020204" pitchFamily="34" charset="-128"/>
+                <a:latin typeface="Calibri" panose="020F0502020204030204" pitchFamily="34" charset="0"/>
               </a:rPr>
               <a:t>full content of columns</a:t>
             </a:r>
@@ -14330,7 +14074,7 @@
               <a:uFill>
                 <a:solidFill/>
               </a:uFill>
-              <a:latin typeface="Arial Unicode MS" panose="020B0604020202020204" pitchFamily="34" charset="-128"/>
+              <a:latin typeface="Calibri" panose="020F0502020204030204" pitchFamily="34" charset="0"/>
             </a:endParaRPr>
           </a:p>
         </p:txBody>
@@ -14545,13 +14289,7 @@
   <p:cSld>
     <p:spTree>
       <p:nvGrpSpPr>
-        <p:cNvPr id="1" name="">
-          <a:extLst>
-            <a:ext uri="{FF2B5EF4-FFF2-40B4-BE49-F238E27FC236}">
-              <a16:creationId xmlns:a16="http://schemas.microsoft.com/office/drawing/2014/main" id="{0579CD5C-CDB6-9094-F077-3A9006D24CA3}"/>
-            </a:ext>
-          </a:extLst>
-        </p:cNvPr>
+        <p:cNvPr id="1" name=""/>
         <p:cNvGrpSpPr/>
         <p:nvPr/>
       </p:nvGrpSpPr>
@@ -14565,13 +14303,7 @@
       </p:grpSpPr>
       <p:sp>
         <p:nvSpPr>
-          <p:cNvPr id="189" name="Shape 189">
-            <a:extLst>
-              <a:ext uri="{FF2B5EF4-FFF2-40B4-BE49-F238E27FC236}">
-                <a16:creationId xmlns:a16="http://schemas.microsoft.com/office/drawing/2014/main" id="{E2A35AB5-55D6-93A3-DDCD-328DE0382617}"/>
-              </a:ext>
-            </a:extLst>
-          </p:cNvPr>
+          <p:cNvPr id="189" name="Shape 189"/>
           <p:cNvSpPr/>
           <p:nvPr/>
         </p:nvSpPr>
@@ -14588,7 +14320,7 @@
           </a:ln>
           <a:extLst>
             <a:ext uri="{C572A759-6A51-4108-AA02-DFA0A04FC94B}">
-              <ma14:wrappingTextBoxFlag xmlns="" xmlns:ma14="http://schemas.microsoft.com/office/mac/drawingml/2011/main" val="1"/>
+              <ma14:wrappingTextBoxFlag xmlns:ma14="http://schemas.microsoft.com/office/mac/drawingml/2011/main" xmlns="" val="1"/>
             </a:ext>
           </a:extLst>
         </p:spPr>
@@ -14623,7 +14355,7 @@
                     <a:srgbClr val="FFFFFF"/>
                   </a:solidFill>
                 </a:uFill>
-                <a:latin typeface="Arial Unicode MS" panose="020B0604020202020204" pitchFamily="34" charset="-128"/>
+                <a:latin typeface="Calibri" panose="020F0502020204030204" pitchFamily="34" charset="0"/>
               </a:rPr>
               <a:t>Joins</a:t>
             </a:r>
@@ -14634,7 +14366,7 @@
                     <a:srgbClr val="FFFFFF"/>
                   </a:solidFill>
                 </a:uFill>
-                <a:latin typeface="Arial Unicode MS" panose="020B0604020202020204" pitchFamily="34" charset="-128"/>
+                <a:latin typeface="Calibri" panose="020F0502020204030204" pitchFamily="34" charset="0"/>
               </a:rPr>
               <a:t> + Group By</a:t>
             </a:r>
@@ -14645,7 +14377,7 @@
                     <a:srgbClr val="FFFFFF"/>
                   </a:solidFill>
                 </a:uFill>
-                <a:latin typeface="Arial Unicode MS" panose="020B0604020202020204" pitchFamily="34" charset="-128"/>
+                <a:latin typeface="Calibri" panose="020F0502020204030204" pitchFamily="34" charset="0"/>
               </a:rPr>
               <a:t> Practice Queries</a:t>
             </a:r>
@@ -14654,13 +14386,7 @@
       </p:sp>
       <p:sp>
         <p:nvSpPr>
-          <p:cNvPr id="190" name="Shape 190">
-            <a:extLst>
-              <a:ext uri="{FF2B5EF4-FFF2-40B4-BE49-F238E27FC236}">
-                <a16:creationId xmlns:a16="http://schemas.microsoft.com/office/drawing/2014/main" id="{4933E149-8E77-65F3-5BC1-18445B68D627}"/>
-              </a:ext>
-            </a:extLst>
-          </p:cNvPr>
+          <p:cNvPr id="190" name="Shape 190"/>
           <p:cNvSpPr/>
           <p:nvPr/>
         </p:nvSpPr>
@@ -14677,7 +14403,7 @@
           </a:ln>
           <a:extLst>
             <a:ext uri="{C572A759-6A51-4108-AA02-DFA0A04FC94B}">
-              <ma14:wrappingTextBoxFlag xmlns="" xmlns:ma14="http://schemas.microsoft.com/office/mac/drawingml/2011/main" val="1"/>
+              <ma14:wrappingTextBoxFlag xmlns:ma14="http://schemas.microsoft.com/office/mac/drawingml/2011/main" xmlns="" val="1"/>
             </a:ext>
           </a:extLst>
         </p:spPr>
@@ -14703,9 +14429,9 @@
               <a:uFill>
                 <a:solidFill/>
               </a:uFill>
-              <a:latin typeface="Arial Unicode MS" panose="020B0604020202020204" pitchFamily="34" charset="-128"/>
-              <a:ea typeface="Arial Unicode MS" panose="020B0604020202020204" pitchFamily="34" charset="-128"/>
-              <a:cs typeface="Arial Unicode MS" panose="020B0604020202020204" pitchFamily="34" charset="-128"/>
+              <a:latin typeface="Calibri" panose="020F0502020204030204" pitchFamily="34" charset="0"/>
+              <a:ea typeface="Calibri" panose="020F0502020204030204" pitchFamily="34" charset="0"/>
+              <a:cs typeface="Calibri" panose="020F0502020204030204" pitchFamily="34" charset="0"/>
               <a:sym typeface="Iowan Old Style Roman"/>
             </a:endParaRPr>
           </a:p>
@@ -14713,20 +14439,14 @@
       </p:sp>
       <p:sp>
         <p:nvSpPr>
-          <p:cNvPr id="2" name="TextBox 1">
-            <a:extLst>
-              <a:ext uri="{FF2B5EF4-FFF2-40B4-BE49-F238E27FC236}">
-                <a16:creationId xmlns:a16="http://schemas.microsoft.com/office/drawing/2014/main" id="{86355990-BD61-8731-8950-3E0A8914EBC9}"/>
-              </a:ext>
-            </a:extLst>
-          </p:cNvPr>
+          <p:cNvPr id="2" name="TextBox 1"/>
           <p:cNvSpPr txBox="1"/>
           <p:nvPr/>
         </p:nvSpPr>
         <p:spPr>
           <a:xfrm>
             <a:off x="110532" y="1478067"/>
-            <a:ext cx="8912888" cy="1477328"/>
+            <a:ext cx="8912888" cy="4524315"/>
           </a:xfrm>
           <a:prstGeom prst="rect">
             <a:avLst/>
@@ -14745,12 +14465,57 @@
             </a:pPr>
             <a:r>
               <a:rPr lang="en-US" dirty="0"/>
-              <a:t>Show the number of music likes per </a:t>
-            </a:r>
-            <a:r>
-              <a:rPr lang="en-US" dirty="0" err="1"/>
-              <a:t>ProfileID</a:t>
-            </a:r>
+              <a:t>For each movie genre, list the average rating of the movies from year 2000. Also list:</a:t>
+            </a:r>
+          </a:p>
+          <a:p>
+            <a:pPr marL="742950" lvl="1" indent="-285750">
+              <a:buFont typeface="Arial" panose="020B0604020202020204" pitchFamily="34" charset="0"/>
+              <a:buChar char="•"/>
+            </a:pPr>
+            <a:r>
+              <a:rPr lang="en-US" dirty="0"/>
+              <a:t>the maximum and minimum ratings</a:t>
+            </a:r>
+          </a:p>
+          <a:p>
+            <a:pPr marL="742950" lvl="1" indent="-285750">
+              <a:buFont typeface="Arial" panose="020B0604020202020204" pitchFamily="34" charset="0"/>
+              <a:buChar char="•"/>
+            </a:pPr>
+            <a:r>
+              <a:rPr lang="en-US" dirty="0"/>
+              <a:t>the standard deviation of the ratings</a:t>
+            </a:r>
+          </a:p>
+          <a:p>
+            <a:pPr marL="742950" lvl="1" indent="-285750">
+              <a:buFont typeface="Arial" panose="020B0604020202020204" pitchFamily="34" charset="0"/>
+              <a:buChar char="•"/>
+            </a:pPr>
+            <a:r>
+              <a:rPr lang="en-US" dirty="0"/>
+              <a:t>the number of </a:t>
+            </a:r>
+            <a:r>
+              <a:rPr lang="en-US" b="1" i="1" dirty="0"/>
+              <a:t>rated</a:t>
+            </a:r>
+            <a:r>
+              <a:rPr lang="en-US" dirty="0"/>
+              <a:t> movies and the </a:t>
+            </a:r>
+            <a:r>
+              <a:rPr lang="en-US" b="1" i="1" dirty="0"/>
+              <a:t>total</a:t>
+            </a:r>
+            <a:r>
+              <a:rPr lang="en-US" dirty="0"/>
+              <a:t> number of movies</a:t>
+            </a:r>
+          </a:p>
+          <a:p>
+            <a:pPr lvl="1"/>
             <a:endParaRPr lang="en-US" dirty="0"/>
           </a:p>
           <a:p>
@@ -14760,22 +14525,37 @@
             </a:pPr>
             <a:r>
               <a:rPr lang="en-US" dirty="0"/>
-              <a:t>Show the number of music likes per </a:t>
-            </a:r>
-            <a:r>
-              <a:rPr lang="en-US" dirty="0" err="1"/>
-              <a:t>PoliticalView</a:t>
-            </a:r>
-            <a:endParaRPr lang="en-US" dirty="0"/>
+              <a:t>For each director, compute:</a:t>
+            </a:r>
           </a:p>
           <a:p>
-            <a:pPr marL="285750" indent="-285750">
+            <a:pPr marL="742950" lvl="1" indent="-285750">
               <a:buFont typeface="Arial" panose="020B0604020202020204" pitchFamily="34" charset="0"/>
               <a:buChar char="•"/>
             </a:pPr>
             <a:r>
               <a:rPr lang="en-US" dirty="0"/>
-              <a:t>Show the number of music likes per Sex</a:t>
+              <a:t>The number of rated and total number of movies</a:t>
+            </a:r>
+          </a:p>
+          <a:p>
+            <a:pPr marL="742950" lvl="1" indent="-285750">
+              <a:buFont typeface="Arial" panose="020B0604020202020204" pitchFamily="34" charset="0"/>
+              <a:buChar char="•"/>
+            </a:pPr>
+            <a:r>
+              <a:rPr lang="en-US" dirty="0"/>
+              <a:t>The average, min, max, and standard deviation of the movie ratings</a:t>
+            </a:r>
+          </a:p>
+          <a:p>
+            <a:pPr marL="742950" lvl="1" indent="-285750">
+              <a:buFont typeface="Arial" panose="020B0604020202020204" pitchFamily="34" charset="0"/>
+              <a:buChar char="•"/>
+            </a:pPr>
+            <a:r>
+              <a:rPr lang="en-US" dirty="0"/>
+              <a:t>Limit the results to directors who directed at least 40 movies, with at least 30 rated movies</a:t>
             </a:r>
           </a:p>
           <a:p>
@@ -14792,12 +14572,64 @@
             </a:pPr>
             <a:r>
               <a:rPr lang="en-US" dirty="0"/>
-              <a:t>Compare the results with </a:t>
-            </a:r>
-            <a:r>
-              <a:rPr lang="en-US"/>
-              <a:t>INNER and OUTER joins</a:t>
-            </a:r>
+              <a:t>What roles have the best movie ratings? </a:t>
+            </a:r>
+          </a:p>
+          <a:p>
+            <a:pPr marL="742950" lvl="1" indent="-285750">
+              <a:buFont typeface="Arial" panose="020B0604020202020204" pitchFamily="34" charset="0"/>
+              <a:buChar char="•"/>
+            </a:pPr>
+            <a:r>
+              <a:rPr lang="en-US" b="1" dirty="0"/>
+              <a:t>Do not include movies without ratings</a:t>
+            </a:r>
+            <a:r>
+              <a:rPr lang="en-US" dirty="0"/>
+              <a:t> in the calculations for number of movies</a:t>
+            </a:r>
+          </a:p>
+          <a:p>
+            <a:pPr marL="742950" lvl="1" indent="-285750">
+              <a:buFont typeface="Arial" panose="020B0604020202020204" pitchFamily="34" charset="0"/>
+              <a:buChar char="•"/>
+            </a:pPr>
+            <a:r>
+              <a:rPr lang="en-US" dirty="0"/>
+              <a:t>Limit to only roles that appear in at least 10 </a:t>
+            </a:r>
+            <a:r>
+              <a:rPr lang="en-US" b="1" dirty="0"/>
+              <a:t>distinct</a:t>
+            </a:r>
+            <a:r>
+              <a:rPr lang="en-US" dirty="0"/>
+              <a:t> movies</a:t>
+            </a:r>
+          </a:p>
+          <a:p>
+            <a:pPr marL="742950" lvl="1" indent="-285750">
+              <a:buFont typeface="Arial" panose="020B0604020202020204" pitchFamily="34" charset="0"/>
+              <a:buChar char="•"/>
+            </a:pPr>
+            <a:r>
+              <a:rPr lang="en-US" dirty="0"/>
+              <a:t>Limit only to roles played by at least 10 </a:t>
+            </a:r>
+            <a:r>
+              <a:rPr lang="en-US" b="1" dirty="0"/>
+              <a:t>distinct</a:t>
+            </a:r>
+            <a:r>
+              <a:rPr lang="en-US" dirty="0"/>
+              <a:t>  actors</a:t>
+            </a:r>
+          </a:p>
+          <a:p>
+            <a:pPr marL="285750" indent="-285750">
+              <a:buFont typeface="Arial" panose="020B0604020202020204" pitchFamily="34" charset="0"/>
+              <a:buChar char="•"/>
+            </a:pPr>
             <a:endParaRPr lang="en-US" dirty="0"/>
           </a:p>
         </p:txBody>
@@ -14805,7 +14637,7 @@
     </p:spTree>
     <p:extLst>
       <p:ext uri="{BB962C8B-B14F-4D97-AF65-F5344CB8AC3E}">
-        <p14:creationId xmlns:p14="http://schemas.microsoft.com/office/powerpoint/2010/main" val="2433215318"/>
+        <p14:creationId xmlns:p14="http://schemas.microsoft.com/office/powerpoint/2010/main" val="819562594"/>
       </p:ext>
     </p:extLst>
   </p:cSld>
@@ -14852,7 +14684,7 @@
           </a:ln>
           <a:extLst>
             <a:ext uri="{C572A759-6A51-4108-AA02-DFA0A04FC94B}">
-              <ma14:wrappingTextBoxFlag xmlns="" xmlns:ma14="http://schemas.microsoft.com/office/mac/drawingml/2011/main" val="1"/>
+              <ma14:wrappingTextBoxFlag xmlns:ma14="http://schemas.microsoft.com/office/mac/drawingml/2011/main" xmlns="" val="1"/>
             </a:ext>
           </a:extLst>
         </p:spPr>
@@ -14881,13 +14713,24 @@
               </a:defRPr>
             </a:pPr>
             <a:r>
+              <a:rPr lang="en-US" sz="3000" b="1" dirty="0">
+                <a:uFill>
+                  <a:solidFill>
+                    <a:srgbClr val="FFFFFF"/>
+                  </a:solidFill>
+                </a:uFill>
+                <a:latin typeface="Calibri" panose="020F0502020204030204" pitchFamily="34" charset="0"/>
+              </a:rPr>
+              <a:t>Self-</a:t>
+            </a:r>
+            <a:r>
               <a:rPr sz="3000" b="1" dirty="0">
                 <a:uFill>
                   <a:solidFill>
                     <a:srgbClr val="FFFFFF"/>
                   </a:solidFill>
                 </a:uFill>
-                <a:latin typeface="Arial Unicode MS" panose="020B0604020202020204" pitchFamily="34" charset="-128"/>
+                <a:latin typeface="Calibri" panose="020F0502020204030204" pitchFamily="34" charset="0"/>
               </a:rPr>
               <a:t>Joins</a:t>
             </a:r>
@@ -14898,7 +14741,7 @@
                     <a:srgbClr val="FFFFFF"/>
                   </a:solidFill>
                 </a:uFill>
-                <a:latin typeface="Arial Unicode MS" panose="020B0604020202020204" pitchFamily="34" charset="-128"/>
+                <a:latin typeface="Calibri" panose="020F0502020204030204" pitchFamily="34" charset="0"/>
               </a:rPr>
               <a:t> + Group By</a:t>
             </a:r>
@@ -14909,7 +14752,7 @@
                     <a:srgbClr val="FFFFFF"/>
                   </a:solidFill>
                 </a:uFill>
-                <a:latin typeface="Arial Unicode MS" panose="020B0604020202020204" pitchFamily="34" charset="-128"/>
+                <a:latin typeface="Calibri" panose="020F0502020204030204" pitchFamily="34" charset="0"/>
               </a:rPr>
               <a:t> Practice Queries</a:t>
             </a:r>
@@ -14935,7 +14778,7 @@
           </a:ln>
           <a:extLst>
             <a:ext uri="{C572A759-6A51-4108-AA02-DFA0A04FC94B}">
-              <ma14:wrappingTextBoxFlag xmlns="" xmlns:ma14="http://schemas.microsoft.com/office/mac/drawingml/2011/main" val="1"/>
+              <ma14:wrappingTextBoxFlag xmlns:ma14="http://schemas.microsoft.com/office/mac/drawingml/2011/main" xmlns="" val="1"/>
             </a:ext>
           </a:extLst>
         </p:spPr>
@@ -14961,384 +14804,9 @@
               <a:uFill>
                 <a:solidFill/>
               </a:uFill>
-              <a:latin typeface="Arial Unicode MS" panose="020B0604020202020204" pitchFamily="34" charset="-128"/>
-              <a:ea typeface="Arial Unicode MS" panose="020B0604020202020204" pitchFamily="34" charset="-128"/>
-              <a:cs typeface="Arial Unicode MS" panose="020B0604020202020204" pitchFamily="34" charset="-128"/>
-              <a:sym typeface="Iowan Old Style Roman"/>
-            </a:endParaRPr>
-          </a:p>
-        </p:txBody>
-      </p:sp>
-      <p:sp>
-        <p:nvSpPr>
-          <p:cNvPr id="2" name="TextBox 1"/>
-          <p:cNvSpPr txBox="1"/>
-          <p:nvPr/>
-        </p:nvSpPr>
-        <p:spPr>
-          <a:xfrm>
-            <a:off x="110532" y="1478067"/>
-            <a:ext cx="8912888" cy="4524315"/>
-          </a:xfrm>
-          <a:prstGeom prst="rect">
-            <a:avLst/>
-          </a:prstGeom>
-          <a:noFill/>
-        </p:spPr>
-        <p:txBody>
-          <a:bodyPr wrap="square" rtlCol="0">
-            <a:spAutoFit/>
-          </a:bodyPr>
-          <a:lstStyle/>
-          <a:p>
-            <a:pPr marL="285750" indent="-285750">
-              <a:buFont typeface="Arial" panose="020B0604020202020204" pitchFamily="34" charset="0"/>
-              <a:buChar char="•"/>
-            </a:pPr>
-            <a:r>
-              <a:rPr lang="en-US" dirty="0"/>
-              <a:t>For each movie genre, list the average rating of the movies from year 2000. Also list:</a:t>
-            </a:r>
-          </a:p>
-          <a:p>
-            <a:pPr marL="742950" lvl="1" indent="-285750">
-              <a:buFont typeface="Arial" panose="020B0604020202020204" pitchFamily="34" charset="0"/>
-              <a:buChar char="•"/>
-            </a:pPr>
-            <a:r>
-              <a:rPr lang="en-US" dirty="0"/>
-              <a:t>the maximum and minimum ratings</a:t>
-            </a:r>
-          </a:p>
-          <a:p>
-            <a:pPr marL="742950" lvl="1" indent="-285750">
-              <a:buFont typeface="Arial" panose="020B0604020202020204" pitchFamily="34" charset="0"/>
-              <a:buChar char="•"/>
-            </a:pPr>
-            <a:r>
-              <a:rPr lang="en-US" dirty="0"/>
-              <a:t>the standard deviation of the ratings</a:t>
-            </a:r>
-          </a:p>
-          <a:p>
-            <a:pPr marL="742950" lvl="1" indent="-285750">
-              <a:buFont typeface="Arial" panose="020B0604020202020204" pitchFamily="34" charset="0"/>
-              <a:buChar char="•"/>
-            </a:pPr>
-            <a:r>
-              <a:rPr lang="en-US" dirty="0"/>
-              <a:t>the number of </a:t>
-            </a:r>
-            <a:r>
-              <a:rPr lang="en-US" b="1" i="1" dirty="0"/>
-              <a:t>rated</a:t>
-            </a:r>
-            <a:r>
-              <a:rPr lang="en-US" dirty="0"/>
-              <a:t> movies and the </a:t>
-            </a:r>
-            <a:r>
-              <a:rPr lang="en-US" b="1" i="1" dirty="0"/>
-              <a:t>total</a:t>
-            </a:r>
-            <a:r>
-              <a:rPr lang="en-US" dirty="0"/>
-              <a:t> number of movies</a:t>
-            </a:r>
-          </a:p>
-          <a:p>
-            <a:pPr lvl="1"/>
-            <a:endParaRPr lang="en-US" dirty="0"/>
-          </a:p>
-          <a:p>
-            <a:pPr marL="285750" indent="-285750">
-              <a:buFont typeface="Arial" panose="020B0604020202020204" pitchFamily="34" charset="0"/>
-              <a:buChar char="•"/>
-            </a:pPr>
-            <a:r>
-              <a:rPr lang="en-US" dirty="0"/>
-              <a:t>For each director, compute:</a:t>
-            </a:r>
-          </a:p>
-          <a:p>
-            <a:pPr marL="742950" lvl="1" indent="-285750">
-              <a:buFont typeface="Arial" panose="020B0604020202020204" pitchFamily="34" charset="0"/>
-              <a:buChar char="•"/>
-            </a:pPr>
-            <a:r>
-              <a:rPr lang="en-US" dirty="0"/>
-              <a:t>The number of rated and total number of movies</a:t>
-            </a:r>
-          </a:p>
-          <a:p>
-            <a:pPr marL="742950" lvl="1" indent="-285750">
-              <a:buFont typeface="Arial" panose="020B0604020202020204" pitchFamily="34" charset="0"/>
-              <a:buChar char="•"/>
-            </a:pPr>
-            <a:r>
-              <a:rPr lang="en-US" dirty="0"/>
-              <a:t>The average, min, max, and standard deviation of the movie ratings</a:t>
-            </a:r>
-          </a:p>
-          <a:p>
-            <a:pPr marL="742950" lvl="1" indent="-285750">
-              <a:buFont typeface="Arial" panose="020B0604020202020204" pitchFamily="34" charset="0"/>
-              <a:buChar char="•"/>
-            </a:pPr>
-            <a:r>
-              <a:rPr lang="en-US" dirty="0"/>
-              <a:t>Limit the results to directors who directed at least 40 movies, with at least 30 rated movies</a:t>
-            </a:r>
-          </a:p>
-          <a:p>
-            <a:pPr marL="285750" indent="-285750">
-              <a:buFont typeface="Arial" panose="020B0604020202020204" pitchFamily="34" charset="0"/>
-              <a:buChar char="•"/>
-            </a:pPr>
-            <a:endParaRPr lang="en-US" dirty="0"/>
-          </a:p>
-          <a:p>
-            <a:pPr marL="285750" indent="-285750">
-              <a:buFont typeface="Arial" panose="020B0604020202020204" pitchFamily="34" charset="0"/>
-              <a:buChar char="•"/>
-            </a:pPr>
-            <a:r>
-              <a:rPr lang="en-US" dirty="0"/>
-              <a:t>What roles have the best movie ratings? </a:t>
-            </a:r>
-          </a:p>
-          <a:p>
-            <a:pPr marL="742950" lvl="1" indent="-285750">
-              <a:buFont typeface="Arial" panose="020B0604020202020204" pitchFamily="34" charset="0"/>
-              <a:buChar char="•"/>
-            </a:pPr>
-            <a:r>
-              <a:rPr lang="en-US" b="1" dirty="0"/>
-              <a:t>Do not include movies without ratings</a:t>
-            </a:r>
-            <a:r>
-              <a:rPr lang="en-US" dirty="0"/>
-              <a:t> in the calculations for number of movies</a:t>
-            </a:r>
-          </a:p>
-          <a:p>
-            <a:pPr marL="742950" lvl="1" indent="-285750">
-              <a:buFont typeface="Arial" panose="020B0604020202020204" pitchFamily="34" charset="0"/>
-              <a:buChar char="•"/>
-            </a:pPr>
-            <a:r>
-              <a:rPr lang="en-US" dirty="0"/>
-              <a:t>Limit to only roles that appear in at least 10 </a:t>
-            </a:r>
-            <a:r>
-              <a:rPr lang="en-US" b="1" dirty="0"/>
-              <a:t>distinct</a:t>
-            </a:r>
-            <a:r>
-              <a:rPr lang="en-US" dirty="0"/>
-              <a:t> movies</a:t>
-            </a:r>
-          </a:p>
-          <a:p>
-            <a:pPr marL="742950" lvl="1" indent="-285750">
-              <a:buFont typeface="Arial" panose="020B0604020202020204" pitchFamily="34" charset="0"/>
-              <a:buChar char="•"/>
-            </a:pPr>
-            <a:r>
-              <a:rPr lang="en-US" dirty="0"/>
-              <a:t>Limit only to roles played by at least 10 </a:t>
-            </a:r>
-            <a:r>
-              <a:rPr lang="en-US" b="1" dirty="0"/>
-              <a:t>distinct</a:t>
-            </a:r>
-            <a:r>
-              <a:rPr lang="en-US" dirty="0"/>
-              <a:t>  actors</a:t>
-            </a:r>
-          </a:p>
-          <a:p>
-            <a:pPr marL="285750" indent="-285750">
-              <a:buFont typeface="Arial" panose="020B0604020202020204" pitchFamily="34" charset="0"/>
-              <a:buChar char="•"/>
-            </a:pPr>
-            <a:endParaRPr lang="en-US" dirty="0"/>
-          </a:p>
-        </p:txBody>
-      </p:sp>
-    </p:spTree>
-    <p:extLst>
-      <p:ext uri="{BB962C8B-B14F-4D97-AF65-F5344CB8AC3E}">
-        <p14:creationId xmlns:p14="http://schemas.microsoft.com/office/powerpoint/2010/main" val="819562594"/>
-      </p:ext>
-    </p:extLst>
-  </p:cSld>
-  <p:clrMapOvr>
-    <a:masterClrMapping/>
-  </p:clrMapOvr>
-  <p:transition spd="med"/>
-</p:sld>
-</file>
-
-<file path=ppt/slides/slide22.xml><?xml version="1.0" encoding="utf-8"?>
-<p:sld xmlns:a="http://schemas.openxmlformats.org/drawingml/2006/main" xmlns:r="http://schemas.openxmlformats.org/officeDocument/2006/relationships" xmlns:p="http://schemas.openxmlformats.org/presentationml/2006/main">
-  <p:cSld>
-    <p:spTree>
-      <p:nvGrpSpPr>
-        <p:cNvPr id="1" name=""/>
-        <p:cNvGrpSpPr/>
-        <p:nvPr/>
-      </p:nvGrpSpPr>
-      <p:grpSpPr>
-        <a:xfrm>
-          <a:off x="0" y="0"/>
-          <a:ext cx="0" cy="0"/>
-          <a:chOff x="0" y="0"/>
-          <a:chExt cx="0" cy="0"/>
-        </a:xfrm>
-      </p:grpSpPr>
-      <p:sp>
-        <p:nvSpPr>
-          <p:cNvPr id="189" name="Shape 189"/>
-          <p:cNvSpPr/>
-          <p:nvPr/>
-        </p:nvSpPr>
-        <p:spPr>
-          <a:xfrm>
-            <a:off x="386308" y="147496"/>
-            <a:ext cx="7757379" cy="553998"/>
-          </a:xfrm>
-          <a:prstGeom prst="rect">
-            <a:avLst/>
-          </a:prstGeom>
-          <a:ln w="12700">
-            <a:miter lim="400000"/>
-          </a:ln>
-          <a:extLst>
-            <a:ext uri="{C572A759-6A51-4108-AA02-DFA0A04FC94B}">
-              <ma14:wrappingTextBoxFlag xmlns="" xmlns:ma14="http://schemas.microsoft.com/office/mac/drawingml/2011/main" val="1"/>
-            </a:ext>
-          </a:extLst>
-        </p:spPr>
-        <p:txBody>
-          <a:bodyPr lIns="45719" rIns="45719">
-            <a:spAutoFit/>
-          </a:bodyPr>
-          <a:lstStyle>
-            <a:lvl1pPr>
-              <a:defRPr sz="3000" b="1">
-                <a:uFill>
-                  <a:solidFill>
-                    <a:srgbClr val="FFFFFF"/>
-                  </a:solidFill>
-                </a:uFill>
-              </a:defRPr>
-            </a:lvl1pPr>
-          </a:lstStyle>
-          <a:p>
-            <a:pPr lvl="0">
-              <a:defRPr sz="1800" b="0">
-                <a:solidFill>
-                  <a:srgbClr val="000000"/>
-                </a:solidFill>
-                <a:uFillTx/>
-              </a:defRPr>
-            </a:pPr>
-            <a:r>
-              <a:rPr lang="en-US" sz="3000" b="1" dirty="0">
-                <a:uFill>
-                  <a:solidFill>
-                    <a:srgbClr val="FFFFFF"/>
-                  </a:solidFill>
-                </a:uFill>
-                <a:latin typeface="Arial Unicode MS" panose="020B0604020202020204" pitchFamily="34" charset="-128"/>
-              </a:rPr>
-              <a:t>Self-</a:t>
-            </a:r>
-            <a:r>
-              <a:rPr sz="3000" b="1" dirty="0">
-                <a:uFill>
-                  <a:solidFill>
-                    <a:srgbClr val="FFFFFF"/>
-                  </a:solidFill>
-                </a:uFill>
-                <a:latin typeface="Arial Unicode MS" panose="020B0604020202020204" pitchFamily="34" charset="-128"/>
-              </a:rPr>
-              <a:t>Joins</a:t>
-            </a:r>
-            <a:r>
-              <a:rPr lang="en-US" sz="3000" b="1" dirty="0">
-                <a:uFill>
-                  <a:solidFill>
-                    <a:srgbClr val="FFFFFF"/>
-                  </a:solidFill>
-                </a:uFill>
-                <a:latin typeface="Arial Unicode MS" panose="020B0604020202020204" pitchFamily="34" charset="-128"/>
-              </a:rPr>
-              <a:t> + Group By</a:t>
-            </a:r>
-            <a:r>
-              <a:rPr sz="3000" b="1" dirty="0">
-                <a:uFill>
-                  <a:solidFill>
-                    <a:srgbClr val="FFFFFF"/>
-                  </a:solidFill>
-                </a:uFill>
-                <a:latin typeface="Arial Unicode MS" panose="020B0604020202020204" pitchFamily="34" charset="-128"/>
-              </a:rPr>
-              <a:t> Practice Queries</a:t>
-            </a:r>
-          </a:p>
-        </p:txBody>
-      </p:sp>
-      <p:sp>
-        <p:nvSpPr>
-          <p:cNvPr id="190" name="Shape 190"/>
-          <p:cNvSpPr/>
-          <p:nvPr/>
-        </p:nvSpPr>
-        <p:spPr>
-          <a:xfrm>
-            <a:off x="469900" y="1324179"/>
-            <a:ext cx="8204200" cy="307777"/>
-          </a:xfrm>
-          <a:prstGeom prst="rect">
-            <a:avLst/>
-          </a:prstGeom>
-          <a:ln w="12700">
-            <a:miter lim="400000"/>
-          </a:ln>
-          <a:extLst>
-            <a:ext uri="{C572A759-6A51-4108-AA02-DFA0A04FC94B}">
-              <ma14:wrappingTextBoxFlag xmlns="" xmlns:ma14="http://schemas.microsoft.com/office/mac/drawingml/2011/main" val="1"/>
-            </a:ext>
-          </a:extLst>
-        </p:spPr>
-        <p:txBody>
-          <a:bodyPr lIns="0" tIns="0" rIns="0" bIns="0">
-            <a:spAutoFit/>
-          </a:bodyPr>
-          <a:lstStyle/>
-          <a:p>
-            <a:pPr lvl="0">
-              <a:spcBef>
-                <a:spcPts val="700"/>
-              </a:spcBef>
-              <a:buSzPct val="100000"/>
-              <a:defRPr sz="1800">
-                <a:solidFill>
-                  <a:srgbClr val="000000"/>
-                </a:solidFill>
-                <a:uFillTx/>
-              </a:defRPr>
-            </a:pPr>
-            <a:endParaRPr sz="2000" dirty="0">
-              <a:uFill>
-                <a:solidFill/>
-              </a:uFill>
-              <a:latin typeface="Arial Unicode MS" panose="020B0604020202020204" pitchFamily="34" charset="-128"/>
-              <a:ea typeface="Arial Unicode MS" panose="020B0604020202020204" pitchFamily="34" charset="-128"/>
-              <a:cs typeface="Arial Unicode MS" panose="020B0604020202020204" pitchFamily="34" charset="-128"/>
+              <a:latin typeface="Calibri" panose="020F0502020204030204" pitchFamily="34" charset="0"/>
+              <a:ea typeface="Calibri" panose="020F0502020204030204" pitchFamily="34" charset="0"/>
+              <a:cs typeface="Calibri" panose="020F0502020204030204" pitchFamily="34" charset="0"/>
               <a:sym typeface="Iowan Old Style Roman"/>
             </a:endParaRPr>
           </a:p>
@@ -15452,7 +14920,7 @@
           </a:prstGeom>
           <a:extLst>
             <a:ext uri="{C572A759-6A51-4108-AA02-DFA0A04FC94B}">
-              <ma14:wrappingTextBoxFlag xmlns:ma14="http://schemas.microsoft.com/office/mac/drawingml/2011/main" xmlns="" val="1"/>
+              <ma14:wrappingTextBoxFlag xmlns="" xmlns:ma14="http://schemas.microsoft.com/office/mac/drawingml/2011/main" val="1"/>
             </a:ext>
           </a:extLst>
         </p:spPr>
@@ -15506,7 +14974,7 @@
           </a:ln>
           <a:extLst>
             <a:ext uri="{C572A759-6A51-4108-AA02-DFA0A04FC94B}">
-              <ma14:wrappingTextBoxFlag xmlns:ma14="http://schemas.microsoft.com/office/mac/drawingml/2011/main" xmlns="" val="1"/>
+              <ma14:wrappingTextBoxFlag xmlns="" xmlns:ma14="http://schemas.microsoft.com/office/mac/drawingml/2011/main" val="1"/>
             </a:ext>
           </a:extLst>
         </p:spPr>
@@ -15541,7 +15009,7 @@
                     <a:srgbClr val="FFFFFF"/>
                   </a:solidFill>
                 </a:uFill>
-                <a:latin typeface="Arial Unicode MS" panose="020B0604020202020204" pitchFamily="34" charset="-128"/>
+                <a:latin typeface="Calibri" panose="020F0502020204030204" pitchFamily="34" charset="0"/>
               </a:rPr>
               <a:t>Basic aggregation functions</a:t>
             </a:r>
@@ -15611,7 +15079,7 @@
                               <a:srgbClr val="FFFFFF"/>
                             </a:solidFill>
                           </a:uFill>
-                          <a:latin typeface="Arial Unicode MS" panose="020B0604020202020204" pitchFamily="34" charset="-128"/>
+                          <a:latin typeface="Calibri" panose="020F0502020204030204" pitchFamily="34" charset="0"/>
                         </a:rPr>
                         <a:t>Operator</a:t>
                       </a:r>
@@ -15682,7 +15150,7 @@
                               <a:srgbClr val="FFFFFF"/>
                             </a:solidFill>
                           </a:uFill>
-                          <a:latin typeface="Arial Unicode MS" panose="020B0604020202020204" pitchFamily="34" charset="-128"/>
+                          <a:latin typeface="Calibri" panose="020F0502020204030204" pitchFamily="34" charset="0"/>
                         </a:rPr>
                         <a:t>Description</a:t>
                       </a:r>
@@ -15755,7 +15223,7 @@
                           <a:uFill>
                             <a:solidFill/>
                           </a:uFill>
-                          <a:latin typeface="Arial Unicode MS" panose="020B0604020202020204" pitchFamily="34" charset="-128"/>
+                          <a:latin typeface="Calibri" panose="020F0502020204030204" pitchFamily="34" charset="0"/>
                         </a:rPr>
                         <a:t>count</a:t>
                       </a:r>
@@ -15767,7 +15235,7 @@
                           <a:uFill>
                             <a:solidFill/>
                           </a:uFill>
-                          <a:latin typeface="Arial Unicode MS" panose="020B0604020202020204" pitchFamily="34" charset="-128"/>
+                          <a:latin typeface="Calibri" panose="020F0502020204030204" pitchFamily="34" charset="0"/>
                         </a:rPr>
                         <a:t>(*)</a:t>
                       </a:r>
@@ -15778,7 +15246,7 @@
                         <a:uFill>
                           <a:solidFill/>
                         </a:uFill>
-                        <a:latin typeface="Arial Unicode MS" panose="020B0604020202020204" pitchFamily="34" charset="-128"/>
+                        <a:latin typeface="Calibri" panose="020F0502020204030204" pitchFamily="34" charset="0"/>
                       </a:endParaRPr>
                     </a:p>
                   </a:txBody>
@@ -15856,7 +15324,7 @@
                           <a:uFill>
                             <a:solidFill/>
                           </a:uFill>
-                          <a:latin typeface="Arial Unicode MS" panose="020B0604020202020204" pitchFamily="34" charset="-128"/>
+                          <a:latin typeface="Calibri" panose="020F0502020204030204" pitchFamily="34" charset="0"/>
                         </a:rPr>
                         <a:t>Counts the number of rows </a:t>
                       </a:r>
@@ -15868,7 +15336,7 @@
                           <a:uFill>
                             <a:solidFill/>
                           </a:uFill>
-                          <a:latin typeface="Arial Unicode MS" panose="020B0604020202020204" pitchFamily="34" charset="-128"/>
+                          <a:latin typeface="Calibri" panose="020F0502020204030204" pitchFamily="34" charset="0"/>
                         </a:rPr>
                         <a:t>in the group</a:t>
                       </a:r>
@@ -15941,7 +15409,7 @@
                           <a:uFill>
                             <a:solidFill/>
                           </a:uFill>
-                          <a:latin typeface="Arial Unicode MS" panose="020B0604020202020204" pitchFamily="34" charset="-128"/>
+                          <a:latin typeface="Calibri" panose="020F0502020204030204" pitchFamily="34" charset="0"/>
                         </a:rPr>
                         <a:t>count</a:t>
                       </a:r>
@@ -15953,7 +15421,7 @@
                           <a:uFill>
                             <a:solidFill/>
                           </a:uFill>
-                          <a:latin typeface="Arial Unicode MS" panose="020B0604020202020204" pitchFamily="34" charset="-128"/>
+                          <a:latin typeface="Calibri" panose="020F0502020204030204" pitchFamily="34" charset="0"/>
                         </a:rPr>
                         <a:t>(</a:t>
                       </a:r>
@@ -15965,7 +15433,7 @@
                           <a:uFill>
                             <a:solidFill/>
                           </a:uFill>
-                          <a:latin typeface="Arial Unicode MS" panose="020B0604020202020204" pitchFamily="34" charset="-128"/>
+                          <a:latin typeface="Calibri" panose="020F0502020204030204" pitchFamily="34" charset="0"/>
                         </a:rPr>
                         <a:t>attr</a:t>
                       </a:r>
@@ -15977,7 +15445,7 @@
                           <a:uFill>
                             <a:solidFill/>
                           </a:uFill>
-                          <a:latin typeface="Arial Unicode MS" panose="020B0604020202020204" pitchFamily="34" charset="-128"/>
+                          <a:latin typeface="Calibri" panose="020F0502020204030204" pitchFamily="34" charset="0"/>
                         </a:rPr>
                         <a:t>)</a:t>
                       </a:r>
@@ -15988,7 +15456,7 @@
                         <a:uFill>
                           <a:solidFill/>
                         </a:uFill>
-                        <a:latin typeface="Arial Unicode MS" panose="020B0604020202020204" pitchFamily="34" charset="-128"/>
+                        <a:latin typeface="Calibri" panose="020F0502020204030204" pitchFamily="34" charset="0"/>
                       </a:endParaRPr>
                     </a:p>
                   </a:txBody>
@@ -16066,7 +15534,7 @@
                           <a:uFill>
                             <a:solidFill/>
                           </a:uFill>
-                          <a:latin typeface="Arial Unicode MS" panose="020B0604020202020204" pitchFamily="34" charset="-128"/>
+                          <a:latin typeface="Calibri" panose="020F0502020204030204" pitchFamily="34" charset="0"/>
                         </a:rPr>
                         <a:t>Counts the number of rows </a:t>
                       </a:r>
@@ -16078,7 +15546,7 @@
                           <a:uFill>
                             <a:solidFill/>
                           </a:uFill>
-                          <a:latin typeface="Arial Unicode MS" panose="020B0604020202020204" pitchFamily="34" charset="-128"/>
+                          <a:latin typeface="Calibri" panose="020F0502020204030204" pitchFamily="34" charset="0"/>
                         </a:rPr>
                         <a:t>in the group with non-null values</a:t>
                       </a:r>
@@ -16090,7 +15558,7 @@
                           <a:uFill>
                             <a:solidFill/>
                           </a:uFill>
-                          <a:latin typeface="Arial Unicode MS" panose="020B0604020202020204" pitchFamily="34" charset="-128"/>
+                          <a:latin typeface="Calibri" panose="020F0502020204030204" pitchFamily="34" charset="0"/>
                         </a:rPr>
                         <a:t> for the attribute </a:t>
                       </a:r>
@@ -16101,7 +15569,7 @@
                         <a:uFill>
                           <a:solidFill/>
                         </a:uFill>
-                        <a:latin typeface="Arial Unicode MS" panose="020B0604020202020204" pitchFamily="34" charset="-128"/>
+                        <a:latin typeface="Calibri" panose="020F0502020204030204" pitchFamily="34" charset="0"/>
                       </a:endParaRPr>
                     </a:p>
                   </a:txBody>
@@ -16172,7 +15640,7 @@
                           <a:uFill>
                             <a:solidFill/>
                           </a:uFill>
-                          <a:latin typeface="Arial Unicode MS" panose="020B0604020202020204" pitchFamily="34" charset="-128"/>
+                          <a:latin typeface="Calibri" panose="020F0502020204030204" pitchFamily="34" charset="0"/>
                         </a:rPr>
                         <a:t>count</a:t>
                       </a:r>
@@ -16184,7 +15652,7 @@
                           <a:uFill>
                             <a:solidFill/>
                           </a:uFill>
-                          <a:latin typeface="Arial Unicode MS" panose="020B0604020202020204" pitchFamily="34" charset="-128"/>
+                          <a:latin typeface="Calibri" panose="020F0502020204030204" pitchFamily="34" charset="0"/>
                         </a:rPr>
                         <a:t>(DISTINCT </a:t>
                       </a:r>
@@ -16196,7 +15664,7 @@
                           <a:uFill>
                             <a:solidFill/>
                           </a:uFill>
-                          <a:latin typeface="Arial Unicode MS" panose="020B0604020202020204" pitchFamily="34" charset="-128"/>
+                          <a:latin typeface="Calibri" panose="020F0502020204030204" pitchFamily="34" charset="0"/>
                         </a:rPr>
                         <a:t>attr</a:t>
                       </a:r>
@@ -16208,7 +15676,7 @@
                           <a:uFill>
                             <a:solidFill/>
                           </a:uFill>
-                          <a:latin typeface="Arial Unicode MS" panose="020B0604020202020204" pitchFamily="34" charset="-128"/>
+                          <a:latin typeface="Calibri" panose="020F0502020204030204" pitchFamily="34" charset="0"/>
                         </a:rPr>
                         <a:t>)</a:t>
                       </a:r>
@@ -16219,7 +15687,7 @@
                         <a:uFill>
                           <a:solidFill/>
                         </a:uFill>
-                        <a:latin typeface="Arial Unicode MS" panose="020B0604020202020204" pitchFamily="34" charset="-128"/>
+                        <a:latin typeface="Calibri" panose="020F0502020204030204" pitchFamily="34" charset="0"/>
                       </a:endParaRPr>
                     </a:p>
                   </a:txBody>
@@ -16297,7 +15765,7 @@
                           <a:uFill>
                             <a:solidFill/>
                           </a:uFill>
-                          <a:latin typeface="Arial Unicode MS" panose="020B0604020202020204" pitchFamily="34" charset="-128"/>
+                          <a:latin typeface="Calibri" panose="020F0502020204030204" pitchFamily="34" charset="0"/>
                         </a:rPr>
                         <a:t>Counts the number of </a:t>
                       </a:r>
@@ -16309,7 +15777,7 @@
                           <a:uFill>
                             <a:solidFill/>
                           </a:uFill>
-                          <a:latin typeface="Arial Unicode MS" panose="020B0604020202020204" pitchFamily="34" charset="-128"/>
+                          <a:latin typeface="Calibri" panose="020F0502020204030204" pitchFamily="34" charset="0"/>
                         </a:rPr>
                         <a:t>distinct, non-null values for the attribute in the group</a:t>
                       </a:r>
@@ -16382,7 +15850,7 @@
                           <a:uFill>
                             <a:solidFill/>
                           </a:uFill>
-                          <a:latin typeface="Arial Unicode MS" panose="020B0604020202020204" pitchFamily="34" charset="-128"/>
+                          <a:latin typeface="Calibri" panose="020F0502020204030204" pitchFamily="34" charset="0"/>
                         </a:rPr>
                         <a:t>m</a:t>
                       </a:r>
@@ -16394,7 +15862,7 @@
                           <a:uFill>
                             <a:solidFill/>
                           </a:uFill>
-                          <a:latin typeface="Arial Unicode MS" panose="020B0604020202020204" pitchFamily="34" charset="-128"/>
+                          <a:latin typeface="Calibri" panose="020F0502020204030204" pitchFamily="34" charset="0"/>
                         </a:rPr>
                         <a:t>ax</a:t>
                       </a:r>
@@ -16406,7 +15874,7 @@
                           <a:uFill>
                             <a:solidFill/>
                           </a:uFill>
-                          <a:latin typeface="Arial Unicode MS" panose="020B0604020202020204" pitchFamily="34" charset="-128"/>
+                          <a:latin typeface="Calibri" panose="020F0502020204030204" pitchFamily="34" charset="0"/>
                         </a:rPr>
                         <a:t>(</a:t>
                       </a:r>
@@ -16418,7 +15886,7 @@
                           <a:uFill>
                             <a:solidFill/>
                           </a:uFill>
-                          <a:latin typeface="Arial Unicode MS" panose="020B0604020202020204" pitchFamily="34" charset="-128"/>
+                          <a:latin typeface="Calibri" panose="020F0502020204030204" pitchFamily="34" charset="0"/>
                         </a:rPr>
                         <a:t>attr</a:t>
                       </a:r>
@@ -16430,7 +15898,7 @@
                           <a:uFill>
                             <a:solidFill/>
                           </a:uFill>
-                          <a:latin typeface="Arial Unicode MS" panose="020B0604020202020204" pitchFamily="34" charset="-128"/>
+                          <a:latin typeface="Calibri" panose="020F0502020204030204" pitchFamily="34" charset="0"/>
                         </a:rPr>
                         <a:t>)</a:t>
                       </a:r>
@@ -16441,7 +15909,7 @@
                         <a:uFill>
                           <a:solidFill/>
                         </a:uFill>
-                        <a:latin typeface="Arial Unicode MS" panose="020B0604020202020204" pitchFamily="34" charset="-128"/>
+                        <a:latin typeface="Calibri" panose="020F0502020204030204" pitchFamily="34" charset="0"/>
                       </a:endParaRPr>
                     </a:p>
                   </a:txBody>
@@ -16505,7 +15973,7 @@
                           <a:uFill>
                             <a:solidFill/>
                           </a:uFill>
-                          <a:latin typeface="Arial Unicode MS" panose="020B0604020202020204" pitchFamily="34" charset="-128"/>
+                          <a:latin typeface="Calibri" panose="020F0502020204030204" pitchFamily="34" charset="0"/>
                         </a:rPr>
                         <a:t>Row with maximum </a:t>
                       </a:r>
@@ -16517,7 +15985,7 @@
                           <a:uFill>
                             <a:solidFill/>
                           </a:uFill>
-                          <a:latin typeface="Arial Unicode MS" panose="020B0604020202020204" pitchFamily="34" charset="-128"/>
+                          <a:latin typeface="Calibri" panose="020F0502020204030204" pitchFamily="34" charset="0"/>
                         </a:rPr>
                         <a:t>attribute </a:t>
                       </a:r>
@@ -16529,7 +15997,7 @@
                           <a:uFill>
                             <a:solidFill/>
                           </a:uFill>
-                          <a:latin typeface="Arial Unicode MS" panose="020B0604020202020204" pitchFamily="34" charset="-128"/>
+                          <a:latin typeface="Calibri" panose="020F0502020204030204" pitchFamily="34" charset="0"/>
                         </a:rPr>
                         <a:t>value</a:t>
                       </a:r>
@@ -16541,7 +16009,7 @@
                           <a:uFill>
                             <a:solidFill/>
                           </a:uFill>
-                          <a:latin typeface="Arial Unicode MS" panose="020B0604020202020204" pitchFamily="34" charset="-128"/>
+                          <a:latin typeface="Calibri" panose="020F0502020204030204" pitchFamily="34" charset="0"/>
                         </a:rPr>
                         <a:t> in the group</a:t>
                       </a:r>
@@ -16552,7 +16020,7 @@
                         <a:uFill>
                           <a:solidFill/>
                         </a:uFill>
-                        <a:latin typeface="Arial Unicode MS" panose="020B0604020202020204" pitchFamily="34" charset="-128"/>
+                        <a:latin typeface="Calibri" panose="020F0502020204030204" pitchFamily="34" charset="0"/>
                       </a:endParaRPr>
                     </a:p>
                   </a:txBody>
@@ -16623,7 +16091,7 @@
                           <a:uFill>
                             <a:solidFill/>
                           </a:uFill>
-                          <a:latin typeface="Arial Unicode MS" panose="020B0604020202020204" pitchFamily="34" charset="-128"/>
+                          <a:latin typeface="Calibri" panose="020F0502020204030204" pitchFamily="34" charset="0"/>
                         </a:rPr>
                         <a:t>m</a:t>
                       </a:r>
@@ -16635,7 +16103,7 @@
                           <a:uFill>
                             <a:solidFill/>
                           </a:uFill>
-                          <a:latin typeface="Arial Unicode MS" panose="020B0604020202020204" pitchFamily="34" charset="-128"/>
+                          <a:latin typeface="Calibri" panose="020F0502020204030204" pitchFamily="34" charset="0"/>
                         </a:rPr>
                         <a:t>in</a:t>
                       </a:r>
@@ -16647,7 +16115,7 @@
                           <a:uFill>
                             <a:solidFill/>
                           </a:uFill>
-                          <a:latin typeface="Arial Unicode MS" panose="020B0604020202020204" pitchFamily="34" charset="-128"/>
+                          <a:latin typeface="Calibri" panose="020F0502020204030204" pitchFamily="34" charset="0"/>
                         </a:rPr>
                         <a:t>(</a:t>
                       </a:r>
@@ -16659,7 +16127,7 @@
                           <a:uFill>
                             <a:solidFill/>
                           </a:uFill>
-                          <a:latin typeface="Arial Unicode MS" panose="020B0604020202020204" pitchFamily="34" charset="-128"/>
+                          <a:latin typeface="Calibri" panose="020F0502020204030204" pitchFamily="34" charset="0"/>
                         </a:rPr>
                         <a:t>attr</a:t>
                       </a:r>
@@ -16671,7 +16139,7 @@
                           <a:uFill>
                             <a:solidFill/>
                           </a:uFill>
-                          <a:latin typeface="Arial Unicode MS" panose="020B0604020202020204" pitchFamily="34" charset="-128"/>
+                          <a:latin typeface="Calibri" panose="020F0502020204030204" pitchFamily="34" charset="0"/>
                         </a:rPr>
                         <a:t>)</a:t>
                       </a:r>
@@ -16682,7 +16150,7 @@
                         <a:uFill>
                           <a:solidFill/>
                         </a:uFill>
-                        <a:latin typeface="Arial Unicode MS" panose="020B0604020202020204" pitchFamily="34" charset="-128"/>
+                        <a:latin typeface="Calibri" panose="020F0502020204030204" pitchFamily="34" charset="0"/>
                       </a:endParaRPr>
                     </a:p>
                   </a:txBody>
@@ -16760,7 +16228,7 @@
                           <a:uFill>
                             <a:solidFill/>
                           </a:uFill>
-                          <a:latin typeface="Arial Unicode MS" panose="020B0604020202020204" pitchFamily="34" charset="-128"/>
+                          <a:latin typeface="Calibri" panose="020F0502020204030204" pitchFamily="34" charset="0"/>
                         </a:rPr>
                         <a:t>Row with minimum value</a:t>
                       </a:r>
@@ -16772,7 +16240,7 @@
                           <a:uFill>
                             <a:solidFill/>
                           </a:uFill>
-                          <a:latin typeface="Arial Unicode MS" panose="020B0604020202020204" pitchFamily="34" charset="-128"/>
+                          <a:latin typeface="Calibri" panose="020F0502020204030204" pitchFamily="34" charset="0"/>
                         </a:rPr>
                         <a:t> in the group</a:t>
                       </a:r>
@@ -16793,7 +16261,7 @@
                         <a:uFill>
                           <a:solidFill/>
                         </a:uFill>
-                        <a:latin typeface="Arial Unicode MS" panose="020B0604020202020204" pitchFamily="34" charset="-128"/>
+                        <a:latin typeface="Calibri" panose="020F0502020204030204" pitchFamily="34" charset="0"/>
                       </a:endParaRPr>
                     </a:p>
                   </a:txBody>
@@ -16864,7 +16332,7 @@
                           <a:uFill>
                             <a:solidFill/>
                           </a:uFill>
-                          <a:latin typeface="Arial Unicode MS" panose="020B0604020202020204" pitchFamily="34" charset="-128"/>
+                          <a:latin typeface="Calibri" panose="020F0502020204030204" pitchFamily="34" charset="0"/>
                         </a:rPr>
                         <a:t>s</a:t>
                       </a:r>
@@ -16876,7 +16344,7 @@
                           <a:uFill>
                             <a:solidFill/>
                           </a:uFill>
-                          <a:latin typeface="Arial Unicode MS" panose="020B0604020202020204" pitchFamily="34" charset="-128"/>
+                          <a:latin typeface="Calibri" panose="020F0502020204030204" pitchFamily="34" charset="0"/>
                         </a:rPr>
                         <a:t>um</a:t>
                       </a:r>
@@ -16888,7 +16356,7 @@
                           <a:uFill>
                             <a:solidFill/>
                           </a:uFill>
-                          <a:latin typeface="Arial Unicode MS" panose="020B0604020202020204" pitchFamily="34" charset="-128"/>
+                          <a:latin typeface="Calibri" panose="020F0502020204030204" pitchFamily="34" charset="0"/>
                         </a:rPr>
                         <a:t>(</a:t>
                       </a:r>
@@ -16900,7 +16368,7 @@
                           <a:uFill>
                             <a:solidFill/>
                           </a:uFill>
-                          <a:latin typeface="Arial Unicode MS" panose="020B0604020202020204" pitchFamily="34" charset="-128"/>
+                          <a:latin typeface="Calibri" panose="020F0502020204030204" pitchFamily="34" charset="0"/>
                         </a:rPr>
                         <a:t>attr</a:t>
                       </a:r>
@@ -16912,7 +16380,7 @@
                           <a:uFill>
                             <a:solidFill/>
                           </a:uFill>
-                          <a:latin typeface="Arial Unicode MS" panose="020B0604020202020204" pitchFamily="34" charset="-128"/>
+                          <a:latin typeface="Calibri" panose="020F0502020204030204" pitchFamily="34" charset="0"/>
                         </a:rPr>
                         <a:t>)</a:t>
                       </a:r>
@@ -16923,7 +16391,7 @@
                         <a:uFill>
                           <a:solidFill/>
                         </a:uFill>
-                        <a:latin typeface="Arial Unicode MS" panose="020B0604020202020204" pitchFamily="34" charset="-128"/>
+                        <a:latin typeface="Calibri" panose="020F0502020204030204" pitchFamily="34" charset="0"/>
                       </a:endParaRPr>
                     </a:p>
                   </a:txBody>
@@ -17001,7 +16469,7 @@
                           <a:uFill>
                             <a:solidFill/>
                           </a:uFill>
-                          <a:latin typeface="Arial Unicode MS" panose="020B0604020202020204" pitchFamily="34" charset="-128"/>
+                          <a:latin typeface="Calibri" panose="020F0502020204030204" pitchFamily="34" charset="0"/>
                         </a:rPr>
                         <a:t>Sums values of selected rows</a:t>
                       </a:r>
@@ -17013,7 +16481,7 @@
                           <a:uFill>
                             <a:solidFill/>
                           </a:uFill>
-                          <a:latin typeface="Arial Unicode MS" panose="020B0604020202020204" pitchFamily="34" charset="-128"/>
+                          <a:latin typeface="Calibri" panose="020F0502020204030204" pitchFamily="34" charset="0"/>
                         </a:rPr>
                         <a:t> in the group</a:t>
                       </a:r>
@@ -17034,7 +16502,7 @@
                         <a:uFill>
                           <a:solidFill/>
                         </a:uFill>
-                        <a:latin typeface="Arial Unicode MS" panose="020B0604020202020204" pitchFamily="34" charset="-128"/>
+                        <a:latin typeface="Calibri" panose="020F0502020204030204" pitchFamily="34" charset="0"/>
                       </a:endParaRPr>
                     </a:p>
                   </a:txBody>
@@ -17105,7 +16573,7 @@
                           <a:uFill>
                             <a:solidFill/>
                           </a:uFill>
-                          <a:latin typeface="Arial Unicode MS" panose="020B0604020202020204" pitchFamily="34" charset="-128"/>
+                          <a:latin typeface="Calibri" panose="020F0502020204030204" pitchFamily="34" charset="0"/>
                         </a:rPr>
                         <a:t>a</a:t>
                       </a:r>
@@ -17117,7 +16585,7 @@
                           <a:uFill>
                             <a:solidFill/>
                           </a:uFill>
-                          <a:latin typeface="Arial Unicode MS" panose="020B0604020202020204" pitchFamily="34" charset="-128"/>
+                          <a:latin typeface="Calibri" panose="020F0502020204030204" pitchFamily="34" charset="0"/>
                         </a:rPr>
                         <a:t>vg</a:t>
                       </a:r>
@@ -17129,7 +16597,7 @@
                           <a:uFill>
                             <a:solidFill/>
                           </a:uFill>
-                          <a:latin typeface="Arial Unicode MS" panose="020B0604020202020204" pitchFamily="34" charset="-128"/>
+                          <a:latin typeface="Calibri" panose="020F0502020204030204" pitchFamily="34" charset="0"/>
                         </a:rPr>
                         <a:t>(</a:t>
                       </a:r>
@@ -17141,7 +16609,7 @@
                           <a:uFill>
                             <a:solidFill/>
                           </a:uFill>
-                          <a:latin typeface="Arial Unicode MS" panose="020B0604020202020204" pitchFamily="34" charset="-128"/>
+                          <a:latin typeface="Calibri" panose="020F0502020204030204" pitchFamily="34" charset="0"/>
                         </a:rPr>
                         <a:t>attr</a:t>
                       </a:r>
@@ -17153,7 +16621,7 @@
                           <a:uFill>
                             <a:solidFill/>
                           </a:uFill>
-                          <a:latin typeface="Arial Unicode MS" panose="020B0604020202020204" pitchFamily="34" charset="-128"/>
+                          <a:latin typeface="Calibri" panose="020F0502020204030204" pitchFamily="34" charset="0"/>
                         </a:rPr>
                         <a:t>)</a:t>
                       </a:r>
@@ -17164,7 +16632,7 @@
                         <a:uFill>
                           <a:solidFill/>
                         </a:uFill>
-                        <a:latin typeface="Arial Unicode MS" panose="020B0604020202020204" pitchFamily="34" charset="-128"/>
+                        <a:latin typeface="Calibri" panose="020F0502020204030204" pitchFamily="34" charset="0"/>
                       </a:endParaRPr>
                     </a:p>
                   </a:txBody>
@@ -17228,7 +16696,7 @@
                           <a:uFill>
                             <a:solidFill/>
                           </a:uFill>
-                          <a:latin typeface="Arial Unicode MS" panose="020B0604020202020204" pitchFamily="34" charset="-128"/>
+                          <a:latin typeface="Calibri" panose="020F0502020204030204" pitchFamily="34" charset="0"/>
                         </a:rPr>
                         <a:t>Estimates the average </a:t>
                       </a:r>
@@ -17240,7 +16708,7 @@
                           <a:uFill>
                             <a:solidFill/>
                           </a:uFill>
-                          <a:latin typeface="Arial Unicode MS" panose="020B0604020202020204" pitchFamily="34" charset="-128"/>
+                          <a:latin typeface="Calibri" panose="020F0502020204030204" pitchFamily="34" charset="0"/>
                         </a:rPr>
                         <a:t>the attribute in the group</a:t>
                       </a:r>
@@ -17251,7 +16719,7 @@
                         <a:uFill>
                           <a:solidFill/>
                         </a:uFill>
-                        <a:latin typeface="Arial Unicode MS" panose="020B0604020202020204" pitchFamily="34" charset="-128"/>
+                        <a:latin typeface="Calibri" panose="020F0502020204030204" pitchFamily="34" charset="0"/>
                       </a:endParaRPr>
                     </a:p>
                   </a:txBody>
@@ -17354,7 +16822,7 @@
           </a:ln>
           <a:extLst>
             <a:ext uri="{C572A759-6A51-4108-AA02-DFA0A04FC94B}">
-              <ma14:wrappingTextBoxFlag xmlns:ma14="http://schemas.microsoft.com/office/mac/drawingml/2011/main" xmlns="" val="1"/>
+              <ma14:wrappingTextBoxFlag xmlns="" xmlns:ma14="http://schemas.microsoft.com/office/mac/drawingml/2011/main" val="1"/>
             </a:ext>
           </a:extLst>
         </p:spPr>
@@ -17389,7 +16857,7 @@
                     <a:srgbClr val="FFFFFF"/>
                   </a:solidFill>
                 </a:uFill>
-                <a:latin typeface="Arial Unicode MS" panose="020B0604020202020204" pitchFamily="34" charset="-128"/>
+                <a:latin typeface="Calibri" panose="020F0502020204030204" pitchFamily="34" charset="0"/>
               </a:rPr>
               <a:t>Aggregation practice queries</a:t>
             </a:r>
@@ -17400,7 +16868,7 @@
                     <a:srgbClr val="FFFFFF"/>
                   </a:solidFill>
                 </a:uFill>
-                <a:latin typeface="Arial Unicode MS" panose="020B0604020202020204" pitchFamily="34" charset="-128"/>
+                <a:latin typeface="Calibri" panose="020F0502020204030204" pitchFamily="34" charset="0"/>
               </a:rPr>
               <a:t>: IMDB</a:t>
             </a:r>
@@ -17410,7 +16878,7 @@
                   <a:srgbClr val="FFFFFF"/>
                 </a:solidFill>
               </a:uFill>
-              <a:latin typeface="Arial Unicode MS" panose="020B0604020202020204" pitchFamily="34" charset="-128"/>
+              <a:latin typeface="Calibri" panose="020F0502020204030204" pitchFamily="34" charset="0"/>
             </a:endParaRPr>
           </a:p>
         </p:txBody>
@@ -17434,7 +16902,7 @@
           </a:ln>
           <a:extLst>
             <a:ext uri="{C572A759-6A51-4108-AA02-DFA0A04FC94B}">
-              <ma14:wrappingTextBoxFlag xmlns:ma14="http://schemas.microsoft.com/office/mac/drawingml/2011/main" xmlns="" val="1"/>
+              <ma14:wrappingTextBoxFlag xmlns="" xmlns:ma14="http://schemas.microsoft.com/office/mac/drawingml/2011/main" val="1"/>
             </a:ext>
           </a:extLst>
         </p:spPr>
@@ -17460,9 +16928,9 @@
               <a:uFill>
                 <a:solidFill/>
               </a:uFill>
-              <a:latin typeface="Arial Unicode MS" panose="020B0604020202020204" pitchFamily="34" charset="-128"/>
-              <a:ea typeface="Arial Unicode MS" panose="020B0604020202020204" pitchFamily="34" charset="-128"/>
-              <a:cs typeface="Arial Unicode MS" panose="020B0604020202020204" pitchFamily="34" charset="-128"/>
+              <a:latin typeface="Calibri" panose="020F0502020204030204" pitchFamily="34" charset="0"/>
+              <a:ea typeface="Calibri" panose="020F0502020204030204" pitchFamily="34" charset="0"/>
+              <a:cs typeface="Calibri" panose="020F0502020204030204" pitchFamily="34" charset="0"/>
               <a:sym typeface="Iowan Old Style Roman"/>
             </a:endParaRPr>
           </a:p>
@@ -17487,7 +16955,7 @@
           </a:ln>
           <a:extLst>
             <a:ext uri="{C572A759-6A51-4108-AA02-DFA0A04FC94B}">
-              <ma14:wrappingTextBoxFlag xmlns:ma14="http://schemas.microsoft.com/office/mac/drawingml/2011/main" xmlns="" val="1"/>
+              <ma14:wrappingTextBoxFlag xmlns="" xmlns:ma14="http://schemas.microsoft.com/office/mac/drawingml/2011/main" val="1"/>
             </a:ext>
           </a:extLst>
         </p:spPr>
@@ -17525,9 +16993,9 @@
                 <a:uFill>
                   <a:solidFill/>
                 </a:uFill>
-                <a:latin typeface="Arial Unicode MS" panose="020B0604020202020204" pitchFamily="34" charset="-128"/>
-                <a:ea typeface="Arial Unicode MS" panose="020B0604020202020204" pitchFamily="34" charset="-128"/>
-                <a:cs typeface="Arial Unicode MS" panose="020B0604020202020204" pitchFamily="34" charset="-128"/>
+                <a:latin typeface="Calibri" panose="020F0502020204030204" pitchFamily="34" charset="0"/>
+                <a:ea typeface="Calibri" panose="020F0502020204030204" pitchFamily="34" charset="0"/>
+                <a:cs typeface="Calibri" panose="020F0502020204030204" pitchFamily="34" charset="0"/>
               </a:rPr>
               <a:t>COUNT(*)</a:t>
             </a:r>
@@ -17551,9 +17019,9 @@
                 <a:uFill>
                   <a:solidFill/>
                 </a:uFill>
-                <a:latin typeface="Arial Unicode MS" panose="020B0604020202020204" pitchFamily="34" charset="-128"/>
-                <a:ea typeface="Arial Unicode MS" panose="020B0604020202020204" pitchFamily="34" charset="-128"/>
-                <a:cs typeface="Arial Unicode MS" panose="020B0604020202020204" pitchFamily="34" charset="-128"/>
+                <a:latin typeface="Calibri" panose="020F0502020204030204" pitchFamily="34" charset="0"/>
+                <a:ea typeface="Calibri" panose="020F0502020204030204" pitchFamily="34" charset="0"/>
+                <a:cs typeface="Calibri" panose="020F0502020204030204" pitchFamily="34" charset="0"/>
               </a:rPr>
               <a:t>Find the number of movies in the database</a:t>
             </a:r>
@@ -17577,9 +17045,9 @@
                 <a:uFill>
                   <a:solidFill/>
                 </a:uFill>
-                <a:latin typeface="Arial Unicode MS" panose="020B0604020202020204" pitchFamily="34" charset="-128"/>
-                <a:ea typeface="Arial Unicode MS" panose="020B0604020202020204" pitchFamily="34" charset="-128"/>
-                <a:cs typeface="Arial Unicode MS" panose="020B0604020202020204" pitchFamily="34" charset="-128"/>
+                <a:latin typeface="Calibri" panose="020F0502020204030204" pitchFamily="34" charset="0"/>
+                <a:ea typeface="Calibri" panose="020F0502020204030204" pitchFamily="34" charset="0"/>
+                <a:cs typeface="Calibri" panose="020F0502020204030204" pitchFamily="34" charset="0"/>
               </a:rPr>
               <a:t>Find the number of actors in the database</a:t>
             </a:r>
@@ -17600,9 +17068,9 @@
               <a:uFill>
                 <a:solidFill/>
               </a:uFill>
-              <a:latin typeface="Arial Unicode MS" panose="020B0604020202020204" pitchFamily="34" charset="-128"/>
-              <a:ea typeface="Arial Unicode MS" panose="020B0604020202020204" pitchFamily="34" charset="-128"/>
-              <a:cs typeface="Arial Unicode MS" panose="020B0604020202020204" pitchFamily="34" charset="-128"/>
+              <a:latin typeface="Calibri" panose="020F0502020204030204" pitchFamily="34" charset="0"/>
+              <a:ea typeface="Calibri" panose="020F0502020204030204" pitchFamily="34" charset="0"/>
+              <a:cs typeface="Calibri" panose="020F0502020204030204" pitchFamily="34" charset="0"/>
             </a:endParaRPr>
           </a:p>
           <a:p>
@@ -17622,9 +17090,9 @@
                 <a:uFill>
                   <a:solidFill/>
                 </a:uFill>
-                <a:latin typeface="Arial Unicode MS" panose="020B0604020202020204" pitchFamily="34" charset="-128"/>
-                <a:ea typeface="Arial Unicode MS" panose="020B0604020202020204" pitchFamily="34" charset="-128"/>
-                <a:cs typeface="Arial Unicode MS" panose="020B0604020202020204" pitchFamily="34" charset="-128"/>
+                <a:latin typeface="Calibri" panose="020F0502020204030204" pitchFamily="34" charset="0"/>
+                <a:ea typeface="Calibri" panose="020F0502020204030204" pitchFamily="34" charset="0"/>
+                <a:cs typeface="Calibri" panose="020F0502020204030204" pitchFamily="34" charset="0"/>
               </a:rPr>
               <a:t>COUNT(</a:t>
             </a:r>
@@ -17636,9 +17104,9 @@
                 <a:uFill>
                   <a:solidFill/>
                 </a:uFill>
-                <a:latin typeface="Arial Unicode MS" panose="020B0604020202020204" pitchFamily="34" charset="-128"/>
-                <a:ea typeface="Arial Unicode MS" panose="020B0604020202020204" pitchFamily="34" charset="-128"/>
-                <a:cs typeface="Arial Unicode MS" panose="020B0604020202020204" pitchFamily="34" charset="-128"/>
+                <a:latin typeface="Calibri" panose="020F0502020204030204" pitchFamily="34" charset="0"/>
+                <a:ea typeface="Calibri" panose="020F0502020204030204" pitchFamily="34" charset="0"/>
+                <a:cs typeface="Calibri" panose="020F0502020204030204" pitchFamily="34" charset="0"/>
               </a:rPr>
               <a:t>attr</a:t>
             </a:r>
@@ -17650,9 +17118,9 @@
                 <a:uFill>
                   <a:solidFill/>
                 </a:uFill>
-                <a:latin typeface="Arial Unicode MS" panose="020B0604020202020204" pitchFamily="34" charset="-128"/>
-                <a:ea typeface="Arial Unicode MS" panose="020B0604020202020204" pitchFamily="34" charset="-128"/>
-                <a:cs typeface="Arial Unicode MS" panose="020B0604020202020204" pitchFamily="34" charset="-128"/>
+                <a:latin typeface="Calibri" panose="020F0502020204030204" pitchFamily="34" charset="0"/>
+                <a:ea typeface="Calibri" panose="020F0502020204030204" pitchFamily="34" charset="0"/>
+                <a:cs typeface="Calibri" panose="020F0502020204030204" pitchFamily="34" charset="0"/>
               </a:rPr>
               <a:t>)</a:t>
             </a:r>
@@ -17676,9 +17144,9 @@
                 <a:uFill>
                   <a:solidFill/>
                 </a:uFill>
-                <a:latin typeface="Arial Unicode MS" panose="020B0604020202020204" pitchFamily="34" charset="-128"/>
-                <a:ea typeface="Arial Unicode MS" panose="020B0604020202020204" pitchFamily="34" charset="-128"/>
-                <a:cs typeface="Arial Unicode MS" panose="020B0604020202020204" pitchFamily="34" charset="-128"/>
+                <a:latin typeface="Calibri" panose="020F0502020204030204" pitchFamily="34" charset="0"/>
+                <a:ea typeface="Calibri" panose="020F0502020204030204" pitchFamily="34" charset="0"/>
+                <a:cs typeface="Calibri" panose="020F0502020204030204" pitchFamily="34" charset="0"/>
               </a:rPr>
               <a:t>Find the number of movies with a rating</a:t>
             </a:r>
@@ -17702,9 +17170,9 @@
                 <a:uFill>
                   <a:solidFill/>
                 </a:uFill>
-                <a:latin typeface="Arial Unicode MS" panose="020B0604020202020204" pitchFamily="34" charset="-128"/>
-                <a:ea typeface="Arial Unicode MS" panose="020B0604020202020204" pitchFamily="34" charset="-128"/>
-                <a:cs typeface="Arial Unicode MS" panose="020B0604020202020204" pitchFamily="34" charset="-128"/>
+                <a:latin typeface="Calibri" panose="020F0502020204030204" pitchFamily="34" charset="0"/>
+                <a:ea typeface="Calibri" panose="020F0502020204030204" pitchFamily="34" charset="0"/>
+                <a:cs typeface="Calibri" panose="020F0502020204030204" pitchFamily="34" charset="0"/>
               </a:rPr>
               <a:t>Find the number of roles where the role is not empty</a:t>
             </a:r>
@@ -17727,9 +17195,9 @@
               <a:uFill>
                 <a:solidFill/>
               </a:uFill>
-              <a:latin typeface="Arial Unicode MS" panose="020B0604020202020204" pitchFamily="34" charset="-128"/>
-              <a:ea typeface="Arial Unicode MS" panose="020B0604020202020204" pitchFamily="34" charset="-128"/>
-              <a:cs typeface="Arial Unicode MS" panose="020B0604020202020204" pitchFamily="34" charset="-128"/>
+              <a:latin typeface="Calibri" panose="020F0502020204030204" pitchFamily="34" charset="0"/>
+              <a:ea typeface="Calibri" panose="020F0502020204030204" pitchFamily="34" charset="0"/>
+              <a:cs typeface="Calibri" panose="020F0502020204030204" pitchFamily="34" charset="0"/>
             </a:endParaRPr>
           </a:p>
           <a:p>
@@ -17749,9 +17217,9 @@
                 <a:uFill>
                   <a:solidFill/>
                 </a:uFill>
-                <a:latin typeface="Arial Unicode MS" panose="020B0604020202020204" pitchFamily="34" charset="-128"/>
-                <a:ea typeface="Arial Unicode MS" panose="020B0604020202020204" pitchFamily="34" charset="-128"/>
-                <a:cs typeface="Arial Unicode MS" panose="020B0604020202020204" pitchFamily="34" charset="-128"/>
+                <a:latin typeface="Calibri" panose="020F0502020204030204" pitchFamily="34" charset="0"/>
+                <a:ea typeface="Calibri" panose="020F0502020204030204" pitchFamily="34" charset="0"/>
+                <a:cs typeface="Calibri" panose="020F0502020204030204" pitchFamily="34" charset="0"/>
               </a:rPr>
               <a:t>COUNT(DISTINCT </a:t>
             </a:r>
@@ -17763,9 +17231,9 @@
                 <a:uFill>
                   <a:solidFill/>
                 </a:uFill>
-                <a:latin typeface="Arial Unicode MS" panose="020B0604020202020204" pitchFamily="34" charset="-128"/>
-                <a:ea typeface="Arial Unicode MS" panose="020B0604020202020204" pitchFamily="34" charset="-128"/>
-                <a:cs typeface="Arial Unicode MS" panose="020B0604020202020204" pitchFamily="34" charset="-128"/>
+                <a:latin typeface="Calibri" panose="020F0502020204030204" pitchFamily="34" charset="0"/>
+                <a:ea typeface="Calibri" panose="020F0502020204030204" pitchFamily="34" charset="0"/>
+                <a:cs typeface="Calibri" panose="020F0502020204030204" pitchFamily="34" charset="0"/>
               </a:rPr>
               <a:t>attr</a:t>
             </a:r>
@@ -17777,9 +17245,9 @@
                 <a:uFill>
                   <a:solidFill/>
                 </a:uFill>
-                <a:latin typeface="Arial Unicode MS" panose="020B0604020202020204" pitchFamily="34" charset="-128"/>
-                <a:ea typeface="Arial Unicode MS" panose="020B0604020202020204" pitchFamily="34" charset="-128"/>
-                <a:cs typeface="Arial Unicode MS" panose="020B0604020202020204" pitchFamily="34" charset="-128"/>
+                <a:latin typeface="Calibri" panose="020F0502020204030204" pitchFamily="34" charset="0"/>
+                <a:ea typeface="Calibri" panose="020F0502020204030204" pitchFamily="34" charset="0"/>
+                <a:cs typeface="Calibri" panose="020F0502020204030204" pitchFamily="34" charset="0"/>
               </a:rPr>
               <a:t>)</a:t>
             </a:r>
@@ -17803,9 +17271,9 @@
                 <a:uFill>
                   <a:solidFill/>
                 </a:uFill>
-                <a:latin typeface="Arial Unicode MS" panose="020B0604020202020204" pitchFamily="34" charset="-128"/>
-                <a:ea typeface="Arial Unicode MS" panose="020B0604020202020204" pitchFamily="34" charset="-128"/>
-                <a:cs typeface="Arial Unicode MS" panose="020B0604020202020204" pitchFamily="34" charset="-128"/>
+                <a:latin typeface="Calibri" panose="020F0502020204030204" pitchFamily="34" charset="0"/>
+                <a:ea typeface="Calibri" panose="020F0502020204030204" pitchFamily="34" charset="0"/>
+                <a:cs typeface="Calibri" panose="020F0502020204030204" pitchFamily="34" charset="0"/>
               </a:rPr>
               <a:t>Find the number of distinct genres in the database</a:t>
             </a:r>
@@ -17829,9 +17297,9 @@
                 <a:uFill>
                   <a:solidFill/>
                 </a:uFill>
-                <a:latin typeface="Arial Unicode MS" panose="020B0604020202020204" pitchFamily="34" charset="-128"/>
-                <a:ea typeface="Arial Unicode MS" panose="020B0604020202020204" pitchFamily="34" charset="-128"/>
-                <a:cs typeface="Arial Unicode MS" panose="020B0604020202020204" pitchFamily="34" charset="-128"/>
+                <a:latin typeface="Calibri" panose="020F0502020204030204" pitchFamily="34" charset="0"/>
+                <a:ea typeface="Calibri" panose="020F0502020204030204" pitchFamily="34" charset="0"/>
+                <a:cs typeface="Calibri" panose="020F0502020204030204" pitchFamily="34" charset="0"/>
               </a:rPr>
               <a:t>Find the number of movies that have a genre associated with them</a:t>
             </a:r>
@@ -17854,9 +17322,9 @@
               <a:uFill>
                 <a:solidFill/>
               </a:uFill>
-              <a:latin typeface="Arial Unicode MS" panose="020B0604020202020204" pitchFamily="34" charset="-128"/>
-              <a:ea typeface="Arial Unicode MS" panose="020B0604020202020204" pitchFamily="34" charset="-128"/>
-              <a:cs typeface="Arial Unicode MS" panose="020B0604020202020204" pitchFamily="34" charset="-128"/>
+              <a:latin typeface="Calibri" panose="020F0502020204030204" pitchFamily="34" charset="0"/>
+              <a:ea typeface="Calibri" panose="020F0502020204030204" pitchFamily="34" charset="0"/>
+              <a:cs typeface="Calibri" panose="020F0502020204030204" pitchFamily="34" charset="0"/>
             </a:endParaRPr>
           </a:p>
           <a:p>
@@ -17876,9 +17344,9 @@
                 <a:uFill>
                   <a:solidFill/>
                 </a:uFill>
-                <a:latin typeface="Arial Unicode MS" panose="020B0604020202020204" pitchFamily="34" charset="-128"/>
-                <a:ea typeface="Arial Unicode MS" panose="020B0604020202020204" pitchFamily="34" charset="-128"/>
-                <a:cs typeface="Arial Unicode MS" panose="020B0604020202020204" pitchFamily="34" charset="-128"/>
+                <a:latin typeface="Calibri" panose="020F0502020204030204" pitchFamily="34" charset="0"/>
+                <a:ea typeface="Calibri" panose="020F0502020204030204" pitchFamily="34" charset="0"/>
+                <a:cs typeface="Calibri" panose="020F0502020204030204" pitchFamily="34" charset="0"/>
               </a:rPr>
               <a:t>MIN(</a:t>
             </a:r>
@@ -17890,9 +17358,9 @@
                 <a:uFill>
                   <a:solidFill/>
                 </a:uFill>
-                <a:latin typeface="Arial Unicode MS" panose="020B0604020202020204" pitchFamily="34" charset="-128"/>
-                <a:ea typeface="Arial Unicode MS" panose="020B0604020202020204" pitchFamily="34" charset="-128"/>
-                <a:cs typeface="Arial Unicode MS" panose="020B0604020202020204" pitchFamily="34" charset="-128"/>
+                <a:latin typeface="Calibri" panose="020F0502020204030204" pitchFamily="34" charset="0"/>
+                <a:ea typeface="Calibri" panose="020F0502020204030204" pitchFamily="34" charset="0"/>
+                <a:cs typeface="Calibri" panose="020F0502020204030204" pitchFamily="34" charset="0"/>
               </a:rPr>
               <a:t>attr</a:t>
             </a:r>
@@ -17904,9 +17372,9 @@
                 <a:uFill>
                   <a:solidFill/>
                 </a:uFill>
-                <a:latin typeface="Arial Unicode MS" panose="020B0604020202020204" pitchFamily="34" charset="-128"/>
-                <a:ea typeface="Arial Unicode MS" panose="020B0604020202020204" pitchFamily="34" charset="-128"/>
-                <a:cs typeface="Arial Unicode MS" panose="020B0604020202020204" pitchFamily="34" charset="-128"/>
+                <a:latin typeface="Calibri" panose="020F0502020204030204" pitchFamily="34" charset="0"/>
+                <a:ea typeface="Calibri" panose="020F0502020204030204" pitchFamily="34" charset="0"/>
+                <a:cs typeface="Calibri" panose="020F0502020204030204" pitchFamily="34" charset="0"/>
               </a:rPr>
               <a:t>), MAX(</a:t>
             </a:r>
@@ -17918,9 +17386,9 @@
                 <a:uFill>
                   <a:solidFill/>
                 </a:uFill>
-                <a:latin typeface="Arial Unicode MS" panose="020B0604020202020204" pitchFamily="34" charset="-128"/>
-                <a:ea typeface="Arial Unicode MS" panose="020B0604020202020204" pitchFamily="34" charset="-128"/>
-                <a:cs typeface="Arial Unicode MS" panose="020B0604020202020204" pitchFamily="34" charset="-128"/>
+                <a:latin typeface="Calibri" panose="020F0502020204030204" pitchFamily="34" charset="0"/>
+                <a:ea typeface="Calibri" panose="020F0502020204030204" pitchFamily="34" charset="0"/>
+                <a:cs typeface="Calibri" panose="020F0502020204030204" pitchFamily="34" charset="0"/>
               </a:rPr>
               <a:t>attr</a:t>
             </a:r>
@@ -17932,9 +17400,9 @@
                 <a:uFill>
                   <a:solidFill/>
                 </a:uFill>
-                <a:latin typeface="Arial Unicode MS" panose="020B0604020202020204" pitchFamily="34" charset="-128"/>
-                <a:ea typeface="Arial Unicode MS" panose="020B0604020202020204" pitchFamily="34" charset="-128"/>
-                <a:cs typeface="Arial Unicode MS" panose="020B0604020202020204" pitchFamily="34" charset="-128"/>
+                <a:latin typeface="Calibri" panose="020F0502020204030204" pitchFamily="34" charset="0"/>
+                <a:ea typeface="Calibri" panose="020F0502020204030204" pitchFamily="34" charset="0"/>
+                <a:cs typeface="Calibri" panose="020F0502020204030204" pitchFamily="34" charset="0"/>
               </a:rPr>
               <a:t>), AVG(</a:t>
             </a:r>
@@ -17946,9 +17414,9 @@
                 <a:uFill>
                   <a:solidFill/>
                 </a:uFill>
-                <a:latin typeface="Arial Unicode MS" panose="020B0604020202020204" pitchFamily="34" charset="-128"/>
-                <a:ea typeface="Arial Unicode MS" panose="020B0604020202020204" pitchFamily="34" charset="-128"/>
-                <a:cs typeface="Arial Unicode MS" panose="020B0604020202020204" pitchFamily="34" charset="-128"/>
+                <a:latin typeface="Calibri" panose="020F0502020204030204" pitchFamily="34" charset="0"/>
+                <a:ea typeface="Calibri" panose="020F0502020204030204" pitchFamily="34" charset="0"/>
+                <a:cs typeface="Calibri" panose="020F0502020204030204" pitchFamily="34" charset="0"/>
               </a:rPr>
               <a:t>attr</a:t>
             </a:r>
@@ -17960,9 +17428,9 @@
                 <a:uFill>
                   <a:solidFill/>
                 </a:uFill>
-                <a:latin typeface="Arial Unicode MS" panose="020B0604020202020204" pitchFamily="34" charset="-128"/>
-                <a:ea typeface="Arial Unicode MS" panose="020B0604020202020204" pitchFamily="34" charset="-128"/>
-                <a:cs typeface="Arial Unicode MS" panose="020B0604020202020204" pitchFamily="34" charset="-128"/>
+                <a:latin typeface="Calibri" panose="020F0502020204030204" pitchFamily="34" charset="0"/>
+                <a:ea typeface="Calibri" panose="020F0502020204030204" pitchFamily="34" charset="0"/>
+                <a:cs typeface="Calibri" panose="020F0502020204030204" pitchFamily="34" charset="0"/>
               </a:rPr>
               <a:t>), STDEV(</a:t>
             </a:r>
@@ -17974,9 +17442,9 @@
                 <a:uFill>
                   <a:solidFill/>
                 </a:uFill>
-                <a:latin typeface="Arial Unicode MS" panose="020B0604020202020204" pitchFamily="34" charset="-128"/>
-                <a:ea typeface="Arial Unicode MS" panose="020B0604020202020204" pitchFamily="34" charset="-128"/>
-                <a:cs typeface="Arial Unicode MS" panose="020B0604020202020204" pitchFamily="34" charset="-128"/>
+                <a:latin typeface="Calibri" panose="020F0502020204030204" pitchFamily="34" charset="0"/>
+                <a:ea typeface="Calibri" panose="020F0502020204030204" pitchFamily="34" charset="0"/>
+                <a:cs typeface="Calibri" panose="020F0502020204030204" pitchFamily="34" charset="0"/>
               </a:rPr>
               <a:t>attr</a:t>
             </a:r>
@@ -17988,9 +17456,9 @@
                 <a:uFill>
                   <a:solidFill/>
                 </a:uFill>
-                <a:latin typeface="Arial Unicode MS" panose="020B0604020202020204" pitchFamily="34" charset="-128"/>
-                <a:ea typeface="Arial Unicode MS" panose="020B0604020202020204" pitchFamily="34" charset="-128"/>
-                <a:cs typeface="Arial Unicode MS" panose="020B0604020202020204" pitchFamily="34" charset="-128"/>
+                <a:latin typeface="Calibri" panose="020F0502020204030204" pitchFamily="34" charset="0"/>
+                <a:ea typeface="Calibri" panose="020F0502020204030204" pitchFamily="34" charset="0"/>
+                <a:cs typeface="Calibri" panose="020F0502020204030204" pitchFamily="34" charset="0"/>
               </a:rPr>
               <a:t>), SUM(</a:t>
             </a:r>
@@ -18002,9 +17470,9 @@
                 <a:uFill>
                   <a:solidFill/>
                 </a:uFill>
-                <a:latin typeface="Arial Unicode MS" panose="020B0604020202020204" pitchFamily="34" charset="-128"/>
-                <a:ea typeface="Arial Unicode MS" panose="020B0604020202020204" pitchFamily="34" charset="-128"/>
-                <a:cs typeface="Arial Unicode MS" panose="020B0604020202020204" pitchFamily="34" charset="-128"/>
+                <a:latin typeface="Calibri" panose="020F0502020204030204" pitchFamily="34" charset="0"/>
+                <a:ea typeface="Calibri" panose="020F0502020204030204" pitchFamily="34" charset="0"/>
+                <a:cs typeface="Calibri" panose="020F0502020204030204" pitchFamily="34" charset="0"/>
               </a:rPr>
               <a:t>attr</a:t>
             </a:r>
@@ -18016,9 +17484,9 @@
                 <a:uFill>
                   <a:solidFill/>
                 </a:uFill>
-                <a:latin typeface="Arial Unicode MS" panose="020B0604020202020204" pitchFamily="34" charset="-128"/>
-                <a:ea typeface="Arial Unicode MS" panose="020B0604020202020204" pitchFamily="34" charset="-128"/>
-                <a:cs typeface="Arial Unicode MS" panose="020B0604020202020204" pitchFamily="34" charset="-128"/>
+                <a:latin typeface="Calibri" panose="020F0502020204030204" pitchFamily="34" charset="0"/>
+                <a:ea typeface="Calibri" panose="020F0502020204030204" pitchFamily="34" charset="0"/>
+                <a:cs typeface="Calibri" panose="020F0502020204030204" pitchFamily="34" charset="0"/>
               </a:rPr>
               <a:t>)</a:t>
             </a:r>
@@ -18042,9 +17510,9 @@
                 <a:uFill>
                   <a:solidFill/>
                 </a:uFill>
-                <a:latin typeface="Arial Unicode MS" panose="020B0604020202020204" pitchFamily="34" charset="-128"/>
-                <a:ea typeface="Arial Unicode MS" panose="020B0604020202020204" pitchFamily="34" charset="-128"/>
-                <a:cs typeface="Arial Unicode MS" panose="020B0604020202020204" pitchFamily="34" charset="-128"/>
+                <a:latin typeface="Calibri" panose="020F0502020204030204" pitchFamily="34" charset="0"/>
+                <a:ea typeface="Calibri" panose="020F0502020204030204" pitchFamily="34" charset="0"/>
+                <a:cs typeface="Calibri" panose="020F0502020204030204" pitchFamily="34" charset="0"/>
               </a:rPr>
               <a:t>Find the earliest release year and the latest release year for movies</a:t>
             </a:r>
@@ -18068,9 +17536,9 @@
                 <a:uFill>
                   <a:solidFill/>
                 </a:uFill>
-                <a:latin typeface="Arial Unicode MS" panose="020B0604020202020204" pitchFamily="34" charset="-128"/>
-                <a:ea typeface="Arial Unicode MS" panose="020B0604020202020204" pitchFamily="34" charset="-128"/>
-                <a:cs typeface="Arial Unicode MS" panose="020B0604020202020204" pitchFamily="34" charset="-128"/>
+                <a:latin typeface="Calibri" panose="020F0502020204030204" pitchFamily="34" charset="0"/>
+                <a:ea typeface="Calibri" panose="020F0502020204030204" pitchFamily="34" charset="0"/>
+                <a:cs typeface="Calibri" panose="020F0502020204030204" pitchFamily="34" charset="0"/>
               </a:rPr>
               <a:t>Find the average rating of the movies and the standard deviation</a:t>
             </a:r>
@@ -18091,9 +17559,9 @@
               <a:uFill>
                 <a:solidFill/>
               </a:uFill>
-              <a:latin typeface="Arial Unicode MS" panose="020B0604020202020204" pitchFamily="34" charset="-128"/>
-              <a:ea typeface="Arial Unicode MS" panose="020B0604020202020204" pitchFamily="34" charset="-128"/>
-              <a:cs typeface="Arial Unicode MS" panose="020B0604020202020204" pitchFamily="34" charset="-128"/>
+              <a:latin typeface="Calibri" panose="020F0502020204030204" pitchFamily="34" charset="0"/>
+              <a:ea typeface="Calibri" panose="020F0502020204030204" pitchFamily="34" charset="0"/>
+              <a:cs typeface="Calibri" panose="020F0502020204030204" pitchFamily="34" charset="0"/>
             </a:endParaRPr>
           </a:p>
         </p:txBody>
@@ -18148,7 +17616,7 @@
           </a:ln>
           <a:extLst>
             <a:ext uri="{C572A759-6A51-4108-AA02-DFA0A04FC94B}">
-              <ma14:wrappingTextBoxFlag xmlns:ma14="http://schemas.microsoft.com/office/mac/drawingml/2011/main" xmlns="" val="1"/>
+              <ma14:wrappingTextBoxFlag xmlns="" xmlns:ma14="http://schemas.microsoft.com/office/mac/drawingml/2011/main" val="1"/>
             </a:ext>
           </a:extLst>
         </p:spPr>
@@ -18183,7 +17651,7 @@
                     <a:srgbClr val="FFFFFF"/>
                   </a:solidFill>
                 </a:uFill>
-                <a:latin typeface="Arial Unicode MS" panose="020B0604020202020204" pitchFamily="34" charset="-128"/>
+                <a:latin typeface="Calibri" panose="020F0502020204030204" pitchFamily="34" charset="0"/>
               </a:rPr>
               <a:t>Group by </a:t>
             </a:r>
@@ -18209,7 +17677,7 @@
           </a:ln>
           <a:extLst>
             <a:ext uri="{C572A759-6A51-4108-AA02-DFA0A04FC94B}">
-              <ma14:wrappingTextBoxFlag xmlns:ma14="http://schemas.microsoft.com/office/mac/drawingml/2011/main" xmlns="" val="1"/>
+              <ma14:wrappingTextBoxFlag xmlns="" xmlns:ma14="http://schemas.microsoft.com/office/mac/drawingml/2011/main" val="1"/>
             </a:ext>
           </a:extLst>
         </p:spPr>
@@ -18235,9 +17703,9 @@
                 <a:uFill>
                   <a:solidFill/>
                 </a:uFill>
-                <a:latin typeface="Arial Unicode MS" panose="020B0604020202020204" pitchFamily="34" charset="-128"/>
-                <a:ea typeface="Arial Unicode MS" panose="020B0604020202020204" pitchFamily="34" charset="-128"/>
-                <a:cs typeface="Arial Unicode MS" panose="020B0604020202020204" pitchFamily="34" charset="-128"/>
+                <a:latin typeface="Calibri" panose="020F0502020204030204" pitchFamily="34" charset="0"/>
+                <a:ea typeface="Calibri" panose="020F0502020204030204" pitchFamily="34" charset="0"/>
+                <a:cs typeface="Calibri" panose="020F0502020204030204" pitchFamily="34" charset="0"/>
                 <a:sym typeface="Iowan Old Style Roman"/>
               </a:rPr>
               <a:t>SELECT 	</a:t>
@@ -18247,9 +17715,9 @@
                 <a:uFill>
                   <a:solidFill/>
                 </a:uFill>
-                <a:latin typeface="Arial Unicode MS" panose="020B0604020202020204" pitchFamily="34" charset="-128"/>
-                <a:ea typeface="Arial Unicode MS" panose="020B0604020202020204" pitchFamily="34" charset="-128"/>
-                <a:cs typeface="Arial Unicode MS" panose="020B0604020202020204" pitchFamily="34" charset="-128"/>
+                <a:latin typeface="Calibri" panose="020F0502020204030204" pitchFamily="34" charset="0"/>
+                <a:ea typeface="Calibri" panose="020F0502020204030204" pitchFamily="34" charset="0"/>
+                <a:cs typeface="Calibri" panose="020F0502020204030204" pitchFamily="34" charset="0"/>
                 <a:sym typeface="Iowan Old Style Roman"/>
               </a:rPr>
               <a:t>A</a:t>
@@ -18259,9 +17727,9 @@
                 <a:uFill>
                   <a:solidFill/>
                 </a:uFill>
-                <a:latin typeface="Arial Unicode MS" panose="020B0604020202020204" pitchFamily="34" charset="-128"/>
-                <a:ea typeface="Arial Unicode MS" panose="020B0604020202020204" pitchFamily="34" charset="-128"/>
-                <a:cs typeface="Arial Unicode MS" panose="020B0604020202020204" pitchFamily="34" charset="-128"/>
+                <a:latin typeface="Calibri" panose="020F0502020204030204" pitchFamily="34" charset="0"/>
+                <a:ea typeface="Calibri" panose="020F0502020204030204" pitchFamily="34" charset="0"/>
+                <a:cs typeface="Calibri" panose="020F0502020204030204" pitchFamily="34" charset="0"/>
                 <a:sym typeface="Iowan Old Style Roman"/>
               </a:rPr>
               <a:t>1</a:t>
@@ -18271,9 +17739,9 @@
                 <a:uFill>
                   <a:solidFill/>
                 </a:uFill>
-                <a:latin typeface="Arial Unicode MS" panose="020B0604020202020204" pitchFamily="34" charset="-128"/>
-                <a:ea typeface="Arial Unicode MS" panose="020B0604020202020204" pitchFamily="34" charset="-128"/>
-                <a:cs typeface="Arial Unicode MS" panose="020B0604020202020204" pitchFamily="34" charset="-128"/>
+                <a:latin typeface="Calibri" panose="020F0502020204030204" pitchFamily="34" charset="0"/>
+                <a:ea typeface="Calibri" panose="020F0502020204030204" pitchFamily="34" charset="0"/>
+                <a:cs typeface="Calibri" panose="020F0502020204030204" pitchFamily="34" charset="0"/>
                 <a:sym typeface="Iowan Old Style Roman"/>
               </a:rPr>
               <a:t>,</a:t>
@@ -18283,9 +17751,9 @@
                 <a:uFill>
                   <a:solidFill/>
                 </a:uFill>
-                <a:latin typeface="Arial Unicode MS" panose="020B0604020202020204" pitchFamily="34" charset="-128"/>
-                <a:ea typeface="Arial Unicode MS" panose="020B0604020202020204" pitchFamily="34" charset="-128"/>
-                <a:cs typeface="Arial Unicode MS" panose="020B0604020202020204" pitchFamily="34" charset="-128"/>
+                <a:latin typeface="Calibri" panose="020F0502020204030204" pitchFamily="34" charset="0"/>
+                <a:ea typeface="Calibri" panose="020F0502020204030204" pitchFamily="34" charset="0"/>
+                <a:cs typeface="Calibri" panose="020F0502020204030204" pitchFamily="34" charset="0"/>
                 <a:sym typeface="Iowan Old Style Roman"/>
               </a:rPr>
               <a:t>…,</a:t>
@@ -18295,9 +17763,9 @@
                 <a:uFill>
                   <a:solidFill/>
                 </a:uFill>
-                <a:latin typeface="Arial Unicode MS" panose="020B0604020202020204" pitchFamily="34" charset="-128"/>
-                <a:ea typeface="Arial Unicode MS" panose="020B0604020202020204" pitchFamily="34" charset="-128"/>
-                <a:cs typeface="Arial Unicode MS" panose="020B0604020202020204" pitchFamily="34" charset="-128"/>
+                <a:latin typeface="Calibri" panose="020F0502020204030204" pitchFamily="34" charset="0"/>
+                <a:ea typeface="Calibri" panose="020F0502020204030204" pitchFamily="34" charset="0"/>
+                <a:cs typeface="Calibri" panose="020F0502020204030204" pitchFamily="34" charset="0"/>
                 <a:sym typeface="Iowan Old Style Roman"/>
               </a:rPr>
               <a:t> </a:t>
@@ -18307,9 +17775,9 @@
                 <a:uFill>
                   <a:solidFill/>
                 </a:uFill>
-                <a:latin typeface="Arial Unicode MS" panose="020B0604020202020204" pitchFamily="34" charset="-128"/>
-                <a:ea typeface="Arial Unicode MS" panose="020B0604020202020204" pitchFamily="34" charset="-128"/>
-                <a:cs typeface="Arial Unicode MS" panose="020B0604020202020204" pitchFamily="34" charset="-128"/>
+                <a:latin typeface="Calibri" panose="020F0502020204030204" pitchFamily="34" charset="0"/>
+                <a:ea typeface="Calibri" panose="020F0502020204030204" pitchFamily="34" charset="0"/>
+                <a:cs typeface="Calibri" panose="020F0502020204030204" pitchFamily="34" charset="0"/>
                 <a:sym typeface="Iowan Old Style Roman"/>
               </a:rPr>
               <a:t> </a:t>
@@ -18319,9 +17787,9 @@
                 <a:uFill>
                   <a:solidFill/>
                 </a:uFill>
-                <a:latin typeface="Arial Unicode MS" panose="020B0604020202020204" pitchFamily="34" charset="-128"/>
-                <a:ea typeface="Arial Unicode MS" panose="020B0604020202020204" pitchFamily="34" charset="-128"/>
-                <a:cs typeface="Arial Unicode MS" panose="020B0604020202020204" pitchFamily="34" charset="-128"/>
+                <a:latin typeface="Calibri" panose="020F0502020204030204" pitchFamily="34" charset="0"/>
+                <a:ea typeface="Calibri" panose="020F0502020204030204" pitchFamily="34" charset="0"/>
+                <a:cs typeface="Calibri" panose="020F0502020204030204" pitchFamily="34" charset="0"/>
                 <a:sym typeface="Iowan Old Style Roman"/>
               </a:rPr>
               <a:t>AggFunc1(attr1), … </a:t>
@@ -18330,9 +17798,9 @@
               <a:uFill>
                 <a:solidFill/>
               </a:uFill>
-              <a:latin typeface="Arial Unicode MS" panose="020B0604020202020204" pitchFamily="34" charset="-128"/>
-              <a:ea typeface="Arial Unicode MS" panose="020B0604020202020204" pitchFamily="34" charset="-128"/>
-              <a:cs typeface="Arial Unicode MS" panose="020B0604020202020204" pitchFamily="34" charset="-128"/>
+              <a:latin typeface="Calibri" panose="020F0502020204030204" pitchFamily="34" charset="0"/>
+              <a:ea typeface="Calibri" panose="020F0502020204030204" pitchFamily="34" charset="0"/>
+              <a:cs typeface="Calibri" panose="020F0502020204030204" pitchFamily="34" charset="0"/>
               <a:sym typeface="Iowan Old Style Roman"/>
             </a:endParaRPr>
           </a:p>
@@ -18353,9 +17821,9 @@
                 <a:uFill>
                   <a:solidFill/>
                 </a:uFill>
-                <a:latin typeface="Arial Unicode MS" panose="020B0604020202020204" pitchFamily="34" charset="-128"/>
-                <a:ea typeface="Arial Unicode MS" panose="020B0604020202020204" pitchFamily="34" charset="-128"/>
-                <a:cs typeface="Arial Unicode MS" panose="020B0604020202020204" pitchFamily="34" charset="-128"/>
+                <a:latin typeface="Calibri" panose="020F0502020204030204" pitchFamily="34" charset="0"/>
+                <a:ea typeface="Calibri" panose="020F0502020204030204" pitchFamily="34" charset="0"/>
+                <a:cs typeface="Calibri" panose="020F0502020204030204" pitchFamily="34" charset="0"/>
                 <a:sym typeface="Iowan Old Style Roman"/>
               </a:rPr>
               <a:t>FROM 	T</a:t>
@@ -18365,9 +17833,9 @@
                 <a:uFill>
                   <a:solidFill/>
                 </a:uFill>
-                <a:latin typeface="Arial Unicode MS" panose="020B0604020202020204" pitchFamily="34" charset="-128"/>
-                <a:ea typeface="Arial Unicode MS" panose="020B0604020202020204" pitchFamily="34" charset="-128"/>
-                <a:cs typeface="Arial Unicode MS" panose="020B0604020202020204" pitchFamily="34" charset="-128"/>
+                <a:latin typeface="Calibri" panose="020F0502020204030204" pitchFamily="34" charset="0"/>
+                <a:ea typeface="Calibri" panose="020F0502020204030204" pitchFamily="34" charset="0"/>
+                <a:cs typeface="Calibri" panose="020F0502020204030204" pitchFamily="34" charset="0"/>
                 <a:sym typeface="Iowan Old Style Roman"/>
               </a:rPr>
               <a:t>1</a:t>
@@ -18377,9 +17845,9 @@
                 <a:uFill>
                   <a:solidFill/>
                 </a:uFill>
-                <a:latin typeface="Arial Unicode MS" panose="020B0604020202020204" pitchFamily="34" charset="-128"/>
-                <a:ea typeface="Arial Unicode MS" panose="020B0604020202020204" pitchFamily="34" charset="-128"/>
-                <a:cs typeface="Arial Unicode MS" panose="020B0604020202020204" pitchFamily="34" charset="-128"/>
+                <a:latin typeface="Calibri" panose="020F0502020204030204" pitchFamily="34" charset="0"/>
+                <a:ea typeface="Calibri" panose="020F0502020204030204" pitchFamily="34" charset="0"/>
+                <a:cs typeface="Calibri" panose="020F0502020204030204" pitchFamily="34" charset="0"/>
                 <a:sym typeface="Iowan Old Style Roman"/>
               </a:rPr>
               <a:t>, </a:t>
@@ -18394,9 +17862,9 @@
                 <a:uFill>
                   <a:solidFill/>
                 </a:uFill>
-                <a:latin typeface="Arial Unicode MS" panose="020B0604020202020204" pitchFamily="34" charset="-128"/>
-                <a:ea typeface="Arial Unicode MS" panose="020B0604020202020204" pitchFamily="34" charset="-128"/>
-                <a:cs typeface="Arial Unicode MS" panose="020B0604020202020204" pitchFamily="34" charset="-128"/>
+                <a:latin typeface="Calibri" panose="020F0502020204030204" pitchFamily="34" charset="0"/>
+                <a:ea typeface="Calibri" panose="020F0502020204030204" pitchFamily="34" charset="0"/>
+                <a:cs typeface="Calibri" panose="020F0502020204030204" pitchFamily="34" charset="0"/>
                 <a:sym typeface="Iowan Old Style Roman"/>
               </a:rPr>
               <a:t>T</a:t>
@@ -18411,9 +17879,9 @@
                 <a:uFill>
                   <a:solidFill/>
                 </a:uFill>
-                <a:latin typeface="Arial Unicode MS" panose="020B0604020202020204" pitchFamily="34" charset="-128"/>
-                <a:ea typeface="Arial Unicode MS" panose="020B0604020202020204" pitchFamily="34" charset="-128"/>
-                <a:cs typeface="Arial Unicode MS" panose="020B0604020202020204" pitchFamily="34" charset="-128"/>
+                <a:latin typeface="Calibri" panose="020F0502020204030204" pitchFamily="34" charset="0"/>
+                <a:ea typeface="Calibri" panose="020F0502020204030204" pitchFamily="34" charset="0"/>
+                <a:cs typeface="Calibri" panose="020F0502020204030204" pitchFamily="34" charset="0"/>
                 <a:sym typeface="Iowan Old Style Roman"/>
               </a:rPr>
               <a:t>2</a:t>
@@ -18428,9 +17896,9 @@
                 <a:uFill>
                   <a:solidFill/>
                 </a:uFill>
-                <a:latin typeface="Arial Unicode MS" panose="020B0604020202020204" pitchFamily="34" charset="-128"/>
-                <a:ea typeface="Arial Unicode MS" panose="020B0604020202020204" pitchFamily="34" charset="-128"/>
-                <a:cs typeface="Arial Unicode MS" panose="020B0604020202020204" pitchFamily="34" charset="-128"/>
+                <a:latin typeface="Calibri" panose="020F0502020204030204" pitchFamily="34" charset="0"/>
+                <a:ea typeface="Calibri" panose="020F0502020204030204" pitchFamily="34" charset="0"/>
+                <a:cs typeface="Calibri" panose="020F0502020204030204" pitchFamily="34" charset="0"/>
                 <a:sym typeface="Iowan Old Style Roman"/>
               </a:rPr>
               <a:t>, … T</a:t>
@@ -18445,9 +17913,9 @@
                 <a:uFill>
                   <a:solidFill/>
                 </a:uFill>
-                <a:latin typeface="Arial Unicode MS" panose="020B0604020202020204" pitchFamily="34" charset="-128"/>
-                <a:ea typeface="Arial Unicode MS" panose="020B0604020202020204" pitchFamily="34" charset="-128"/>
-                <a:cs typeface="Arial Unicode MS" panose="020B0604020202020204" pitchFamily="34" charset="-128"/>
+                <a:latin typeface="Calibri" panose="020F0502020204030204" pitchFamily="34" charset="0"/>
+                <a:ea typeface="Calibri" panose="020F0502020204030204" pitchFamily="34" charset="0"/>
+                <a:cs typeface="Calibri" panose="020F0502020204030204" pitchFamily="34" charset="0"/>
                 <a:sym typeface="Iowan Old Style Roman"/>
               </a:rPr>
               <a:t>m</a:t>
@@ -18461,9 +17929,9 @@
               <a:uFill>
                 <a:solidFill/>
               </a:uFill>
-              <a:latin typeface="Arial Unicode MS" panose="020B0604020202020204" pitchFamily="34" charset="-128"/>
-              <a:ea typeface="Arial Unicode MS" panose="020B0604020202020204" pitchFamily="34" charset="-128"/>
-              <a:cs typeface="Arial Unicode MS" panose="020B0604020202020204" pitchFamily="34" charset="-128"/>
+              <a:latin typeface="Calibri" panose="020F0502020204030204" pitchFamily="34" charset="0"/>
+              <a:ea typeface="Calibri" panose="020F0502020204030204" pitchFamily="34" charset="0"/>
+              <a:cs typeface="Calibri" panose="020F0502020204030204" pitchFamily="34" charset="0"/>
               <a:sym typeface="Iowan Old Style Roman"/>
             </a:endParaRPr>
           </a:p>
@@ -18484,9 +17952,9 @@
                 <a:uFill>
                   <a:solidFill/>
                 </a:uFill>
-                <a:latin typeface="Arial Unicode MS" panose="020B0604020202020204" pitchFamily="34" charset="-128"/>
-                <a:ea typeface="Arial Unicode MS" panose="020B0604020202020204" pitchFamily="34" charset="-128"/>
-                <a:cs typeface="Arial Unicode MS" panose="020B0604020202020204" pitchFamily="34" charset="-128"/>
+                <a:latin typeface="Calibri" panose="020F0502020204030204" pitchFamily="34" charset="0"/>
+                <a:ea typeface="Calibri" panose="020F0502020204030204" pitchFamily="34" charset="0"/>
+                <a:cs typeface="Calibri" panose="020F0502020204030204" pitchFamily="34" charset="0"/>
                 <a:sym typeface="Iowan Old Style Roman"/>
               </a:rPr>
               <a:t>WHERE 	condition</a:t>
@@ -18509,9 +17977,9 @@
                 <a:uFill>
                   <a:solidFill/>
                 </a:uFill>
-                <a:latin typeface="Arial Unicode MS" panose="020B0604020202020204" pitchFamily="34" charset="-128"/>
-                <a:ea typeface="Arial Unicode MS" panose="020B0604020202020204" pitchFamily="34" charset="-128"/>
-                <a:cs typeface="Arial Unicode MS" panose="020B0604020202020204" pitchFamily="34" charset="-128"/>
+                <a:latin typeface="Calibri" panose="020F0502020204030204" pitchFamily="34" charset="0"/>
+                <a:ea typeface="Calibri" panose="020F0502020204030204" pitchFamily="34" charset="0"/>
+                <a:cs typeface="Calibri" panose="020F0502020204030204" pitchFamily="34" charset="0"/>
                 <a:sym typeface="Iowan Old Style Roman"/>
               </a:rPr>
               <a:t>Group By   </a:t>
@@ -18521,9 +17989,9 @@
                 <a:uFill>
                   <a:solidFill/>
                 </a:uFill>
-                <a:latin typeface="Arial Unicode MS" panose="020B0604020202020204" pitchFamily="34" charset="-128"/>
-                <a:ea typeface="Arial Unicode MS" panose="020B0604020202020204" pitchFamily="34" charset="-128"/>
-                <a:cs typeface="Arial Unicode MS" panose="020B0604020202020204" pitchFamily="34" charset="-128"/>
+                <a:latin typeface="Calibri" panose="020F0502020204030204" pitchFamily="34" charset="0"/>
+                <a:ea typeface="Calibri" panose="020F0502020204030204" pitchFamily="34" charset="0"/>
+                <a:cs typeface="Calibri" panose="020F0502020204030204" pitchFamily="34" charset="0"/>
                 <a:sym typeface="Iowan Old Style Roman"/>
               </a:rPr>
               <a:t>A</a:t>
@@ -18533,9 +18001,9 @@
                 <a:uFill>
                   <a:solidFill/>
                 </a:uFill>
-                <a:latin typeface="Arial Unicode MS" panose="020B0604020202020204" pitchFamily="34" charset="-128"/>
-                <a:ea typeface="Arial Unicode MS" panose="020B0604020202020204" pitchFamily="34" charset="-128"/>
-                <a:cs typeface="Arial Unicode MS" panose="020B0604020202020204" pitchFamily="34" charset="-128"/>
+                <a:latin typeface="Calibri" panose="020F0502020204030204" pitchFamily="34" charset="0"/>
+                <a:ea typeface="Calibri" panose="020F0502020204030204" pitchFamily="34" charset="0"/>
+                <a:cs typeface="Calibri" panose="020F0502020204030204" pitchFamily="34" charset="0"/>
                 <a:sym typeface="Iowan Old Style Roman"/>
               </a:rPr>
               <a:t>1</a:t>
@@ -18545,9 +18013,9 @@
                 <a:uFill>
                   <a:solidFill/>
                 </a:uFill>
-                <a:latin typeface="Arial Unicode MS" panose="020B0604020202020204" pitchFamily="34" charset="-128"/>
-                <a:ea typeface="Arial Unicode MS" panose="020B0604020202020204" pitchFamily="34" charset="-128"/>
-                <a:cs typeface="Arial Unicode MS" panose="020B0604020202020204" pitchFamily="34" charset="-128"/>
+                <a:latin typeface="Calibri" panose="020F0502020204030204" pitchFamily="34" charset="0"/>
+                <a:ea typeface="Calibri" panose="020F0502020204030204" pitchFamily="34" charset="0"/>
+                <a:cs typeface="Calibri" panose="020F0502020204030204" pitchFamily="34" charset="0"/>
                 <a:sym typeface="Iowan Old Style Roman"/>
               </a:rPr>
               <a:t>,…</a:t>
@@ -18556,9 +18024,9 @@
               <a:uFill>
                 <a:solidFill/>
               </a:uFill>
-              <a:latin typeface="Arial Unicode MS" panose="020B0604020202020204" pitchFamily="34" charset="-128"/>
-              <a:ea typeface="Arial Unicode MS" panose="020B0604020202020204" pitchFamily="34" charset="-128"/>
-              <a:cs typeface="Arial Unicode MS" panose="020B0604020202020204" pitchFamily="34" charset="-128"/>
+              <a:latin typeface="Calibri" panose="020F0502020204030204" pitchFamily="34" charset="0"/>
+              <a:ea typeface="Calibri" panose="020F0502020204030204" pitchFamily="34" charset="0"/>
+              <a:cs typeface="Calibri" panose="020F0502020204030204" pitchFamily="34" charset="0"/>
               <a:sym typeface="Iowan Old Style Roman"/>
             </a:endParaRPr>
           </a:p>
@@ -18601,7 +18069,7 @@
               </a:defRPr>
             </a:pPr>
             <a:endParaRPr dirty="0">
-              <a:latin typeface="Arial Unicode MS" panose="020B0604020202020204" pitchFamily="34" charset="-128"/>
+              <a:latin typeface="Calibri" panose="020F0502020204030204" pitchFamily="34" charset="0"/>
             </a:endParaRPr>
           </a:p>
         </p:txBody>
@@ -18652,7 +18120,7 @@
               </a:defRPr>
             </a:pPr>
             <a:endParaRPr dirty="0">
-              <a:latin typeface="Arial Unicode MS" panose="020B0604020202020204" pitchFamily="34" charset="-128"/>
+              <a:latin typeface="Calibri" panose="020F0502020204030204" pitchFamily="34" charset="0"/>
             </a:endParaRPr>
           </a:p>
         </p:txBody>
@@ -18666,7 +18134,7 @@
         <p:spPr>
           <a:xfrm>
             <a:off x="4066699" y="1554162"/>
-            <a:ext cx="4857099" cy="615553"/>
+            <a:ext cx="4575163" cy="615553"/>
           </a:xfrm>
           <a:prstGeom prst="rect">
             <a:avLst/>
@@ -18676,7 +18144,7 @@
           </a:ln>
           <a:extLst>
             <a:ext uri="{C572A759-6A51-4108-AA02-DFA0A04FC94B}">
-              <ma14:wrappingTextBoxFlag xmlns:ma14="http://schemas.microsoft.com/office/mac/drawingml/2011/main" xmlns="" val="1"/>
+              <ma14:wrappingTextBoxFlag xmlns="" xmlns:ma14="http://schemas.microsoft.com/office/mac/drawingml/2011/main" val="1"/>
             </a:ext>
           </a:extLst>
         </p:spPr>
@@ -18699,7 +18167,7 @@
                 <a:uFill>
                   <a:solidFill/>
                 </a:uFill>
-                <a:latin typeface="Arial Unicode MS" panose="020B0604020202020204" pitchFamily="34" charset="-128"/>
+                <a:latin typeface="Calibri" panose="020F0502020204030204" pitchFamily="34" charset="0"/>
               </a:rPr>
               <a:t>count, sum, avg, min, max:</a:t>
             </a:r>
@@ -18718,7 +18186,7 @@
                 <a:uFill>
                   <a:solidFill/>
                 </a:uFill>
-                <a:latin typeface="Arial Unicode MS" panose="020B0604020202020204" pitchFamily="34" charset="-128"/>
+                <a:latin typeface="Calibri" panose="020F0502020204030204" pitchFamily="34" charset="0"/>
               </a:rPr>
               <a:t>Applied to</a:t>
             </a:r>
@@ -18727,7 +18195,7 @@
                 <a:uFill>
                   <a:solidFill/>
                 </a:uFill>
-                <a:latin typeface="Arial Unicode MS" panose="020B0604020202020204" pitchFamily="34" charset="-128"/>
+                <a:latin typeface="Calibri" panose="020F0502020204030204" pitchFamily="34" charset="0"/>
               </a:rPr>
               <a:t> columns, split in</a:t>
             </a:r>
@@ -18736,7 +18204,7 @@
                 <a:uFill>
                   <a:solidFill/>
                 </a:uFill>
-                <a:latin typeface="Arial Unicode MS" panose="020B0604020202020204" pitchFamily="34" charset="-128"/>
+                <a:latin typeface="Calibri" panose="020F0502020204030204" pitchFamily="34" charset="0"/>
               </a:rPr>
               <a:t> groups</a:t>
             </a:r>
@@ -18745,7 +18213,7 @@
                 <a:uFill>
                   <a:solidFill/>
                 </a:uFill>
-                <a:latin typeface="Arial Unicode MS" panose="020B0604020202020204" pitchFamily="34" charset="-128"/>
+                <a:latin typeface="Calibri" panose="020F0502020204030204" pitchFamily="34" charset="0"/>
               </a:rPr>
               <a:t> of rows</a:t>
             </a:r>
@@ -18753,7 +18221,7 @@
               <a:uFill>
                 <a:solidFill/>
               </a:uFill>
-              <a:latin typeface="Arial Unicode MS" panose="020B0604020202020204" pitchFamily="34" charset="-128"/>
+              <a:latin typeface="Calibri" panose="020F0502020204030204" pitchFamily="34" charset="0"/>
             </a:endParaRPr>
           </a:p>
         </p:txBody>
@@ -18777,7 +18245,7 @@
           </a:ln>
           <a:extLst>
             <a:ext uri="{C572A759-6A51-4108-AA02-DFA0A04FC94B}">
-              <ma14:wrappingTextBoxFlag xmlns:ma14="http://schemas.microsoft.com/office/mac/drawingml/2011/main" xmlns="" val="1"/>
+              <ma14:wrappingTextBoxFlag xmlns="" xmlns:ma14="http://schemas.microsoft.com/office/mac/drawingml/2011/main" val="1"/>
             </a:ext>
           </a:extLst>
         </p:spPr>
@@ -18800,7 +18268,7 @@
                 <a:uFill>
                   <a:solidFill/>
                 </a:uFill>
-                <a:latin typeface="Arial Unicode MS" panose="020B0604020202020204" pitchFamily="34" charset="-128"/>
+                <a:latin typeface="Calibri" panose="020F0502020204030204" pitchFamily="34" charset="0"/>
                 <a:ea typeface="+mn-ea"/>
                 <a:cs typeface="+mn-cs"/>
                 <a:sym typeface="Arial"/>
@@ -18812,7 +18280,7 @@
                 <a:uFill>
                   <a:solidFill/>
                 </a:uFill>
-                <a:latin typeface="Arial Unicode MS" panose="020B0604020202020204" pitchFamily="34" charset="-128"/>
+                <a:latin typeface="Calibri" panose="020F0502020204030204" pitchFamily="34" charset="0"/>
                 <a:ea typeface="+mn-ea"/>
                 <a:cs typeface="+mn-cs"/>
                 <a:sym typeface="Arial"/>
@@ -18824,7 +18292,7 @@
                 <a:uFill>
                   <a:solidFill/>
                 </a:uFill>
-                <a:latin typeface="Arial Unicode MS" panose="020B0604020202020204" pitchFamily="34" charset="-128"/>
+                <a:latin typeface="Calibri" panose="020F0502020204030204" pitchFamily="34" charset="0"/>
                 <a:ea typeface="+mn-ea"/>
                 <a:cs typeface="+mn-cs"/>
                 <a:sym typeface="Arial"/>
@@ -18836,7 +18304,7 @@
                 <a:uFill>
                   <a:solidFill/>
                 </a:uFill>
-                <a:latin typeface="Arial Unicode MS" panose="020B0604020202020204" pitchFamily="34" charset="-128"/>
+                <a:latin typeface="Calibri" panose="020F0502020204030204" pitchFamily="34" charset="0"/>
                 <a:ea typeface="+mn-ea"/>
                 <a:cs typeface="+mn-cs"/>
                 <a:sym typeface="Arial"/>
@@ -18848,7 +18316,7 @@
                 <a:uFill>
                   <a:solidFill/>
                 </a:uFill>
-                <a:latin typeface="Arial Unicode MS" panose="020B0604020202020204" pitchFamily="34" charset="-128"/>
+                <a:latin typeface="Calibri" panose="020F0502020204030204" pitchFamily="34" charset="0"/>
                 <a:ea typeface="+mn-ea"/>
                 <a:cs typeface="+mn-cs"/>
                 <a:sym typeface="Arial"/>
@@ -18860,7 +18328,7 @@
                 <a:uFill>
                   <a:solidFill/>
                 </a:uFill>
-                <a:latin typeface="Arial Unicode MS" panose="020B0604020202020204" pitchFamily="34" charset="-128"/>
+                <a:latin typeface="Calibri" panose="020F0502020204030204" pitchFamily="34" charset="0"/>
                 <a:ea typeface="+mn-ea"/>
                 <a:cs typeface="+mn-cs"/>
                 <a:sym typeface="Arial"/>
@@ -18872,7 +18340,7 @@
                 <a:uFill>
                   <a:solidFill/>
                 </a:uFill>
-                <a:latin typeface="Arial Unicode MS" panose="020B0604020202020204" pitchFamily="34" charset="-128"/>
+                <a:latin typeface="Calibri" panose="020F0502020204030204" pitchFamily="34" charset="0"/>
                 <a:ea typeface="+mn-ea"/>
                 <a:cs typeface="+mn-cs"/>
                 <a:sym typeface="Arial"/>
@@ -18884,7 +18352,7 @@
                 <a:uFill>
                   <a:solidFill/>
                 </a:uFill>
-                <a:latin typeface="Arial Unicode MS" panose="020B0604020202020204" pitchFamily="34" charset="-128"/>
+                <a:latin typeface="Calibri" panose="020F0502020204030204" pitchFamily="34" charset="0"/>
                 <a:ea typeface="+mn-ea"/>
                 <a:cs typeface="+mn-cs"/>
                 <a:sym typeface="Arial"/>
@@ -18896,7 +18364,7 @@
                 <a:uFill>
                   <a:solidFill/>
                 </a:uFill>
-                <a:latin typeface="Arial Unicode MS" panose="020B0604020202020204" pitchFamily="34" charset="-128"/>
+                <a:latin typeface="Calibri" panose="020F0502020204030204" pitchFamily="34" charset="0"/>
                 <a:ea typeface="+mn-ea"/>
                 <a:cs typeface="+mn-cs"/>
                 <a:sym typeface="Arial"/>
@@ -18908,9 +18376,9 @@
                 <a:uFill>
                   <a:solidFill/>
                 </a:uFill>
-                <a:latin typeface="Arial Unicode MS" panose="020B0604020202020204" pitchFamily="34" charset="-128"/>
-                <a:ea typeface="Arial Unicode MS" panose="020B0604020202020204" pitchFamily="34" charset="-128"/>
-                <a:cs typeface="Arial Unicode MS" panose="020B0604020202020204" pitchFamily="34" charset="-128"/>
+                <a:latin typeface="Calibri" panose="020F0502020204030204" pitchFamily="34" charset="0"/>
+                <a:ea typeface="Calibri" panose="020F0502020204030204" pitchFamily="34" charset="0"/>
+                <a:cs typeface="Calibri" panose="020F0502020204030204" pitchFamily="34" charset="0"/>
                 <a:sym typeface="Iowan Old Style Roman"/>
               </a:rPr>
               <a:t>,…</a:t>
@@ -18920,7 +18388,7 @@
                 <a:uFill>
                   <a:solidFill/>
                 </a:uFill>
-                <a:latin typeface="Arial Unicode MS" panose="020B0604020202020204" pitchFamily="34" charset="-128"/>
+                <a:latin typeface="Calibri" panose="020F0502020204030204" pitchFamily="34" charset="0"/>
                 <a:ea typeface="+mn-ea"/>
                 <a:cs typeface="+mn-cs"/>
                 <a:sym typeface="Arial"/>
@@ -18932,7 +18400,7 @@
                 <a:uFill>
                   <a:solidFill/>
                 </a:uFill>
-                <a:latin typeface="Arial Unicode MS" panose="020B0604020202020204" pitchFamily="34" charset="-128"/>
+                <a:latin typeface="Calibri" panose="020F0502020204030204" pitchFamily="34" charset="0"/>
                 <a:ea typeface="+mn-ea"/>
                 <a:cs typeface="+mn-cs"/>
                 <a:sym typeface="Arial"/>
@@ -18944,7 +18412,7 @@
                 <a:uFill>
                   <a:solidFill/>
                 </a:uFill>
-                <a:latin typeface="Arial Unicode MS" panose="020B0604020202020204" pitchFamily="34" charset="-128"/>
+                <a:latin typeface="Calibri" panose="020F0502020204030204" pitchFamily="34" charset="0"/>
                 <a:ea typeface="+mn-ea"/>
                 <a:cs typeface="+mn-cs"/>
                 <a:sym typeface="Arial"/>
@@ -18956,7 +18424,7 @@
                 <a:uFill>
                   <a:solidFill/>
                 </a:uFill>
-                <a:latin typeface="Arial Unicode MS" panose="020B0604020202020204" pitchFamily="34" charset="-128"/>
+                <a:latin typeface="Calibri" panose="020F0502020204030204" pitchFamily="34" charset="0"/>
                 <a:ea typeface="+mn-ea"/>
                 <a:cs typeface="+mn-cs"/>
                 <a:sym typeface="Arial"/>
@@ -18968,7 +18436,7 @@
                 <a:uFill>
                   <a:solidFill/>
                 </a:uFill>
-                <a:latin typeface="Arial Unicode MS" panose="020B0604020202020204" pitchFamily="34" charset="-128"/>
+                <a:latin typeface="Calibri" panose="020F0502020204030204" pitchFamily="34" charset="0"/>
                 <a:ea typeface="+mn-ea"/>
                 <a:cs typeface="+mn-cs"/>
                 <a:sym typeface="Arial"/>
@@ -18980,7 +18448,7 @@
                 <a:uFill>
                   <a:solidFill/>
                 </a:uFill>
-                <a:latin typeface="Arial Unicode MS" panose="020B0604020202020204" pitchFamily="34" charset="-128"/>
+                <a:latin typeface="Calibri" panose="020F0502020204030204" pitchFamily="34" charset="0"/>
                 <a:ea typeface="+mn-ea"/>
                 <a:cs typeface="+mn-cs"/>
                 <a:sym typeface="Arial"/>
@@ -19284,7 +18752,7 @@
           </a:ln>
           <a:extLst>
             <a:ext uri="{C572A759-6A51-4108-AA02-DFA0A04FC94B}">
-              <ma14:wrappingTextBoxFlag xmlns:ma14="http://schemas.microsoft.com/office/mac/drawingml/2011/main" xmlns="" val="1"/>
+              <ma14:wrappingTextBoxFlag xmlns="" xmlns:ma14="http://schemas.microsoft.com/office/mac/drawingml/2011/main" val="1"/>
             </a:ext>
           </a:extLst>
         </p:spPr>
@@ -19319,7 +18787,7 @@
                     <a:srgbClr val="FFFFFF"/>
                   </a:solidFill>
                 </a:uFill>
-                <a:latin typeface="Arial Unicode MS" panose="020B0604020202020204" pitchFamily="34" charset="-128"/>
+                <a:latin typeface="Calibri" panose="020F0502020204030204" pitchFamily="34" charset="0"/>
               </a:rPr>
               <a:t>Group by Toy Example</a:t>
             </a:r>
@@ -19396,7 +18864,7 @@
                               <a:srgbClr val="FFFFFF"/>
                             </a:solidFill>
                           </a:uFill>
-                          <a:latin typeface="Arial Unicode MS" panose="020B0604020202020204" pitchFamily="34" charset="-128"/>
+                          <a:latin typeface="Calibri" panose="020F0502020204030204" pitchFamily="34" charset="0"/>
                         </a:rPr>
                         <a:t>Student_id</a:t>
                       </a:r>
@@ -19409,7 +18877,7 @@
                             <a:srgbClr val="FFFFFF"/>
                           </a:solidFill>
                         </a:uFill>
-                        <a:latin typeface="Arial Unicode MS" panose="020B0604020202020204" pitchFamily="34" charset="-128"/>
+                        <a:latin typeface="Calibri" panose="020F0502020204030204" pitchFamily="34" charset="0"/>
                       </a:endParaRPr>
                     </a:p>
                   </a:txBody>
@@ -19478,7 +18946,7 @@
                               <a:srgbClr val="FFFFFF"/>
                             </a:solidFill>
                           </a:uFill>
-                          <a:latin typeface="Arial Unicode MS" panose="020B0604020202020204" pitchFamily="34" charset="-128"/>
+                          <a:latin typeface="Calibri" panose="020F0502020204030204" pitchFamily="34" charset="0"/>
                         </a:rPr>
                         <a:t>Class</a:t>
                       </a:r>
@@ -19549,7 +19017,7 @@
                               <a:srgbClr val="FFFFFF"/>
                             </a:solidFill>
                           </a:uFill>
-                          <a:latin typeface="Arial Unicode MS" panose="020B0604020202020204" pitchFamily="34" charset="-128"/>
+                          <a:latin typeface="Calibri" panose="020F0502020204030204" pitchFamily="34" charset="0"/>
                         </a:rPr>
                         <a:t>Grade</a:t>
                       </a:r>
@@ -19622,7 +19090,7 @@
                           <a:uFill>
                             <a:solidFill/>
                           </a:uFill>
-                          <a:latin typeface="Arial Unicode MS" panose="020B0604020202020204" pitchFamily="34" charset="-128"/>
+                          <a:latin typeface="Calibri" panose="020F0502020204030204" pitchFamily="34" charset="0"/>
                         </a:rPr>
                         <a:t>1</a:t>
                       </a:r>
@@ -19691,7 +19159,7 @@
                           <a:uFill>
                             <a:solidFill/>
                           </a:uFill>
-                          <a:latin typeface="Arial Unicode MS" panose="020B0604020202020204" pitchFamily="34" charset="-128"/>
+                          <a:latin typeface="Calibri" panose="020F0502020204030204" pitchFamily="34" charset="0"/>
                         </a:rPr>
                         <a:t>Algebra</a:t>
                       </a:r>
@@ -19760,7 +19228,7 @@
                           <a:uFill>
                             <a:solidFill/>
                           </a:uFill>
-                          <a:latin typeface="Arial Unicode MS" panose="020B0604020202020204" pitchFamily="34" charset="-128"/>
+                          <a:latin typeface="Calibri" panose="020F0502020204030204" pitchFamily="34" charset="0"/>
                         </a:rPr>
                         <a:t>19</a:t>
                       </a:r>
@@ -19836,7 +19304,7 @@
                           <a:uFill>
                             <a:solidFill/>
                           </a:uFill>
-                          <a:latin typeface="Arial Unicode MS" panose="020B0604020202020204" pitchFamily="34" charset="-128"/>
+                          <a:latin typeface="Calibri" panose="020F0502020204030204" pitchFamily="34" charset="0"/>
                         </a:rPr>
                         <a:t>2</a:t>
                       </a:r>
@@ -19905,7 +19373,7 @@
                           <a:uFill>
                             <a:solidFill/>
                           </a:uFill>
-                          <a:latin typeface="Arial Unicode MS" panose="020B0604020202020204" pitchFamily="34" charset="-128"/>
+                          <a:latin typeface="Calibri" panose="020F0502020204030204" pitchFamily="34" charset="0"/>
                         </a:rPr>
                         <a:t>Algebra</a:t>
                       </a:r>
@@ -19974,7 +19442,7 @@
                           <a:uFill>
                             <a:solidFill/>
                           </a:uFill>
-                          <a:latin typeface="Arial Unicode MS" panose="020B0604020202020204" pitchFamily="34" charset="-128"/>
+                          <a:latin typeface="Calibri" panose="020F0502020204030204" pitchFamily="34" charset="0"/>
                         </a:rPr>
                         <a:t>16</a:t>
                       </a:r>
@@ -20050,7 +19518,7 @@
                           <a:uFill>
                             <a:solidFill/>
                           </a:uFill>
-                          <a:latin typeface="Arial Unicode MS" panose="020B0604020202020204" pitchFamily="34" charset="-128"/>
+                          <a:latin typeface="Calibri" panose="020F0502020204030204" pitchFamily="34" charset="0"/>
                         </a:rPr>
                         <a:t>3</a:t>
                       </a:r>
@@ -20116,7 +19584,7 @@
                           <a:uFill>
                             <a:solidFill/>
                           </a:uFill>
-                          <a:latin typeface="Arial Unicode MS" panose="020B0604020202020204" pitchFamily="34" charset="-128"/>
+                          <a:latin typeface="Calibri" panose="020F0502020204030204" pitchFamily="34" charset="0"/>
                         </a:rPr>
                         <a:t>Algebra</a:t>
                       </a:r>
@@ -20182,7 +19650,7 @@
                           <a:uFill>
                             <a:solidFill/>
                           </a:uFill>
-                          <a:latin typeface="Arial Unicode MS" panose="020B0604020202020204" pitchFamily="34" charset="-128"/>
+                          <a:latin typeface="Calibri" panose="020F0502020204030204" pitchFamily="34" charset="0"/>
                         </a:rPr>
                         <a:t>20</a:t>
                       </a:r>
@@ -20255,7 +19723,7 @@
                           <a:uFill>
                             <a:solidFill/>
                           </a:uFill>
-                          <a:latin typeface="Arial Unicode MS" panose="020B0604020202020204" pitchFamily="34" charset="-128"/>
+                          <a:latin typeface="Calibri" panose="020F0502020204030204" pitchFamily="34" charset="0"/>
                         </a:rPr>
                         <a:t>2</a:t>
                       </a:r>
@@ -20324,7 +19792,7 @@
                           <a:uFill>
                             <a:solidFill/>
                           </a:uFill>
-                          <a:latin typeface="Arial Unicode MS" panose="020B0604020202020204" pitchFamily="34" charset="-128"/>
+                          <a:latin typeface="Calibri" panose="020F0502020204030204" pitchFamily="34" charset="0"/>
                         </a:rPr>
                         <a:t>Analysis</a:t>
                       </a:r>
@@ -20393,7 +19861,7 @@
                           <a:uFill>
                             <a:solidFill/>
                           </a:uFill>
-                          <a:latin typeface="Arial Unicode MS" panose="020B0604020202020204" pitchFamily="34" charset="-128"/>
+                          <a:latin typeface="Calibri" panose="020F0502020204030204" pitchFamily="34" charset="0"/>
                         </a:rPr>
                         <a:t>18</a:t>
                       </a:r>
@@ -20469,7 +19937,7 @@
                           <a:uFill>
                             <a:solidFill/>
                           </a:uFill>
-                          <a:latin typeface="Arial Unicode MS" panose="020B0604020202020204" pitchFamily="34" charset="-128"/>
+                          <a:latin typeface="Calibri" panose="020F0502020204030204" pitchFamily="34" charset="0"/>
                         </a:rPr>
                         <a:t>2</a:t>
                       </a:r>
@@ -20538,7 +20006,7 @@
                           <a:uFill>
                             <a:solidFill/>
                           </a:uFill>
-                          <a:latin typeface="Arial Unicode MS" panose="020B0604020202020204" pitchFamily="34" charset="-128"/>
+                          <a:latin typeface="Calibri" panose="020F0502020204030204" pitchFamily="34" charset="0"/>
                         </a:rPr>
                         <a:t>Physics</a:t>
                       </a:r>
@@ -20607,7 +20075,7 @@
                           <a:uFill>
                             <a:solidFill/>
                           </a:uFill>
-                          <a:latin typeface="Arial Unicode MS" panose="020B0604020202020204" pitchFamily="34" charset="-128"/>
+                          <a:latin typeface="Calibri" panose="020F0502020204030204" pitchFamily="34" charset="0"/>
                         </a:rPr>
                         <a:t>13</a:t>
                       </a:r>
@@ -20683,7 +20151,7 @@
                           <a:uFill>
                             <a:solidFill/>
                           </a:uFill>
-                          <a:latin typeface="Arial Unicode MS" panose="020B0604020202020204" pitchFamily="34" charset="-128"/>
+                          <a:latin typeface="Calibri" panose="020F0502020204030204" pitchFamily="34" charset="0"/>
                         </a:rPr>
                         <a:t>1</a:t>
                       </a:r>
@@ -20752,7 +20220,7 @@
                           <a:uFill>
                             <a:solidFill/>
                           </a:uFill>
-                          <a:latin typeface="Arial Unicode MS" panose="020B0604020202020204" pitchFamily="34" charset="-128"/>
+                          <a:latin typeface="Calibri" panose="020F0502020204030204" pitchFamily="34" charset="0"/>
                         </a:rPr>
                         <a:t>Analysis</a:t>
                       </a:r>
@@ -20821,7 +20289,7 @@
                           <a:uFill>
                             <a:solidFill/>
                           </a:uFill>
-                          <a:latin typeface="Arial Unicode MS" panose="020B0604020202020204" pitchFamily="34" charset="-128"/>
+                          <a:latin typeface="Calibri" panose="020F0502020204030204" pitchFamily="34" charset="0"/>
                         </a:rPr>
                         <a:t>17</a:t>
                       </a:r>
@@ -20897,7 +20365,7 @@
                           <a:uFill>
                             <a:solidFill/>
                           </a:uFill>
-                          <a:latin typeface="Arial Unicode MS" panose="020B0604020202020204" pitchFamily="34" charset="-128"/>
+                          <a:latin typeface="Calibri" panose="020F0502020204030204" pitchFamily="34" charset="0"/>
                         </a:rPr>
                         <a:t>1</a:t>
                       </a:r>
@@ -20966,7 +20434,7 @@
                           <a:uFill>
                             <a:solidFill/>
                           </a:uFill>
-                          <a:latin typeface="Arial Unicode MS" panose="020B0604020202020204" pitchFamily="34" charset="-128"/>
+                          <a:latin typeface="Calibri" panose="020F0502020204030204" pitchFamily="34" charset="0"/>
                         </a:rPr>
                         <a:t>Physics</a:t>
                       </a:r>
@@ -21035,7 +20503,7 @@
                           <a:uFill>
                             <a:solidFill/>
                           </a:uFill>
-                          <a:latin typeface="Arial Unicode MS" panose="020B0604020202020204" pitchFamily="34" charset="-128"/>
+                          <a:latin typeface="Calibri" panose="020F0502020204030204" pitchFamily="34" charset="0"/>
                         </a:rPr>
                         <a:t>19</a:t>
                       </a:r>
@@ -21111,7 +20579,7 @@
                           <a:uFill>
                             <a:solidFill/>
                           </a:uFill>
-                          <a:latin typeface="Arial Unicode MS" panose="020B0604020202020204" pitchFamily="34" charset="-128"/>
+                          <a:latin typeface="Calibri" panose="020F0502020204030204" pitchFamily="34" charset="0"/>
                         </a:rPr>
                         <a:t>1</a:t>
                       </a:r>
@@ -21180,7 +20648,7 @@
                           <a:uFill>
                             <a:solidFill/>
                           </a:uFill>
-                          <a:latin typeface="Arial Unicode MS" panose="020B0604020202020204" pitchFamily="34" charset="-128"/>
+                          <a:latin typeface="Calibri" panose="020F0502020204030204" pitchFamily="34" charset="0"/>
                         </a:rPr>
                         <a:t>History</a:t>
                       </a:r>
@@ -21249,7 +20717,7 @@
                           <a:uFill>
                             <a:solidFill/>
                           </a:uFill>
-                          <a:latin typeface="Arial Unicode MS" panose="020B0604020202020204" pitchFamily="34" charset="-128"/>
+                          <a:latin typeface="Calibri" panose="020F0502020204030204" pitchFamily="34" charset="0"/>
                         </a:rPr>
                         <a:t>14</a:t>
                       </a:r>
@@ -21316,7 +20784,7 @@
         <p:spPr>
           <a:xfrm>
             <a:off x="4484039" y="1222019"/>
-            <a:ext cx="3872855" cy="969496"/>
+            <a:ext cx="4540154" cy="1554272"/>
           </a:xfrm>
           <a:prstGeom prst="rect">
             <a:avLst/>
@@ -21326,7 +20794,7 @@
           </a:ln>
           <a:extLst>
             <a:ext uri="{C572A759-6A51-4108-AA02-DFA0A04FC94B}">
-              <ma14:wrappingTextBoxFlag xmlns:ma14="http://schemas.microsoft.com/office/mac/drawingml/2011/main" xmlns="" val="1"/>
+              <ma14:wrappingTextBoxFlag xmlns="" xmlns:ma14="http://schemas.microsoft.com/office/mac/drawingml/2011/main" val="1"/>
             </a:ext>
           </a:extLst>
         </p:spPr>
@@ -21345,11 +20813,55 @@
               </a:defRPr>
             </a:pPr>
             <a:r>
+              <a:rPr lang="en-US" sz="1900" b="1" dirty="0">
+                <a:uFill>
+                  <a:solidFill/>
+                </a:uFill>
+                <a:latin typeface="Calibri" panose="020F0502020204030204" pitchFamily="34" charset="0"/>
+              </a:rPr>
+              <a:t>Show the number of classes </a:t>
+            </a:r>
+            <a:r>
+              <a:rPr lang="en-US" sz="1900" b="1" u="sng" dirty="0">
+                <a:uFill>
+                  <a:solidFill/>
+                </a:uFill>
+                <a:latin typeface="Calibri" panose="020F0502020204030204" pitchFamily="34" charset="0"/>
+              </a:rPr>
+              <a:t>for each student</a:t>
+            </a:r>
+          </a:p>
+          <a:p>
+            <a:pPr lvl="0">
+              <a:defRPr sz="1800">
+                <a:solidFill>
+                  <a:srgbClr val="000000"/>
+                </a:solidFill>
+                <a:uFillTx/>
+              </a:defRPr>
+            </a:pPr>
+            <a:endParaRPr lang="en-US" sz="1900" dirty="0">
+              <a:uFill>
+                <a:solidFill/>
+              </a:uFill>
+              <a:latin typeface="Calibri" panose="020F0502020204030204" pitchFamily="34" charset="0"/>
+            </a:endParaRPr>
+          </a:p>
+          <a:p>
+            <a:pPr lvl="0">
+              <a:defRPr sz="1800">
+                <a:solidFill>
+                  <a:srgbClr val="000000"/>
+                </a:solidFill>
+                <a:uFillTx/>
+              </a:defRPr>
+            </a:pPr>
+            <a:r>
               <a:rPr sz="1900" dirty="0">
                 <a:uFill>
                   <a:solidFill/>
                 </a:uFill>
-                <a:latin typeface="Arial Unicode MS" panose="020B0604020202020204" pitchFamily="34" charset="-128"/>
+                <a:latin typeface="Calibri" panose="020F0502020204030204" pitchFamily="34" charset="0"/>
               </a:rPr>
               <a:t>SELECT</a:t>
             </a:r>
@@ -21358,7 +20870,7 @@
                 <a:uFill>
                   <a:solidFill/>
                 </a:uFill>
-                <a:latin typeface="Arial Unicode MS" panose="020B0604020202020204" pitchFamily="34" charset="-128"/>
+                <a:latin typeface="Calibri" panose="020F0502020204030204" pitchFamily="34" charset="0"/>
               </a:rPr>
               <a:t> 	</a:t>
             </a:r>
@@ -21367,7 +20879,7 @@
                 <a:uFill>
                   <a:solidFill/>
                 </a:uFill>
-                <a:latin typeface="Arial Unicode MS" panose="020B0604020202020204" pitchFamily="34" charset="-128"/>
+                <a:latin typeface="Calibri" panose="020F0502020204030204" pitchFamily="34" charset="0"/>
                 <a:ea typeface="+mn-ea"/>
                 <a:cs typeface="+mn-cs"/>
                 <a:sym typeface="Arial"/>
@@ -21379,18 +20891,30 @@
                 <a:uFill>
                   <a:solidFill/>
                 </a:uFill>
-                <a:latin typeface="Arial Unicode MS" panose="020B0604020202020204" pitchFamily="34" charset="-128"/>
+                <a:latin typeface="Calibri" panose="020F0502020204030204" pitchFamily="34" charset="0"/>
                 <a:ea typeface="+mn-ea"/>
                 <a:cs typeface="+mn-cs"/>
                 <a:sym typeface="Arial"/>
               </a:rPr>
-              <a:t>, count(*)</a:t>
-            </a:r>
-            <a:endParaRPr baseline="-5999" dirty="0">
+              <a:t>, </a:t>
+            </a:r>
+            <a:r>
+              <a:rPr b="1" dirty="0">
+                <a:uFill>
+                  <a:solidFill/>
+                </a:uFill>
+                <a:latin typeface="Calibri" panose="020F0502020204030204" pitchFamily="34" charset="0"/>
+                <a:ea typeface="+mn-ea"/>
+                <a:cs typeface="+mn-cs"/>
+                <a:sym typeface="Arial"/>
+              </a:rPr>
+              <a:t>count(*)</a:t>
+            </a:r>
+            <a:endParaRPr b="1" baseline="-5999" dirty="0">
               <a:uFill>
                 <a:solidFill/>
               </a:uFill>
-              <a:latin typeface="Arial Unicode MS" panose="020B0604020202020204" pitchFamily="34" charset="-128"/>
+              <a:latin typeface="Calibri" panose="020F0502020204030204" pitchFamily="34" charset="0"/>
               <a:ea typeface="+mn-ea"/>
               <a:cs typeface="+mn-cs"/>
               <a:sym typeface="Arial"/>
@@ -21410,7 +20934,7 @@
                 <a:uFill>
                   <a:solidFill/>
                 </a:uFill>
-                <a:latin typeface="Arial Unicode MS" panose="020B0604020202020204" pitchFamily="34" charset="-128"/>
+                <a:latin typeface="Calibri" panose="020F0502020204030204" pitchFamily="34" charset="0"/>
               </a:rPr>
               <a:t> </a:t>
             </a:r>
@@ -21419,7 +20943,7 @@
                 <a:uFill>
                   <a:solidFill/>
                 </a:uFill>
-                <a:latin typeface="Arial Unicode MS" panose="020B0604020202020204" pitchFamily="34" charset="-128"/>
+                <a:latin typeface="Calibri" panose="020F0502020204030204" pitchFamily="34" charset="0"/>
               </a:rPr>
               <a:t>FROM</a:t>
             </a:r>
@@ -21428,16 +20952,16 @@
                 <a:uFill>
                   <a:solidFill/>
                 </a:uFill>
-                <a:latin typeface="Arial Unicode MS" panose="020B0604020202020204" pitchFamily="34" charset="-128"/>
+                <a:latin typeface="Calibri" panose="020F0502020204030204" pitchFamily="34" charset="0"/>
               </a:rPr>
-              <a:t> 		</a:t>
+              <a:t> 	</a:t>
             </a:r>
             <a:r>
               <a:rPr dirty="0">
                 <a:uFill>
                   <a:solidFill/>
                 </a:uFill>
-                <a:latin typeface="Arial Unicode MS" panose="020B0604020202020204" pitchFamily="34" charset="-128"/>
+                <a:latin typeface="Calibri" panose="020F0502020204030204" pitchFamily="34" charset="0"/>
                 <a:ea typeface="+mn-ea"/>
                 <a:cs typeface="+mn-cs"/>
                 <a:sym typeface="Arial"/>
@@ -21455,33 +20979,38 @@
               </a:defRPr>
             </a:pPr>
             <a:r>
-              <a:rPr sz="1900" dirty="0">
+              <a:rPr sz="1900" b="1" u="sng" dirty="0">
                 <a:uFill>
                   <a:solidFill/>
                 </a:uFill>
-                <a:latin typeface="Arial Unicode MS" panose="020B0604020202020204" pitchFamily="34" charset="-128"/>
+                <a:latin typeface="Calibri" panose="020F0502020204030204" pitchFamily="34" charset="0"/>
               </a:rPr>
-              <a:t>GROUP BY 	</a:t>
-            </a:r>
-            <a:r>
-              <a:rPr sz="1900" dirty="0" err="1">
+              <a:t>GROUP BY</a:t>
+            </a:r>
+            <a:r>
+              <a:rPr lang="en-US" sz="1900" b="1" u="sng" dirty="0">
                 <a:uFill>
                   <a:solidFill/>
                 </a:uFill>
-                <a:latin typeface="Arial Unicode MS" panose="020B0604020202020204" pitchFamily="34" charset="-128"/>
-                <a:ea typeface="+mn-ea"/>
-                <a:cs typeface="+mn-cs"/>
+                <a:latin typeface="Calibri" panose="020F0502020204030204" pitchFamily="34" charset="0"/>
+              </a:rPr>
+              <a:t> </a:t>
+            </a:r>
+            <a:r>
+              <a:rPr sz="1900" b="1" u="sng" dirty="0" err="1">
+                <a:uFill>
+                  <a:solidFill/>
+                </a:uFill>
+                <a:latin typeface="Calibri" panose="020F0502020204030204" pitchFamily="34" charset="0"/>
                 <a:sym typeface="Arial"/>
               </a:rPr>
               <a:t>Student_id</a:t>
             </a:r>
-            <a:endParaRPr sz="1900" dirty="0">
+            <a:endParaRPr sz="1900" b="1" u="sng" dirty="0">
               <a:uFill>
                 <a:solidFill/>
               </a:uFill>
-              <a:latin typeface="Arial Unicode MS" panose="020B0604020202020204" pitchFamily="34" charset="-128"/>
-              <a:ea typeface="+mn-ea"/>
-              <a:cs typeface="+mn-cs"/>
+              <a:latin typeface="Calibri" panose="020F0502020204030204" pitchFamily="34" charset="0"/>
               <a:sym typeface="Arial"/>
             </a:endParaRPr>
           </a:p>
@@ -21496,7 +21025,7 @@
         <p:spPr>
           <a:xfrm>
             <a:off x="1741517" y="1335035"/>
-            <a:ext cx="877802" cy="400110"/>
+            <a:ext cx="772774" cy="400110"/>
           </a:xfrm>
           <a:prstGeom prst="rect">
             <a:avLst/>
@@ -21506,7 +21035,7 @@
           </a:ln>
           <a:extLst>
             <a:ext uri="{C572A759-6A51-4108-AA02-DFA0A04FC94B}">
-              <ma14:wrappingTextBoxFlag xmlns:ma14="http://schemas.microsoft.com/office/mac/drawingml/2011/main" xmlns="" val="1"/>
+              <ma14:wrappingTextBoxFlag xmlns="" xmlns:ma14="http://schemas.microsoft.com/office/mac/drawingml/2011/main" val="1"/>
             </a:ext>
           </a:extLst>
         </p:spPr>
@@ -21544,7 +21073,7 @@
                 <a:uFill>
                   <a:solidFill/>
                 </a:uFill>
-                <a:latin typeface="Arial Unicode MS" panose="020B0604020202020204" pitchFamily="34" charset="-128"/>
+                <a:latin typeface="Calibri" panose="020F0502020204030204" pitchFamily="34" charset="0"/>
               </a:rPr>
               <a:t>Table1</a:t>
             </a:r>
@@ -21614,7 +21143,7 @@
                               <a:srgbClr val="FFFFFF"/>
                             </a:solidFill>
                           </a:uFill>
-                          <a:latin typeface="Arial Unicode MS" panose="020B0604020202020204" pitchFamily="34" charset="-128"/>
+                          <a:latin typeface="Calibri" panose="020F0502020204030204" pitchFamily="34" charset="0"/>
                         </a:rPr>
                         <a:t>Student_id</a:t>
                       </a:r>
@@ -21627,7 +21156,7 @@
                             <a:srgbClr val="FFFFFF"/>
                           </a:solidFill>
                         </a:uFill>
-                        <a:latin typeface="Arial Unicode MS" panose="020B0604020202020204" pitchFamily="34" charset="-128"/>
+                        <a:latin typeface="Calibri" panose="020F0502020204030204" pitchFamily="34" charset="0"/>
                       </a:endParaRPr>
                     </a:p>
                   </a:txBody>
@@ -21696,7 +21225,7 @@
                               <a:srgbClr val="FFFFFF"/>
                             </a:solidFill>
                           </a:uFill>
-                          <a:latin typeface="Arial Unicode MS" panose="020B0604020202020204" pitchFamily="34" charset="-128"/>
+                          <a:latin typeface="Calibri" panose="020F0502020204030204" pitchFamily="34" charset="0"/>
                         </a:rPr>
                         <a:t>Count</a:t>
                       </a:r>
@@ -21769,7 +21298,7 @@
                           <a:uFill>
                             <a:solidFill/>
                           </a:uFill>
-                          <a:latin typeface="Arial Unicode MS" panose="020B0604020202020204" pitchFamily="34" charset="-128"/>
+                          <a:latin typeface="Calibri" panose="020F0502020204030204" pitchFamily="34" charset="0"/>
                         </a:rPr>
                         <a:t>1</a:t>
                       </a:r>
@@ -21838,7 +21367,7 @@
                           <a:uFill>
                             <a:solidFill/>
                           </a:uFill>
-                          <a:latin typeface="Arial Unicode MS" panose="020B0604020202020204" pitchFamily="34" charset="-128"/>
+                          <a:latin typeface="Calibri" panose="020F0502020204030204" pitchFamily="34" charset="0"/>
                         </a:rPr>
                         <a:t>4</a:t>
                       </a:r>
@@ -21914,7 +21443,7 @@
                           <a:uFill>
                             <a:solidFill/>
                           </a:uFill>
-                          <a:latin typeface="Arial Unicode MS" panose="020B0604020202020204" pitchFamily="34" charset="-128"/>
+                          <a:latin typeface="Calibri" panose="020F0502020204030204" pitchFamily="34" charset="0"/>
                         </a:rPr>
                         <a:t>2</a:t>
                       </a:r>
@@ -21983,7 +21512,7 @@
                           <a:uFill>
                             <a:solidFill/>
                           </a:uFill>
-                          <a:latin typeface="Arial Unicode MS" panose="020B0604020202020204" pitchFamily="34" charset="-128"/>
+                          <a:latin typeface="Calibri" panose="020F0502020204030204" pitchFamily="34" charset="0"/>
                         </a:rPr>
                         <a:t>3</a:t>
                       </a:r>
@@ -22059,7 +21588,7 @@
                           <a:uFill>
                             <a:solidFill/>
                           </a:uFill>
-                          <a:latin typeface="Arial Unicode MS" panose="020B0604020202020204" pitchFamily="34" charset="-128"/>
+                          <a:latin typeface="Calibri" panose="020F0502020204030204" pitchFamily="34" charset="0"/>
                         </a:rPr>
                         <a:t>3</a:t>
                       </a:r>
@@ -22125,7 +21654,7 @@
                           <a:uFill>
                             <a:solidFill/>
                           </a:uFill>
-                          <a:latin typeface="Arial Unicode MS" panose="020B0604020202020204" pitchFamily="34" charset="-128"/>
+                          <a:latin typeface="Calibri" panose="020F0502020204030204" pitchFamily="34" charset="0"/>
                         </a:rPr>
                         <a:t>1</a:t>
                       </a:r>
@@ -22188,7 +21717,7 @@
         </p:nvSpPr>
         <p:spPr>
           <a:xfrm>
-            <a:off x="6340270" y="2572897"/>
+            <a:off x="6288442" y="2776291"/>
             <a:ext cx="1" cy="805250"/>
           </a:xfrm>
           <a:prstGeom prst="line">
@@ -22226,7 +21755,7 @@
               </a:defRPr>
             </a:pPr>
             <a:endParaRPr dirty="0">
-              <a:latin typeface="Arial Unicode MS" panose="020B0604020202020204" pitchFamily="34" charset="-128"/>
+              <a:latin typeface="Calibri" panose="020F0502020204030204" pitchFamily="34" charset="0"/>
             </a:endParaRPr>
           </a:p>
         </p:txBody>
@@ -22510,7 +22039,7 @@
           </a:ln>
           <a:extLst>
             <a:ext uri="{C572A759-6A51-4108-AA02-DFA0A04FC94B}">
-              <ma14:wrappingTextBoxFlag xmlns:ma14="http://schemas.microsoft.com/office/mac/drawingml/2011/main" xmlns="" val="1"/>
+              <ma14:wrappingTextBoxFlag xmlns="" xmlns:ma14="http://schemas.microsoft.com/office/mac/drawingml/2011/main" val="1"/>
             </a:ext>
           </a:extLst>
         </p:spPr>
@@ -22545,7 +22074,7 @@
                     <a:srgbClr val="FFFFFF"/>
                   </a:solidFill>
                 </a:uFill>
-                <a:latin typeface="Arial Unicode MS" panose="020B0604020202020204" pitchFamily="34" charset="-128"/>
+                <a:latin typeface="Calibri" panose="020F0502020204030204" pitchFamily="34" charset="0"/>
               </a:rPr>
               <a:t>Group by Toy Example</a:t>
             </a:r>
@@ -22622,7 +22151,7 @@
                               <a:srgbClr val="FFFFFF"/>
                             </a:solidFill>
                           </a:uFill>
-                          <a:latin typeface="Arial Unicode MS" panose="020B0604020202020204" pitchFamily="34" charset="-128"/>
+                          <a:latin typeface="Calibri" panose="020F0502020204030204" pitchFamily="34" charset="0"/>
                         </a:rPr>
                         <a:t>Student_id</a:t>
                       </a:r>
@@ -22635,7 +22164,7 @@
                             <a:srgbClr val="FFFFFF"/>
                           </a:solidFill>
                         </a:uFill>
-                        <a:latin typeface="Arial Unicode MS" panose="020B0604020202020204" pitchFamily="34" charset="-128"/>
+                        <a:latin typeface="Calibri" panose="020F0502020204030204" pitchFamily="34" charset="0"/>
                       </a:endParaRPr>
                     </a:p>
                   </a:txBody>
@@ -22704,7 +22233,7 @@
                               <a:srgbClr val="FFFFFF"/>
                             </a:solidFill>
                           </a:uFill>
-                          <a:latin typeface="Arial Unicode MS" panose="020B0604020202020204" pitchFamily="34" charset="-128"/>
+                          <a:latin typeface="Calibri" panose="020F0502020204030204" pitchFamily="34" charset="0"/>
                         </a:rPr>
                         <a:t>Class</a:t>
                       </a:r>
@@ -22775,7 +22304,7 @@
                               <a:srgbClr val="FFFFFF"/>
                             </a:solidFill>
                           </a:uFill>
-                          <a:latin typeface="Arial Unicode MS" panose="020B0604020202020204" pitchFamily="34" charset="-128"/>
+                          <a:latin typeface="Calibri" panose="020F0502020204030204" pitchFamily="34" charset="0"/>
                         </a:rPr>
                         <a:t>Grade</a:t>
                       </a:r>
@@ -22848,7 +22377,7 @@
                           <a:uFill>
                             <a:solidFill/>
                           </a:uFill>
-                          <a:latin typeface="Arial Unicode MS" panose="020B0604020202020204" pitchFamily="34" charset="-128"/>
+                          <a:latin typeface="Calibri" panose="020F0502020204030204" pitchFamily="34" charset="0"/>
                         </a:rPr>
                         <a:t>1</a:t>
                       </a:r>
@@ -22917,7 +22446,7 @@
                           <a:uFill>
                             <a:solidFill/>
                           </a:uFill>
-                          <a:latin typeface="Arial Unicode MS" panose="020B0604020202020204" pitchFamily="34" charset="-128"/>
+                          <a:latin typeface="Calibri" panose="020F0502020204030204" pitchFamily="34" charset="0"/>
                         </a:rPr>
                         <a:t>Algebra</a:t>
                       </a:r>
@@ -22986,7 +22515,7 @@
                           <a:uFill>
                             <a:solidFill/>
                           </a:uFill>
-                          <a:latin typeface="Arial Unicode MS" panose="020B0604020202020204" pitchFamily="34" charset="-128"/>
+                          <a:latin typeface="Calibri" panose="020F0502020204030204" pitchFamily="34" charset="0"/>
                         </a:rPr>
                         <a:t>19</a:t>
                       </a:r>
@@ -23062,7 +22591,7 @@
                           <a:uFill>
                             <a:solidFill/>
                           </a:uFill>
-                          <a:latin typeface="Arial Unicode MS" panose="020B0604020202020204" pitchFamily="34" charset="-128"/>
+                          <a:latin typeface="Calibri" panose="020F0502020204030204" pitchFamily="34" charset="0"/>
                         </a:rPr>
                         <a:t>2</a:t>
                       </a:r>
@@ -23131,7 +22660,7 @@
                           <a:uFill>
                             <a:solidFill/>
                           </a:uFill>
-                          <a:latin typeface="Arial Unicode MS" panose="020B0604020202020204" pitchFamily="34" charset="-128"/>
+                          <a:latin typeface="Calibri" panose="020F0502020204030204" pitchFamily="34" charset="0"/>
                         </a:rPr>
                         <a:t>Algebra</a:t>
                       </a:r>
@@ -23200,7 +22729,7 @@
                           <a:uFill>
                             <a:solidFill/>
                           </a:uFill>
-                          <a:latin typeface="Arial Unicode MS" panose="020B0604020202020204" pitchFamily="34" charset="-128"/>
+                          <a:latin typeface="Calibri" panose="020F0502020204030204" pitchFamily="34" charset="0"/>
                         </a:rPr>
                         <a:t>16</a:t>
                       </a:r>
@@ -23276,7 +22805,7 @@
                           <a:uFill>
                             <a:solidFill/>
                           </a:uFill>
-                          <a:latin typeface="Arial Unicode MS" panose="020B0604020202020204" pitchFamily="34" charset="-128"/>
+                          <a:latin typeface="Calibri" panose="020F0502020204030204" pitchFamily="34" charset="0"/>
                         </a:rPr>
                         <a:t>3</a:t>
                       </a:r>
@@ -23342,7 +22871,7 @@
                           <a:uFill>
                             <a:solidFill/>
                           </a:uFill>
-                          <a:latin typeface="Arial Unicode MS" panose="020B0604020202020204" pitchFamily="34" charset="-128"/>
+                          <a:latin typeface="Calibri" panose="020F0502020204030204" pitchFamily="34" charset="0"/>
                         </a:rPr>
                         <a:t>Algebra</a:t>
                       </a:r>
@@ -23408,7 +22937,7 @@
                           <a:uFill>
                             <a:solidFill/>
                           </a:uFill>
-                          <a:latin typeface="Arial Unicode MS" panose="020B0604020202020204" pitchFamily="34" charset="-128"/>
+                          <a:latin typeface="Calibri" panose="020F0502020204030204" pitchFamily="34" charset="0"/>
                         </a:rPr>
                         <a:t>20</a:t>
                       </a:r>
@@ -23481,7 +23010,7 @@
                           <a:uFill>
                             <a:solidFill/>
                           </a:uFill>
-                          <a:latin typeface="Arial Unicode MS" panose="020B0604020202020204" pitchFamily="34" charset="-128"/>
+                          <a:latin typeface="Calibri" panose="020F0502020204030204" pitchFamily="34" charset="0"/>
                         </a:rPr>
                         <a:t>2</a:t>
                       </a:r>
@@ -23550,7 +23079,7 @@
                           <a:uFill>
                             <a:solidFill/>
                           </a:uFill>
-                          <a:latin typeface="Arial Unicode MS" panose="020B0604020202020204" pitchFamily="34" charset="-128"/>
+                          <a:latin typeface="Calibri" panose="020F0502020204030204" pitchFamily="34" charset="0"/>
                         </a:rPr>
                         <a:t>Analysis</a:t>
                       </a:r>
@@ -23619,7 +23148,7 @@
                           <a:uFill>
                             <a:solidFill/>
                           </a:uFill>
-                          <a:latin typeface="Arial Unicode MS" panose="020B0604020202020204" pitchFamily="34" charset="-128"/>
+                          <a:latin typeface="Calibri" panose="020F0502020204030204" pitchFamily="34" charset="0"/>
                         </a:rPr>
                         <a:t>18</a:t>
                       </a:r>
@@ -23695,7 +23224,7 @@
                           <a:uFill>
                             <a:solidFill/>
                           </a:uFill>
-                          <a:latin typeface="Arial Unicode MS" panose="020B0604020202020204" pitchFamily="34" charset="-128"/>
+                          <a:latin typeface="Calibri" panose="020F0502020204030204" pitchFamily="34" charset="0"/>
                         </a:rPr>
                         <a:t>2</a:t>
                       </a:r>
@@ -23764,7 +23293,7 @@
                           <a:uFill>
                             <a:solidFill/>
                           </a:uFill>
-                          <a:latin typeface="Arial Unicode MS" panose="020B0604020202020204" pitchFamily="34" charset="-128"/>
+                          <a:latin typeface="Calibri" panose="020F0502020204030204" pitchFamily="34" charset="0"/>
                         </a:rPr>
                         <a:t>Physics</a:t>
                       </a:r>
@@ -23833,7 +23362,7 @@
                           <a:uFill>
                             <a:solidFill/>
                           </a:uFill>
-                          <a:latin typeface="Arial Unicode MS" panose="020B0604020202020204" pitchFamily="34" charset="-128"/>
+                          <a:latin typeface="Calibri" panose="020F0502020204030204" pitchFamily="34" charset="0"/>
                         </a:rPr>
                         <a:t>13</a:t>
                       </a:r>
@@ -23909,7 +23438,7 @@
                           <a:uFill>
                             <a:solidFill/>
                           </a:uFill>
-                          <a:latin typeface="Arial Unicode MS" panose="020B0604020202020204" pitchFamily="34" charset="-128"/>
+                          <a:latin typeface="Calibri" panose="020F0502020204030204" pitchFamily="34" charset="0"/>
                         </a:rPr>
                         <a:t>1</a:t>
                       </a:r>
@@ -23978,7 +23507,7 @@
                           <a:uFill>
                             <a:solidFill/>
                           </a:uFill>
-                          <a:latin typeface="Arial Unicode MS" panose="020B0604020202020204" pitchFamily="34" charset="-128"/>
+                          <a:latin typeface="Calibri" panose="020F0502020204030204" pitchFamily="34" charset="0"/>
                         </a:rPr>
                         <a:t>Analysis</a:t>
                       </a:r>
@@ -24047,7 +23576,7 @@
                           <a:uFill>
                             <a:solidFill/>
                           </a:uFill>
-                          <a:latin typeface="Arial Unicode MS" panose="020B0604020202020204" pitchFamily="34" charset="-128"/>
+                          <a:latin typeface="Calibri" panose="020F0502020204030204" pitchFamily="34" charset="0"/>
                         </a:rPr>
                         <a:t>17</a:t>
                       </a:r>
@@ -24123,7 +23652,7 @@
                           <a:uFill>
                             <a:solidFill/>
                           </a:uFill>
-                          <a:latin typeface="Arial Unicode MS" panose="020B0604020202020204" pitchFamily="34" charset="-128"/>
+                          <a:latin typeface="Calibri" panose="020F0502020204030204" pitchFamily="34" charset="0"/>
                         </a:rPr>
                         <a:t>1</a:t>
                       </a:r>
@@ -24192,7 +23721,7 @@
                           <a:uFill>
                             <a:solidFill/>
                           </a:uFill>
-                          <a:latin typeface="Arial Unicode MS" panose="020B0604020202020204" pitchFamily="34" charset="-128"/>
+                          <a:latin typeface="Calibri" panose="020F0502020204030204" pitchFamily="34" charset="0"/>
                         </a:rPr>
                         <a:t>Physics</a:t>
                       </a:r>
@@ -24261,7 +23790,7 @@
                           <a:uFill>
                             <a:solidFill/>
                           </a:uFill>
-                          <a:latin typeface="Arial Unicode MS" panose="020B0604020202020204" pitchFamily="34" charset="-128"/>
+                          <a:latin typeface="Calibri" panose="020F0502020204030204" pitchFamily="34" charset="0"/>
                         </a:rPr>
                         <a:t>19</a:t>
                       </a:r>
@@ -24337,7 +23866,7 @@
                           <a:uFill>
                             <a:solidFill/>
                           </a:uFill>
-                          <a:latin typeface="Arial Unicode MS" panose="020B0604020202020204" pitchFamily="34" charset="-128"/>
+                          <a:latin typeface="Calibri" panose="020F0502020204030204" pitchFamily="34" charset="0"/>
                         </a:rPr>
                         <a:t>1</a:t>
                       </a:r>
@@ -24406,7 +23935,7 @@
                           <a:uFill>
                             <a:solidFill/>
                           </a:uFill>
-                          <a:latin typeface="Arial Unicode MS" panose="020B0604020202020204" pitchFamily="34" charset="-128"/>
+                          <a:latin typeface="Calibri" panose="020F0502020204030204" pitchFamily="34" charset="0"/>
                         </a:rPr>
                         <a:t>History</a:t>
                       </a:r>
@@ -24475,7 +24004,7 @@
                           <a:uFill>
                             <a:solidFill/>
                           </a:uFill>
-                          <a:latin typeface="Arial Unicode MS" panose="020B0604020202020204" pitchFamily="34" charset="-128"/>
+                          <a:latin typeface="Calibri" panose="020F0502020204030204" pitchFamily="34" charset="0"/>
                         </a:rPr>
                         <a:t>14</a:t>
                       </a:r>
@@ -24541,8 +24070,8 @@
         </p:nvSpPr>
         <p:spPr>
           <a:xfrm>
-            <a:off x="4484039" y="1222019"/>
-            <a:ext cx="4231928" cy="969496"/>
+            <a:off x="4472933" y="998038"/>
+            <a:ext cx="4138056" cy="1846659"/>
           </a:xfrm>
           <a:prstGeom prst="rect">
             <a:avLst/>
@@ -24552,7 +24081,7 @@
           </a:ln>
           <a:extLst>
             <a:ext uri="{C572A759-6A51-4108-AA02-DFA0A04FC94B}">
-              <ma14:wrappingTextBoxFlag xmlns:ma14="http://schemas.microsoft.com/office/mac/drawingml/2011/main" xmlns="" val="1"/>
+              <ma14:wrappingTextBoxFlag xmlns="" xmlns:ma14="http://schemas.microsoft.com/office/mac/drawingml/2011/main" val="1"/>
             </a:ext>
           </a:extLst>
         </p:spPr>
@@ -24562,6 +24091,34 @@
           </a:bodyPr>
           <a:lstStyle/>
           <a:p>
+            <a:pPr>
+              <a:defRPr sz="1800">
+                <a:solidFill>
+                  <a:srgbClr val="000000"/>
+                </a:solidFill>
+                <a:uFillTx/>
+              </a:defRPr>
+            </a:pPr>
+            <a:r>
+              <a:rPr lang="en-US" sz="1900" b="1" dirty="0">
+                <a:uFill>
+                  <a:solidFill/>
+                </a:uFill>
+                <a:latin typeface="Calibri" panose="020F0502020204030204" pitchFamily="34" charset="0"/>
+              </a:rPr>
+              <a:t>Show the average grade </a:t>
+            </a:r>
+            <a:r>
+              <a:rPr lang="en-US" sz="1900" b="1" u="sng" dirty="0">
+                <a:uFill>
+                  <a:solidFill/>
+                </a:uFill>
+                <a:latin typeface="Calibri" panose="020F0502020204030204" pitchFamily="34" charset="0"/>
+              </a:rPr>
+              <a:t>for each student</a:t>
+            </a:r>
+          </a:p>
+          <a:p>
             <a:pPr lvl="0">
               <a:defRPr sz="1800">
                 <a:solidFill>
@@ -24570,12 +24127,44 @@
                 <a:uFillTx/>
               </a:defRPr>
             </a:pPr>
+            <a:endParaRPr lang="en-US" sz="1900" dirty="0">
+              <a:uFill>
+                <a:solidFill/>
+              </a:uFill>
+              <a:latin typeface="Calibri" panose="020F0502020204030204" pitchFamily="34" charset="0"/>
+            </a:endParaRPr>
+          </a:p>
+          <a:p>
+            <a:pPr lvl="0">
+              <a:defRPr sz="1800">
+                <a:solidFill>
+                  <a:srgbClr val="000000"/>
+                </a:solidFill>
+                <a:uFillTx/>
+              </a:defRPr>
+            </a:pPr>
+            <a:endParaRPr lang="en-US" sz="1900" dirty="0">
+              <a:uFill>
+                <a:solidFill/>
+              </a:uFill>
+              <a:latin typeface="Calibri" panose="020F0502020204030204" pitchFamily="34" charset="0"/>
+            </a:endParaRPr>
+          </a:p>
+          <a:p>
+            <a:pPr lvl="0">
+              <a:defRPr sz="1800">
+                <a:solidFill>
+                  <a:srgbClr val="000000"/>
+                </a:solidFill>
+                <a:uFillTx/>
+              </a:defRPr>
+            </a:pPr>
             <a:r>
               <a:rPr sz="1900" dirty="0">
                 <a:uFill>
                   <a:solidFill/>
                 </a:uFill>
-                <a:latin typeface="Arial Unicode MS" panose="020B0604020202020204" pitchFamily="34" charset="-128"/>
+                <a:latin typeface="Calibri" panose="020F0502020204030204" pitchFamily="34" charset="0"/>
               </a:rPr>
               <a:t>SELECT</a:t>
             </a:r>
@@ -24584,7 +24173,7 @@
                 <a:uFill>
                   <a:solidFill/>
                 </a:uFill>
-                <a:latin typeface="Arial Unicode MS" panose="020B0604020202020204" pitchFamily="34" charset="-128"/>
+                <a:latin typeface="Calibri" panose="020F0502020204030204" pitchFamily="34" charset="0"/>
               </a:rPr>
               <a:t> 	</a:t>
             </a:r>
@@ -24593,7 +24182,7 @@
                 <a:uFill>
                   <a:solidFill/>
                 </a:uFill>
-                <a:latin typeface="Arial Unicode MS" panose="020B0604020202020204" pitchFamily="34" charset="-128"/>
+                <a:latin typeface="Calibri" panose="020F0502020204030204" pitchFamily="34" charset="0"/>
                 <a:ea typeface="+mn-ea"/>
                 <a:cs typeface="+mn-cs"/>
                 <a:sym typeface="Arial"/>
@@ -24605,7 +24194,7 @@
                 <a:uFill>
                   <a:solidFill/>
                 </a:uFill>
-                <a:latin typeface="Arial Unicode MS" panose="020B0604020202020204" pitchFamily="34" charset="-128"/>
+                <a:latin typeface="Calibri" panose="020F0502020204030204" pitchFamily="34" charset="0"/>
                 <a:ea typeface="+mn-ea"/>
                 <a:cs typeface="+mn-cs"/>
                 <a:sym typeface="Arial"/>
@@ -24613,34 +24202,22 @@
               <a:t>, </a:t>
             </a:r>
             <a:r>
-              <a:rPr dirty="0" err="1">
+              <a:rPr b="1" dirty="0">
                 <a:uFill>
                   <a:solidFill/>
                 </a:uFill>
-                <a:latin typeface="Arial Unicode MS" panose="020B0604020202020204" pitchFamily="34" charset="-128"/>
+                <a:latin typeface="Calibri" panose="020F0502020204030204" pitchFamily="34" charset="0"/>
                 <a:ea typeface="+mn-ea"/>
                 <a:cs typeface="+mn-cs"/>
                 <a:sym typeface="Arial"/>
               </a:rPr>
-              <a:t>avg</a:t>
-            </a:r>
-            <a:r>
-              <a:rPr dirty="0">
-                <a:uFill>
-                  <a:solidFill/>
-                </a:uFill>
-                <a:latin typeface="Arial Unicode MS" panose="020B0604020202020204" pitchFamily="34" charset="-128"/>
-                <a:ea typeface="+mn-ea"/>
-                <a:cs typeface="+mn-cs"/>
-                <a:sym typeface="Arial"/>
-              </a:rPr>
-              <a:t>(Grade)</a:t>
-            </a:r>
-            <a:endParaRPr baseline="-5999" dirty="0">
+              <a:t>avg(Grade)</a:t>
+            </a:r>
+            <a:endParaRPr b="1" baseline="-5999" dirty="0">
               <a:uFill>
                 <a:solidFill/>
               </a:uFill>
-              <a:latin typeface="Arial Unicode MS" panose="020B0604020202020204" pitchFamily="34" charset="-128"/>
+              <a:latin typeface="Calibri" panose="020F0502020204030204" pitchFamily="34" charset="0"/>
               <a:ea typeface="+mn-ea"/>
               <a:cs typeface="+mn-cs"/>
               <a:sym typeface="Arial"/>
@@ -24660,7 +24237,7 @@
                 <a:uFill>
                   <a:solidFill/>
                 </a:uFill>
-                <a:latin typeface="Arial Unicode MS" panose="020B0604020202020204" pitchFamily="34" charset="-128"/>
+                <a:latin typeface="Calibri" panose="020F0502020204030204" pitchFamily="34" charset="0"/>
               </a:rPr>
               <a:t> </a:t>
             </a:r>
@@ -24669,7 +24246,7 @@
                 <a:uFill>
                   <a:solidFill/>
                 </a:uFill>
-                <a:latin typeface="Arial Unicode MS" panose="020B0604020202020204" pitchFamily="34" charset="-128"/>
+                <a:latin typeface="Calibri" panose="020F0502020204030204" pitchFamily="34" charset="0"/>
               </a:rPr>
               <a:t>FROM</a:t>
             </a:r>
@@ -24678,16 +24255,16 @@
                 <a:uFill>
                   <a:solidFill/>
                 </a:uFill>
-                <a:latin typeface="Arial Unicode MS" panose="020B0604020202020204" pitchFamily="34" charset="-128"/>
+                <a:latin typeface="Calibri" panose="020F0502020204030204" pitchFamily="34" charset="0"/>
               </a:rPr>
-              <a:t> 		</a:t>
+              <a:t> 	</a:t>
             </a:r>
             <a:r>
               <a:rPr dirty="0">
                 <a:uFill>
                   <a:solidFill/>
                 </a:uFill>
-                <a:latin typeface="Arial Unicode MS" panose="020B0604020202020204" pitchFamily="34" charset="-128"/>
+                <a:latin typeface="Calibri" panose="020F0502020204030204" pitchFamily="34" charset="0"/>
                 <a:ea typeface="+mn-ea"/>
                 <a:cs typeface="+mn-cs"/>
                 <a:sym typeface="Arial"/>
@@ -24705,33 +24282,29 @@
               </a:defRPr>
             </a:pPr>
             <a:r>
-              <a:rPr sz="1900" dirty="0">
+              <a:rPr sz="1900" b="1" u="sng" dirty="0">
                 <a:uFill>
                   <a:solidFill/>
                 </a:uFill>
-                <a:latin typeface="Arial Unicode MS" panose="020B0604020202020204" pitchFamily="34" charset="-128"/>
+                <a:latin typeface="Calibri" panose="020F0502020204030204" pitchFamily="34" charset="0"/>
               </a:rPr>
-              <a:t>GROUP BY 	</a:t>
-            </a:r>
-            <a:r>
-              <a:rPr sz="1900" dirty="0" err="1">
+              <a:t>GROUP BY </a:t>
+            </a:r>
+            <a:r>
+              <a:rPr sz="1900" b="1" u="sng" dirty="0" err="1">
                 <a:uFill>
                   <a:solidFill/>
                 </a:uFill>
-                <a:latin typeface="Arial Unicode MS" panose="020B0604020202020204" pitchFamily="34" charset="-128"/>
-                <a:ea typeface="+mn-ea"/>
-                <a:cs typeface="+mn-cs"/>
+                <a:latin typeface="Calibri" panose="020F0502020204030204" pitchFamily="34" charset="0"/>
                 <a:sym typeface="Arial"/>
               </a:rPr>
               <a:t>Student_id</a:t>
             </a:r>
-            <a:endParaRPr sz="1900" dirty="0">
+            <a:endParaRPr sz="1900" b="1" u="sng" dirty="0">
               <a:uFill>
                 <a:solidFill/>
               </a:uFill>
-              <a:latin typeface="Arial Unicode MS" panose="020B0604020202020204" pitchFamily="34" charset="-128"/>
-              <a:ea typeface="+mn-ea"/>
-              <a:cs typeface="+mn-cs"/>
+              <a:latin typeface="Calibri" panose="020F0502020204030204" pitchFamily="34" charset="0"/>
               <a:sym typeface="Arial"/>
             </a:endParaRPr>
           </a:p>
@@ -24746,7 +24319,7 @@
         <p:spPr>
           <a:xfrm>
             <a:off x="1741517" y="1335035"/>
-            <a:ext cx="785471" cy="307777"/>
+            <a:ext cx="680443" cy="307777"/>
           </a:xfrm>
           <a:prstGeom prst="rect">
             <a:avLst/>
@@ -24756,7 +24329,7 @@
           </a:ln>
           <a:extLst>
             <a:ext uri="{C572A759-6A51-4108-AA02-DFA0A04FC94B}">
-              <ma14:wrappingTextBoxFlag xmlns:ma14="http://schemas.microsoft.com/office/mac/drawingml/2011/main" xmlns="" val="1"/>
+              <ma14:wrappingTextBoxFlag xmlns="" xmlns:ma14="http://schemas.microsoft.com/office/mac/drawingml/2011/main" val="1"/>
             </a:ext>
           </a:extLst>
         </p:spPr>
@@ -24794,7 +24367,7 @@
                 <a:uFill>
                   <a:solidFill/>
                 </a:uFill>
-                <a:latin typeface="Arial Unicode MS" panose="020B0604020202020204" pitchFamily="34" charset="-128"/>
+                <a:latin typeface="Calibri" panose="020F0502020204030204" pitchFamily="34" charset="0"/>
               </a:rPr>
               <a:t>Table1</a:t>
             </a:r>
@@ -24864,7 +24437,7 @@
                               <a:srgbClr val="FFFFFF"/>
                             </a:solidFill>
                           </a:uFill>
-                          <a:latin typeface="Arial Unicode MS" panose="020B0604020202020204" pitchFamily="34" charset="-128"/>
+                          <a:latin typeface="Calibri" panose="020F0502020204030204" pitchFamily="34" charset="0"/>
                         </a:rPr>
                         <a:t>Student_id</a:t>
                       </a:r>
@@ -24877,7 +24450,7 @@
                             <a:srgbClr val="FFFFFF"/>
                           </a:solidFill>
                         </a:uFill>
-                        <a:latin typeface="Arial Unicode MS" panose="020B0604020202020204" pitchFamily="34" charset="-128"/>
+                        <a:latin typeface="Calibri" panose="020F0502020204030204" pitchFamily="34" charset="0"/>
                       </a:endParaRPr>
                     </a:p>
                   </a:txBody>
@@ -24946,7 +24519,7 @@
                               <a:srgbClr val="FFFFFF"/>
                             </a:solidFill>
                           </a:uFill>
-                          <a:latin typeface="Arial Unicode MS" panose="020B0604020202020204" pitchFamily="34" charset="-128"/>
+                          <a:latin typeface="Calibri" panose="020F0502020204030204" pitchFamily="34" charset="0"/>
                         </a:rPr>
                         <a:t>Avg</a:t>
                       </a:r>
@@ -24960,7 +24533,7 @@
                               <a:srgbClr val="FFFFFF"/>
                             </a:solidFill>
                           </a:uFill>
-                          <a:latin typeface="Arial Unicode MS" panose="020B0604020202020204" pitchFamily="34" charset="-128"/>
+                          <a:latin typeface="Calibri" panose="020F0502020204030204" pitchFamily="34" charset="0"/>
                         </a:rPr>
                         <a:t>(grade)</a:t>
                       </a:r>
@@ -25033,7 +24606,7 @@
                           <a:uFill>
                             <a:solidFill/>
                           </a:uFill>
-                          <a:latin typeface="Arial Unicode MS" panose="020B0604020202020204" pitchFamily="34" charset="-128"/>
+                          <a:latin typeface="Calibri" panose="020F0502020204030204" pitchFamily="34" charset="0"/>
                         </a:rPr>
                         <a:t>1</a:t>
                       </a:r>
@@ -25102,7 +24675,7 @@
                           <a:uFill>
                             <a:solidFill/>
                           </a:uFill>
-                          <a:latin typeface="Arial Unicode MS" panose="020B0604020202020204" pitchFamily="34" charset="-128"/>
+                          <a:latin typeface="Calibri" panose="020F0502020204030204" pitchFamily="34" charset="0"/>
                         </a:rPr>
                         <a:t>(19+17+19+14)/4</a:t>
                       </a:r>
@@ -25114,7 +24687,7 @@
                           <a:uFill>
                             <a:solidFill/>
                           </a:uFill>
-                          <a:latin typeface="Arial Unicode MS" panose="020B0604020202020204" pitchFamily="34" charset="-128"/>
+                          <a:latin typeface="Calibri" panose="020F0502020204030204" pitchFamily="34" charset="0"/>
                         </a:rPr>
                         <a:t> = 17.25</a:t>
                       </a:r>
@@ -25125,7 +24698,7 @@
                         <a:uFill>
                           <a:solidFill/>
                         </a:uFill>
-                        <a:latin typeface="Arial Unicode MS" panose="020B0604020202020204" pitchFamily="34" charset="-128"/>
+                        <a:latin typeface="Calibri" panose="020F0502020204030204" pitchFamily="34" charset="0"/>
                       </a:endParaRPr>
                     </a:p>
                   </a:txBody>
@@ -25199,7 +24772,7 @@
                           <a:uFill>
                             <a:solidFill/>
                           </a:uFill>
-                          <a:latin typeface="Arial Unicode MS" panose="020B0604020202020204" pitchFamily="34" charset="-128"/>
+                          <a:latin typeface="Calibri" panose="020F0502020204030204" pitchFamily="34" charset="0"/>
                         </a:rPr>
                         <a:t>2</a:t>
                       </a:r>
@@ -25268,7 +24841,7 @@
                           <a:uFill>
                             <a:solidFill/>
                           </a:uFill>
-                          <a:latin typeface="Arial Unicode MS" panose="020B0604020202020204" pitchFamily="34" charset="-128"/>
+                          <a:latin typeface="Calibri" panose="020F0502020204030204" pitchFamily="34" charset="0"/>
                         </a:rPr>
                         <a:t>(16+18+13)/3</a:t>
                       </a:r>
@@ -25280,7 +24853,7 @@
                           <a:uFill>
                             <a:solidFill/>
                           </a:uFill>
-                          <a:latin typeface="Arial Unicode MS" panose="020B0604020202020204" pitchFamily="34" charset="-128"/>
+                          <a:latin typeface="Calibri" panose="020F0502020204030204" pitchFamily="34" charset="0"/>
                         </a:rPr>
                         <a:t> = 15.67</a:t>
                       </a:r>
@@ -25291,7 +24864,7 @@
                         <a:uFill>
                           <a:solidFill/>
                         </a:uFill>
-                        <a:latin typeface="Arial Unicode MS" panose="020B0604020202020204" pitchFamily="34" charset="-128"/>
+                        <a:latin typeface="Calibri" panose="020F0502020204030204" pitchFamily="34" charset="0"/>
                       </a:endParaRPr>
                     </a:p>
                   </a:txBody>
@@ -25365,7 +24938,7 @@
                           <a:uFill>
                             <a:solidFill/>
                           </a:uFill>
-                          <a:latin typeface="Arial Unicode MS" panose="020B0604020202020204" pitchFamily="34" charset="-128"/>
+                          <a:latin typeface="Calibri" panose="020F0502020204030204" pitchFamily="34" charset="0"/>
                         </a:rPr>
                         <a:t>3</a:t>
                       </a:r>
@@ -25431,7 +25004,7 @@
                           <a:uFill>
                             <a:solidFill/>
                           </a:uFill>
-                          <a:latin typeface="Arial Unicode MS" panose="020B0604020202020204" pitchFamily="34" charset="-128"/>
+                          <a:latin typeface="Calibri" panose="020F0502020204030204" pitchFamily="34" charset="0"/>
                         </a:rPr>
                         <a:t>20</a:t>
                       </a:r>
@@ -25494,7 +25067,7 @@
         </p:nvSpPr>
         <p:spPr>
           <a:xfrm>
-            <a:off x="6340270" y="2572897"/>
+            <a:off x="5995981" y="2984073"/>
             <a:ext cx="1" cy="805250"/>
           </a:xfrm>
           <a:prstGeom prst="line">
@@ -25532,7 +25105,7 @@
               </a:defRPr>
             </a:pPr>
             <a:endParaRPr dirty="0">
-              <a:latin typeface="Arial Unicode MS" panose="020B0604020202020204" pitchFamily="34" charset="-128"/>
+              <a:latin typeface="Calibri" panose="020F0502020204030204" pitchFamily="34" charset="0"/>
             </a:endParaRPr>
           </a:p>
         </p:txBody>
@@ -25816,7 +25389,7 @@
           </a:ln>
           <a:extLst>
             <a:ext uri="{C572A759-6A51-4108-AA02-DFA0A04FC94B}">
-              <ma14:wrappingTextBoxFlag xmlns:ma14="http://schemas.microsoft.com/office/mac/drawingml/2011/main" xmlns="" val="1"/>
+              <ma14:wrappingTextBoxFlag xmlns="" xmlns:ma14="http://schemas.microsoft.com/office/mac/drawingml/2011/main" val="1"/>
             </a:ext>
           </a:extLst>
         </p:spPr>
@@ -25851,7 +25424,7 @@
                     <a:srgbClr val="FFFFFF"/>
                   </a:solidFill>
                 </a:uFill>
-                <a:latin typeface="Arial Unicode MS" panose="020B0604020202020204" pitchFamily="34" charset="-128"/>
+                <a:latin typeface="Calibri" panose="020F0502020204030204" pitchFamily="34" charset="0"/>
               </a:rPr>
               <a:t>Group by Toy Example</a:t>
             </a:r>
@@ -25928,7 +25501,7 @@
                               <a:srgbClr val="FFFFFF"/>
                             </a:solidFill>
                           </a:uFill>
-                          <a:latin typeface="Arial Unicode MS" panose="020B0604020202020204" pitchFamily="34" charset="-128"/>
+                          <a:latin typeface="Calibri" panose="020F0502020204030204" pitchFamily="34" charset="0"/>
                         </a:rPr>
                         <a:t>Student_id</a:t>
                       </a:r>
@@ -25941,7 +25514,7 @@
                             <a:srgbClr val="FFFFFF"/>
                           </a:solidFill>
                         </a:uFill>
-                        <a:latin typeface="Arial Unicode MS" panose="020B0604020202020204" pitchFamily="34" charset="-128"/>
+                        <a:latin typeface="Calibri" panose="020F0502020204030204" pitchFamily="34" charset="0"/>
                       </a:endParaRPr>
                     </a:p>
                   </a:txBody>
@@ -26010,7 +25583,7 @@
                               <a:srgbClr val="FFFFFF"/>
                             </a:solidFill>
                           </a:uFill>
-                          <a:latin typeface="Arial Unicode MS" panose="020B0604020202020204" pitchFamily="34" charset="-128"/>
+                          <a:latin typeface="Calibri" panose="020F0502020204030204" pitchFamily="34" charset="0"/>
                         </a:rPr>
                         <a:t>Class</a:t>
                       </a:r>
@@ -26081,7 +25654,7 @@
                               <a:srgbClr val="FFFFFF"/>
                             </a:solidFill>
                           </a:uFill>
-                          <a:latin typeface="Arial Unicode MS" panose="020B0604020202020204" pitchFamily="34" charset="-128"/>
+                          <a:latin typeface="Calibri" panose="020F0502020204030204" pitchFamily="34" charset="0"/>
                         </a:rPr>
                         <a:t>Grade</a:t>
                       </a:r>
@@ -26154,7 +25727,7 @@
                           <a:uFill>
                             <a:solidFill/>
                           </a:uFill>
-                          <a:latin typeface="Arial Unicode MS" panose="020B0604020202020204" pitchFamily="34" charset="-128"/>
+                          <a:latin typeface="Calibri" panose="020F0502020204030204" pitchFamily="34" charset="0"/>
                         </a:rPr>
                         <a:t>1</a:t>
                       </a:r>
@@ -26223,7 +25796,7 @@
                           <a:uFill>
                             <a:solidFill/>
                           </a:uFill>
-                          <a:latin typeface="Arial Unicode MS" panose="020B0604020202020204" pitchFamily="34" charset="-128"/>
+                          <a:latin typeface="Calibri" panose="020F0502020204030204" pitchFamily="34" charset="0"/>
                         </a:rPr>
                         <a:t>Algebra</a:t>
                       </a:r>
@@ -26292,7 +25865,7 @@
                           <a:uFill>
                             <a:solidFill/>
                           </a:uFill>
-                          <a:latin typeface="Arial Unicode MS" panose="020B0604020202020204" pitchFamily="34" charset="-128"/>
+                          <a:latin typeface="Calibri" panose="020F0502020204030204" pitchFamily="34" charset="0"/>
                         </a:rPr>
                         <a:t>19</a:t>
                       </a:r>
@@ -26368,7 +25941,7 @@
                           <a:uFill>
                             <a:solidFill/>
                           </a:uFill>
-                          <a:latin typeface="Arial Unicode MS" panose="020B0604020202020204" pitchFamily="34" charset="-128"/>
+                          <a:latin typeface="Calibri" panose="020F0502020204030204" pitchFamily="34" charset="0"/>
                         </a:rPr>
                         <a:t>2</a:t>
                       </a:r>
@@ -26437,7 +26010,7 @@
                           <a:uFill>
                             <a:solidFill/>
                           </a:uFill>
-                          <a:latin typeface="Arial Unicode MS" panose="020B0604020202020204" pitchFamily="34" charset="-128"/>
+                          <a:latin typeface="Calibri" panose="020F0502020204030204" pitchFamily="34" charset="0"/>
                         </a:rPr>
                         <a:t>Algebra</a:t>
                       </a:r>
@@ -26506,7 +26079,7 @@
                           <a:uFill>
                             <a:solidFill/>
                           </a:uFill>
-                          <a:latin typeface="Arial Unicode MS" panose="020B0604020202020204" pitchFamily="34" charset="-128"/>
+                          <a:latin typeface="Calibri" panose="020F0502020204030204" pitchFamily="34" charset="0"/>
                         </a:rPr>
                         <a:t>16</a:t>
                       </a:r>
@@ -26582,7 +26155,7 @@
                           <a:uFill>
                             <a:solidFill/>
                           </a:uFill>
-                          <a:latin typeface="Arial Unicode MS" panose="020B0604020202020204" pitchFamily="34" charset="-128"/>
+                          <a:latin typeface="Calibri" panose="020F0502020204030204" pitchFamily="34" charset="0"/>
                         </a:rPr>
                         <a:t>3</a:t>
                       </a:r>
@@ -26651,7 +26224,7 @@
                           <a:uFill>
                             <a:solidFill/>
                           </a:uFill>
-                          <a:latin typeface="Arial Unicode MS" panose="020B0604020202020204" pitchFamily="34" charset="-128"/>
+                          <a:latin typeface="Calibri" panose="020F0502020204030204" pitchFamily="34" charset="0"/>
                         </a:rPr>
                         <a:t>Algebra</a:t>
                       </a:r>
@@ -26720,7 +26293,7 @@
                           <a:uFill>
                             <a:solidFill/>
                           </a:uFill>
-                          <a:latin typeface="Arial Unicode MS" panose="020B0604020202020204" pitchFamily="34" charset="-128"/>
+                          <a:latin typeface="Calibri" panose="020F0502020204030204" pitchFamily="34" charset="0"/>
                         </a:rPr>
                         <a:t>20</a:t>
                       </a:r>
@@ -26796,7 +26369,7 @@
                           <a:uFill>
                             <a:solidFill/>
                           </a:uFill>
-                          <a:latin typeface="Arial Unicode MS" panose="020B0604020202020204" pitchFamily="34" charset="-128"/>
+                          <a:latin typeface="Calibri" panose="020F0502020204030204" pitchFamily="34" charset="0"/>
                         </a:rPr>
                         <a:t>2</a:t>
                       </a:r>
@@ -26865,7 +26438,7 @@
                           <a:uFill>
                             <a:solidFill/>
                           </a:uFill>
-                          <a:latin typeface="Arial Unicode MS" panose="020B0604020202020204" pitchFamily="34" charset="-128"/>
+                          <a:latin typeface="Calibri" panose="020F0502020204030204" pitchFamily="34" charset="0"/>
                         </a:rPr>
                         <a:t>Analysis</a:t>
                       </a:r>
@@ -26934,7 +26507,7 @@
                           <a:uFill>
                             <a:solidFill/>
                           </a:uFill>
-                          <a:latin typeface="Arial Unicode MS" panose="020B0604020202020204" pitchFamily="34" charset="-128"/>
+                          <a:latin typeface="Calibri" panose="020F0502020204030204" pitchFamily="34" charset="0"/>
                         </a:rPr>
                         <a:t>18</a:t>
                       </a:r>
@@ -27010,7 +26583,7 @@
                           <a:uFill>
                             <a:solidFill/>
                           </a:uFill>
-                          <a:latin typeface="Arial Unicode MS" panose="020B0604020202020204" pitchFamily="34" charset="-128"/>
+                          <a:latin typeface="Calibri" panose="020F0502020204030204" pitchFamily="34" charset="0"/>
                         </a:rPr>
                         <a:t>2</a:t>
                       </a:r>
@@ -27079,7 +26652,7 @@
                           <a:uFill>
                             <a:solidFill/>
                           </a:uFill>
-                          <a:latin typeface="Arial Unicode MS" panose="020B0604020202020204" pitchFamily="34" charset="-128"/>
+                          <a:latin typeface="Calibri" panose="020F0502020204030204" pitchFamily="34" charset="0"/>
                         </a:rPr>
                         <a:t>Physics</a:t>
                       </a:r>
@@ -27148,7 +26721,7 @@
                           <a:uFill>
                             <a:solidFill/>
                           </a:uFill>
-                          <a:latin typeface="Arial Unicode MS" panose="020B0604020202020204" pitchFamily="34" charset="-128"/>
+                          <a:latin typeface="Calibri" panose="020F0502020204030204" pitchFamily="34" charset="0"/>
                         </a:rPr>
                         <a:t>13</a:t>
                       </a:r>
@@ -27224,7 +26797,7 @@
                           <a:uFill>
                             <a:solidFill/>
                           </a:uFill>
-                          <a:latin typeface="Arial Unicode MS" panose="020B0604020202020204" pitchFamily="34" charset="-128"/>
+                          <a:latin typeface="Calibri" panose="020F0502020204030204" pitchFamily="34" charset="0"/>
                         </a:rPr>
                         <a:t>1</a:t>
                       </a:r>
@@ -27293,7 +26866,7 @@
                           <a:uFill>
                             <a:solidFill/>
                           </a:uFill>
-                          <a:latin typeface="Arial Unicode MS" panose="020B0604020202020204" pitchFamily="34" charset="-128"/>
+                          <a:latin typeface="Calibri" panose="020F0502020204030204" pitchFamily="34" charset="0"/>
                         </a:rPr>
                         <a:t>Analysis</a:t>
                       </a:r>
@@ -27362,7 +26935,7 @@
                           <a:uFill>
                             <a:solidFill/>
                           </a:uFill>
-                          <a:latin typeface="Arial Unicode MS" panose="020B0604020202020204" pitchFamily="34" charset="-128"/>
+                          <a:latin typeface="Calibri" panose="020F0502020204030204" pitchFamily="34" charset="0"/>
                         </a:rPr>
                         <a:t>17</a:t>
                       </a:r>
@@ -27438,7 +27011,7 @@
                           <a:uFill>
                             <a:solidFill/>
                           </a:uFill>
-                          <a:latin typeface="Arial Unicode MS" panose="020B0604020202020204" pitchFamily="34" charset="-128"/>
+                          <a:latin typeface="Calibri" panose="020F0502020204030204" pitchFamily="34" charset="0"/>
                         </a:rPr>
                         <a:t>1</a:t>
                       </a:r>
@@ -27507,7 +27080,7 @@
                           <a:uFill>
                             <a:solidFill/>
                           </a:uFill>
-                          <a:latin typeface="Arial Unicode MS" panose="020B0604020202020204" pitchFamily="34" charset="-128"/>
+                          <a:latin typeface="Calibri" panose="020F0502020204030204" pitchFamily="34" charset="0"/>
                         </a:rPr>
                         <a:t>Physics</a:t>
                       </a:r>
@@ -27576,7 +27149,7 @@
                           <a:uFill>
                             <a:solidFill/>
                           </a:uFill>
-                          <a:latin typeface="Arial Unicode MS" panose="020B0604020202020204" pitchFamily="34" charset="-128"/>
+                          <a:latin typeface="Calibri" panose="020F0502020204030204" pitchFamily="34" charset="0"/>
                         </a:rPr>
                         <a:t>19</a:t>
                       </a:r>
@@ -27652,7 +27225,7 @@
                           <a:uFill>
                             <a:solidFill/>
                           </a:uFill>
-                          <a:latin typeface="Arial Unicode MS" panose="020B0604020202020204" pitchFamily="34" charset="-128"/>
+                          <a:latin typeface="Calibri" panose="020F0502020204030204" pitchFamily="34" charset="0"/>
                         </a:rPr>
                         <a:t>1</a:t>
                       </a:r>
@@ -27721,7 +27294,7 @@
                           <a:uFill>
                             <a:solidFill/>
                           </a:uFill>
-                          <a:latin typeface="Arial Unicode MS" panose="020B0604020202020204" pitchFamily="34" charset="-128"/>
+                          <a:latin typeface="Calibri" panose="020F0502020204030204" pitchFamily="34" charset="0"/>
                         </a:rPr>
                         <a:t>History</a:t>
                       </a:r>
@@ -27790,7 +27363,7 @@
                           <a:uFill>
                             <a:solidFill/>
                           </a:uFill>
-                          <a:latin typeface="Arial Unicode MS" panose="020B0604020202020204" pitchFamily="34" charset="-128"/>
+                          <a:latin typeface="Calibri" panose="020F0502020204030204" pitchFamily="34" charset="0"/>
                         </a:rPr>
                         <a:t>14</a:t>
                       </a:r>
@@ -27857,7 +27430,7 @@
         <p:spPr>
           <a:xfrm>
             <a:off x="4484039" y="1222019"/>
-            <a:ext cx="3718967" cy="969496"/>
+            <a:ext cx="3835281" cy="1554272"/>
           </a:xfrm>
           <a:prstGeom prst="rect">
             <a:avLst/>
@@ -27867,7 +27440,7 @@
           </a:ln>
           <a:extLst>
             <a:ext uri="{C572A759-6A51-4108-AA02-DFA0A04FC94B}">
-              <ma14:wrappingTextBoxFlag xmlns:ma14="http://schemas.microsoft.com/office/mac/drawingml/2011/main" xmlns="" val="1"/>
+              <ma14:wrappingTextBoxFlag xmlns="" xmlns:ma14="http://schemas.microsoft.com/office/mac/drawingml/2011/main" val="1"/>
             </a:ext>
           </a:extLst>
         </p:spPr>
@@ -27886,11 +27459,55 @@
               </a:defRPr>
             </a:pPr>
             <a:r>
+              <a:rPr lang="en-US" sz="1900" b="1" dirty="0">
+                <a:uFill>
+                  <a:solidFill/>
+                </a:uFill>
+                <a:latin typeface="Calibri" panose="020F0502020204030204" pitchFamily="34" charset="0"/>
+              </a:rPr>
+              <a:t>Show the average grade </a:t>
+            </a:r>
+            <a:r>
+              <a:rPr lang="en-US" sz="1900" b="1" u="sng" dirty="0">
+                <a:uFill>
+                  <a:solidFill/>
+                </a:uFill>
+                <a:latin typeface="Calibri" panose="020F0502020204030204" pitchFamily="34" charset="0"/>
+              </a:rPr>
+              <a:t>for each class</a:t>
+            </a:r>
+          </a:p>
+          <a:p>
+            <a:pPr lvl="0">
+              <a:defRPr sz="1800">
+                <a:solidFill>
+                  <a:srgbClr val="000000"/>
+                </a:solidFill>
+                <a:uFillTx/>
+              </a:defRPr>
+            </a:pPr>
+            <a:endParaRPr lang="en-US" sz="1900" u="sng" dirty="0">
+              <a:uFill>
+                <a:solidFill/>
+              </a:uFill>
+              <a:latin typeface="Calibri" panose="020F0502020204030204" pitchFamily="34" charset="0"/>
+            </a:endParaRPr>
+          </a:p>
+          <a:p>
+            <a:pPr lvl="0">
+              <a:defRPr sz="1800">
+                <a:solidFill>
+                  <a:srgbClr val="000000"/>
+                </a:solidFill>
+                <a:uFillTx/>
+              </a:defRPr>
+            </a:pPr>
+            <a:r>
               <a:rPr sz="1900" dirty="0">
                 <a:uFill>
                   <a:solidFill/>
                 </a:uFill>
-                <a:latin typeface="Arial Unicode MS" panose="020B0604020202020204" pitchFamily="34" charset="-128"/>
+                <a:latin typeface="Calibri" panose="020F0502020204030204" pitchFamily="34" charset="0"/>
               </a:rPr>
               <a:t>SELECT</a:t>
             </a:r>
@@ -27899,7 +27516,7 @@
                 <a:uFill>
                   <a:solidFill/>
                 </a:uFill>
-                <a:latin typeface="Arial Unicode MS" panose="020B0604020202020204" pitchFamily="34" charset="-128"/>
+                <a:latin typeface="Calibri" panose="020F0502020204030204" pitchFamily="34" charset="0"/>
               </a:rPr>
               <a:t> 	</a:t>
             </a:r>
@@ -27908,7 +27525,7 @@
                 <a:uFill>
                   <a:solidFill/>
                 </a:uFill>
-                <a:latin typeface="Arial Unicode MS" panose="020B0604020202020204" pitchFamily="34" charset="-128"/>
+                <a:latin typeface="Calibri" panose="020F0502020204030204" pitchFamily="34" charset="0"/>
                 <a:ea typeface="+mn-ea"/>
                 <a:cs typeface="+mn-cs"/>
                 <a:sym typeface="Arial"/>
@@ -27916,34 +27533,22 @@
               <a:t>Class, </a:t>
             </a:r>
             <a:r>
-              <a:rPr dirty="0" err="1">
+              <a:rPr b="1" dirty="0">
                 <a:uFill>
                   <a:solidFill/>
                 </a:uFill>
-                <a:latin typeface="Arial Unicode MS" panose="020B0604020202020204" pitchFamily="34" charset="-128"/>
+                <a:latin typeface="Calibri" panose="020F0502020204030204" pitchFamily="34" charset="0"/>
                 <a:ea typeface="+mn-ea"/>
                 <a:cs typeface="+mn-cs"/>
                 <a:sym typeface="Arial"/>
               </a:rPr>
-              <a:t>avg</a:t>
-            </a:r>
-            <a:r>
-              <a:rPr dirty="0">
-                <a:uFill>
-                  <a:solidFill/>
-                </a:uFill>
-                <a:latin typeface="Arial Unicode MS" panose="020B0604020202020204" pitchFamily="34" charset="-128"/>
-                <a:ea typeface="+mn-ea"/>
-                <a:cs typeface="+mn-cs"/>
-                <a:sym typeface="Arial"/>
-              </a:rPr>
-              <a:t>(Grade)</a:t>
-            </a:r>
-            <a:endParaRPr baseline="-5999" dirty="0">
+              <a:t>avg(Grade)</a:t>
+            </a:r>
+            <a:endParaRPr b="1" baseline="-5999" dirty="0">
               <a:uFill>
                 <a:solidFill/>
               </a:uFill>
-              <a:latin typeface="Arial Unicode MS" panose="020B0604020202020204" pitchFamily="34" charset="-128"/>
+              <a:latin typeface="Calibri" panose="020F0502020204030204" pitchFamily="34" charset="0"/>
               <a:ea typeface="+mn-ea"/>
               <a:cs typeface="+mn-cs"/>
               <a:sym typeface="Arial"/>
@@ -27963,7 +27568,7 @@
                 <a:uFill>
                   <a:solidFill/>
                 </a:uFill>
-                <a:latin typeface="Arial Unicode MS" panose="020B0604020202020204" pitchFamily="34" charset="-128"/>
+                <a:latin typeface="Calibri" panose="020F0502020204030204" pitchFamily="34" charset="0"/>
               </a:rPr>
               <a:t> </a:t>
             </a:r>
@@ -27972,7 +27577,7 @@
                 <a:uFill>
                   <a:solidFill/>
                 </a:uFill>
-                <a:latin typeface="Arial Unicode MS" panose="020B0604020202020204" pitchFamily="34" charset="-128"/>
+                <a:latin typeface="Calibri" panose="020F0502020204030204" pitchFamily="34" charset="0"/>
               </a:rPr>
               <a:t>FROM</a:t>
             </a:r>
@@ -27981,16 +27586,16 @@
                 <a:uFill>
                   <a:solidFill/>
                 </a:uFill>
-                <a:latin typeface="Arial Unicode MS" panose="020B0604020202020204" pitchFamily="34" charset="-128"/>
+                <a:latin typeface="Calibri" panose="020F0502020204030204" pitchFamily="34" charset="0"/>
               </a:rPr>
-              <a:t> 		</a:t>
+              <a:t> 	</a:t>
             </a:r>
             <a:r>
               <a:rPr dirty="0">
                 <a:uFill>
                   <a:solidFill/>
                 </a:uFill>
-                <a:latin typeface="Arial Unicode MS" panose="020B0604020202020204" pitchFamily="34" charset="-128"/>
+                <a:latin typeface="Calibri" panose="020F0502020204030204" pitchFamily="34" charset="0"/>
                 <a:ea typeface="+mn-ea"/>
                 <a:cs typeface="+mn-cs"/>
                 <a:sym typeface="Arial"/>
@@ -28008,22 +27613,29 @@
               </a:defRPr>
             </a:pPr>
             <a:r>
-              <a:rPr sz="1900" dirty="0">
+              <a:rPr sz="1900" b="1" u="sng" dirty="0">
                 <a:uFill>
                   <a:solidFill/>
                 </a:uFill>
-                <a:latin typeface="Arial Unicode MS" panose="020B0604020202020204" pitchFamily="34" charset="-128"/>
+                <a:latin typeface="Calibri" panose="020F0502020204030204" pitchFamily="34" charset="0"/>
               </a:rPr>
-              <a:t>GROUP BY 	</a:t>
-            </a:r>
-            <a:r>
-              <a:rPr sz="1900" dirty="0">
+              <a:t>GROUP BY </a:t>
+            </a:r>
+            <a:r>
+              <a:rPr lang="en-US" sz="1900" b="1" u="sng" dirty="0">
                 <a:uFill>
                   <a:solidFill/>
                 </a:uFill>
-                <a:latin typeface="Arial Unicode MS" panose="020B0604020202020204" pitchFamily="34" charset="-128"/>
-                <a:ea typeface="+mn-ea"/>
-                <a:cs typeface="+mn-cs"/>
+                <a:latin typeface="Calibri" panose="020F0502020204030204" pitchFamily="34" charset="0"/>
+              </a:rPr>
+              <a:t> </a:t>
+            </a:r>
+            <a:r>
+              <a:rPr sz="1900" b="1" u="sng" dirty="0">
+                <a:uFill>
+                  <a:solidFill/>
+                </a:uFill>
+                <a:latin typeface="Calibri" panose="020F0502020204030204" pitchFamily="34" charset="0"/>
                 <a:sym typeface="Arial"/>
               </a:rPr>
               <a:t>Class</a:t>
@@ -28040,7 +27652,7 @@
         <p:spPr>
           <a:xfrm>
             <a:off x="1741517" y="1335035"/>
-            <a:ext cx="785471" cy="307777"/>
+            <a:ext cx="680443" cy="307777"/>
           </a:xfrm>
           <a:prstGeom prst="rect">
             <a:avLst/>
@@ -28050,7 +27662,7 @@
           </a:ln>
           <a:extLst>
             <a:ext uri="{C572A759-6A51-4108-AA02-DFA0A04FC94B}">
-              <ma14:wrappingTextBoxFlag xmlns:ma14="http://schemas.microsoft.com/office/mac/drawingml/2011/main" xmlns="" val="1"/>
+              <ma14:wrappingTextBoxFlag xmlns="" xmlns:ma14="http://schemas.microsoft.com/office/mac/drawingml/2011/main" val="1"/>
             </a:ext>
           </a:extLst>
         </p:spPr>
@@ -28088,7 +27700,7 @@
                 <a:uFill>
                   <a:solidFill/>
                 </a:uFill>
-                <a:latin typeface="Arial Unicode MS" panose="020B0604020202020204" pitchFamily="34" charset="-128"/>
+                <a:latin typeface="Calibri" panose="020F0502020204030204" pitchFamily="34" charset="0"/>
               </a:rPr>
               <a:t>Table1</a:t>
             </a:r>
@@ -28158,7 +27770,7 @@
                               <a:srgbClr val="FFFFFF"/>
                             </a:solidFill>
                           </a:uFill>
-                          <a:latin typeface="Arial Unicode MS" panose="020B0604020202020204" pitchFamily="34" charset="-128"/>
+                          <a:latin typeface="Calibri" panose="020F0502020204030204" pitchFamily="34" charset="0"/>
                         </a:rPr>
                         <a:t>Class</a:t>
                       </a:r>
@@ -28229,7 +27841,7 @@
                               <a:srgbClr val="FFFFFF"/>
                             </a:solidFill>
                           </a:uFill>
-                          <a:latin typeface="Arial Unicode MS" panose="020B0604020202020204" pitchFamily="34" charset="-128"/>
+                          <a:latin typeface="Calibri" panose="020F0502020204030204" pitchFamily="34" charset="0"/>
                         </a:rPr>
                         <a:t>Avg</a:t>
                       </a:r>
@@ -28243,7 +27855,7 @@
                               <a:srgbClr val="FFFFFF"/>
                             </a:solidFill>
                           </a:uFill>
-                          <a:latin typeface="Arial Unicode MS" panose="020B0604020202020204" pitchFamily="34" charset="-128"/>
+                          <a:latin typeface="Calibri" panose="020F0502020204030204" pitchFamily="34" charset="0"/>
                         </a:rPr>
                         <a:t>(grade)</a:t>
                       </a:r>
@@ -28316,7 +27928,7 @@
                           <a:uFill>
                             <a:solidFill/>
                           </a:uFill>
-                          <a:latin typeface="Arial Unicode MS" panose="020B0604020202020204" pitchFamily="34" charset="-128"/>
+                          <a:latin typeface="Calibri" panose="020F0502020204030204" pitchFamily="34" charset="0"/>
                         </a:rPr>
                         <a:t>Algrebra</a:t>
                       </a:r>
@@ -28327,7 +27939,7 @@
                         <a:uFill>
                           <a:solidFill/>
                         </a:uFill>
-                        <a:latin typeface="Arial Unicode MS" panose="020B0604020202020204" pitchFamily="34" charset="-128"/>
+                        <a:latin typeface="Calibri" panose="020F0502020204030204" pitchFamily="34" charset="0"/>
                       </a:endParaRPr>
                     </a:p>
                   </a:txBody>
@@ -28394,7 +28006,7 @@
                           <a:uFill>
                             <a:solidFill/>
                           </a:uFill>
-                          <a:latin typeface="Arial Unicode MS" panose="020B0604020202020204" pitchFamily="34" charset="-128"/>
+                          <a:latin typeface="Calibri" panose="020F0502020204030204" pitchFamily="34" charset="0"/>
                         </a:rPr>
                         <a:t>(19+16+20)/3</a:t>
                       </a:r>
@@ -28406,7 +28018,7 @@
                           <a:uFill>
                             <a:solidFill/>
                           </a:uFill>
-                          <a:latin typeface="Arial Unicode MS" panose="020B0604020202020204" pitchFamily="34" charset="-128"/>
+                          <a:latin typeface="Calibri" panose="020F0502020204030204" pitchFamily="34" charset="0"/>
                         </a:rPr>
                         <a:t> = 18.33</a:t>
                       </a:r>
@@ -28417,7 +28029,7 @@
                         <a:uFill>
                           <a:solidFill/>
                         </a:uFill>
-                        <a:latin typeface="Arial Unicode MS" panose="020B0604020202020204" pitchFamily="34" charset="-128"/>
+                        <a:latin typeface="Calibri" panose="020F0502020204030204" pitchFamily="34" charset="0"/>
                       </a:endParaRPr>
                     </a:p>
                   </a:txBody>
@@ -28491,7 +28103,7 @@
                           <a:uFill>
                             <a:solidFill/>
                           </a:uFill>
-                          <a:latin typeface="Arial Unicode MS" panose="020B0604020202020204" pitchFamily="34" charset="-128"/>
+                          <a:latin typeface="Calibri" panose="020F0502020204030204" pitchFamily="34" charset="0"/>
                         </a:rPr>
                         <a:t>Analysis</a:t>
                       </a:r>
@@ -28560,7 +28172,7 @@
                           <a:uFill>
                             <a:solidFill/>
                           </a:uFill>
-                          <a:latin typeface="Arial Unicode MS" panose="020B0604020202020204" pitchFamily="34" charset="-128"/>
+                          <a:latin typeface="Calibri" panose="020F0502020204030204" pitchFamily="34" charset="0"/>
                         </a:rPr>
                         <a:t>(18+17)/2</a:t>
                       </a:r>
@@ -28572,7 +28184,7 @@
                           <a:uFill>
                             <a:solidFill/>
                           </a:uFill>
-                          <a:latin typeface="Arial Unicode MS" panose="020B0604020202020204" pitchFamily="34" charset="-128"/>
+                          <a:latin typeface="Calibri" panose="020F0502020204030204" pitchFamily="34" charset="0"/>
                         </a:rPr>
                         <a:t> = 17.5</a:t>
                       </a:r>
@@ -28583,7 +28195,7 @@
                         <a:uFill>
                           <a:solidFill/>
                         </a:uFill>
-                        <a:latin typeface="Arial Unicode MS" panose="020B0604020202020204" pitchFamily="34" charset="-128"/>
+                        <a:latin typeface="Calibri" panose="020F0502020204030204" pitchFamily="34" charset="0"/>
                       </a:endParaRPr>
                     </a:p>
                   </a:txBody>
@@ -28657,7 +28269,7 @@
                           <a:uFill>
                             <a:solidFill/>
                           </a:uFill>
-                          <a:latin typeface="Arial Unicode MS" panose="020B0604020202020204" pitchFamily="34" charset="-128"/>
+                          <a:latin typeface="Calibri" panose="020F0502020204030204" pitchFamily="34" charset="0"/>
                         </a:rPr>
                         <a:t>History</a:t>
                       </a:r>
@@ -28723,7 +28335,7 @@
                           <a:uFill>
                             <a:solidFill/>
                           </a:uFill>
-                          <a:latin typeface="Arial Unicode MS" panose="020B0604020202020204" pitchFamily="34" charset="-128"/>
+                          <a:latin typeface="Calibri" panose="020F0502020204030204" pitchFamily="34" charset="0"/>
                         </a:rPr>
                         <a:t>14</a:t>
                       </a:r>
@@ -28796,7 +28408,7 @@
                           <a:uFill>
                             <a:solidFill/>
                           </a:uFill>
-                          <a:latin typeface="Arial Unicode MS" panose="020B0604020202020204" pitchFamily="34" charset="-128"/>
+                          <a:latin typeface="Calibri" panose="020F0502020204030204" pitchFamily="34" charset="0"/>
                         </a:rPr>
                         <a:t>Physics</a:t>
                       </a:r>
@@ -28865,7 +28477,7 @@
                           <a:uFill>
                             <a:solidFill/>
                           </a:uFill>
-                          <a:latin typeface="Arial Unicode MS" panose="020B0604020202020204" pitchFamily="34" charset="-128"/>
+                          <a:latin typeface="Calibri" panose="020F0502020204030204" pitchFamily="34" charset="0"/>
                         </a:rPr>
                         <a:t>(19+13)/2</a:t>
                       </a:r>
@@ -28877,7 +28489,7 @@
                           <a:uFill>
                             <a:solidFill/>
                           </a:uFill>
-                          <a:latin typeface="Arial Unicode MS" panose="020B0604020202020204" pitchFamily="34" charset="-128"/>
+                          <a:latin typeface="Calibri" panose="020F0502020204030204" pitchFamily="34" charset="0"/>
                         </a:rPr>
                         <a:t> = 16</a:t>
                       </a:r>
@@ -28888,7 +28500,7 @@
                         <a:uFill>
                           <a:solidFill/>
                         </a:uFill>
-                        <a:latin typeface="Arial Unicode MS" panose="020B0604020202020204" pitchFamily="34" charset="-128"/>
+                        <a:latin typeface="Calibri" panose="020F0502020204030204" pitchFamily="34" charset="0"/>
                       </a:endParaRPr>
                     </a:p>
                   </a:txBody>
@@ -28952,7 +28564,7 @@
         </p:nvSpPr>
         <p:spPr>
           <a:xfrm>
-            <a:off x="6340270" y="2572897"/>
+            <a:off x="5881219" y="2820257"/>
             <a:ext cx="1" cy="805250"/>
           </a:xfrm>
           <a:prstGeom prst="line">
@@ -28990,7 +28602,7 @@
               </a:defRPr>
             </a:pPr>
             <a:endParaRPr dirty="0">
-              <a:latin typeface="Arial Unicode MS" panose="020B0604020202020204" pitchFamily="34" charset="-128"/>
+              <a:latin typeface="Calibri" panose="020F0502020204030204" pitchFamily="34" charset="0"/>
             </a:endParaRPr>
           </a:p>
         </p:txBody>
@@ -29274,7 +28886,7 @@
           </a:ln>
           <a:extLst>
             <a:ext uri="{C572A759-6A51-4108-AA02-DFA0A04FC94B}">
-              <ma14:wrappingTextBoxFlag xmlns:ma14="http://schemas.microsoft.com/office/mac/drawingml/2011/main" xmlns="" val="1"/>
+              <ma14:wrappingTextBoxFlag xmlns="" xmlns:ma14="http://schemas.microsoft.com/office/mac/drawingml/2011/main" val="1"/>
             </a:ext>
           </a:extLst>
         </p:spPr>
@@ -29309,7 +28921,7 @@
                     <a:srgbClr val="FFFFFF"/>
                   </a:solidFill>
                 </a:uFill>
-                <a:latin typeface="Arial Unicode MS" panose="020B0604020202020204" pitchFamily="34" charset="-128"/>
+                <a:latin typeface="Calibri" panose="020F0502020204030204" pitchFamily="34" charset="0"/>
               </a:rPr>
               <a:t>Aggregation </a:t>
             </a:r>
@@ -29320,7 +28932,7 @@
                     <a:srgbClr val="FFFFFF"/>
                   </a:solidFill>
                 </a:uFill>
-                <a:latin typeface="Arial Unicode MS" panose="020B0604020202020204" pitchFamily="34" charset="-128"/>
+                <a:latin typeface="Calibri" panose="020F0502020204030204" pitchFamily="34" charset="0"/>
               </a:rPr>
               <a:t>example</a:t>
             </a:r>
@@ -29331,7 +28943,7 @@
                     <a:srgbClr val="FFFFFF"/>
                   </a:solidFill>
                 </a:uFill>
-                <a:latin typeface="Arial Unicode MS" panose="020B0604020202020204" pitchFamily="34" charset="-128"/>
+                <a:latin typeface="Calibri" panose="020F0502020204030204" pitchFamily="34" charset="0"/>
               </a:rPr>
               <a:t> queries</a:t>
             </a:r>
@@ -29342,7 +28954,7 @@
                     <a:srgbClr val="FFFFFF"/>
                   </a:solidFill>
                 </a:uFill>
-                <a:latin typeface="Arial Unicode MS" panose="020B0604020202020204" pitchFamily="34" charset="-128"/>
+                <a:latin typeface="Calibri" panose="020F0502020204030204" pitchFamily="34" charset="0"/>
               </a:rPr>
               <a:t>: IMDB Movies</a:t>
             </a:r>
@@ -29352,7 +28964,7 @@
                   <a:srgbClr val="FFFFFF"/>
                 </a:solidFill>
               </a:uFill>
-              <a:latin typeface="Arial Unicode MS" panose="020B0604020202020204" pitchFamily="34" charset="-128"/>
+              <a:latin typeface="Calibri" panose="020F0502020204030204" pitchFamily="34" charset="0"/>
             </a:endParaRPr>
           </a:p>
         </p:txBody>
@@ -29376,7 +28988,7 @@
           </a:ln>
           <a:extLst>
             <a:ext uri="{C572A759-6A51-4108-AA02-DFA0A04FC94B}">
-              <ma14:wrappingTextBoxFlag xmlns:ma14="http://schemas.microsoft.com/office/mac/drawingml/2011/main" xmlns="" val="1"/>
+              <ma14:wrappingTextBoxFlag xmlns="" xmlns:ma14="http://schemas.microsoft.com/office/mac/drawingml/2011/main" val="1"/>
             </a:ext>
           </a:extLst>
         </p:spPr>
@@ -29402,9 +29014,9 @@
               <a:uFill>
                 <a:solidFill/>
               </a:uFill>
-              <a:latin typeface="Arial Unicode MS" panose="020B0604020202020204" pitchFamily="34" charset="-128"/>
-              <a:ea typeface="Arial Unicode MS" panose="020B0604020202020204" pitchFamily="34" charset="-128"/>
-              <a:cs typeface="Arial Unicode MS" panose="020B0604020202020204" pitchFamily="34" charset="-128"/>
+              <a:latin typeface="Calibri" panose="020F0502020204030204" pitchFamily="34" charset="0"/>
+              <a:ea typeface="Calibri" panose="020F0502020204030204" pitchFamily="34" charset="0"/>
+              <a:cs typeface="Calibri" panose="020F0502020204030204" pitchFamily="34" charset="0"/>
               <a:sym typeface="Iowan Old Style Roman"/>
             </a:endParaRPr>
           </a:p>
@@ -29429,7 +29041,7 @@
           </a:ln>
           <a:extLst>
             <a:ext uri="{C572A759-6A51-4108-AA02-DFA0A04FC94B}">
-              <ma14:wrappingTextBoxFlag xmlns:ma14="http://schemas.microsoft.com/office/mac/drawingml/2011/main" xmlns="" val="1"/>
+              <ma14:wrappingTextBoxFlag xmlns="" xmlns:ma14="http://schemas.microsoft.com/office/mac/drawingml/2011/main" val="1"/>
             </a:ext>
           </a:extLst>
         </p:spPr>
@@ -29469,9 +29081,9 @@
                 <a:uFill>
                   <a:solidFill/>
                 </a:uFill>
-                <a:latin typeface="Arial Unicode MS" panose="020B0604020202020204" pitchFamily="34" charset="-128"/>
-                <a:ea typeface="Arial Unicode MS" panose="020B0604020202020204" pitchFamily="34" charset="-128"/>
-                <a:cs typeface="Arial Unicode MS" panose="020B0604020202020204" pitchFamily="34" charset="-128"/>
+                <a:latin typeface="Calibri" panose="020F0502020204030204" pitchFamily="34" charset="0"/>
+                <a:ea typeface="Calibri" panose="020F0502020204030204" pitchFamily="34" charset="0"/>
+                <a:cs typeface="Calibri" panose="020F0502020204030204" pitchFamily="34" charset="0"/>
               </a:rPr>
               <a:t>Count the number of movies that were released in each year</a:t>
             </a:r>
@@ -29495,9 +29107,9 @@
                 <a:uFill>
                   <a:solidFill/>
                 </a:uFill>
-                <a:latin typeface="Arial Unicode MS" panose="020B0604020202020204" pitchFamily="34" charset="-128"/>
-                <a:ea typeface="Arial Unicode MS" panose="020B0604020202020204" pitchFamily="34" charset="-128"/>
-                <a:cs typeface="Arial Unicode MS" panose="020B0604020202020204" pitchFamily="34" charset="-128"/>
+                <a:latin typeface="Calibri" panose="020F0502020204030204" pitchFamily="34" charset="0"/>
+                <a:ea typeface="Calibri" panose="020F0502020204030204" pitchFamily="34" charset="0"/>
+                <a:cs typeface="Calibri" panose="020F0502020204030204" pitchFamily="34" charset="0"/>
               </a:rPr>
               <a:t>Compute the average rating for the movies released in each year</a:t>
             </a:r>
@@ -29518,9 +29130,9 @@
                 <a:uFill>
                   <a:solidFill/>
                 </a:uFill>
-                <a:latin typeface="Arial Unicode MS" panose="020B0604020202020204" pitchFamily="34" charset="-128"/>
-                <a:ea typeface="Arial Unicode MS" panose="020B0604020202020204" pitchFamily="34" charset="-128"/>
-                <a:cs typeface="Arial Unicode MS" panose="020B0604020202020204" pitchFamily="34" charset="-128"/>
+                <a:latin typeface="Calibri" panose="020F0502020204030204" pitchFamily="34" charset="0"/>
+                <a:ea typeface="Calibri" panose="020F0502020204030204" pitchFamily="34" charset="0"/>
+                <a:cs typeface="Calibri" panose="020F0502020204030204" pitchFamily="34" charset="0"/>
               </a:rPr>
               <a:t>Compute the min, max, and standard deviation of the movies in each year</a:t>
             </a:r>
@@ -29541,9 +29153,9 @@
                 <a:uFill>
                   <a:solidFill/>
                 </a:uFill>
-                <a:latin typeface="Arial Unicode MS" panose="020B0604020202020204" pitchFamily="34" charset="-128"/>
-                <a:ea typeface="Arial Unicode MS" panose="020B0604020202020204" pitchFamily="34" charset="-128"/>
-                <a:cs typeface="Arial Unicode MS" panose="020B0604020202020204" pitchFamily="34" charset="-128"/>
+                <a:latin typeface="Calibri" panose="020F0502020204030204" pitchFamily="34" charset="0"/>
+                <a:ea typeface="Calibri" panose="020F0502020204030204" pitchFamily="34" charset="0"/>
+                <a:cs typeface="Calibri" panose="020F0502020204030204" pitchFamily="34" charset="0"/>
               </a:rPr>
               <a:t>Examine the difference between COUNT(*) and COUNT(rating) when reporting movies per year</a:t>
             </a:r>
@@ -29564,9 +29176,9 @@
               <a:uFill>
                 <a:solidFill/>
               </a:uFill>
-              <a:latin typeface="Arial Unicode MS" panose="020B0604020202020204" pitchFamily="34" charset="-128"/>
-              <a:ea typeface="Arial Unicode MS" panose="020B0604020202020204" pitchFamily="34" charset="-128"/>
-              <a:cs typeface="Arial Unicode MS" panose="020B0604020202020204" pitchFamily="34" charset="-128"/>
+              <a:latin typeface="Calibri" panose="020F0502020204030204" pitchFamily="34" charset="0"/>
+              <a:ea typeface="Calibri" panose="020F0502020204030204" pitchFamily="34" charset="0"/>
+              <a:cs typeface="Calibri" panose="020F0502020204030204" pitchFamily="34" charset="0"/>
             </a:endParaRPr>
           </a:p>
           <a:p>
@@ -29587,9 +29199,9 @@
               <a:uFill>
                 <a:solidFill/>
               </a:uFill>
-              <a:latin typeface="Arial Unicode MS" panose="020B0604020202020204" pitchFamily="34" charset="-128"/>
-              <a:ea typeface="Arial Unicode MS" panose="020B0604020202020204" pitchFamily="34" charset="-128"/>
-              <a:cs typeface="Arial Unicode MS" panose="020B0604020202020204" pitchFamily="34" charset="-128"/>
+              <a:latin typeface="Calibri" panose="020F0502020204030204" pitchFamily="34" charset="0"/>
+              <a:ea typeface="Calibri" panose="020F0502020204030204" pitchFamily="34" charset="0"/>
+              <a:cs typeface="Calibri" panose="020F0502020204030204" pitchFamily="34" charset="0"/>
             </a:endParaRPr>
           </a:p>
           <a:p>
@@ -29610,9 +29222,9 @@
               <a:uFill>
                 <a:solidFill/>
               </a:uFill>
-              <a:latin typeface="Arial Unicode MS" panose="020B0604020202020204" pitchFamily="34" charset="-128"/>
-              <a:ea typeface="Arial Unicode MS" panose="020B0604020202020204" pitchFamily="34" charset="-128"/>
-              <a:cs typeface="Arial Unicode MS" panose="020B0604020202020204" pitchFamily="34" charset="-128"/>
+              <a:latin typeface="Calibri" panose="020F0502020204030204" pitchFamily="34" charset="0"/>
+              <a:ea typeface="Calibri" panose="020F0502020204030204" pitchFamily="34" charset="0"/>
+              <a:cs typeface="Calibri" panose="020F0502020204030204" pitchFamily="34" charset="0"/>
             </a:endParaRPr>
           </a:p>
         </p:txBody>
